--- a/Diplom.pptx
+++ b/Diplom.pptx
@@ -5,28 +5,23 @@
     <p:sldMasterId id="2147483726" r:id="rId1"/>
   </p:sldMasterIdLst>
   <p:notesMasterIdLst>
-    <p:notesMasterId r:id="rId21"/>
+    <p:notesMasterId r:id="rId16"/>
   </p:notesMasterIdLst>
   <p:sldIdLst>
     <p:sldId id="256" r:id="rId2"/>
-    <p:sldId id="273" r:id="rId3"/>
-    <p:sldId id="274" r:id="rId4"/>
-    <p:sldId id="257" r:id="rId5"/>
-    <p:sldId id="258" r:id="rId6"/>
-    <p:sldId id="259" r:id="rId7"/>
-    <p:sldId id="260" r:id="rId8"/>
-    <p:sldId id="275" r:id="rId9"/>
-    <p:sldId id="262" r:id="rId10"/>
-    <p:sldId id="263" r:id="rId11"/>
-    <p:sldId id="271" r:id="rId12"/>
-    <p:sldId id="272" r:id="rId13"/>
-    <p:sldId id="267" r:id="rId14"/>
-    <p:sldId id="268" r:id="rId15"/>
-    <p:sldId id="276" r:id="rId16"/>
-    <p:sldId id="277" r:id="rId17"/>
-    <p:sldId id="269" r:id="rId18"/>
-    <p:sldId id="270" r:id="rId19"/>
-    <p:sldId id="266" r:id="rId20"/>
+    <p:sldId id="257" r:id="rId3"/>
+    <p:sldId id="258" r:id="rId4"/>
+    <p:sldId id="259" r:id="rId5"/>
+    <p:sldId id="260" r:id="rId6"/>
+    <p:sldId id="262" r:id="rId7"/>
+    <p:sldId id="263" r:id="rId8"/>
+    <p:sldId id="271" r:id="rId9"/>
+    <p:sldId id="272" r:id="rId10"/>
+    <p:sldId id="267" r:id="rId11"/>
+    <p:sldId id="268" r:id="rId12"/>
+    <p:sldId id="269" r:id="rId13"/>
+    <p:sldId id="270" r:id="rId14"/>
+    <p:sldId id="266" r:id="rId15"/>
   </p:sldIdLst>
   <p:sldSz cx="12192000" cy="6858000"/>
   <p:notesSz cx="6858000" cy="9144000"/>
@@ -127,7 +122,7 @@
   </p:defaultTextStyle>
   <p:extLst>
     <p:ext uri="{EFAFB233-063F-42B5-8137-9DF3F51BA10A}">
-      <p15:sldGuideLst xmlns:p15="http://schemas.microsoft.com/office/powerpoint/2012/main" xmlns=""/>
+      <p15:sldGuideLst xmlns:p15="http://schemas.microsoft.com/office/powerpoint/2012/main"/>
     </p:ext>
   </p:extLst>
 </p:presentation>
@@ -548,7 +543,7 @@
           <a:p>
             <a:fld id="{E73BE77D-0296-47FE-8CF4-0064CAE9091A}" type="slidenum">
               <a:rPr lang="ru-RU" smtClean="0"/>
-              <a:t>14</a:t>
+              <a:t>11</a:t>
             </a:fld>
             <a:endParaRPr lang="ru-RU"/>
           </a:p>
@@ -3891,1600 +3886,6 @@
           <a:chExt cx="0" cy="0"/>
         </a:xfrm>
       </p:grpSpPr>
-      <mc:AlternateContent xmlns:mc="http://schemas.openxmlformats.org/markup-compatibility/2006" xmlns:a14="http://schemas.microsoft.com/office/drawing/2010/main">
-        <mc:Choice Requires="a14">
-          <p:sp>
-            <p:nvSpPr>
-              <p:cNvPr id="4" name="Прямоугольник 3"/>
-              <p:cNvSpPr/>
-              <p:nvPr/>
-            </p:nvSpPr>
-            <p:spPr>
-              <a:xfrm>
-                <a:off x="252549" y="246389"/>
-                <a:ext cx="11686902" cy="1574149"/>
-              </a:xfrm>
-              <a:prstGeom prst="rect">
-                <a:avLst/>
-              </a:prstGeom>
-            </p:spPr>
-            <p:txBody>
-              <a:bodyPr wrap="square">
-                <a:spAutoFit/>
-              </a:bodyPr>
-              <a:lstStyle/>
-              <a:p>
-                <a:pPr>
-                  <a:lnSpc>
-                    <a:spcPct val="107000"/>
-                  </a:lnSpc>
-                  <a:spcAft>
-                    <a:spcPts val="800"/>
-                  </a:spcAft>
-                  <a:tabLst>
-                    <a:tab pos="1002030" algn="l"/>
-                  </a:tabLst>
-                </a:pPr>
-                <a:r>
-                  <a:rPr lang="ru-RU" dirty="0">
-                    <a:latin typeface="Times New Roman" panose="02020603050405020304" pitchFamily="18" charset="0"/>
-                    <a:ea typeface="Times New Roman" panose="02020603050405020304" pitchFamily="18" charset="0"/>
-                    <a:cs typeface="Times New Roman" panose="02020603050405020304" pitchFamily="18" charset="0"/>
-                  </a:rPr>
-                  <a:t>В каждый момент времени </a:t>
-                </a:r>
-                <a14:m>
-                  <m:oMath xmlns:m="http://schemas.openxmlformats.org/officeDocument/2006/math">
-                    <m:r>
-                      <a:rPr lang="ru-RU" i="1">
-                        <a:latin typeface="Cambria Math" panose="02040503050406030204" pitchFamily="18" charset="0"/>
-                        <a:ea typeface="Times New Roman" panose="02020603050405020304" pitchFamily="18" charset="0"/>
-                        <a:cs typeface="Times New Roman" panose="02020603050405020304" pitchFamily="18" charset="0"/>
-                      </a:rPr>
-                      <m:t>𝑡</m:t>
-                    </m:r>
-                  </m:oMath>
-                </a14:m>
-                <a:r>
-                  <a:rPr lang="ru-RU" dirty="0">
-                    <a:latin typeface="Times New Roman" panose="02020603050405020304" pitchFamily="18" charset="0"/>
-                    <a:ea typeface="Times New Roman" panose="02020603050405020304" pitchFamily="18" charset="0"/>
-                    <a:cs typeface="Times New Roman" panose="02020603050405020304" pitchFamily="18" charset="0"/>
-                  </a:rPr>
-                  <a:t> на выход сети поступает предыдущее состояние </a:t>
-                </a:r>
-                <a14:m>
-                  <m:oMath xmlns:m="http://schemas.openxmlformats.org/officeDocument/2006/math">
-                    <m:sSub>
-                      <m:sSubPr>
-                        <m:ctrlPr>
-                          <a:rPr lang="ru-RU" i="1">
-                            <a:latin typeface="Cambria Math"/>
-                            <a:ea typeface="Times New Roman" panose="02020603050405020304" pitchFamily="18" charset="0"/>
-                            <a:cs typeface="Times New Roman" panose="02020603050405020304" pitchFamily="18" charset="0"/>
-                          </a:rPr>
-                        </m:ctrlPr>
-                      </m:sSubPr>
-                      <m:e>
-                        <m:r>
-                          <a:rPr lang="ru-RU" i="1">
-                            <a:latin typeface="Cambria Math" panose="02040503050406030204" pitchFamily="18" charset="0"/>
-                            <a:ea typeface="Times New Roman" panose="02020603050405020304" pitchFamily="18" charset="0"/>
-                            <a:cs typeface="Times New Roman" panose="02020603050405020304" pitchFamily="18" charset="0"/>
-                          </a:rPr>
-                          <m:t>h</m:t>
-                        </m:r>
-                      </m:e>
-                      <m:sub>
-                        <m:r>
-                          <a:rPr lang="ru-RU" i="1">
-                            <a:latin typeface="Cambria Math" panose="02040503050406030204" pitchFamily="18" charset="0"/>
-                            <a:ea typeface="Times New Roman" panose="02020603050405020304" pitchFamily="18" charset="0"/>
-                            <a:cs typeface="Times New Roman" panose="02020603050405020304" pitchFamily="18" charset="0"/>
-                          </a:rPr>
-                          <m:t>𝑡</m:t>
-                        </m:r>
-                        <m:r>
-                          <a:rPr lang="ru-RU" i="1">
-                            <a:latin typeface="Cambria Math" panose="02040503050406030204" pitchFamily="18" charset="0"/>
-                            <a:ea typeface="Times New Roman" panose="02020603050405020304" pitchFamily="18" charset="0"/>
-                            <a:cs typeface="Times New Roman" panose="02020603050405020304" pitchFamily="18" charset="0"/>
-                          </a:rPr>
-                          <m:t>−1</m:t>
-                        </m:r>
-                      </m:sub>
-                    </m:sSub>
-                  </m:oMath>
-                </a14:m>
-                <a:r>
-                  <a:rPr lang="ru-RU" dirty="0">
-                    <a:latin typeface="Times New Roman" panose="02020603050405020304" pitchFamily="18" charset="0"/>
-                    <a:ea typeface="Times New Roman" panose="02020603050405020304" pitchFamily="18" charset="0"/>
-                    <a:cs typeface="Times New Roman" panose="02020603050405020304" pitchFamily="18" charset="0"/>
-                  </a:rPr>
-                  <a:t> и произведённое из него положение </a:t>
-                </a:r>
-                <a14:m>
-                  <m:oMath xmlns:m="http://schemas.openxmlformats.org/officeDocument/2006/math">
-                    <m:sSub>
-                      <m:sSubPr>
-                        <m:ctrlPr>
-                          <a:rPr lang="ru-RU" i="1">
-                            <a:latin typeface="Cambria Math"/>
-                            <a:ea typeface="Times New Roman" panose="02020603050405020304" pitchFamily="18" charset="0"/>
-                            <a:cs typeface="Times New Roman" panose="02020603050405020304" pitchFamily="18" charset="0"/>
-                          </a:rPr>
-                        </m:ctrlPr>
-                      </m:sSubPr>
-                      <m:e>
-                        <m:r>
-                          <a:rPr lang="ru-RU" i="1">
-                            <a:latin typeface="Cambria Math" panose="02040503050406030204" pitchFamily="18" charset="0"/>
-                            <a:ea typeface="Times New Roman" panose="02020603050405020304" pitchFamily="18" charset="0"/>
-                            <a:cs typeface="Times New Roman" panose="02020603050405020304" pitchFamily="18" charset="0"/>
-                          </a:rPr>
-                          <m:t>𝑙</m:t>
-                        </m:r>
-                      </m:e>
-                      <m:sub>
-                        <m:r>
-                          <a:rPr lang="ru-RU" i="1">
-                            <a:latin typeface="Cambria Math" panose="02040503050406030204" pitchFamily="18" charset="0"/>
-                            <a:ea typeface="Times New Roman" panose="02020603050405020304" pitchFamily="18" charset="0"/>
-                            <a:cs typeface="Times New Roman" panose="02020603050405020304" pitchFamily="18" charset="0"/>
-                          </a:rPr>
-                          <m:t>𝑡</m:t>
-                        </m:r>
-                      </m:sub>
-                    </m:sSub>
-                  </m:oMath>
-                </a14:m>
-                <a:r>
-                  <a:rPr lang="ru-RU" dirty="0">
-                    <a:latin typeface="Times New Roman" panose="02020603050405020304" pitchFamily="18" charset="0"/>
-                    <a:ea typeface="Times New Roman" panose="02020603050405020304" pitchFamily="18" charset="0"/>
-                    <a:cs typeface="Times New Roman" panose="02020603050405020304" pitchFamily="18" charset="0"/>
-                  </a:rPr>
-                  <a:t> для нового </a:t>
-                </a:r>
-                <a:r>
-                  <a:rPr lang="ru-RU" dirty="0" smtClean="0">
-                    <a:latin typeface="Times New Roman" panose="02020603050405020304" pitchFamily="18" charset="0"/>
-                    <a:ea typeface="Times New Roman" panose="02020603050405020304" pitchFamily="18" charset="0"/>
-                    <a:cs typeface="Times New Roman" panose="02020603050405020304" pitchFamily="18" charset="0"/>
-                  </a:rPr>
-                  <a:t>"взгляда". </a:t>
-                </a:r>
-                <a:r>
-                  <a:rPr lang="ru-RU" dirty="0">
-                    <a:latin typeface="Times New Roman" panose="02020603050405020304" pitchFamily="18" charset="0"/>
-                    <a:ea typeface="Times New Roman" panose="02020603050405020304" pitchFamily="18" charset="0"/>
-                    <a:cs typeface="Times New Roman" panose="02020603050405020304" pitchFamily="18" charset="0"/>
-                  </a:rPr>
-                  <a:t>Этот новый </a:t>
-                </a:r>
-                <a:r>
-                  <a:rPr lang="ru-RU" dirty="0" smtClean="0">
-                    <a:latin typeface="Times New Roman" panose="02020603050405020304" pitchFamily="18" charset="0"/>
-                    <a:ea typeface="Times New Roman" panose="02020603050405020304" pitchFamily="18" charset="0"/>
-                    <a:cs typeface="Times New Roman" panose="02020603050405020304" pitchFamily="18" charset="0"/>
-                  </a:rPr>
-                  <a:t>"взгляд" </a:t>
-                </a:r>
-                <a:r>
-                  <a:rPr lang="ru-RU" dirty="0">
-                    <a:latin typeface="Times New Roman" panose="02020603050405020304" pitchFamily="18" charset="0"/>
-                    <a:ea typeface="Times New Roman" panose="02020603050405020304" pitchFamily="18" charset="0"/>
-                    <a:cs typeface="Times New Roman" panose="02020603050405020304" pitchFamily="18" charset="0"/>
-                  </a:rPr>
-                  <a:t>с помощью функции </a:t>
-                </a:r>
-                <a14:m>
-                  <m:oMath xmlns:m="http://schemas.openxmlformats.org/officeDocument/2006/math">
-                    <m:sSub>
-                      <m:sSubPr>
-                        <m:ctrlPr>
-                          <a:rPr lang="ru-RU" i="1">
-                            <a:latin typeface="Cambria Math"/>
-                            <a:ea typeface="Times New Roman" panose="02020603050405020304" pitchFamily="18" charset="0"/>
-                            <a:cs typeface="Times New Roman" panose="02020603050405020304" pitchFamily="18" charset="0"/>
-                          </a:rPr>
-                        </m:ctrlPr>
-                      </m:sSubPr>
-                      <m:e>
-                        <m:r>
-                          <a:rPr lang="ru-RU" i="1">
-                            <a:latin typeface="Cambria Math" panose="02040503050406030204" pitchFamily="18" charset="0"/>
-                            <a:ea typeface="Times New Roman" panose="02020603050405020304" pitchFamily="18" charset="0"/>
-                            <a:cs typeface="Times New Roman" panose="02020603050405020304" pitchFamily="18" charset="0"/>
-                          </a:rPr>
-                          <m:t>𝑓</m:t>
-                        </m:r>
-                      </m:e>
-                      <m:sub>
-                        <m:r>
-                          <a:rPr lang="ru-RU" i="1">
-                            <a:latin typeface="Cambria Math" panose="02040503050406030204" pitchFamily="18" charset="0"/>
-                            <a:ea typeface="Times New Roman" panose="02020603050405020304" pitchFamily="18" charset="0"/>
-                            <a:cs typeface="Times New Roman" panose="02020603050405020304" pitchFamily="18" charset="0"/>
-                          </a:rPr>
-                          <m:t>h</m:t>
-                        </m:r>
-                      </m:sub>
-                    </m:sSub>
-                  </m:oMath>
-                </a14:m>
-                <a:r>
-                  <a:rPr lang="ru-RU" dirty="0">
-                    <a:latin typeface="Times New Roman" panose="02020603050405020304" pitchFamily="18" charset="0"/>
-                    <a:ea typeface="Times New Roman" panose="02020603050405020304" pitchFamily="18" charset="0"/>
-                    <a:cs typeface="Times New Roman" panose="02020603050405020304" pitchFamily="18" charset="0"/>
-                  </a:rPr>
-                  <a:t>преобразуется в вектор признаков </a:t>
-                </a:r>
-                <a14:m>
-                  <m:oMath xmlns:m="http://schemas.openxmlformats.org/officeDocument/2006/math">
-                    <m:sSub>
-                      <m:sSubPr>
-                        <m:ctrlPr>
-                          <a:rPr lang="ru-RU" i="1">
-                            <a:latin typeface="Cambria Math"/>
-                            <a:ea typeface="Times New Roman" panose="02020603050405020304" pitchFamily="18" charset="0"/>
-                            <a:cs typeface="Times New Roman" panose="02020603050405020304" pitchFamily="18" charset="0"/>
-                          </a:rPr>
-                        </m:ctrlPr>
-                      </m:sSubPr>
-                      <m:e>
-                        <m:r>
-                          <a:rPr lang="ru-RU" i="1">
-                            <a:latin typeface="Cambria Math" panose="02040503050406030204" pitchFamily="18" charset="0"/>
-                            <a:ea typeface="Times New Roman" panose="02020603050405020304" pitchFamily="18" charset="0"/>
-                            <a:cs typeface="Times New Roman" panose="02020603050405020304" pitchFamily="18" charset="0"/>
-                          </a:rPr>
-                          <m:t>𝑔</m:t>
-                        </m:r>
-                      </m:e>
-                      <m:sub>
-                        <m:r>
-                          <a:rPr lang="ru-RU" i="1">
-                            <a:latin typeface="Cambria Math" panose="02040503050406030204" pitchFamily="18" charset="0"/>
-                            <a:ea typeface="Times New Roman" panose="02020603050405020304" pitchFamily="18" charset="0"/>
-                            <a:cs typeface="Times New Roman" panose="02020603050405020304" pitchFamily="18" charset="0"/>
-                          </a:rPr>
-                          <m:t>𝑡</m:t>
-                        </m:r>
-                      </m:sub>
-                    </m:sSub>
-                  </m:oMath>
-                </a14:m>
-                <a:r>
-                  <a:rPr lang="ru-RU" dirty="0">
-                    <a:latin typeface="Times New Roman" panose="02020603050405020304" pitchFamily="18" charset="0"/>
-                    <a:ea typeface="Times New Roman" panose="02020603050405020304" pitchFamily="18" charset="0"/>
-                    <a:cs typeface="Times New Roman" panose="02020603050405020304" pitchFamily="18" charset="0"/>
-                  </a:rPr>
-                  <a:t>, который служит входом на шаге </a:t>
-                </a:r>
-                <a14:m>
-                  <m:oMath xmlns:m="http://schemas.openxmlformats.org/officeDocument/2006/math">
-                    <m:r>
-                      <a:rPr lang="ru-RU" i="1">
-                        <a:latin typeface="Cambria Math" panose="02040503050406030204" pitchFamily="18" charset="0"/>
-                        <a:ea typeface="Times New Roman" panose="02020603050405020304" pitchFamily="18" charset="0"/>
-                        <a:cs typeface="Times New Roman" panose="02020603050405020304" pitchFamily="18" charset="0"/>
-                      </a:rPr>
-                      <m:t>𝑡</m:t>
-                    </m:r>
-                  </m:oMath>
-                </a14:m>
-                <a:r>
-                  <a:rPr lang="ru-RU" dirty="0">
-                    <a:latin typeface="Times New Roman" panose="02020603050405020304" pitchFamily="18" charset="0"/>
-                    <a:ea typeface="Times New Roman" panose="02020603050405020304" pitchFamily="18" charset="0"/>
-                    <a:cs typeface="Times New Roman" panose="02020603050405020304" pitchFamily="18" charset="0"/>
-                  </a:rPr>
-                  <a:t>. Из </a:t>
-                </a:r>
-                <a14:m>
-                  <m:oMath xmlns:m="http://schemas.openxmlformats.org/officeDocument/2006/math">
-                    <m:sSub>
-                      <m:sSubPr>
-                        <m:ctrlPr>
-                          <a:rPr lang="ru-RU" i="1">
-                            <a:latin typeface="Cambria Math"/>
-                            <a:ea typeface="Times New Roman" panose="02020603050405020304" pitchFamily="18" charset="0"/>
-                            <a:cs typeface="Times New Roman" panose="02020603050405020304" pitchFamily="18" charset="0"/>
-                          </a:rPr>
-                        </m:ctrlPr>
-                      </m:sSubPr>
-                      <m:e>
-                        <m:r>
-                          <a:rPr lang="ru-RU" i="1">
-                            <a:latin typeface="Cambria Math" panose="02040503050406030204" pitchFamily="18" charset="0"/>
-                            <a:ea typeface="Times New Roman" panose="02020603050405020304" pitchFamily="18" charset="0"/>
-                            <a:cs typeface="Times New Roman" panose="02020603050405020304" pitchFamily="18" charset="0"/>
-                          </a:rPr>
-                          <m:t>h</m:t>
-                        </m:r>
-                      </m:e>
-                      <m:sub>
-                        <m:r>
-                          <a:rPr lang="ru-RU" i="1">
-                            <a:latin typeface="Cambria Math" panose="02040503050406030204" pitchFamily="18" charset="0"/>
-                            <a:ea typeface="Times New Roman" panose="02020603050405020304" pitchFamily="18" charset="0"/>
-                            <a:cs typeface="Times New Roman" panose="02020603050405020304" pitchFamily="18" charset="0"/>
-                          </a:rPr>
-                          <m:t>𝑡</m:t>
-                        </m:r>
-                        <m:r>
-                          <a:rPr lang="ru-RU" i="1">
-                            <a:latin typeface="Cambria Math" panose="02040503050406030204" pitchFamily="18" charset="0"/>
-                            <a:ea typeface="Times New Roman" panose="02020603050405020304" pitchFamily="18" charset="0"/>
-                            <a:cs typeface="Times New Roman" panose="02020603050405020304" pitchFamily="18" charset="0"/>
-                          </a:rPr>
-                          <m:t>−1</m:t>
-                        </m:r>
-                      </m:sub>
-                    </m:sSub>
-                  </m:oMath>
-                </a14:m>
-                <a:r>
-                  <a:rPr lang="ru-RU" dirty="0">
-                    <a:latin typeface="Times New Roman" panose="02020603050405020304" pitchFamily="18" charset="0"/>
-                    <a:ea typeface="Times New Roman" panose="02020603050405020304" pitchFamily="18" charset="0"/>
-                    <a:cs typeface="Times New Roman" panose="02020603050405020304" pitchFamily="18" charset="0"/>
-                  </a:rPr>
-                  <a:t> и </a:t>
-                </a:r>
-                <a14:m>
-                  <m:oMath xmlns:m="http://schemas.openxmlformats.org/officeDocument/2006/math">
-                    <m:sSub>
-                      <m:sSubPr>
-                        <m:ctrlPr>
-                          <a:rPr lang="ru-RU" i="1">
-                            <a:latin typeface="Cambria Math"/>
-                            <a:ea typeface="Times New Roman" panose="02020603050405020304" pitchFamily="18" charset="0"/>
-                            <a:cs typeface="Times New Roman" panose="02020603050405020304" pitchFamily="18" charset="0"/>
-                          </a:rPr>
-                        </m:ctrlPr>
-                      </m:sSubPr>
-                      <m:e>
-                        <m:r>
-                          <a:rPr lang="ru-RU" i="1">
-                            <a:latin typeface="Cambria Math" panose="02040503050406030204" pitchFamily="18" charset="0"/>
-                            <a:ea typeface="Times New Roman" panose="02020603050405020304" pitchFamily="18" charset="0"/>
-                            <a:cs typeface="Times New Roman" panose="02020603050405020304" pitchFamily="18" charset="0"/>
-                          </a:rPr>
-                          <m:t>𝑔</m:t>
-                        </m:r>
-                      </m:e>
-                      <m:sub>
-                        <m:r>
-                          <a:rPr lang="ru-RU" i="1">
-                            <a:latin typeface="Cambria Math" panose="02040503050406030204" pitchFamily="18" charset="0"/>
-                            <a:ea typeface="Times New Roman" panose="02020603050405020304" pitchFamily="18" charset="0"/>
-                            <a:cs typeface="Times New Roman" panose="02020603050405020304" pitchFamily="18" charset="0"/>
-                          </a:rPr>
-                          <m:t>𝑡</m:t>
-                        </m:r>
-                      </m:sub>
-                    </m:sSub>
-                  </m:oMath>
-                </a14:m>
-                <a:r>
-                  <a:rPr lang="ru-RU" dirty="0">
-                    <a:latin typeface="Times New Roman" panose="02020603050405020304" pitchFamily="18" charset="0"/>
-                    <a:ea typeface="Times New Roman" panose="02020603050405020304" pitchFamily="18" charset="0"/>
-                    <a:cs typeface="Times New Roman" panose="02020603050405020304" pitchFamily="18" charset="0"/>
-                  </a:rPr>
-                  <a:t> функцией </a:t>
-                </a:r>
-                <a14:m>
-                  <m:oMath xmlns:m="http://schemas.openxmlformats.org/officeDocument/2006/math">
-                    <m:sSub>
-                      <m:sSubPr>
-                        <m:ctrlPr>
-                          <a:rPr lang="ru-RU" i="1">
-                            <a:latin typeface="Cambria Math"/>
-                            <a:ea typeface="Times New Roman" panose="02020603050405020304" pitchFamily="18" charset="0"/>
-                            <a:cs typeface="Times New Roman" panose="02020603050405020304" pitchFamily="18" charset="0"/>
-                          </a:rPr>
-                        </m:ctrlPr>
-                      </m:sSubPr>
-                      <m:e>
-                        <m:r>
-                          <a:rPr lang="ru-RU" i="1">
-                            <a:latin typeface="Cambria Math" panose="02040503050406030204" pitchFamily="18" charset="0"/>
-                            <a:ea typeface="Times New Roman" panose="02020603050405020304" pitchFamily="18" charset="0"/>
-                            <a:cs typeface="Times New Roman" panose="02020603050405020304" pitchFamily="18" charset="0"/>
-                          </a:rPr>
-                          <m:t>𝑓</m:t>
-                        </m:r>
-                      </m:e>
-                      <m:sub>
-                        <m:r>
-                          <a:rPr lang="ru-RU" i="1">
-                            <a:latin typeface="Cambria Math" panose="02040503050406030204" pitchFamily="18" charset="0"/>
-                            <a:ea typeface="Times New Roman" panose="02020603050405020304" pitchFamily="18" charset="0"/>
-                            <a:cs typeface="Times New Roman" panose="02020603050405020304" pitchFamily="18" charset="0"/>
-                          </a:rPr>
-                          <m:t>h</m:t>
-                        </m:r>
-                      </m:sub>
-                    </m:sSub>
-                  </m:oMath>
-                </a14:m>
-                <a:r>
-                  <a:rPr lang="ru-RU" dirty="0">
-                    <a:latin typeface="Times New Roman" panose="02020603050405020304" pitchFamily="18" charset="0"/>
-                    <a:ea typeface="Times New Roman" panose="02020603050405020304" pitchFamily="18" charset="0"/>
-                    <a:cs typeface="Times New Roman" panose="02020603050405020304" pitchFamily="18" charset="0"/>
-                  </a:rPr>
-                  <a:t> получается следующее скрытое состояние </a:t>
-                </a:r>
-                <a14:m>
-                  <m:oMath xmlns:m="http://schemas.openxmlformats.org/officeDocument/2006/math">
-                    <m:sSub>
-                      <m:sSubPr>
-                        <m:ctrlPr>
-                          <a:rPr lang="ru-RU" i="1">
-                            <a:latin typeface="Cambria Math"/>
-                            <a:ea typeface="Times New Roman" panose="02020603050405020304" pitchFamily="18" charset="0"/>
-                            <a:cs typeface="Times New Roman" panose="02020603050405020304" pitchFamily="18" charset="0"/>
-                          </a:rPr>
-                        </m:ctrlPr>
-                      </m:sSubPr>
-                      <m:e>
-                        <m:r>
-                          <a:rPr lang="ru-RU" i="1">
-                            <a:latin typeface="Cambria Math" panose="02040503050406030204" pitchFamily="18" charset="0"/>
-                            <a:ea typeface="Times New Roman" panose="02020603050405020304" pitchFamily="18" charset="0"/>
-                            <a:cs typeface="Times New Roman" panose="02020603050405020304" pitchFamily="18" charset="0"/>
-                          </a:rPr>
-                          <m:t>h</m:t>
-                        </m:r>
-                      </m:e>
-                      <m:sub>
-                        <m:r>
-                          <a:rPr lang="ru-RU" i="1">
-                            <a:latin typeface="Cambria Math" panose="02040503050406030204" pitchFamily="18" charset="0"/>
-                            <a:ea typeface="Times New Roman" panose="02020603050405020304" pitchFamily="18" charset="0"/>
-                            <a:cs typeface="Times New Roman" panose="02020603050405020304" pitchFamily="18" charset="0"/>
-                          </a:rPr>
-                          <m:t>𝑡</m:t>
-                        </m:r>
-                      </m:sub>
-                    </m:sSub>
-                  </m:oMath>
-                </a14:m>
-                <a:r>
-                  <a:rPr lang="ru-RU" dirty="0">
-                    <a:latin typeface="Times New Roman" panose="02020603050405020304" pitchFamily="18" charset="0"/>
-                    <a:ea typeface="Times New Roman" panose="02020603050405020304" pitchFamily="18" charset="0"/>
-                    <a:cs typeface="Times New Roman" panose="02020603050405020304" pitchFamily="18" charset="0"/>
-                  </a:rPr>
-                  <a:t>, а из него уже получается собственное текущее </a:t>
-                </a:r>
-                <a:r>
-                  <a:rPr lang="ru-RU" dirty="0" smtClean="0">
-                    <a:latin typeface="Times New Roman" panose="02020603050405020304" pitchFamily="18" charset="0"/>
-                    <a:ea typeface="Times New Roman" panose="02020603050405020304" pitchFamily="18" charset="0"/>
-                    <a:cs typeface="Times New Roman" panose="02020603050405020304" pitchFamily="18" charset="0"/>
-                  </a:rPr>
-                  <a:t>"действие" </a:t>
-                </a:r>
-                <a14:m>
-                  <m:oMath xmlns:m="http://schemas.openxmlformats.org/officeDocument/2006/math">
-                    <m:sSub>
-                      <m:sSubPr>
-                        <m:ctrlPr>
-                          <a:rPr lang="ru-RU" i="1">
-                            <a:latin typeface="Cambria Math"/>
-                            <a:ea typeface="Times New Roman" panose="02020603050405020304" pitchFamily="18" charset="0"/>
-                            <a:cs typeface="Times New Roman" panose="02020603050405020304" pitchFamily="18" charset="0"/>
-                          </a:rPr>
-                        </m:ctrlPr>
-                      </m:sSubPr>
-                      <m:e>
-                        <m:r>
-                          <a:rPr lang="ru-RU" i="1">
-                            <a:latin typeface="Cambria Math" panose="02040503050406030204" pitchFamily="18" charset="0"/>
-                            <a:ea typeface="Times New Roman" panose="02020603050405020304" pitchFamily="18" charset="0"/>
-                            <a:cs typeface="Times New Roman" panose="02020603050405020304" pitchFamily="18" charset="0"/>
-                          </a:rPr>
-                          <m:t>𝑎</m:t>
-                        </m:r>
-                      </m:e>
-                      <m:sub>
-                        <m:r>
-                          <a:rPr lang="ru-RU" i="1">
-                            <a:latin typeface="Cambria Math" panose="02040503050406030204" pitchFamily="18" charset="0"/>
-                            <a:ea typeface="Times New Roman" panose="02020603050405020304" pitchFamily="18" charset="0"/>
-                            <a:cs typeface="Times New Roman" panose="02020603050405020304" pitchFamily="18" charset="0"/>
-                          </a:rPr>
-                          <m:t>𝑡</m:t>
-                        </m:r>
-                      </m:sub>
-                    </m:sSub>
-                    <m:r>
-                      <a:rPr lang="ru-RU" i="1">
-                        <a:latin typeface="Cambria Math" panose="02040503050406030204" pitchFamily="18" charset="0"/>
-                        <a:ea typeface="Times New Roman" panose="02020603050405020304" pitchFamily="18" charset="0"/>
-                        <a:cs typeface="Times New Roman" panose="02020603050405020304" pitchFamily="18" charset="0"/>
-                      </a:rPr>
-                      <m:t>= </m:t>
-                    </m:r>
-                    <m:sSub>
-                      <m:sSubPr>
-                        <m:ctrlPr>
-                          <a:rPr lang="ru-RU" i="1">
-                            <a:latin typeface="Cambria Math"/>
-                            <a:ea typeface="Times New Roman" panose="02020603050405020304" pitchFamily="18" charset="0"/>
-                            <a:cs typeface="Times New Roman" panose="02020603050405020304" pitchFamily="18" charset="0"/>
-                          </a:rPr>
-                        </m:ctrlPr>
-                      </m:sSubPr>
-                      <m:e>
-                        <m:r>
-                          <a:rPr lang="ru-RU" i="1">
-                            <a:latin typeface="Cambria Math" panose="02040503050406030204" pitchFamily="18" charset="0"/>
-                            <a:ea typeface="Times New Roman" panose="02020603050405020304" pitchFamily="18" charset="0"/>
-                            <a:cs typeface="Times New Roman" panose="02020603050405020304" pitchFamily="18" charset="0"/>
-                          </a:rPr>
-                          <m:t>𝑓</m:t>
-                        </m:r>
-                      </m:e>
-                      <m:sub>
-                        <m:r>
-                          <a:rPr lang="ru-RU" i="1">
-                            <a:latin typeface="Cambria Math" panose="02040503050406030204" pitchFamily="18" charset="0"/>
-                            <a:ea typeface="Times New Roman" panose="02020603050405020304" pitchFamily="18" charset="0"/>
-                            <a:cs typeface="Times New Roman" panose="02020603050405020304" pitchFamily="18" charset="0"/>
-                          </a:rPr>
-                          <m:t>𝑎</m:t>
-                        </m:r>
-                      </m:sub>
-                    </m:sSub>
-                    <m:r>
-                      <a:rPr lang="ru-RU" i="1">
-                        <a:latin typeface="Cambria Math" panose="02040503050406030204" pitchFamily="18" charset="0"/>
-                        <a:ea typeface="Times New Roman" panose="02020603050405020304" pitchFamily="18" charset="0"/>
-                        <a:cs typeface="Times New Roman" panose="02020603050405020304" pitchFamily="18" charset="0"/>
-                      </a:rPr>
-                      <m:t>(</m:t>
-                    </m:r>
-                    <m:sSub>
-                      <m:sSubPr>
-                        <m:ctrlPr>
-                          <a:rPr lang="ru-RU" i="1">
-                            <a:latin typeface="Cambria Math"/>
-                            <a:ea typeface="Times New Roman" panose="02020603050405020304" pitchFamily="18" charset="0"/>
-                            <a:cs typeface="Times New Roman" panose="02020603050405020304" pitchFamily="18" charset="0"/>
-                          </a:rPr>
-                        </m:ctrlPr>
-                      </m:sSubPr>
-                      <m:e>
-                        <m:r>
-                          <a:rPr lang="ru-RU" i="1">
-                            <a:latin typeface="Cambria Math" panose="02040503050406030204" pitchFamily="18" charset="0"/>
-                            <a:ea typeface="Times New Roman" panose="02020603050405020304" pitchFamily="18" charset="0"/>
-                            <a:cs typeface="Times New Roman" panose="02020603050405020304" pitchFamily="18" charset="0"/>
-                          </a:rPr>
-                          <m:t>h</m:t>
-                        </m:r>
-                      </m:e>
-                      <m:sub>
-                        <m:r>
-                          <a:rPr lang="ru-RU" i="1">
-                            <a:latin typeface="Cambria Math" panose="02040503050406030204" pitchFamily="18" charset="0"/>
-                            <a:ea typeface="Times New Roman" panose="02020603050405020304" pitchFamily="18" charset="0"/>
-                            <a:cs typeface="Times New Roman" panose="02020603050405020304" pitchFamily="18" charset="0"/>
-                          </a:rPr>
-                          <m:t>𝑡</m:t>
-                        </m:r>
-                      </m:sub>
-                    </m:sSub>
-                    <m:r>
-                      <a:rPr lang="ru-RU" i="1">
-                        <a:latin typeface="Cambria Math" panose="02040503050406030204" pitchFamily="18" charset="0"/>
-                        <a:ea typeface="Times New Roman" panose="02020603050405020304" pitchFamily="18" charset="0"/>
-                        <a:cs typeface="Times New Roman" panose="02020603050405020304" pitchFamily="18" charset="0"/>
-                      </a:rPr>
-                      <m:t>)</m:t>
-                    </m:r>
-                  </m:oMath>
-                </a14:m>
-                <a:r>
-                  <a:rPr lang="ru-RU" dirty="0">
-                    <a:latin typeface="Times New Roman" panose="02020603050405020304" pitchFamily="18" charset="0"/>
-                    <a:ea typeface="Times New Roman" panose="02020603050405020304" pitchFamily="18" charset="0"/>
-                    <a:cs typeface="Times New Roman" panose="02020603050405020304" pitchFamily="18" charset="0"/>
-                  </a:rPr>
-                  <a:t> </a:t>
-                </a:r>
-                <a:r>
-                  <a:rPr lang="ru-RU" dirty="0" smtClean="0">
-                    <a:latin typeface="Times New Roman" panose="02020603050405020304" pitchFamily="18" charset="0"/>
-                    <a:ea typeface="Times New Roman" panose="02020603050405020304" pitchFamily="18" charset="0"/>
-                    <a:cs typeface="Times New Roman" panose="02020603050405020304" pitchFamily="18" charset="0"/>
-                  </a:rPr>
-                  <a:t>("действием" </a:t>
-                </a:r>
-                <a:r>
-                  <a:rPr lang="ru-RU" dirty="0">
-                    <a:latin typeface="Times New Roman" panose="02020603050405020304" pitchFamily="18" charset="0"/>
-                    <a:ea typeface="Times New Roman" panose="02020603050405020304" pitchFamily="18" charset="0"/>
-                    <a:cs typeface="Times New Roman" panose="02020603050405020304" pitchFamily="18" charset="0"/>
-                  </a:rPr>
-                  <a:t>может быть, к примеру, ответ о том, какой объект удалось распознать) и </a:t>
-                </a:r>
-                <a:r>
-                  <a:rPr lang="ru-RU" dirty="0" smtClean="0">
-                    <a:latin typeface="Times New Roman" panose="02020603050405020304" pitchFamily="18" charset="0"/>
-                    <a:ea typeface="Times New Roman" panose="02020603050405020304" pitchFamily="18" charset="0"/>
-                    <a:cs typeface="Times New Roman" panose="02020603050405020304" pitchFamily="18" charset="0"/>
-                  </a:rPr>
-                  <a:t>положени</a:t>
-                </a:r>
-                <a:r>
-                  <a:rPr lang="ru-RU" dirty="0">
-                    <a:latin typeface="Times New Roman" panose="02020603050405020304" pitchFamily="18" charset="0"/>
-                    <a:ea typeface="Times New Roman" panose="02020603050405020304" pitchFamily="18" charset="0"/>
-                    <a:cs typeface="Times New Roman" panose="02020603050405020304" pitchFamily="18" charset="0"/>
-                  </a:rPr>
-                  <a:t>е</a:t>
-                </a:r>
-                <a:r>
-                  <a:rPr lang="ru-RU" dirty="0" smtClean="0">
-                    <a:latin typeface="Times New Roman" panose="02020603050405020304" pitchFamily="18" charset="0"/>
-                    <a:ea typeface="Times New Roman" panose="02020603050405020304" pitchFamily="18" charset="0"/>
-                    <a:cs typeface="Times New Roman" panose="02020603050405020304" pitchFamily="18" charset="0"/>
-                  </a:rPr>
-                  <a:t> </a:t>
-                </a:r>
-                <a:r>
-                  <a:rPr lang="ru-RU" dirty="0">
-                    <a:latin typeface="Times New Roman" panose="02020603050405020304" pitchFamily="18" charset="0"/>
-                    <a:ea typeface="Times New Roman" panose="02020603050405020304" pitchFamily="18" charset="0"/>
-                    <a:cs typeface="Times New Roman" panose="02020603050405020304" pitchFamily="18" charset="0"/>
-                  </a:rPr>
-                  <a:t>следующего </a:t>
-                </a:r>
-                <a:r>
-                  <a:rPr lang="ru-RU" dirty="0" smtClean="0">
-                    <a:latin typeface="Times New Roman" panose="02020603050405020304" pitchFamily="18" charset="0"/>
-                    <a:ea typeface="Times New Roman" panose="02020603050405020304" pitchFamily="18" charset="0"/>
-                    <a:cs typeface="Times New Roman" panose="02020603050405020304" pitchFamily="18" charset="0"/>
-                  </a:rPr>
-                  <a:t>"взгляда" </a:t>
-                </a:r>
-                <a14:m>
-                  <m:oMath xmlns:m="http://schemas.openxmlformats.org/officeDocument/2006/math">
-                    <m:sSub>
-                      <m:sSubPr>
-                        <m:ctrlPr>
-                          <a:rPr lang="ru-RU" i="1">
-                            <a:latin typeface="Cambria Math"/>
-                            <a:ea typeface="Times New Roman" panose="02020603050405020304" pitchFamily="18" charset="0"/>
-                            <a:cs typeface="Times New Roman" panose="02020603050405020304" pitchFamily="18" charset="0"/>
-                          </a:rPr>
-                        </m:ctrlPr>
-                      </m:sSubPr>
-                      <m:e>
-                        <m:r>
-                          <a:rPr lang="ru-RU" i="1">
-                            <a:latin typeface="Cambria Math" panose="02040503050406030204" pitchFamily="18" charset="0"/>
-                            <a:ea typeface="Times New Roman" panose="02020603050405020304" pitchFamily="18" charset="0"/>
-                            <a:cs typeface="Times New Roman" panose="02020603050405020304" pitchFamily="18" charset="0"/>
-                          </a:rPr>
-                          <m:t>𝑙</m:t>
-                        </m:r>
-                      </m:e>
-                      <m:sub>
-                        <m:r>
-                          <a:rPr lang="ru-RU" i="1">
-                            <a:latin typeface="Cambria Math" panose="02040503050406030204" pitchFamily="18" charset="0"/>
-                            <a:ea typeface="Times New Roman" panose="02020603050405020304" pitchFamily="18" charset="0"/>
-                            <a:cs typeface="Times New Roman" panose="02020603050405020304" pitchFamily="18" charset="0"/>
-                          </a:rPr>
-                          <m:t>𝑡</m:t>
-                        </m:r>
-                        <m:r>
-                          <a:rPr lang="ru-RU" i="1">
-                            <a:latin typeface="Cambria Math" panose="02040503050406030204" pitchFamily="18" charset="0"/>
-                            <a:ea typeface="Times New Roman" panose="02020603050405020304" pitchFamily="18" charset="0"/>
-                            <a:cs typeface="Times New Roman" panose="02020603050405020304" pitchFamily="18" charset="0"/>
-                          </a:rPr>
-                          <m:t>+1</m:t>
-                        </m:r>
-                      </m:sub>
-                    </m:sSub>
-                    <m:r>
-                      <a:rPr lang="ru-RU" i="1">
-                        <a:latin typeface="Cambria Math" panose="02040503050406030204" pitchFamily="18" charset="0"/>
-                        <a:ea typeface="Times New Roman" panose="02020603050405020304" pitchFamily="18" charset="0"/>
-                        <a:cs typeface="Times New Roman" panose="02020603050405020304" pitchFamily="18" charset="0"/>
-                      </a:rPr>
-                      <m:t>= </m:t>
-                    </m:r>
-                    <m:sSub>
-                      <m:sSubPr>
-                        <m:ctrlPr>
-                          <a:rPr lang="ru-RU" i="1">
-                            <a:latin typeface="Cambria Math"/>
-                            <a:ea typeface="Times New Roman" panose="02020603050405020304" pitchFamily="18" charset="0"/>
-                            <a:cs typeface="Times New Roman" panose="02020603050405020304" pitchFamily="18" charset="0"/>
-                          </a:rPr>
-                        </m:ctrlPr>
-                      </m:sSubPr>
-                      <m:e>
-                        <m:r>
-                          <a:rPr lang="ru-RU" i="1">
-                            <a:latin typeface="Cambria Math" panose="02040503050406030204" pitchFamily="18" charset="0"/>
-                            <a:ea typeface="Times New Roman" panose="02020603050405020304" pitchFamily="18" charset="0"/>
-                            <a:cs typeface="Times New Roman" panose="02020603050405020304" pitchFamily="18" charset="0"/>
-                          </a:rPr>
-                          <m:t>𝑓</m:t>
-                        </m:r>
-                      </m:e>
-                      <m:sub>
-                        <m:r>
-                          <a:rPr lang="en-US" i="1">
-                            <a:latin typeface="Cambria Math" panose="02040503050406030204" pitchFamily="18" charset="0"/>
-                            <a:ea typeface="Times New Roman" panose="02020603050405020304" pitchFamily="18" charset="0"/>
-                            <a:cs typeface="Times New Roman" panose="02020603050405020304" pitchFamily="18" charset="0"/>
-                          </a:rPr>
-                          <m:t>𝑙</m:t>
-                        </m:r>
-                      </m:sub>
-                    </m:sSub>
-                    <m:r>
-                      <a:rPr lang="ru-RU" i="1">
-                        <a:latin typeface="Cambria Math" panose="02040503050406030204" pitchFamily="18" charset="0"/>
-                        <a:ea typeface="Times New Roman" panose="02020603050405020304" pitchFamily="18" charset="0"/>
-                        <a:cs typeface="Times New Roman" panose="02020603050405020304" pitchFamily="18" charset="0"/>
-                      </a:rPr>
-                      <m:t>(</m:t>
-                    </m:r>
-                    <m:sSub>
-                      <m:sSubPr>
-                        <m:ctrlPr>
-                          <a:rPr lang="ru-RU" i="1">
-                            <a:latin typeface="Cambria Math"/>
-                            <a:ea typeface="Times New Roman" panose="02020603050405020304" pitchFamily="18" charset="0"/>
-                            <a:cs typeface="Times New Roman" panose="02020603050405020304" pitchFamily="18" charset="0"/>
-                          </a:rPr>
-                        </m:ctrlPr>
-                      </m:sSubPr>
-                      <m:e>
-                        <m:r>
-                          <a:rPr lang="ru-RU" i="1">
-                            <a:latin typeface="Cambria Math" panose="02040503050406030204" pitchFamily="18" charset="0"/>
-                            <a:ea typeface="Times New Roman" panose="02020603050405020304" pitchFamily="18" charset="0"/>
-                            <a:cs typeface="Times New Roman" panose="02020603050405020304" pitchFamily="18" charset="0"/>
-                          </a:rPr>
-                          <m:t>h</m:t>
-                        </m:r>
-                      </m:e>
-                      <m:sub>
-                        <m:r>
-                          <a:rPr lang="ru-RU" i="1">
-                            <a:latin typeface="Cambria Math" panose="02040503050406030204" pitchFamily="18" charset="0"/>
-                            <a:ea typeface="Times New Roman" panose="02020603050405020304" pitchFamily="18" charset="0"/>
-                            <a:cs typeface="Times New Roman" panose="02020603050405020304" pitchFamily="18" charset="0"/>
-                          </a:rPr>
-                          <m:t>𝑡</m:t>
-                        </m:r>
-                      </m:sub>
-                    </m:sSub>
-                    <m:r>
-                      <a:rPr lang="ru-RU" i="1">
-                        <a:latin typeface="Cambria Math" panose="02040503050406030204" pitchFamily="18" charset="0"/>
-                        <a:ea typeface="Times New Roman" panose="02020603050405020304" pitchFamily="18" charset="0"/>
-                        <a:cs typeface="Times New Roman" panose="02020603050405020304" pitchFamily="18" charset="0"/>
-                      </a:rPr>
-                      <m:t>)</m:t>
-                    </m:r>
-                  </m:oMath>
-                </a14:m>
-                <a:r>
-                  <a:rPr lang="ru-RU" dirty="0">
-                    <a:latin typeface="Times New Roman" panose="02020603050405020304" pitchFamily="18" charset="0"/>
-                    <a:ea typeface="Times New Roman" panose="02020603050405020304" pitchFamily="18" charset="0"/>
-                    <a:cs typeface="Times New Roman" panose="02020603050405020304" pitchFamily="18" charset="0"/>
-                  </a:rPr>
-                  <a:t> </a:t>
-                </a:r>
-                <a:r>
-                  <a:rPr lang="ru-RU" dirty="0" smtClean="0">
-                    <a:latin typeface="Times New Roman" panose="02020603050405020304" pitchFamily="18" charset="0"/>
-                    <a:ea typeface="Times New Roman" panose="02020603050405020304" pitchFamily="18" charset="0"/>
-                    <a:cs typeface="Times New Roman" panose="02020603050405020304" pitchFamily="18" charset="0"/>
-                  </a:rPr>
-                  <a:t>.</a:t>
-                </a:r>
-                <a:endParaRPr lang="ru-RU" sz="1600" dirty="0">
-                  <a:effectLst/>
-                  <a:latin typeface="Times New Roman" panose="02020603050405020304" pitchFamily="18" charset="0"/>
-                  <a:ea typeface="Calibri" panose="020F0502020204030204" pitchFamily="34" charset="0"/>
-                  <a:cs typeface="Times New Roman" panose="02020603050405020304" pitchFamily="18" charset="0"/>
-                </a:endParaRPr>
-              </a:p>
-            </p:txBody>
-          </p:sp>
-        </mc:Choice>
-        <mc:Fallback xmlns="">
-          <p:sp>
-            <p:nvSpPr>
-              <p:cNvPr id="4" name="Прямоугольник 3"/>
-              <p:cNvSpPr>
-                <a:spLocks noRot="1" noChangeAspect="1" noMove="1" noResize="1" noEditPoints="1" noAdjustHandles="1" noChangeArrowheads="1" noChangeShapeType="1" noTextEdit="1"/>
-              </p:cNvSpPr>
-              <p:nvPr/>
-            </p:nvSpPr>
-            <p:spPr>
-              <a:xfrm>
-                <a:off x="252549" y="246389"/>
-                <a:ext cx="11686902" cy="1574149"/>
-              </a:xfrm>
-              <a:prstGeom prst="rect">
-                <a:avLst/>
-              </a:prstGeom>
-              <a:blipFill>
-                <a:blip r:embed="rId2"/>
-                <a:stretch>
-                  <a:fillRect l="-417" t="-1931" r="-678" b="-3861"/>
-                </a:stretch>
-              </a:blipFill>
-            </p:spPr>
-            <p:txBody>
-              <a:bodyPr/>
-              <a:lstStyle/>
-              <a:p>
-                <a:r>
-                  <a:rPr lang="ru-RU">
-                    <a:noFill/>
-                  </a:rPr>
-                  <a:t> </a:t>
-                </a:r>
-              </a:p>
-            </p:txBody>
-          </p:sp>
-        </mc:Fallback>
-      </mc:AlternateContent>
-      <p:pic>
-        <p:nvPicPr>
-          <p:cNvPr id="5" name="Рисунок 4"/>
-          <p:cNvPicPr/>
-          <p:nvPr/>
-        </p:nvPicPr>
-        <p:blipFill>
-          <a:blip r:embed="rId3"/>
-          <a:stretch>
-            <a:fillRect/>
-          </a:stretch>
-        </p:blipFill>
-        <p:spPr>
-          <a:xfrm>
-            <a:off x="443547" y="2637155"/>
-            <a:ext cx="5940425" cy="2924810"/>
-          </a:xfrm>
-          <a:prstGeom prst="rect">
-            <a:avLst/>
-          </a:prstGeom>
-        </p:spPr>
-      </p:pic>
-      <p:sp>
-        <p:nvSpPr>
-          <p:cNvPr id="6" name="Прямоугольник 5"/>
-          <p:cNvSpPr/>
-          <p:nvPr/>
-        </p:nvSpPr>
-        <p:spPr>
-          <a:xfrm>
-            <a:off x="7149737" y="3557552"/>
-            <a:ext cx="4110446" cy="967573"/>
-          </a:xfrm>
-          <a:prstGeom prst="rect">
-            <a:avLst/>
-          </a:prstGeom>
-        </p:spPr>
-        <p:txBody>
-          <a:bodyPr wrap="square">
-            <a:spAutoFit/>
-          </a:bodyPr>
-          <a:lstStyle/>
-          <a:p>
-            <a:pPr algn="ctr">
-              <a:lnSpc>
-                <a:spcPct val="107000"/>
-              </a:lnSpc>
-              <a:spcAft>
-                <a:spcPts val="800"/>
-              </a:spcAft>
-              <a:tabLst>
-                <a:tab pos="1002030" algn="l"/>
-              </a:tabLst>
-            </a:pPr>
-            <a:r>
-              <a:rPr lang="ru-RU" sz="1600" i="1" dirty="0">
-                <a:latin typeface="Times New Roman" panose="02020603050405020304" pitchFamily="18" charset="0"/>
-                <a:ea typeface="Times New Roman" panose="02020603050405020304" pitchFamily="18" charset="0"/>
-                <a:cs typeface="Times New Roman" panose="02020603050405020304" pitchFamily="18" charset="0"/>
-              </a:rPr>
-              <a:t>Рис. </a:t>
-            </a:r>
-            <a:r>
-              <a:rPr lang="en-US" sz="1600" i="1" dirty="0">
-                <a:latin typeface="Times New Roman" panose="02020603050405020304" pitchFamily="18" charset="0"/>
-                <a:ea typeface="Times New Roman" panose="02020603050405020304" pitchFamily="18" charset="0"/>
-                <a:cs typeface="Times New Roman" panose="02020603050405020304" pitchFamily="18" charset="0"/>
-              </a:rPr>
-              <a:t>5</a:t>
-            </a:r>
-            <a:r>
-              <a:rPr lang="ru-RU" sz="1600" i="1" dirty="0" smtClean="0">
-                <a:latin typeface="Times New Roman" panose="02020603050405020304" pitchFamily="18" charset="0"/>
-                <a:ea typeface="Times New Roman" panose="02020603050405020304" pitchFamily="18" charset="0"/>
-                <a:cs typeface="Times New Roman" panose="02020603050405020304" pitchFamily="18" charset="0"/>
-              </a:rPr>
-              <a:t>. </a:t>
-            </a:r>
-            <a:r>
-              <a:rPr lang="ru-RU" sz="1600" i="1" dirty="0">
-                <a:latin typeface="Times New Roman" panose="02020603050405020304" pitchFamily="18" charset="0"/>
-                <a:ea typeface="Times New Roman" panose="02020603050405020304" pitchFamily="18" charset="0"/>
-                <a:cs typeface="Times New Roman" panose="02020603050405020304" pitchFamily="18" charset="0"/>
-              </a:rPr>
-              <a:t>Сеть с вниманием.</a:t>
-            </a:r>
-            <a:endParaRPr lang="ru-RU" sz="1600" i="1" dirty="0" smtClean="0">
-              <a:effectLst/>
-              <a:latin typeface="Times New Roman" panose="02020603050405020304" pitchFamily="18" charset="0"/>
-              <a:ea typeface="Calibri" panose="020F0502020204030204" pitchFamily="34" charset="0"/>
-              <a:cs typeface="Times New Roman" panose="02020603050405020304" pitchFamily="18" charset="0"/>
-            </a:endParaRPr>
-          </a:p>
-          <a:p>
-            <a:pPr algn="ctr">
-              <a:lnSpc>
-                <a:spcPct val="107000"/>
-              </a:lnSpc>
-              <a:spcAft>
-                <a:spcPts val="800"/>
-              </a:spcAft>
-              <a:tabLst>
-                <a:tab pos="1002030" algn="l"/>
-              </a:tabLst>
-            </a:pPr>
-            <a:r>
-              <a:rPr lang="ru-RU" sz="1600" i="1" dirty="0">
-                <a:latin typeface="Times New Roman" panose="02020603050405020304" pitchFamily="18" charset="0"/>
-                <a:ea typeface="Times New Roman" panose="02020603050405020304" pitchFamily="18" charset="0"/>
-                <a:cs typeface="Times New Roman" panose="02020603050405020304" pitchFamily="18" charset="0"/>
-              </a:rPr>
-              <a:t>а – общая структура сети; б – обработка одного </a:t>
-            </a:r>
-            <a:r>
-              <a:rPr lang="ru-RU" sz="1600" i="1" dirty="0" smtClean="0">
-                <a:latin typeface="Times New Roman" panose="02020603050405020304" pitchFamily="18" charset="0"/>
-                <a:ea typeface="Times New Roman" panose="02020603050405020304" pitchFamily="18" charset="0"/>
-                <a:cs typeface="Times New Roman" panose="02020603050405020304" pitchFamily="18" charset="0"/>
-              </a:rPr>
-              <a:t>"взгляда"</a:t>
-            </a:r>
-            <a:endParaRPr lang="ru-RU" sz="1600" i="1" dirty="0">
-              <a:effectLst/>
-              <a:latin typeface="Times New Roman" panose="02020603050405020304" pitchFamily="18" charset="0"/>
-              <a:ea typeface="Calibri" panose="020F0502020204030204" pitchFamily="34" charset="0"/>
-              <a:cs typeface="Times New Roman" panose="02020603050405020304" pitchFamily="18" charset="0"/>
-            </a:endParaRPr>
-          </a:p>
-        </p:txBody>
-      </p:sp>
-    </p:spTree>
-    <p:extLst>
-      <p:ext uri="{BB962C8B-B14F-4D97-AF65-F5344CB8AC3E}">
-        <p14:creationId xmlns:p14="http://schemas.microsoft.com/office/powerpoint/2010/main" val="3839845282"/>
-      </p:ext>
-    </p:extLst>
-  </p:cSld>
-  <p:clrMapOvr>
-    <a:masterClrMapping/>
-  </p:clrMapOvr>
-  <p:timing>
-    <p:tnLst>
-      <p:par>
-        <p:cTn id="1" dur="indefinite" restart="never" nodeType="tmRoot"/>
-      </p:par>
-    </p:tnLst>
-  </p:timing>
-</p:sld>
-</file>
-
-<file path=ppt/slides/slide11.xml><?xml version="1.0" encoding="utf-8"?>
-<p:sld xmlns:a="http://schemas.openxmlformats.org/drawingml/2006/main" xmlns:r="http://schemas.openxmlformats.org/officeDocument/2006/relationships" xmlns:p="http://schemas.openxmlformats.org/presentationml/2006/main">
-  <p:cSld>
-    <p:spTree>
-      <p:nvGrpSpPr>
-        <p:cNvPr id="1" name=""/>
-        <p:cNvGrpSpPr/>
-        <p:nvPr/>
-      </p:nvGrpSpPr>
-      <p:grpSpPr>
-        <a:xfrm>
-          <a:off x="0" y="0"/>
-          <a:ext cx="0" cy="0"/>
-          <a:chOff x="0" y="0"/>
-          <a:chExt cx="0" cy="0"/>
-        </a:xfrm>
-      </p:grpSpPr>
-      <p:sp>
-        <p:nvSpPr>
-          <p:cNvPr id="4" name="Прямоугольник 3"/>
-          <p:cNvSpPr/>
-          <p:nvPr/>
-        </p:nvSpPr>
-        <p:spPr>
-          <a:xfrm>
-            <a:off x="2415344" y="66675"/>
-            <a:ext cx="7361311" cy="468077"/>
-          </a:xfrm>
-          <a:prstGeom prst="rect">
-            <a:avLst/>
-          </a:prstGeom>
-        </p:spPr>
-        <p:txBody>
-          <a:bodyPr wrap="none">
-            <a:spAutoFit/>
-          </a:bodyPr>
-          <a:lstStyle/>
-          <a:p>
-            <a:pPr algn="ctr">
-              <a:lnSpc>
-                <a:spcPct val="107000"/>
-              </a:lnSpc>
-              <a:spcAft>
-                <a:spcPts val="800"/>
-              </a:spcAft>
-            </a:pPr>
-            <a:r>
-              <a:rPr lang="ru-RU" sz="2400" dirty="0">
-                <a:latin typeface="Times New Roman" panose="02020603050405020304" pitchFamily="18" charset="0"/>
-                <a:ea typeface="Calibri" panose="020F0502020204030204" pitchFamily="34" charset="0"/>
-                <a:cs typeface="Times New Roman" panose="02020603050405020304" pitchFamily="18" charset="0"/>
-              </a:rPr>
-              <a:t>Описание набора данных и подготовки набора данных</a:t>
-            </a:r>
-            <a:endParaRPr lang="ru-RU" sz="1600" dirty="0">
-              <a:effectLst/>
-              <a:latin typeface="Calibri" panose="020F0502020204030204" pitchFamily="34" charset="0"/>
-              <a:ea typeface="Calibri" panose="020F0502020204030204" pitchFamily="34" charset="0"/>
-              <a:cs typeface="Times New Roman" panose="02020603050405020304" pitchFamily="18" charset="0"/>
-            </a:endParaRPr>
-          </a:p>
-        </p:txBody>
-      </p:sp>
-      <p:sp>
-        <p:nvSpPr>
-          <p:cNvPr id="6" name="Прямоугольник 5"/>
-          <p:cNvSpPr/>
-          <p:nvPr/>
-        </p:nvSpPr>
-        <p:spPr>
-          <a:xfrm>
-            <a:off x="180974" y="647936"/>
-            <a:ext cx="11830050" cy="1870512"/>
-          </a:xfrm>
-          <a:prstGeom prst="rect">
-            <a:avLst/>
-          </a:prstGeom>
-        </p:spPr>
-        <p:txBody>
-          <a:bodyPr wrap="square">
-            <a:spAutoFit/>
-          </a:bodyPr>
-          <a:lstStyle/>
-          <a:p>
-            <a:pPr>
-              <a:lnSpc>
-                <a:spcPct val="108000"/>
-              </a:lnSpc>
-              <a:spcAft>
-                <a:spcPts val="0"/>
-              </a:spcAft>
-            </a:pPr>
-            <a:r>
-              <a:rPr lang="ru-RU" dirty="0">
-                <a:latin typeface="Times New Roman" panose="02020603050405020304" pitchFamily="18" charset="0"/>
-                <a:ea typeface="Calibri" panose="020F0502020204030204" pitchFamily="34" charset="0"/>
-                <a:cs typeface="Times New Roman" panose="02020603050405020304" pitchFamily="18" charset="0"/>
-              </a:rPr>
-              <a:t>В качестве набора данных используются изображения с формулами, взятых с гарвардского </a:t>
-            </a:r>
-            <a:r>
-              <a:rPr lang="ru-RU" dirty="0" smtClean="0">
-                <a:latin typeface="Times New Roman" panose="02020603050405020304" pitchFamily="18" charset="0"/>
-                <a:ea typeface="Calibri" panose="020F0502020204030204" pitchFamily="34" charset="0"/>
-                <a:cs typeface="Times New Roman" panose="02020603050405020304" pitchFamily="18" charset="0"/>
-              </a:rPr>
-              <a:t>проекта. </a:t>
-            </a:r>
-            <a:r>
-              <a:rPr lang="ru-RU" dirty="0">
-                <a:latin typeface="Times New Roman" panose="02020603050405020304" pitchFamily="18" charset="0"/>
-                <a:ea typeface="Calibri" panose="020F0502020204030204" pitchFamily="34" charset="0"/>
-                <a:cs typeface="Times New Roman" panose="02020603050405020304" pitchFamily="18" charset="0"/>
-              </a:rPr>
-              <a:t>Набор состоит из двух пакетов "</a:t>
-            </a:r>
-            <a:r>
-              <a:rPr lang="ru-RU" dirty="0" err="1">
-                <a:latin typeface="Times New Roman" panose="02020603050405020304" pitchFamily="18" charset="0"/>
-                <a:ea typeface="Calibri" panose="020F0502020204030204" pitchFamily="34" charset="0"/>
-                <a:cs typeface="Times New Roman" panose="02020603050405020304" pitchFamily="18" charset="0"/>
-              </a:rPr>
-              <a:t>generateset</a:t>
-            </a:r>
-            <a:r>
-              <a:rPr lang="ru-RU" dirty="0">
-                <a:latin typeface="Times New Roman" panose="02020603050405020304" pitchFamily="18" charset="0"/>
-                <a:ea typeface="Calibri" panose="020F0502020204030204" pitchFamily="34" charset="0"/>
-                <a:cs typeface="Times New Roman" panose="02020603050405020304" pitchFamily="18" charset="0"/>
-              </a:rPr>
-              <a:t>" и "</a:t>
-            </a:r>
-            <a:r>
-              <a:rPr lang="ru-RU" dirty="0" err="1">
-                <a:latin typeface="Times New Roman" panose="02020603050405020304" pitchFamily="18" charset="0"/>
-                <a:ea typeface="Calibri" panose="020F0502020204030204" pitchFamily="34" charset="0"/>
-                <a:cs typeface="Times New Roman" panose="02020603050405020304" pitchFamily="18" charset="0"/>
-              </a:rPr>
-              <a:t>hugedataset</a:t>
-            </a:r>
-            <a:r>
-              <a:rPr lang="ru-RU" dirty="0">
-                <a:latin typeface="Times New Roman" panose="02020603050405020304" pitchFamily="18" charset="0"/>
-                <a:ea typeface="Calibri" panose="020F0502020204030204" pitchFamily="34" charset="0"/>
-                <a:cs typeface="Times New Roman" panose="02020603050405020304" pitchFamily="18" charset="0"/>
-              </a:rPr>
-              <a:t>". Первый представляет собой изображения с формулами в количестве 1700 штук, второй 104000 изображений. "</a:t>
-            </a:r>
-            <a:r>
-              <a:rPr lang="ru-RU" dirty="0" err="1">
-                <a:latin typeface="Times New Roman" panose="02020603050405020304" pitchFamily="18" charset="0"/>
-                <a:ea typeface="Calibri" panose="020F0502020204030204" pitchFamily="34" charset="0"/>
-                <a:cs typeface="Times New Roman" panose="02020603050405020304" pitchFamily="18" charset="0"/>
-              </a:rPr>
-              <a:t>generatedset</a:t>
-            </a:r>
-            <a:r>
-              <a:rPr lang="ru-RU" dirty="0">
-                <a:latin typeface="Times New Roman" panose="02020603050405020304" pitchFamily="18" charset="0"/>
-                <a:ea typeface="Calibri" panose="020F0502020204030204" pitchFamily="34" charset="0"/>
-                <a:cs typeface="Times New Roman" panose="02020603050405020304" pitchFamily="18" charset="0"/>
-              </a:rPr>
-              <a:t>" будет использоваться только для первой итерации(задания) каждой нейронной сети, для последующих итераций будет использован "</a:t>
-            </a:r>
-            <a:r>
-              <a:rPr lang="ru-RU" dirty="0" err="1">
-                <a:latin typeface="Times New Roman" panose="02020603050405020304" pitchFamily="18" charset="0"/>
-                <a:ea typeface="Calibri" panose="020F0502020204030204" pitchFamily="34" charset="0"/>
-                <a:cs typeface="Times New Roman" panose="02020603050405020304" pitchFamily="18" charset="0"/>
-              </a:rPr>
-              <a:t>hugedataset</a:t>
-            </a:r>
-            <a:r>
-              <a:rPr lang="ru-RU" dirty="0">
-                <a:latin typeface="Times New Roman" panose="02020603050405020304" pitchFamily="18" charset="0"/>
-                <a:ea typeface="Calibri" panose="020F0502020204030204" pitchFamily="34" charset="0"/>
-                <a:cs typeface="Times New Roman" panose="02020603050405020304" pitchFamily="18" charset="0"/>
-              </a:rPr>
-              <a:t>". Процесс обучения состоит из 11 итераций. Для каждой из них устанавливаются свои критерии обучения. Изначально мы имеем изображения формул на листе </a:t>
-            </a:r>
-            <a:r>
-              <a:rPr lang="ru-RU" dirty="0" smtClean="0">
-                <a:latin typeface="Times New Roman" panose="02020603050405020304" pitchFamily="18" charset="0"/>
-                <a:ea typeface="Calibri" panose="020F0502020204030204" pitchFamily="34" charset="0"/>
-                <a:cs typeface="Times New Roman" panose="02020603050405020304" pitchFamily="18" charset="0"/>
-              </a:rPr>
-              <a:t>A4</a:t>
-            </a:r>
-            <a:r>
-              <a:rPr lang="en-US" dirty="0" smtClean="0">
-                <a:latin typeface="Times New Roman" panose="02020603050405020304" pitchFamily="18" charset="0"/>
-                <a:ea typeface="Calibri" panose="020F0502020204030204" pitchFamily="34" charset="0"/>
-                <a:cs typeface="Times New Roman" panose="02020603050405020304" pitchFamily="18" charset="0"/>
-              </a:rPr>
-              <a:t> (</a:t>
-            </a:r>
-            <a:r>
-              <a:rPr lang="ru-RU" dirty="0" smtClean="0">
-                <a:latin typeface="Times New Roman" panose="02020603050405020304" pitchFamily="18" charset="0"/>
-                <a:ea typeface="Calibri" panose="020F0502020204030204" pitchFamily="34" charset="0"/>
-                <a:cs typeface="Times New Roman" panose="02020603050405020304" pitchFamily="18" charset="0"/>
-              </a:rPr>
-              <a:t>Рис. 6.</a:t>
-            </a:r>
-            <a:r>
-              <a:rPr lang="en-US" dirty="0" smtClean="0">
-                <a:latin typeface="Times New Roman" panose="02020603050405020304" pitchFamily="18" charset="0"/>
-                <a:ea typeface="Calibri" panose="020F0502020204030204" pitchFamily="34" charset="0"/>
-                <a:cs typeface="Times New Roman" panose="02020603050405020304" pitchFamily="18" charset="0"/>
-              </a:rPr>
-              <a:t>)</a:t>
-            </a:r>
-            <a:r>
-              <a:rPr lang="ru-RU" dirty="0" smtClean="0">
-                <a:latin typeface="Times New Roman" panose="02020603050405020304" pitchFamily="18" charset="0"/>
-                <a:ea typeface="Calibri" panose="020F0502020204030204" pitchFamily="34" charset="0"/>
-                <a:cs typeface="Times New Roman" panose="02020603050405020304" pitchFamily="18" charset="0"/>
-              </a:rPr>
-              <a:t>.</a:t>
-            </a:r>
-            <a:endParaRPr lang="ru-RU" sz="1600" dirty="0">
-              <a:effectLst/>
-              <a:latin typeface="Calibri" panose="020F0502020204030204" pitchFamily="34" charset="0"/>
-              <a:ea typeface="Calibri" panose="020F0502020204030204" pitchFamily="34" charset="0"/>
-              <a:cs typeface="Times New Roman" panose="02020603050405020304" pitchFamily="18" charset="0"/>
-            </a:endParaRPr>
-          </a:p>
-        </p:txBody>
-      </p:sp>
-      <p:pic>
-        <p:nvPicPr>
-          <p:cNvPr id="7" name="Рисунок 6"/>
-          <p:cNvPicPr>
-            <a:picLocks noChangeAspect="1"/>
-          </p:cNvPicPr>
-          <p:nvPr/>
-        </p:nvPicPr>
-        <p:blipFill>
-          <a:blip r:embed="rId2"/>
-          <a:stretch>
-            <a:fillRect/>
-          </a:stretch>
-        </p:blipFill>
-        <p:spPr>
-          <a:xfrm>
-            <a:off x="1390650" y="2518448"/>
-            <a:ext cx="3176587" cy="4040848"/>
-          </a:xfrm>
-          <a:prstGeom prst="rect">
-            <a:avLst/>
-          </a:prstGeom>
-        </p:spPr>
-      </p:pic>
-      <p:pic>
-        <p:nvPicPr>
-          <p:cNvPr id="8" name="Рисунок 7"/>
-          <p:cNvPicPr>
-            <a:picLocks noChangeAspect="1"/>
-          </p:cNvPicPr>
-          <p:nvPr/>
-        </p:nvPicPr>
-        <p:blipFill>
-          <a:blip r:embed="rId3"/>
-          <a:stretch>
-            <a:fillRect/>
-          </a:stretch>
-        </p:blipFill>
-        <p:spPr>
-          <a:xfrm>
-            <a:off x="5186437" y="2523211"/>
-            <a:ext cx="2919338" cy="4036086"/>
-          </a:xfrm>
-          <a:prstGeom prst="rect">
-            <a:avLst/>
-          </a:prstGeom>
-        </p:spPr>
-      </p:pic>
-      <p:sp>
-        <p:nvSpPr>
-          <p:cNvPr id="9" name="Прямоугольник 8"/>
-          <p:cNvSpPr/>
-          <p:nvPr/>
-        </p:nvSpPr>
-        <p:spPr>
-          <a:xfrm>
-            <a:off x="8724975" y="4123373"/>
-            <a:ext cx="3067050" cy="830997"/>
-          </a:xfrm>
-          <a:prstGeom prst="rect">
-            <a:avLst/>
-          </a:prstGeom>
-        </p:spPr>
-        <p:txBody>
-          <a:bodyPr wrap="square">
-            <a:spAutoFit/>
-          </a:bodyPr>
-          <a:lstStyle/>
-          <a:p>
-            <a:r>
-              <a:rPr lang="ru-RU" sz="1600" i="1" dirty="0">
-                <a:latin typeface="Times New Roman" panose="02020603050405020304" pitchFamily="18" charset="0"/>
-                <a:cs typeface="Times New Roman" panose="02020603050405020304" pitchFamily="18" charset="0"/>
-              </a:rPr>
-              <a:t>Рис. </a:t>
-            </a:r>
-            <a:r>
-              <a:rPr lang="en-US" sz="1600" i="1" dirty="0">
-                <a:latin typeface="Times New Roman" panose="02020603050405020304" pitchFamily="18" charset="0"/>
-                <a:cs typeface="Times New Roman" panose="02020603050405020304" pitchFamily="18" charset="0"/>
-              </a:rPr>
-              <a:t>6</a:t>
-            </a:r>
-            <a:r>
-              <a:rPr lang="ru-RU" sz="1600" i="1" dirty="0" smtClean="0">
-                <a:latin typeface="Times New Roman" panose="02020603050405020304" pitchFamily="18" charset="0"/>
-                <a:cs typeface="Times New Roman" panose="02020603050405020304" pitchFamily="18" charset="0"/>
-              </a:rPr>
-              <a:t>. </a:t>
-            </a:r>
-            <a:r>
-              <a:rPr lang="ru-RU" sz="1600" i="1" dirty="0">
-                <a:latin typeface="Times New Roman" panose="02020603050405020304" pitchFamily="18" charset="0"/>
-                <a:cs typeface="Times New Roman" panose="02020603050405020304" pitchFamily="18" charset="0"/>
-              </a:rPr>
-              <a:t>Первоначальный вид необработанного изображения с формулой.</a:t>
-            </a:r>
-          </a:p>
-        </p:txBody>
-      </p:sp>
-    </p:spTree>
-    <p:extLst>
-      <p:ext uri="{BB962C8B-B14F-4D97-AF65-F5344CB8AC3E}">
-        <p14:creationId xmlns:p14="http://schemas.microsoft.com/office/powerpoint/2010/main" val="3296802962"/>
-      </p:ext>
-    </p:extLst>
-  </p:cSld>
-  <p:clrMapOvr>
-    <a:masterClrMapping/>
-  </p:clrMapOvr>
-</p:sld>
-</file>
-
-<file path=ppt/slides/slide12.xml><?xml version="1.0" encoding="utf-8"?>
-<p:sld xmlns:a="http://schemas.openxmlformats.org/drawingml/2006/main" xmlns:r="http://schemas.openxmlformats.org/officeDocument/2006/relationships" xmlns:p="http://schemas.openxmlformats.org/presentationml/2006/main">
-  <p:cSld>
-    <p:spTree>
-      <p:nvGrpSpPr>
-        <p:cNvPr id="1" name=""/>
-        <p:cNvGrpSpPr/>
-        <p:nvPr/>
-      </p:nvGrpSpPr>
-      <p:grpSpPr>
-        <a:xfrm>
-          <a:off x="0" y="0"/>
-          <a:ext cx="0" cy="0"/>
-          <a:chOff x="0" y="0"/>
-          <a:chExt cx="0" cy="0"/>
-        </a:xfrm>
-      </p:grpSpPr>
-      <p:sp>
-        <p:nvSpPr>
-          <p:cNvPr id="4" name="Прямоугольник 3"/>
-          <p:cNvSpPr/>
-          <p:nvPr/>
-        </p:nvSpPr>
-        <p:spPr>
-          <a:xfrm>
-            <a:off x="352425" y="163249"/>
-            <a:ext cx="11582400" cy="1574149"/>
-          </a:xfrm>
-          <a:prstGeom prst="rect">
-            <a:avLst/>
-          </a:prstGeom>
-        </p:spPr>
-        <p:txBody>
-          <a:bodyPr wrap="square">
-            <a:spAutoFit/>
-          </a:bodyPr>
-          <a:lstStyle/>
-          <a:p>
-            <a:pPr>
-              <a:lnSpc>
-                <a:spcPct val="108000"/>
-              </a:lnSpc>
-              <a:spcAft>
-                <a:spcPts val="0"/>
-              </a:spcAft>
-            </a:pPr>
-            <a:r>
-              <a:rPr lang="ru-RU" dirty="0">
-                <a:latin typeface="Times New Roman" panose="02020603050405020304" pitchFamily="18" charset="0"/>
-                <a:ea typeface="F30"/>
-                <a:cs typeface="Times New Roman" panose="02020603050405020304" pitchFamily="18" charset="0"/>
-              </a:rPr>
-              <a:t>Для оптимизации работы нейронной сети, предварительно, эти изображения обрезаются (Рис. 7.).</a:t>
-            </a:r>
-            <a:endParaRPr lang="ru-RU" dirty="0">
-              <a:latin typeface="Times New Roman" panose="02020603050405020304" pitchFamily="18" charset="0"/>
-              <a:ea typeface="Calibri" panose="020F0502020204030204" pitchFamily="34" charset="0"/>
-              <a:cs typeface="Times New Roman" panose="02020603050405020304" pitchFamily="18" charset="0"/>
-            </a:endParaRPr>
-          </a:p>
-          <a:p>
-            <a:pPr>
-              <a:lnSpc>
-                <a:spcPct val="108000"/>
-              </a:lnSpc>
-              <a:spcAft>
-                <a:spcPts val="0"/>
-              </a:spcAft>
-            </a:pPr>
-            <a:r>
-              <a:rPr lang="ru-RU" dirty="0">
-                <a:latin typeface="Times New Roman" panose="02020603050405020304" pitchFamily="18" charset="0"/>
-                <a:ea typeface="Calibri" panose="020F0502020204030204" pitchFamily="34" charset="0"/>
-                <a:cs typeface="Times New Roman" panose="02020603050405020304" pitchFamily="18" charset="0"/>
-              </a:rPr>
-              <a:t>После чего, формулы нормализуются. Создаётся отдельный файл, где каждая из формул прописана в печатном виде и имеет свой номер, расставляются все пробелы, прописываются названия греческих букв, вместо их обозначения. Для наибольшего успеха обучения, из пакета данных </a:t>
-            </a:r>
-            <a:r>
-              <a:rPr lang="ru-RU" dirty="0" smtClean="0">
-                <a:latin typeface="Times New Roman" panose="02020603050405020304" pitchFamily="18" charset="0"/>
-                <a:ea typeface="Calibri" panose="020F0502020204030204" pitchFamily="34" charset="0"/>
-                <a:cs typeface="Times New Roman" panose="02020603050405020304" pitchFamily="18" charset="0"/>
-              </a:rPr>
-              <a:t>исключаются те</a:t>
-            </a:r>
-            <a:r>
-              <a:rPr lang="en-US" dirty="0" smtClean="0">
-                <a:latin typeface="Times New Roman" panose="02020603050405020304" pitchFamily="18" charset="0"/>
-                <a:ea typeface="Calibri" panose="020F0502020204030204" pitchFamily="34" charset="0"/>
-                <a:cs typeface="Times New Roman" panose="02020603050405020304" pitchFamily="18" charset="0"/>
-              </a:rPr>
-              <a:t> </a:t>
-            </a:r>
-            <a:r>
-              <a:rPr lang="ru-RU" dirty="0" smtClean="0">
-                <a:latin typeface="Times New Roman" panose="02020603050405020304" pitchFamily="18" charset="0"/>
-                <a:ea typeface="Calibri" panose="020F0502020204030204" pitchFamily="34" charset="0"/>
-                <a:cs typeface="Times New Roman" panose="02020603050405020304" pitchFamily="18" charset="0"/>
-              </a:rPr>
-              <a:t>формулы, </a:t>
-            </a:r>
-            <a:r>
-              <a:rPr lang="ru-RU" dirty="0">
-                <a:latin typeface="Times New Roman" panose="02020603050405020304" pitchFamily="18" charset="0"/>
-                <a:ea typeface="Calibri" panose="020F0502020204030204" pitchFamily="34" charset="0"/>
-                <a:cs typeface="Times New Roman" panose="02020603050405020304" pitchFamily="18" charset="0"/>
-              </a:rPr>
-              <a:t>что имеют большое количество грамматических ошибок.</a:t>
-            </a:r>
-            <a:endParaRPr lang="ru-RU" dirty="0">
-              <a:effectLst/>
-              <a:latin typeface="Times New Roman" panose="02020603050405020304" pitchFamily="18" charset="0"/>
-              <a:ea typeface="Calibri" panose="020F0502020204030204" pitchFamily="34" charset="0"/>
-              <a:cs typeface="Times New Roman" panose="02020603050405020304" pitchFamily="18" charset="0"/>
-            </a:endParaRPr>
-          </a:p>
-        </p:txBody>
-      </p:sp>
-      <p:pic>
-        <p:nvPicPr>
-          <p:cNvPr id="5" name="Рисунок 4"/>
-          <p:cNvPicPr>
-            <a:picLocks noChangeAspect="1"/>
-          </p:cNvPicPr>
-          <p:nvPr/>
-        </p:nvPicPr>
-        <p:blipFill>
-          <a:blip r:embed="rId2"/>
-          <a:stretch>
-            <a:fillRect/>
-          </a:stretch>
-        </p:blipFill>
-        <p:spPr>
-          <a:xfrm>
-            <a:off x="1343025" y="1737398"/>
-            <a:ext cx="3714750" cy="4698088"/>
-          </a:xfrm>
-          <a:prstGeom prst="rect">
-            <a:avLst/>
-          </a:prstGeom>
-        </p:spPr>
-      </p:pic>
-      <p:pic>
-        <p:nvPicPr>
-          <p:cNvPr id="6" name="Рисунок 5"/>
-          <p:cNvPicPr>
-            <a:picLocks noChangeAspect="1"/>
-          </p:cNvPicPr>
-          <p:nvPr/>
-        </p:nvPicPr>
-        <p:blipFill>
-          <a:blip r:embed="rId3"/>
-          <a:stretch>
-            <a:fillRect/>
-          </a:stretch>
-        </p:blipFill>
-        <p:spPr>
-          <a:xfrm>
-            <a:off x="5749727" y="3838575"/>
-            <a:ext cx="2845196" cy="2596911"/>
-          </a:xfrm>
-          <a:prstGeom prst="rect">
-            <a:avLst/>
-          </a:prstGeom>
-        </p:spPr>
-      </p:pic>
-      <p:sp>
-        <p:nvSpPr>
-          <p:cNvPr id="7" name="Прямоугольник 6"/>
-          <p:cNvSpPr/>
-          <p:nvPr/>
-        </p:nvSpPr>
-        <p:spPr>
-          <a:xfrm>
-            <a:off x="9286875" y="3670943"/>
-            <a:ext cx="1790700" cy="830997"/>
-          </a:xfrm>
-          <a:prstGeom prst="rect">
-            <a:avLst/>
-          </a:prstGeom>
-        </p:spPr>
-        <p:txBody>
-          <a:bodyPr wrap="square">
-            <a:spAutoFit/>
-          </a:bodyPr>
-          <a:lstStyle/>
-          <a:p>
-            <a:r>
-              <a:rPr lang="ru-RU" sz="1600" i="1" dirty="0">
-                <a:latin typeface="Times New Roman" panose="02020603050405020304" pitchFamily="18" charset="0"/>
-                <a:cs typeface="Times New Roman" panose="02020603050405020304" pitchFamily="18" charset="0"/>
-              </a:rPr>
-              <a:t>Рис. 7</a:t>
-            </a:r>
-            <a:r>
-              <a:rPr lang="ru-RU" sz="1600" i="1" dirty="0" smtClean="0">
-                <a:latin typeface="Times New Roman" panose="02020603050405020304" pitchFamily="18" charset="0"/>
-                <a:cs typeface="Times New Roman" panose="02020603050405020304" pitchFamily="18" charset="0"/>
-              </a:rPr>
-              <a:t>. </a:t>
-            </a:r>
-            <a:r>
-              <a:rPr lang="ru-RU" sz="1600" i="1" dirty="0">
-                <a:latin typeface="Times New Roman" panose="02020603050405020304" pitchFamily="18" charset="0"/>
-                <a:cs typeface="Times New Roman" panose="02020603050405020304" pitchFamily="18" charset="0"/>
-              </a:rPr>
-              <a:t>Вид обрезанного изображения</a:t>
-            </a:r>
-          </a:p>
-        </p:txBody>
-      </p:sp>
-    </p:spTree>
-    <p:extLst>
-      <p:ext uri="{BB962C8B-B14F-4D97-AF65-F5344CB8AC3E}">
-        <p14:creationId xmlns:p14="http://schemas.microsoft.com/office/powerpoint/2010/main" val="2400597119"/>
-      </p:ext>
-    </p:extLst>
-  </p:cSld>
-  <p:clrMapOvr>
-    <a:masterClrMapping/>
-  </p:clrMapOvr>
-</p:sld>
-</file>
-
-<file path=ppt/slides/slide13.xml><?xml version="1.0" encoding="utf-8"?>
-<p:sld xmlns:a="http://schemas.openxmlformats.org/drawingml/2006/main" xmlns:r="http://schemas.openxmlformats.org/officeDocument/2006/relationships" xmlns:p="http://schemas.openxmlformats.org/presentationml/2006/main">
-  <p:cSld>
-    <p:spTree>
-      <p:nvGrpSpPr>
-        <p:cNvPr id="1" name=""/>
-        <p:cNvGrpSpPr/>
-        <p:nvPr/>
-      </p:nvGrpSpPr>
-      <p:grpSpPr>
-        <a:xfrm>
-          <a:off x="0" y="0"/>
-          <a:ext cx="0" cy="0"/>
-          <a:chOff x="0" y="0"/>
-          <a:chExt cx="0" cy="0"/>
-        </a:xfrm>
-      </p:grpSpPr>
       <p:sp>
         <p:nvSpPr>
           <p:cNvPr id="4" name="Прямоугольник 3"/>
@@ -6268,7 +4669,7 @@
 </p:sld>
 </file>
 
-<file path=ppt/slides/slide14.xml><?xml version="1.0" encoding="utf-8"?>
+<file path=ppt/slides/slide11.xml><?xml version="1.0" encoding="utf-8"?>
 <p:sld xmlns:a="http://schemas.openxmlformats.org/drawingml/2006/main" xmlns:r="http://schemas.openxmlformats.org/officeDocument/2006/relationships" xmlns:p="http://schemas.openxmlformats.org/presentationml/2006/main">
   <p:cSld>
     <p:spTree>
@@ -7597,173 +5998,7 @@
 </p:sld>
 </file>
 
-<file path=ppt/slides/slide15.xml><?xml version="1.0" encoding="utf-8"?>
-<p:sld xmlns:a="http://schemas.openxmlformats.org/drawingml/2006/main" xmlns:r="http://schemas.openxmlformats.org/officeDocument/2006/relationships" xmlns:p="http://schemas.openxmlformats.org/presentationml/2006/main">
-  <p:cSld>
-    <p:spTree>
-      <p:nvGrpSpPr>
-        <p:cNvPr id="1" name=""/>
-        <p:cNvGrpSpPr/>
-        <p:nvPr/>
-      </p:nvGrpSpPr>
-      <p:grpSpPr>
-        <a:xfrm>
-          <a:off x="0" y="0"/>
-          <a:ext cx="0" cy="0"/>
-          <a:chOff x="0" y="0"/>
-          <a:chExt cx="0" cy="0"/>
-        </a:xfrm>
-      </p:grpSpPr>
-      <p:sp>
-        <p:nvSpPr>
-          <p:cNvPr id="2" name="Заголовок 1"/>
-          <p:cNvSpPr>
-            <a:spLocks noGrp="1"/>
-          </p:cNvSpPr>
-          <p:nvPr>
-            <p:ph type="title"/>
-          </p:nvPr>
-        </p:nvSpPr>
-        <p:spPr>
-          <a:xfrm>
-            <a:off x="432816" y="0"/>
-            <a:ext cx="11599164" cy="777240"/>
-          </a:xfrm>
-        </p:spPr>
-        <p:txBody>
-          <a:bodyPr/>
-          <a:lstStyle/>
-          <a:p>
-            <a:r>
-              <a:rPr lang="ru-RU" dirty="0" smtClean="0"/>
-              <a:t>Кривые обучения в случае </a:t>
-            </a:r>
-            <a:r>
-              <a:rPr lang="en-US" dirty="0" smtClean="0"/>
-              <a:t>GRU </a:t>
-            </a:r>
-            <a:r>
-              <a:rPr lang="ru-RU" dirty="0" smtClean="0"/>
-              <a:t>ячейки</a:t>
-            </a:r>
-            <a:endParaRPr lang="ru-RU" dirty="0"/>
-          </a:p>
-        </p:txBody>
-      </p:sp>
-      <p:sp>
-        <p:nvSpPr>
-          <p:cNvPr id="3" name="Объект 2"/>
-          <p:cNvSpPr>
-            <a:spLocks noGrp="1"/>
-          </p:cNvSpPr>
-          <p:nvPr>
-            <p:ph idx="1"/>
-          </p:nvPr>
-        </p:nvSpPr>
-        <p:spPr/>
-        <p:txBody>
-          <a:bodyPr/>
-          <a:lstStyle/>
-          <a:p>
-            <a:endParaRPr lang="ru-RU"/>
-          </a:p>
-        </p:txBody>
-      </p:sp>
-    </p:spTree>
-    <p:extLst>
-      <p:ext uri="{BB962C8B-B14F-4D97-AF65-F5344CB8AC3E}">
-        <p14:creationId xmlns:p14="http://schemas.microsoft.com/office/powerpoint/2010/main" val="1410318390"/>
-      </p:ext>
-    </p:extLst>
-  </p:cSld>
-  <p:clrMapOvr>
-    <a:masterClrMapping/>
-  </p:clrMapOvr>
-</p:sld>
-</file>
-
-<file path=ppt/slides/slide16.xml><?xml version="1.0" encoding="utf-8"?>
-<p:sld xmlns:a="http://schemas.openxmlformats.org/drawingml/2006/main" xmlns:r="http://schemas.openxmlformats.org/officeDocument/2006/relationships" xmlns:p="http://schemas.openxmlformats.org/presentationml/2006/main">
-  <p:cSld>
-    <p:spTree>
-      <p:nvGrpSpPr>
-        <p:cNvPr id="1" name=""/>
-        <p:cNvGrpSpPr/>
-        <p:nvPr/>
-      </p:nvGrpSpPr>
-      <p:grpSpPr>
-        <a:xfrm>
-          <a:off x="0" y="0"/>
-          <a:ext cx="0" cy="0"/>
-          <a:chOff x="0" y="0"/>
-          <a:chExt cx="0" cy="0"/>
-        </a:xfrm>
-      </p:grpSpPr>
-      <p:sp>
-        <p:nvSpPr>
-          <p:cNvPr id="2" name="Заголовок 1"/>
-          <p:cNvSpPr>
-            <a:spLocks noGrp="1"/>
-          </p:cNvSpPr>
-          <p:nvPr>
-            <p:ph type="title"/>
-          </p:nvPr>
-        </p:nvSpPr>
-        <p:spPr>
-          <a:xfrm>
-            <a:off x="432816" y="0"/>
-            <a:ext cx="11599164" cy="777240"/>
-          </a:xfrm>
-        </p:spPr>
-        <p:txBody>
-          <a:bodyPr/>
-          <a:lstStyle/>
-          <a:p>
-            <a:r>
-              <a:rPr lang="ru-RU" dirty="0" smtClean="0"/>
-              <a:t>Кривые обучения в случае </a:t>
-            </a:r>
-            <a:r>
-              <a:rPr lang="ru-RU" dirty="0" err="1" smtClean="0"/>
-              <a:t>Трансформера</a:t>
-            </a:r>
-            <a:endParaRPr lang="ru-RU" dirty="0"/>
-          </a:p>
-        </p:txBody>
-      </p:sp>
-      <p:sp>
-        <p:nvSpPr>
-          <p:cNvPr id="3" name="Объект 2"/>
-          <p:cNvSpPr>
-            <a:spLocks noGrp="1"/>
-          </p:cNvSpPr>
-          <p:nvPr>
-            <p:ph idx="1"/>
-          </p:nvPr>
-        </p:nvSpPr>
-        <p:spPr/>
-        <p:txBody>
-          <a:bodyPr/>
-          <a:lstStyle/>
-          <a:p>
-            <a:endParaRPr lang="ru-RU"/>
-          </a:p>
-        </p:txBody>
-      </p:sp>
-    </p:spTree>
-    <p:extLst>
-      <p:ext uri="{BB962C8B-B14F-4D97-AF65-F5344CB8AC3E}">
-        <p14:creationId xmlns:p14="http://schemas.microsoft.com/office/powerpoint/2010/main" val="2135703136"/>
-      </p:ext>
-    </p:extLst>
-  </p:cSld>
-  <p:clrMapOvr>
-    <a:masterClrMapping/>
-  </p:clrMapOvr>
-</p:sld>
-</file>
-
-<file path=ppt/slides/slide17.xml><?xml version="1.0" encoding="utf-8"?>
+<file path=ppt/slides/slide12.xml><?xml version="1.0" encoding="utf-8"?>
 <p:sld xmlns:a="http://schemas.openxmlformats.org/drawingml/2006/main" xmlns:r="http://schemas.openxmlformats.org/officeDocument/2006/relationships" xmlns:p="http://schemas.openxmlformats.org/presentationml/2006/main">
   <p:cSld>
     <p:spTree>
@@ -7857,14 +6092,14 @@
                 <a:gridCol w="3914356">
                   <a:extLst>
                     <a:ext uri="{9D8B030D-6E8A-4147-A177-3AD203B41FA5}">
-                      <a16:colId xmlns:a16="http://schemas.microsoft.com/office/drawing/2014/main" xmlns="" val="728385365"/>
+                      <a16:colId xmlns:a16="http://schemas.microsoft.com/office/drawing/2014/main" val="728385365"/>
                     </a:ext>
                   </a:extLst>
                 </a:gridCol>
                 <a:gridCol w="3915194">
                   <a:extLst>
                     <a:ext uri="{9D8B030D-6E8A-4147-A177-3AD203B41FA5}">
-                      <a16:colId xmlns:a16="http://schemas.microsoft.com/office/drawing/2014/main" xmlns="" val="270918262"/>
+                      <a16:colId xmlns:a16="http://schemas.microsoft.com/office/drawing/2014/main" val="270918262"/>
                     </a:ext>
                   </a:extLst>
                 </a:gridCol>
@@ -7942,7 +6177,7 @@
                 </a:tc>
                 <a:extLst>
                   <a:ext uri="{0D108BD9-81ED-4DB2-BD59-A6C34878D82A}">
-                    <a16:rowId xmlns:a16="http://schemas.microsoft.com/office/drawing/2014/main" xmlns="" val="3924880613"/>
+                    <a16:rowId xmlns:a16="http://schemas.microsoft.com/office/drawing/2014/main" val="3924880613"/>
                   </a:ext>
                 </a:extLst>
               </a:tr>
@@ -7986,7 +6221,7 @@
                 </a:tc>
                 <a:extLst>
                   <a:ext uri="{0D108BD9-81ED-4DB2-BD59-A6C34878D82A}">
-                    <a16:rowId xmlns:a16="http://schemas.microsoft.com/office/drawing/2014/main" xmlns="" val="2259873080"/>
+                    <a16:rowId xmlns:a16="http://schemas.microsoft.com/office/drawing/2014/main" val="2259873080"/>
                   </a:ext>
                 </a:extLst>
               </a:tr>
@@ -8096,7 +6331,7 @@
                 </a:tc>
                 <a:extLst>
                   <a:ext uri="{0D108BD9-81ED-4DB2-BD59-A6C34878D82A}">
-                    <a16:rowId xmlns:a16="http://schemas.microsoft.com/office/drawing/2014/main" xmlns="" val="677024524"/>
+                    <a16:rowId xmlns:a16="http://schemas.microsoft.com/office/drawing/2014/main" val="677024524"/>
                   </a:ext>
                 </a:extLst>
               </a:tr>
@@ -8148,7 +6383,7 @@
                 </a:tc>
                 <a:extLst>
                   <a:ext uri="{0D108BD9-81ED-4DB2-BD59-A6C34878D82A}">
-                    <a16:rowId xmlns:a16="http://schemas.microsoft.com/office/drawing/2014/main" xmlns="" val="4291179996"/>
+                    <a16:rowId xmlns:a16="http://schemas.microsoft.com/office/drawing/2014/main" val="4291179996"/>
                   </a:ext>
                 </a:extLst>
               </a:tr>
@@ -8279,7 +6514,7 @@
                 </a:tc>
                 <a:extLst>
                   <a:ext uri="{0D108BD9-81ED-4DB2-BD59-A6C34878D82A}">
-                    <a16:rowId xmlns:a16="http://schemas.microsoft.com/office/drawing/2014/main" xmlns="" val="3896579082"/>
+                    <a16:rowId xmlns:a16="http://schemas.microsoft.com/office/drawing/2014/main" val="3896579082"/>
                   </a:ext>
                 </a:extLst>
               </a:tr>
@@ -8331,7 +6566,7 @@
                 </a:tc>
                 <a:extLst>
                   <a:ext uri="{0D108BD9-81ED-4DB2-BD59-A6C34878D82A}">
-                    <a16:rowId xmlns:a16="http://schemas.microsoft.com/office/drawing/2014/main" xmlns="" val="3639576644"/>
+                    <a16:rowId xmlns:a16="http://schemas.microsoft.com/office/drawing/2014/main" val="3639576644"/>
                   </a:ext>
                 </a:extLst>
               </a:tr>
@@ -8462,7 +6697,7 @@
                 </a:tc>
                 <a:extLst>
                   <a:ext uri="{0D108BD9-81ED-4DB2-BD59-A6C34878D82A}">
-                    <a16:rowId xmlns:a16="http://schemas.microsoft.com/office/drawing/2014/main" xmlns="" val="1988537333"/>
+                    <a16:rowId xmlns:a16="http://schemas.microsoft.com/office/drawing/2014/main" val="1988537333"/>
                   </a:ext>
                 </a:extLst>
               </a:tr>
@@ -8514,7 +6749,7 @@
                 </a:tc>
                 <a:extLst>
                   <a:ext uri="{0D108BD9-81ED-4DB2-BD59-A6C34878D82A}">
-                    <a16:rowId xmlns:a16="http://schemas.microsoft.com/office/drawing/2014/main" xmlns="" val="885608191"/>
+                    <a16:rowId xmlns:a16="http://schemas.microsoft.com/office/drawing/2014/main" val="885608191"/>
                   </a:ext>
                 </a:extLst>
               </a:tr>
@@ -8645,7 +6880,7 @@
                 </a:tc>
                 <a:extLst>
                   <a:ext uri="{0D108BD9-81ED-4DB2-BD59-A6C34878D82A}">
-                    <a16:rowId xmlns:a16="http://schemas.microsoft.com/office/drawing/2014/main" xmlns="" val="334441333"/>
+                    <a16:rowId xmlns:a16="http://schemas.microsoft.com/office/drawing/2014/main" val="334441333"/>
                   </a:ext>
                 </a:extLst>
               </a:tr>
@@ -8686,7 +6921,7 @@
                 </a:tc>
                 <a:extLst>
                   <a:ext uri="{0D108BD9-81ED-4DB2-BD59-A6C34878D82A}">
-                    <a16:rowId xmlns:a16="http://schemas.microsoft.com/office/drawing/2014/main" xmlns="" val="203614154"/>
+                    <a16:rowId xmlns:a16="http://schemas.microsoft.com/office/drawing/2014/main" val="203614154"/>
                   </a:ext>
                 </a:extLst>
               </a:tr>
@@ -8817,7 +7052,7 @@
                 </a:tc>
                 <a:extLst>
                   <a:ext uri="{0D108BD9-81ED-4DB2-BD59-A6C34878D82A}">
-                    <a16:rowId xmlns:a16="http://schemas.microsoft.com/office/drawing/2014/main" xmlns="" val="1882244315"/>
+                    <a16:rowId xmlns:a16="http://schemas.microsoft.com/office/drawing/2014/main" val="1882244315"/>
                   </a:ext>
                 </a:extLst>
               </a:tr>
@@ -8858,7 +7093,7 @@
                 </a:tc>
                 <a:extLst>
                   <a:ext uri="{0D108BD9-81ED-4DB2-BD59-A6C34878D82A}">
-                    <a16:rowId xmlns:a16="http://schemas.microsoft.com/office/drawing/2014/main" xmlns="" val="2204187152"/>
+                    <a16:rowId xmlns:a16="http://schemas.microsoft.com/office/drawing/2014/main" val="2204187152"/>
                   </a:ext>
                 </a:extLst>
               </a:tr>
@@ -8989,7 +7224,7 @@
                 </a:tc>
                 <a:extLst>
                   <a:ext uri="{0D108BD9-81ED-4DB2-BD59-A6C34878D82A}">
-                    <a16:rowId xmlns:a16="http://schemas.microsoft.com/office/drawing/2014/main" xmlns="" val="3095593306"/>
+                    <a16:rowId xmlns:a16="http://schemas.microsoft.com/office/drawing/2014/main" val="3095593306"/>
                   </a:ext>
                 </a:extLst>
               </a:tr>
@@ -9010,7 +7245,7 @@
 </p:sld>
 </file>
 
-<file path=ppt/slides/slide18.xml><?xml version="1.0" encoding="utf-8"?>
+<file path=ppt/slides/slide13.xml><?xml version="1.0" encoding="utf-8"?>
 <p:sld xmlns:a="http://schemas.openxmlformats.org/drawingml/2006/main" xmlns:r="http://schemas.openxmlformats.org/officeDocument/2006/relationships" xmlns:p="http://schemas.openxmlformats.org/presentationml/2006/main">
   <p:cSld>
     <p:spTree>
@@ -9055,14 +7290,14 @@
                 <a:gridCol w="4552465">
                   <a:extLst>
                     <a:ext uri="{9D8B030D-6E8A-4147-A177-3AD203B41FA5}">
-                      <a16:colId xmlns:a16="http://schemas.microsoft.com/office/drawing/2014/main" xmlns="" val="2682284765"/>
+                      <a16:colId xmlns:a16="http://schemas.microsoft.com/office/drawing/2014/main" val="2682284765"/>
                     </a:ext>
                   </a:extLst>
                 </a:gridCol>
                 <a:gridCol w="4553437">
                   <a:extLst>
                     <a:ext uri="{9D8B030D-6E8A-4147-A177-3AD203B41FA5}">
-                      <a16:colId xmlns:a16="http://schemas.microsoft.com/office/drawing/2014/main" xmlns="" val="4193796777"/>
+                      <a16:colId xmlns:a16="http://schemas.microsoft.com/office/drawing/2014/main" val="4193796777"/>
                     </a:ext>
                   </a:extLst>
                 </a:gridCol>
@@ -9148,7 +7383,7 @@
                 </a:tc>
                 <a:extLst>
                   <a:ext uri="{0D108BD9-81ED-4DB2-BD59-A6C34878D82A}">
-                    <a16:rowId xmlns:a16="http://schemas.microsoft.com/office/drawing/2014/main" xmlns="" val="619533437"/>
+                    <a16:rowId xmlns:a16="http://schemas.microsoft.com/office/drawing/2014/main" val="619533437"/>
                   </a:ext>
                 </a:extLst>
               </a:tr>
@@ -9204,7 +7439,7 @@
                 </a:tc>
                 <a:extLst>
                   <a:ext uri="{0D108BD9-81ED-4DB2-BD59-A6C34878D82A}">
-                    <a16:rowId xmlns:a16="http://schemas.microsoft.com/office/drawing/2014/main" xmlns="" val="1608490233"/>
+                    <a16:rowId xmlns:a16="http://schemas.microsoft.com/office/drawing/2014/main" val="1608490233"/>
                   </a:ext>
                 </a:extLst>
               </a:tr>
@@ -9349,7 +7584,7 @@
                 </a:tc>
                 <a:extLst>
                   <a:ext uri="{0D108BD9-81ED-4DB2-BD59-A6C34878D82A}">
-                    <a16:rowId xmlns:a16="http://schemas.microsoft.com/office/drawing/2014/main" xmlns="" val="3458760643"/>
+                    <a16:rowId xmlns:a16="http://schemas.microsoft.com/office/drawing/2014/main" val="3458760643"/>
                   </a:ext>
                 </a:extLst>
               </a:tr>
@@ -9397,7 +7632,7 @@
                 </a:tc>
                 <a:extLst>
                   <a:ext uri="{0D108BD9-81ED-4DB2-BD59-A6C34878D82A}">
-                    <a16:rowId xmlns:a16="http://schemas.microsoft.com/office/drawing/2014/main" xmlns="" val="3579382893"/>
+                    <a16:rowId xmlns:a16="http://schemas.microsoft.com/office/drawing/2014/main" val="3579382893"/>
                   </a:ext>
                 </a:extLst>
               </a:tr>
@@ -9542,7 +7777,7 @@
                 </a:tc>
                 <a:extLst>
                   <a:ext uri="{0D108BD9-81ED-4DB2-BD59-A6C34878D82A}">
-                    <a16:rowId xmlns:a16="http://schemas.microsoft.com/office/drawing/2014/main" xmlns="" val="2086846628"/>
+                    <a16:rowId xmlns:a16="http://schemas.microsoft.com/office/drawing/2014/main" val="2086846628"/>
                   </a:ext>
                 </a:extLst>
               </a:tr>
@@ -9590,7 +7825,7 @@
                 </a:tc>
                 <a:extLst>
                   <a:ext uri="{0D108BD9-81ED-4DB2-BD59-A6C34878D82A}">
-                    <a16:rowId xmlns:a16="http://schemas.microsoft.com/office/drawing/2014/main" xmlns="" val="2210008361"/>
+                    <a16:rowId xmlns:a16="http://schemas.microsoft.com/office/drawing/2014/main" val="2210008361"/>
                   </a:ext>
                 </a:extLst>
               </a:tr>
@@ -9735,7 +7970,7 @@
                 </a:tc>
                 <a:extLst>
                   <a:ext uri="{0D108BD9-81ED-4DB2-BD59-A6C34878D82A}">
-                    <a16:rowId xmlns:a16="http://schemas.microsoft.com/office/drawing/2014/main" xmlns="" val="3628307605"/>
+                    <a16:rowId xmlns:a16="http://schemas.microsoft.com/office/drawing/2014/main" val="3628307605"/>
                   </a:ext>
                 </a:extLst>
               </a:tr>
@@ -9783,7 +8018,7 @@
                 </a:tc>
                 <a:extLst>
                   <a:ext uri="{0D108BD9-81ED-4DB2-BD59-A6C34878D82A}">
-                    <a16:rowId xmlns:a16="http://schemas.microsoft.com/office/drawing/2014/main" xmlns="" val="1254921624"/>
+                    <a16:rowId xmlns:a16="http://schemas.microsoft.com/office/drawing/2014/main" val="1254921624"/>
                   </a:ext>
                 </a:extLst>
               </a:tr>
@@ -9928,7 +8163,7 @@
                 </a:tc>
                 <a:extLst>
                   <a:ext uri="{0D108BD9-81ED-4DB2-BD59-A6C34878D82A}">
-                    <a16:rowId xmlns:a16="http://schemas.microsoft.com/office/drawing/2014/main" xmlns="" val="110755233"/>
+                    <a16:rowId xmlns:a16="http://schemas.microsoft.com/office/drawing/2014/main" val="110755233"/>
                   </a:ext>
                 </a:extLst>
               </a:tr>
@@ -9976,7 +8211,7 @@
                 </a:tc>
                 <a:extLst>
                   <a:ext uri="{0D108BD9-81ED-4DB2-BD59-A6C34878D82A}">
-                    <a16:rowId xmlns:a16="http://schemas.microsoft.com/office/drawing/2014/main" xmlns="" val="107141563"/>
+                    <a16:rowId xmlns:a16="http://schemas.microsoft.com/office/drawing/2014/main" val="107141563"/>
                   </a:ext>
                 </a:extLst>
               </a:tr>
@@ -10121,7 +8356,7 @@
                 </a:tc>
                 <a:extLst>
                   <a:ext uri="{0D108BD9-81ED-4DB2-BD59-A6C34878D82A}">
-                    <a16:rowId xmlns:a16="http://schemas.microsoft.com/office/drawing/2014/main" xmlns="" val="1239288902"/>
+                    <a16:rowId xmlns:a16="http://schemas.microsoft.com/office/drawing/2014/main" val="1239288902"/>
                   </a:ext>
                 </a:extLst>
               </a:tr>
@@ -10142,7 +8377,7 @@
 </p:sld>
 </file>
 
-<file path=ppt/slides/slide19.xml><?xml version="1.0" encoding="utf-8"?>
+<file path=ppt/slides/slide14.xml><?xml version="1.0" encoding="utf-8"?>
 <p:sld xmlns:a="http://schemas.openxmlformats.org/drawingml/2006/main" xmlns:r="http://schemas.openxmlformats.org/officeDocument/2006/relationships" xmlns:p="http://schemas.openxmlformats.org/presentationml/2006/main">
   <p:cSld>
     <p:spTree>
@@ -10161,14 +8396,49 @@
       </p:grpSpPr>
       <p:sp>
         <p:nvSpPr>
+          <p:cNvPr id="4" name="Прямоугольник 3"/>
+          <p:cNvSpPr/>
+          <p:nvPr/>
+        </p:nvSpPr>
+        <p:spPr>
+          <a:xfrm>
+            <a:off x="5028976" y="1707314"/>
+            <a:ext cx="2014462" cy="523220"/>
+          </a:xfrm>
+          <a:prstGeom prst="rect">
+            <a:avLst/>
+          </a:prstGeom>
+        </p:spPr>
+        <p:txBody>
+          <a:bodyPr wrap="none">
+            <a:spAutoFit/>
+          </a:bodyPr>
+          <a:lstStyle/>
+          <a:p>
+            <a:r>
+              <a:rPr lang="ru-RU" sz="2800" dirty="0">
+                <a:latin typeface="Times New Roman" panose="02020603050405020304" pitchFamily="18" charset="0"/>
+                <a:cs typeface="Times New Roman" panose="02020603050405020304" pitchFamily="18" charset="0"/>
+              </a:rPr>
+              <a:t>Заключение</a:t>
+            </a:r>
+            <a:endParaRPr lang="ru-RU" sz="2400" dirty="0">
+              <a:latin typeface="Times New Roman" panose="02020603050405020304" pitchFamily="18" charset="0"/>
+              <a:cs typeface="Times New Roman" panose="02020603050405020304" pitchFamily="18" charset="0"/>
+            </a:endParaRPr>
+          </a:p>
+        </p:txBody>
+      </p:sp>
+      <p:sp>
+        <p:nvSpPr>
           <p:cNvPr id="5" name="Прямоугольник 4"/>
           <p:cNvSpPr/>
           <p:nvPr/>
         </p:nvSpPr>
         <p:spPr>
           <a:xfrm>
-            <a:off x="199009" y="1144655"/>
-            <a:ext cx="11502946" cy="2862322"/>
+            <a:off x="284734" y="2421928"/>
+            <a:ext cx="11502946" cy="2554545"/>
           </a:xfrm>
           <a:prstGeom prst="rect">
             <a:avLst/>
@@ -10180,291 +8450,97 @@
           </a:bodyPr>
           <a:lstStyle/>
           <a:p>
-            <a:pPr marL="342900" indent="-342900">
-              <a:buFont typeface="Courier New" panose="02070309020205020404" pitchFamily="49" charset="0"/>
-              <a:buChar char="o"/>
-            </a:pPr>
             <a:r>
               <a:rPr lang="ru-RU" sz="2000" dirty="0">
                 <a:latin typeface="Times New Roman" panose="02020603050405020304" pitchFamily="18" charset="0"/>
                 <a:cs typeface="Times New Roman" panose="02020603050405020304" pitchFamily="18" charset="0"/>
               </a:rPr>
-              <a:t>В данной </a:t>
+              <a:t>В данной работе обучены две нейронных сети, одна из которых основана на GRU ячейке, а вторая на модели </a:t>
             </a:r>
             <a:r>
               <a:rPr lang="ru-RU" sz="2000" dirty="0" smtClean="0">
                 <a:latin typeface="Times New Roman" panose="02020603050405020304" pitchFamily="18" charset="0"/>
                 <a:cs typeface="Times New Roman" panose="02020603050405020304" pitchFamily="18" charset="0"/>
               </a:rPr>
-              <a:t>работе проведён сравнительный анализ обучения и работы двух </a:t>
+              <a:t>"</a:t>
+            </a:r>
+            <a:r>
+              <a:rPr lang="ru-RU" sz="2000" dirty="0" err="1" smtClean="0">
+                <a:latin typeface="Times New Roman" panose="02020603050405020304" pitchFamily="18" charset="0"/>
+                <a:cs typeface="Times New Roman" panose="02020603050405020304" pitchFamily="18" charset="0"/>
+              </a:rPr>
+              <a:t>Трансформер</a:t>
+            </a:r>
+            <a:r>
+              <a:rPr lang="ru-RU" sz="2000" dirty="0" smtClean="0">
+                <a:latin typeface="Times New Roman" panose="02020603050405020304" pitchFamily="18" charset="0"/>
+                <a:cs typeface="Times New Roman" panose="02020603050405020304" pitchFamily="18" charset="0"/>
+              </a:rPr>
+              <a:t>". </a:t>
             </a:r>
             <a:r>
               <a:rPr lang="ru-RU" sz="2000" dirty="0">
                 <a:latin typeface="Times New Roman" panose="02020603050405020304" pitchFamily="18" charset="0"/>
                 <a:cs typeface="Times New Roman" panose="02020603050405020304" pitchFamily="18" charset="0"/>
               </a:rPr>
-              <a:t>нейронных </a:t>
+              <a:t>Были получены две полностью рабочие нейронные сети, способные </a:t>
             </a:r>
             <a:r>
               <a:rPr lang="ru-RU" sz="2000" dirty="0" smtClean="0">
                 <a:latin typeface="Times New Roman" panose="02020603050405020304" pitchFamily="18" charset="0"/>
                 <a:cs typeface="Times New Roman" panose="02020603050405020304" pitchFamily="18" charset="0"/>
               </a:rPr>
-              <a:t>сетей, основанных на </a:t>
+              <a:t>распознавать </a:t>
             </a:r>
             <a:r>
               <a:rPr lang="ru-RU" sz="2000" dirty="0">
                 <a:latin typeface="Times New Roman" panose="02020603050405020304" pitchFamily="18" charset="0"/>
                 <a:cs typeface="Times New Roman" panose="02020603050405020304" pitchFamily="18" charset="0"/>
               </a:rPr>
-              <a:t>GRU </a:t>
+              <a:t>формулы любой сложности с изображений. По результатам обучения можно отметить, что нейронная сеть на модели </a:t>
             </a:r>
             <a:r>
               <a:rPr lang="ru-RU" sz="2000" dirty="0" smtClean="0">
                 <a:latin typeface="Times New Roman" panose="02020603050405020304" pitchFamily="18" charset="0"/>
                 <a:cs typeface="Times New Roman" panose="02020603050405020304" pitchFamily="18" charset="0"/>
               </a:rPr>
-              <a:t>ячейке или на </a:t>
+              <a:t>"</a:t>
+            </a:r>
+            <a:r>
+              <a:rPr lang="ru-RU" sz="2000" dirty="0" err="1" smtClean="0">
+                <a:latin typeface="Times New Roman" panose="02020603050405020304" pitchFamily="18" charset="0"/>
+                <a:cs typeface="Times New Roman" panose="02020603050405020304" pitchFamily="18" charset="0"/>
+              </a:rPr>
+              <a:t>Трансформер</a:t>
+            </a:r>
+            <a:r>
+              <a:rPr lang="ru-RU" sz="2000" dirty="0" smtClean="0">
+                <a:latin typeface="Times New Roman" panose="02020603050405020304" pitchFamily="18" charset="0"/>
+                <a:cs typeface="Times New Roman" panose="02020603050405020304" pitchFamily="18" charset="0"/>
+              </a:rPr>
+              <a:t>" </a:t>
             </a:r>
             <a:r>
               <a:rPr lang="ru-RU" sz="2000" dirty="0">
                 <a:latin typeface="Times New Roman" panose="02020603050405020304" pitchFamily="18" charset="0"/>
                 <a:cs typeface="Times New Roman" panose="02020603050405020304" pitchFamily="18" charset="0"/>
               </a:rPr>
-              <a:t>модели </a:t>
+              <a:t>справилась с поставленной задачей намного лучше, чем нейронная сеть, основанная на GRU ячейке, даже с учётом того, что обе нейронные сети не всегда имели высшие показатели результатов в ходе обучения. Так же стоит отметить то, что сеть с GRU ячейкой, в отличии от второй сети, требовала в несколько раз больше времени и ресурсов для обучения, что не всегда является возможным для </a:t>
             </a:r>
             <a:r>
               <a:rPr lang="ru-RU" sz="2000" dirty="0" smtClean="0">
                 <a:latin typeface="Times New Roman" panose="02020603050405020304" pitchFamily="18" charset="0"/>
                 <a:cs typeface="Times New Roman" panose="02020603050405020304" pitchFamily="18" charset="0"/>
               </a:rPr>
-              <a:t>«</a:t>
-            </a:r>
-            <a:r>
-              <a:rPr lang="ru-RU" sz="2000" dirty="0" err="1" smtClean="0">
-                <a:latin typeface="Times New Roman" panose="02020603050405020304" pitchFamily="18" charset="0"/>
-                <a:cs typeface="Times New Roman" panose="02020603050405020304" pitchFamily="18" charset="0"/>
-              </a:rPr>
-              <a:t>Трансформер</a:t>
-            </a:r>
-            <a:r>
-              <a:rPr lang="ru-RU" sz="2000" dirty="0" smtClean="0">
-                <a:latin typeface="Times New Roman" panose="02020603050405020304" pitchFamily="18" charset="0"/>
-                <a:cs typeface="Times New Roman" panose="02020603050405020304" pitchFamily="18" charset="0"/>
-              </a:rPr>
-              <a:t>»</a:t>
-            </a:r>
-            <a:endParaRPr lang="ru-RU" sz="2000" dirty="0" smtClean="0">
-              <a:latin typeface="Times New Roman" panose="02020603050405020304" pitchFamily="18" charset="0"/>
-              <a:cs typeface="Times New Roman" panose="02020603050405020304" pitchFamily="18" charset="0"/>
-            </a:endParaRPr>
-          </a:p>
-          <a:p>
-            <a:pPr marL="342900" indent="-342900">
-              <a:buFont typeface="Courier New" panose="02070309020205020404" pitchFamily="49" charset="0"/>
-              <a:buChar char="o"/>
-            </a:pPr>
-            <a:r>
-              <a:rPr lang="ru-RU" sz="2000" dirty="0" smtClean="0">
-                <a:latin typeface="Times New Roman" panose="02020603050405020304" pitchFamily="18" charset="0"/>
-                <a:cs typeface="Times New Roman" panose="02020603050405020304" pitchFamily="18" charset="0"/>
-              </a:rPr>
-              <a:t> </a:t>
+              <a:t>"домашнего" </a:t>
             </a:r>
             <a:r>
               <a:rPr lang="ru-RU" sz="2000" dirty="0">
                 <a:latin typeface="Times New Roman" panose="02020603050405020304" pitchFamily="18" charset="0"/>
                 <a:cs typeface="Times New Roman" panose="02020603050405020304" pitchFamily="18" charset="0"/>
               </a:rPr>
-              <a:t>Были получены </a:t>
-            </a:r>
-            <a:r>
-              <a:rPr lang="ru-RU" sz="2000" dirty="0" smtClean="0">
-                <a:latin typeface="Times New Roman" panose="02020603050405020304" pitchFamily="18" charset="0"/>
-                <a:cs typeface="Times New Roman" panose="02020603050405020304" pitchFamily="18" charset="0"/>
-              </a:rPr>
-              <a:t>полностью </a:t>
-            </a:r>
-            <a:r>
-              <a:rPr lang="ru-RU" sz="2000" dirty="0">
-                <a:latin typeface="Times New Roman" panose="02020603050405020304" pitchFamily="18" charset="0"/>
-                <a:cs typeface="Times New Roman" panose="02020603050405020304" pitchFamily="18" charset="0"/>
-              </a:rPr>
-              <a:t>рабочие нейронные сети, способные </a:t>
-            </a:r>
-            <a:r>
-              <a:rPr lang="ru-RU" sz="2000" dirty="0" smtClean="0">
-                <a:latin typeface="Times New Roman" panose="02020603050405020304" pitchFamily="18" charset="0"/>
-                <a:cs typeface="Times New Roman" panose="02020603050405020304" pitchFamily="18" charset="0"/>
-              </a:rPr>
-              <a:t>распознавать </a:t>
-            </a:r>
-            <a:r>
-              <a:rPr lang="ru-RU" sz="2000" dirty="0">
-                <a:latin typeface="Times New Roman" panose="02020603050405020304" pitchFamily="18" charset="0"/>
-                <a:cs typeface="Times New Roman" panose="02020603050405020304" pitchFamily="18" charset="0"/>
-              </a:rPr>
-              <a:t>формулы </a:t>
-            </a:r>
-            <a:r>
-              <a:rPr lang="ru-RU" sz="2000" dirty="0" smtClean="0">
-                <a:latin typeface="Times New Roman" panose="02020603050405020304" pitchFamily="18" charset="0"/>
-                <a:cs typeface="Times New Roman" panose="02020603050405020304" pitchFamily="18" charset="0"/>
-              </a:rPr>
-              <a:t>с изображений</a:t>
-            </a:r>
-          </a:p>
-          <a:p>
-            <a:pPr marL="342900" indent="-342900">
-              <a:buFont typeface="Courier New" panose="02070309020205020404" pitchFamily="49" charset="0"/>
-              <a:buChar char="o"/>
-            </a:pPr>
-            <a:r>
-              <a:rPr lang="ru-RU" sz="2000" dirty="0" smtClean="0">
-                <a:latin typeface="Times New Roman" panose="02020603050405020304" pitchFamily="18" charset="0"/>
-                <a:cs typeface="Times New Roman" panose="02020603050405020304" pitchFamily="18" charset="0"/>
-              </a:rPr>
-              <a:t>Показано, что </a:t>
-            </a:r>
-            <a:r>
-              <a:rPr lang="ru-RU" sz="2000" dirty="0" smtClean="0">
-                <a:latin typeface="Times New Roman" panose="02020603050405020304" pitchFamily="18" charset="0"/>
-                <a:cs typeface="Times New Roman" panose="02020603050405020304" pitchFamily="18" charset="0"/>
-              </a:rPr>
-              <a:t>нейронная </a:t>
-            </a:r>
-            <a:r>
-              <a:rPr lang="ru-RU" sz="2000" dirty="0">
-                <a:latin typeface="Times New Roman" panose="02020603050405020304" pitchFamily="18" charset="0"/>
-                <a:cs typeface="Times New Roman" panose="02020603050405020304" pitchFamily="18" charset="0"/>
-              </a:rPr>
-              <a:t>сеть на модели </a:t>
-            </a:r>
-            <a:r>
-              <a:rPr lang="ru-RU" sz="2000" dirty="0">
-                <a:latin typeface="Times New Roman" panose="02020603050405020304" pitchFamily="18" charset="0"/>
-                <a:cs typeface="Times New Roman" panose="02020603050405020304" pitchFamily="18" charset="0"/>
-              </a:rPr>
-              <a:t>«</a:t>
-            </a:r>
-            <a:r>
-              <a:rPr lang="ru-RU" sz="2000" dirty="0" err="1" smtClean="0">
-                <a:latin typeface="Times New Roman" panose="02020603050405020304" pitchFamily="18" charset="0"/>
-                <a:cs typeface="Times New Roman" panose="02020603050405020304" pitchFamily="18" charset="0"/>
-              </a:rPr>
-              <a:t>Трансформер</a:t>
-            </a:r>
-            <a:r>
-              <a:rPr lang="ru-RU" sz="2000" dirty="0" smtClean="0">
-                <a:latin typeface="Times New Roman" panose="02020603050405020304" pitchFamily="18" charset="0"/>
-                <a:cs typeface="Times New Roman" panose="02020603050405020304" pitchFamily="18" charset="0"/>
-              </a:rPr>
-              <a:t>» проходит обучение значительно быстрее, чем</a:t>
-            </a:r>
-            <a:r>
-              <a:rPr lang="ru-RU" sz="2000" dirty="0" smtClean="0">
-                <a:latin typeface="Times New Roman" panose="02020603050405020304" pitchFamily="18" charset="0"/>
-                <a:cs typeface="Times New Roman" panose="02020603050405020304" pitchFamily="18" charset="0"/>
-              </a:rPr>
-              <a:t> </a:t>
-            </a:r>
-            <a:r>
-              <a:rPr lang="ru-RU" sz="2000" dirty="0">
-                <a:latin typeface="Times New Roman" panose="02020603050405020304" pitchFamily="18" charset="0"/>
-                <a:cs typeface="Times New Roman" panose="02020603050405020304" pitchFamily="18" charset="0"/>
-              </a:rPr>
-              <a:t>нейронная сеть, основанная на GRU </a:t>
-            </a:r>
-            <a:r>
-              <a:rPr lang="ru-RU" sz="2000" dirty="0" smtClean="0">
-                <a:latin typeface="Times New Roman" panose="02020603050405020304" pitchFamily="18" charset="0"/>
-                <a:cs typeface="Times New Roman" panose="02020603050405020304" pitchFamily="18" charset="0"/>
-              </a:rPr>
-              <a:t>ячейке</a:t>
-            </a:r>
-          </a:p>
-          <a:p>
-            <a:pPr marL="342900" indent="-342900">
-              <a:buFont typeface="Courier New" panose="02070309020205020404" pitchFamily="49" charset="0"/>
-              <a:buChar char="o"/>
-            </a:pPr>
-            <a:r>
-              <a:rPr lang="ru-RU" sz="2000" dirty="0" smtClean="0">
-                <a:latin typeface="Times New Roman" panose="02020603050405020304" pitchFamily="18" charset="0"/>
-                <a:cs typeface="Times New Roman" panose="02020603050405020304" pitchFamily="18" charset="0"/>
-              </a:rPr>
-              <a:t>Установлено, что обученная </a:t>
-            </a:r>
-            <a:r>
-              <a:rPr lang="ru-RU" sz="2000" dirty="0">
-                <a:latin typeface="Times New Roman" panose="02020603050405020304" pitchFamily="18" charset="0"/>
-                <a:cs typeface="Times New Roman" panose="02020603050405020304" pitchFamily="18" charset="0"/>
-              </a:rPr>
-              <a:t>нейронная сеть на модели «</a:t>
-            </a:r>
-            <a:r>
-              <a:rPr lang="ru-RU" sz="2000" dirty="0" err="1">
-                <a:latin typeface="Times New Roman" panose="02020603050405020304" pitchFamily="18" charset="0"/>
-                <a:cs typeface="Times New Roman" panose="02020603050405020304" pitchFamily="18" charset="0"/>
-              </a:rPr>
-              <a:t>Трансформер</a:t>
-            </a:r>
-            <a:r>
-              <a:rPr lang="ru-RU" sz="2000" dirty="0" smtClean="0">
-                <a:latin typeface="Times New Roman" panose="02020603050405020304" pitchFamily="18" charset="0"/>
-                <a:cs typeface="Times New Roman" panose="02020603050405020304" pitchFamily="18" charset="0"/>
-              </a:rPr>
-              <a:t>», несмотря на меньшее </a:t>
-            </a:r>
-            <a:r>
-              <a:rPr lang="ru-RU" sz="2000" smtClean="0">
-                <a:latin typeface="Times New Roman" panose="02020603050405020304" pitchFamily="18" charset="0"/>
-                <a:cs typeface="Times New Roman" panose="02020603050405020304" pitchFamily="18" charset="0"/>
-              </a:rPr>
-              <a:t>количество обученных элементов</a:t>
-            </a:r>
-            <a:r>
-              <a:rPr lang="ru-RU" sz="2000" dirty="0" smtClean="0">
-                <a:latin typeface="Times New Roman" panose="02020603050405020304" pitchFamily="18" charset="0"/>
-                <a:cs typeface="Times New Roman" panose="02020603050405020304" pitchFamily="18" charset="0"/>
-              </a:rPr>
-              <a:t>, демонстрирует лучшее качество распознавания, </a:t>
-            </a:r>
-            <a:r>
-              <a:rPr lang="ru-RU" sz="2000" dirty="0">
-                <a:latin typeface="Times New Roman" panose="02020603050405020304" pitchFamily="18" charset="0"/>
-                <a:cs typeface="Times New Roman" panose="02020603050405020304" pitchFamily="18" charset="0"/>
-              </a:rPr>
-              <a:t>чем нейронная сеть, основанная на GRU ячейке</a:t>
-            </a:r>
-          </a:p>
-        </p:txBody>
-      </p:sp>
-      <p:sp>
-        <p:nvSpPr>
-          <p:cNvPr id="6" name="Заголовок 1"/>
-          <p:cNvSpPr>
-            <a:spLocks noGrp="1"/>
-          </p:cNvSpPr>
-          <p:nvPr>
-            <p:ph type="title"/>
-          </p:nvPr>
-        </p:nvSpPr>
-        <p:spPr>
-          <a:xfrm>
-            <a:off x="188516" y="142875"/>
-            <a:ext cx="11774884" cy="777240"/>
-          </a:xfrm>
-        </p:spPr>
-        <p:txBody>
-          <a:bodyPr/>
-          <a:lstStyle/>
-          <a:p>
-            <a:r>
-              <a:rPr lang="ru-RU" dirty="0" smtClean="0"/>
-              <a:t>Заключение</a:t>
-            </a:r>
-            <a:endParaRPr lang="ru-RU" dirty="0"/>
+              <a:t>обучения.</a:t>
+            </a:r>
           </a:p>
         </p:txBody>
       </p:sp>
@@ -10489,361 +8565,6 @@
 </file>
 
 <file path=ppt/slides/slide2.xml><?xml version="1.0" encoding="utf-8"?>
-<p:sld xmlns:a="http://schemas.openxmlformats.org/drawingml/2006/main" xmlns:r="http://schemas.openxmlformats.org/officeDocument/2006/relationships" xmlns:p="http://schemas.openxmlformats.org/presentationml/2006/main">
-  <p:cSld>
-    <p:spTree>
-      <p:nvGrpSpPr>
-        <p:cNvPr id="1" name=""/>
-        <p:cNvGrpSpPr/>
-        <p:nvPr/>
-      </p:nvGrpSpPr>
-      <p:grpSpPr>
-        <a:xfrm>
-          <a:off x="0" y="0"/>
-          <a:ext cx="0" cy="0"/>
-          <a:chOff x="0" y="0"/>
-          <a:chExt cx="0" cy="0"/>
-        </a:xfrm>
-      </p:grpSpPr>
-      <p:sp>
-        <p:nvSpPr>
-          <p:cNvPr id="2" name="Заголовок 1"/>
-          <p:cNvSpPr>
-            <a:spLocks noGrp="1"/>
-          </p:cNvSpPr>
-          <p:nvPr>
-            <p:ph type="title"/>
-          </p:nvPr>
-        </p:nvSpPr>
-        <p:spPr>
-          <a:xfrm>
-            <a:off x="280416" y="80772"/>
-            <a:ext cx="11119104" cy="605028"/>
-          </a:xfrm>
-        </p:spPr>
-        <p:txBody>
-          <a:bodyPr>
-            <a:normAutofit fontScale="90000"/>
-          </a:bodyPr>
-          <a:lstStyle/>
-          <a:p>
-            <a:r>
-              <a:rPr lang="ru-RU" dirty="0"/>
-              <a:t>Существующие системы распознавания формул</a:t>
-            </a:r>
-          </a:p>
-        </p:txBody>
-      </p:sp>
-      <p:sp>
-        <p:nvSpPr>
-          <p:cNvPr id="3" name="Объект 2"/>
-          <p:cNvSpPr>
-            <a:spLocks noGrp="1"/>
-          </p:cNvSpPr>
-          <p:nvPr>
-            <p:ph idx="1"/>
-          </p:nvPr>
-        </p:nvSpPr>
-        <p:spPr>
-          <a:xfrm>
-            <a:off x="600456" y="877824"/>
-            <a:ext cx="10623804" cy="4707636"/>
-          </a:xfrm>
-        </p:spPr>
-        <p:txBody>
-          <a:bodyPr>
-            <a:normAutofit lnSpcReduction="10000"/>
-          </a:bodyPr>
-          <a:lstStyle/>
-          <a:p>
-            <a:pPr marL="0" indent="0">
-              <a:buNone/>
-            </a:pPr>
-            <a:r>
-              <a:rPr lang="ru-RU" sz="2400" dirty="0"/>
-              <a:t>Экспертные </a:t>
-            </a:r>
-            <a:r>
-              <a:rPr lang="ru-RU" sz="2400" dirty="0" smtClean="0"/>
-              <a:t>системы</a:t>
-            </a:r>
-            <a:r>
-              <a:rPr lang="en-US" sz="2400" dirty="0" smtClean="0"/>
-              <a:t>:</a:t>
-            </a:r>
-          </a:p>
-          <a:p>
-            <a:r>
-              <a:rPr lang="en-US" sz="2400" dirty="0"/>
-              <a:t>MS Math input </a:t>
-            </a:r>
-            <a:r>
-              <a:rPr lang="en-US" sz="2400" dirty="0" smtClean="0"/>
-              <a:t>panel</a:t>
-            </a:r>
-          </a:p>
-          <a:p>
-            <a:r>
-              <a:rPr lang="en-US" sz="2400" dirty="0" smtClean="0"/>
-              <a:t>InftyProject</a:t>
-            </a:r>
-            <a:r>
-              <a:rPr lang="en-US" sz="2400" baseline="30000" dirty="0" smtClean="0"/>
-              <a:t>1)</a:t>
-            </a:r>
-            <a:r>
-              <a:rPr lang="en-US" sz="2400" dirty="0" smtClean="0"/>
-              <a:t>: </a:t>
-            </a:r>
-            <a:r>
-              <a:rPr lang="en-US" sz="2400" dirty="0" err="1"/>
-              <a:t>InftyReader</a:t>
-            </a:r>
-            <a:r>
-              <a:rPr lang="en-US" sz="2400" dirty="0"/>
-              <a:t> </a:t>
-            </a:r>
-            <a:r>
-              <a:rPr lang="ru-RU" sz="2400" dirty="0"/>
-              <a:t>и </a:t>
-            </a:r>
-            <a:r>
-              <a:rPr lang="en-US" sz="2400" dirty="0" err="1"/>
-              <a:t>InftyEditor</a:t>
-            </a:r>
-            <a:r>
-              <a:rPr lang="en-US" sz="2400" dirty="0"/>
-              <a:t> </a:t>
-            </a:r>
-            <a:endParaRPr lang="en-US" sz="2400" dirty="0" smtClean="0"/>
-          </a:p>
-          <a:p>
-            <a:pPr marL="0" indent="0">
-              <a:buNone/>
-            </a:pPr>
-            <a:endParaRPr lang="en-US" sz="2400" dirty="0"/>
-          </a:p>
-          <a:p>
-            <a:pPr marL="0" indent="0">
-              <a:buNone/>
-            </a:pPr>
-            <a:r>
-              <a:rPr lang="ru-RU" sz="2400" dirty="0"/>
-              <a:t>Искусственные нейронные </a:t>
-            </a:r>
-            <a:r>
-              <a:rPr lang="ru-RU" sz="2400" dirty="0" smtClean="0"/>
-              <a:t>сети</a:t>
-            </a:r>
-            <a:endParaRPr lang="en-US" sz="2400" dirty="0" smtClean="0"/>
-          </a:p>
-          <a:p>
-            <a:r>
-              <a:rPr lang="en-US" sz="2400" dirty="0" smtClean="0"/>
-              <a:t>Mathpix</a:t>
-            </a:r>
-            <a:r>
-              <a:rPr lang="en-US" sz="2400" baseline="30000" dirty="0" smtClean="0"/>
-              <a:t>2)</a:t>
-            </a:r>
-          </a:p>
-          <a:p>
-            <a:r>
-              <a:rPr lang="en-US" sz="2400" dirty="0" smtClean="0"/>
-              <a:t>Image-to-Markup</a:t>
-            </a:r>
-            <a:r>
-              <a:rPr lang="en-US" sz="2400" baseline="30000" dirty="0" smtClean="0"/>
-              <a:t>3)</a:t>
-            </a:r>
-          </a:p>
-          <a:p>
-            <a:pPr marL="0" indent="0">
-              <a:buNone/>
-            </a:pPr>
-            <a:endParaRPr lang="en-US" baseline="30000" dirty="0"/>
-          </a:p>
-          <a:p>
-            <a:pPr marL="0" indent="0">
-              <a:buNone/>
-            </a:pPr>
-            <a:r>
-              <a:rPr lang="en-US" baseline="30000" dirty="0" smtClean="0"/>
-              <a:t>1) www.inftyreader.org</a:t>
-            </a:r>
-          </a:p>
-          <a:p>
-            <a:pPr marL="0" indent="0">
-              <a:buNone/>
-            </a:pPr>
-            <a:r>
-              <a:rPr lang="en-US" baseline="30000" dirty="0" smtClean="0"/>
-              <a:t>2) mathpix.com</a:t>
-            </a:r>
-          </a:p>
-          <a:p>
-            <a:pPr marL="0" indent="0">
-              <a:buNone/>
-            </a:pPr>
-            <a:r>
-              <a:rPr lang="en-US" baseline="30000" dirty="0" smtClean="0"/>
-              <a:t>3) </a:t>
-            </a:r>
-            <a:r>
-              <a:rPr lang="en-US" baseline="30000" dirty="0"/>
-              <a:t>Y. Deng, A. </a:t>
-            </a:r>
-            <a:r>
-              <a:rPr lang="en-US" baseline="30000" dirty="0" err="1"/>
-              <a:t>Kanervisto</a:t>
-            </a:r>
-            <a:r>
-              <a:rPr lang="en-US" baseline="30000" dirty="0"/>
-              <a:t>, J. Ling, and A. M. Rush, “Image-to-markup generation with coarse-to-fine attention,” 34th International Conference on Machine Learning, ICML 2017, vol. 3, pp. 1631–1640, 2017. </a:t>
-            </a:r>
-            <a:r>
-              <a:rPr lang="en-US" baseline="30000" dirty="0" smtClean="0"/>
-              <a:t>(http</a:t>
-            </a:r>
-            <a:r>
-              <a:rPr lang="en-US" baseline="30000" dirty="0"/>
-              <a:t>://</a:t>
-            </a:r>
-            <a:r>
-              <a:rPr lang="en-US" baseline="30000" dirty="0" smtClean="0"/>
-              <a:t>lstm.seas.harvard.edu/latex)</a:t>
-            </a:r>
-            <a:endParaRPr lang="en-US" baseline="30000" dirty="0"/>
-          </a:p>
-          <a:p>
-            <a:pPr marL="0" indent="0">
-              <a:buNone/>
-            </a:pPr>
-            <a:endParaRPr lang="ru-RU" baseline="30000" dirty="0"/>
-          </a:p>
-        </p:txBody>
-      </p:sp>
-    </p:spTree>
-    <p:extLst>
-      <p:ext uri="{BB962C8B-B14F-4D97-AF65-F5344CB8AC3E}">
-        <p14:creationId xmlns:p14="http://schemas.microsoft.com/office/powerpoint/2010/main" val="1490484494"/>
-      </p:ext>
-    </p:extLst>
-  </p:cSld>
-  <p:clrMapOvr>
-    <a:masterClrMapping/>
-  </p:clrMapOvr>
-</p:sld>
-</file>
-
-<file path=ppt/slides/slide3.xml><?xml version="1.0" encoding="utf-8"?>
-<p:sld xmlns:a="http://schemas.openxmlformats.org/drawingml/2006/main" xmlns:r="http://schemas.openxmlformats.org/officeDocument/2006/relationships" xmlns:p="http://schemas.openxmlformats.org/presentationml/2006/main">
-  <p:cSld>
-    <p:spTree>
-      <p:nvGrpSpPr>
-        <p:cNvPr id="1" name=""/>
-        <p:cNvGrpSpPr/>
-        <p:nvPr/>
-      </p:nvGrpSpPr>
-      <p:grpSpPr>
-        <a:xfrm>
-          <a:off x="0" y="0"/>
-          <a:ext cx="0" cy="0"/>
-          <a:chOff x="0" y="0"/>
-          <a:chExt cx="0" cy="0"/>
-        </a:xfrm>
-      </p:grpSpPr>
-      <p:sp>
-        <p:nvSpPr>
-          <p:cNvPr id="2" name="Заголовок 1"/>
-          <p:cNvSpPr>
-            <a:spLocks noGrp="1"/>
-          </p:cNvSpPr>
-          <p:nvPr>
-            <p:ph type="title"/>
-          </p:nvPr>
-        </p:nvSpPr>
-        <p:spPr>
-          <a:xfrm>
-            <a:off x="432816" y="0"/>
-            <a:ext cx="11599164" cy="777240"/>
-          </a:xfrm>
-        </p:spPr>
-        <p:txBody>
-          <a:bodyPr/>
-          <a:lstStyle/>
-          <a:p>
-            <a:r>
-              <a:rPr lang="ru-RU" dirty="0"/>
-              <a:t>Общий </a:t>
-            </a:r>
-            <a:r>
-              <a:rPr lang="ru-RU" dirty="0" smtClean="0"/>
-              <a:t>вид</a:t>
-            </a:r>
-            <a:r>
-              <a:rPr lang="en-US" dirty="0"/>
-              <a:t> </a:t>
-            </a:r>
-            <a:r>
-              <a:rPr lang="ru-RU" dirty="0" smtClean="0"/>
-              <a:t>сети на основе </a:t>
-            </a:r>
-            <a:r>
-              <a:rPr lang="en-US" dirty="0" smtClean="0"/>
-              <a:t>GRU </a:t>
-            </a:r>
-            <a:r>
-              <a:rPr lang="ru-RU" dirty="0" smtClean="0"/>
-              <a:t>ячейки</a:t>
-            </a:r>
-            <a:endParaRPr lang="ru-RU" dirty="0"/>
-          </a:p>
-        </p:txBody>
-      </p:sp>
-      <p:pic>
-        <p:nvPicPr>
-          <p:cNvPr id="4" name="Объект 3"/>
-          <p:cNvPicPr>
-            <a:picLocks noGrp="1" noChangeAspect="1"/>
-          </p:cNvPicPr>
-          <p:nvPr>
-            <p:ph idx="1"/>
-          </p:nvPr>
-        </p:nvPicPr>
-        <p:blipFill>
-          <a:blip r:embed="rId2" cstate="print">
-            <a:extLst>
-              <a:ext uri="{28A0092B-C50C-407E-A947-70E740481C1C}">
-                <a14:useLocalDpi xmlns:a14="http://schemas.microsoft.com/office/drawing/2010/main" val="0"/>
-              </a:ext>
-            </a:extLst>
-          </a:blip>
-          <a:stretch>
-            <a:fillRect/>
-          </a:stretch>
-        </p:blipFill>
-        <p:spPr>
-          <a:xfrm>
-            <a:off x="171133" y="1948603"/>
-            <a:ext cx="11661258" cy="3880697"/>
-          </a:xfrm>
-        </p:spPr>
-      </p:pic>
-    </p:spTree>
-    <p:extLst>
-      <p:ext uri="{BB962C8B-B14F-4D97-AF65-F5344CB8AC3E}">
-        <p14:creationId xmlns:p14="http://schemas.microsoft.com/office/powerpoint/2010/main" val="2995031380"/>
-      </p:ext>
-    </p:extLst>
-  </p:cSld>
-  <p:clrMapOvr>
-    <a:masterClrMapping/>
-  </p:clrMapOvr>
-</p:sld>
-</file>
-
-<file path=ppt/slides/slide4.xml><?xml version="1.0" encoding="utf-8"?>
 <p:sld xmlns:a="http://schemas.openxmlformats.org/drawingml/2006/main" xmlns:r="http://schemas.openxmlformats.org/officeDocument/2006/relationships" xmlns:p="http://schemas.openxmlformats.org/presentationml/2006/main">
   <p:cSld>
     <p:spTree>
@@ -11060,7 +8781,7 @@
 </p:sld>
 </file>
 
-<file path=ppt/slides/slide5.xml><?xml version="1.0" encoding="utf-8"?>
+<file path=ppt/slides/slide3.xml><?xml version="1.0" encoding="utf-8"?>
 <p:sld xmlns:a="http://schemas.openxmlformats.org/drawingml/2006/main" xmlns:r="http://schemas.openxmlformats.org/officeDocument/2006/relationships" xmlns:p="http://schemas.openxmlformats.org/presentationml/2006/main">
   <p:cSld>
     <p:spTree>
@@ -11173,7 +8894,7 @@
                         <m:dPr>
                           <m:ctrlPr>
                             <a:rPr lang="ru-RU" i="1" smtClean="0">
-                              <a:latin typeface="Cambria Math"/>
+                              <a:latin typeface="Cambria Math" panose="02040503050406030204" pitchFamily="18" charset="0"/>
                             </a:rPr>
                           </m:ctrlPr>
                         </m:dPr>
@@ -11190,7 +8911,7 @@
                               </m:mcs>
                               <m:ctrlPr>
                                 <a:rPr lang="ru-RU" i="1">
-                                  <a:latin typeface="Cambria Math"/>
+                                  <a:latin typeface="Cambria Math" panose="02040503050406030204" pitchFamily="18" charset="0"/>
                                 </a:rPr>
                               </m:ctrlPr>
                             </m:mPr>
@@ -11417,7 +9138,7 @@
                         <m:dPr>
                           <m:ctrlPr>
                             <a:rPr lang="ru-RU" i="1">
-                              <a:latin typeface="Cambria Math"/>
+                              <a:latin typeface="Cambria Math" panose="02040503050406030204" pitchFamily="18" charset="0"/>
                             </a:rPr>
                           </m:ctrlPr>
                         </m:dPr>
@@ -11434,7 +9155,7 @@
                               </m:mcs>
                               <m:ctrlPr>
                                 <a:rPr lang="ru-RU" i="1">
-                                  <a:latin typeface="Cambria Math"/>
+                                  <a:latin typeface="Cambria Math" panose="02040503050406030204" pitchFamily="18" charset="0"/>
                                 </a:rPr>
                               </m:ctrlPr>
                             </m:mPr>
@@ -11529,7 +9250,7 @@
                         <m:dPr>
                           <m:ctrlPr>
                             <a:rPr lang="ru-RU" i="1">
-                              <a:latin typeface="Cambria Math"/>
+                              <a:latin typeface="Cambria Math" panose="02040503050406030204" pitchFamily="18" charset="0"/>
                             </a:rPr>
                           </m:ctrlPr>
                         </m:dPr>
@@ -11546,7 +9267,7 @@
                               </m:mcs>
                               <m:ctrlPr>
                                 <a:rPr lang="ru-RU" i="1">
-                                  <a:latin typeface="Cambria Math"/>
+                                  <a:latin typeface="Cambria Math" panose="02040503050406030204" pitchFamily="18" charset="0"/>
                                 </a:rPr>
                               </m:ctrlPr>
                             </m:mPr>
@@ -11744,7 +9465,7 @@
 </p:sld>
 </file>
 
-<file path=ppt/slides/slide6.xml><?xml version="1.0" encoding="utf-8"?>
+<file path=ppt/slides/slide4.xml><?xml version="1.0" encoding="utf-8"?>
 <p:sld xmlns:a="http://schemas.openxmlformats.org/drawingml/2006/main" xmlns:r="http://schemas.openxmlformats.org/officeDocument/2006/relationships" xmlns:p="http://schemas.openxmlformats.org/presentationml/2006/main">
   <p:cSld>
     <p:spTree>
@@ -11806,7 +9527,7 @@
                       <m:sSupPr>
                         <m:ctrlPr>
                           <a:rPr lang="ru-RU" i="1">
-                            <a:latin typeface="Cambria Math"/>
+                            <a:latin typeface="Cambria Math" panose="02040503050406030204" pitchFamily="18" charset="0"/>
                             <a:ea typeface="Times New Roman" panose="02020603050405020304" pitchFamily="18" charset="0"/>
                             <a:cs typeface="Times New Roman" panose="02020603050405020304" pitchFamily="18" charset="0"/>
                           </a:rPr>
@@ -11993,7 +9714,7 @@
                         <m:sSubSupPr>
                           <m:ctrlPr>
                             <a:rPr lang="ru-RU" i="1">
-                              <a:latin typeface="Cambria Math"/>
+                              <a:latin typeface="Cambria Math" panose="02040503050406030204" pitchFamily="18" charset="0"/>
                               <a:ea typeface="Times New Roman" panose="02020603050405020304" pitchFamily="18" charset="0"/>
                               <a:cs typeface="Times New Roman" panose="02020603050405020304" pitchFamily="18" charset="0"/>
                             </a:rPr>
@@ -12061,7 +9782,7 @@
                           <m:supHide m:val="on"/>
                           <m:ctrlPr>
                             <a:rPr lang="ru-RU" i="1">
-                              <a:latin typeface="Cambria Math"/>
+                              <a:latin typeface="Cambria Math" panose="02040503050406030204" pitchFamily="18" charset="0"/>
                               <a:ea typeface="Times New Roman" panose="02020603050405020304" pitchFamily="18" charset="0"/>
                               <a:cs typeface="Times New Roman" panose="02020603050405020304" pitchFamily="18" charset="0"/>
                             </a:rPr>
@@ -12139,7 +9860,7 @@
                             <m:sSubPr>
                               <m:ctrlPr>
                                 <a:rPr lang="ru-RU" i="1">
-                                  <a:latin typeface="Cambria Math"/>
+                                  <a:latin typeface="Cambria Math" panose="02040503050406030204" pitchFamily="18" charset="0"/>
                                   <a:ea typeface="Times New Roman" panose="02020603050405020304" pitchFamily="18" charset="0"/>
                                   <a:cs typeface="Times New Roman" panose="02020603050405020304" pitchFamily="18" charset="0"/>
                                 </a:rPr>
@@ -12186,7 +9907,7 @@
                             <m:sSubSupPr>
                               <m:ctrlPr>
                                 <a:rPr lang="ru-RU" i="1">
-                                  <a:latin typeface="Cambria Math"/>
+                                  <a:latin typeface="Cambria Math" panose="02040503050406030204" pitchFamily="18" charset="0"/>
                                   <a:ea typeface="Times New Roman" panose="02020603050405020304" pitchFamily="18" charset="0"/>
                                   <a:cs typeface="Times New Roman" panose="02020603050405020304" pitchFamily="18" charset="0"/>
                                 </a:rPr>
@@ -12386,7 +10107,7 @@
                       <m:sSubSupPr>
                         <m:ctrlPr>
                           <a:rPr lang="ru-RU" i="1">
-                            <a:latin typeface="Cambria Math"/>
+                            <a:latin typeface="Cambria Math" panose="02040503050406030204" pitchFamily="18" charset="0"/>
                             <a:ea typeface="Times New Roman" panose="02020603050405020304" pitchFamily="18" charset="0"/>
                             <a:cs typeface="Times New Roman" panose="02020603050405020304" pitchFamily="18" charset="0"/>
                           </a:rPr>
@@ -12467,7 +10188,7 @@
                       <m:sSubSupPr>
                         <m:ctrlPr>
                           <a:rPr lang="ru-RU" i="1">
-                            <a:latin typeface="Cambria Math"/>
+                            <a:latin typeface="Cambria Math" panose="02040503050406030204" pitchFamily="18" charset="0"/>
                             <a:ea typeface="Times New Roman" panose="02020603050405020304" pitchFamily="18" charset="0"/>
                             <a:cs typeface="Times New Roman" panose="02020603050405020304" pitchFamily="18" charset="0"/>
                           </a:rPr>
@@ -12733,7 +10454,7 @@
 </p:sld>
 </file>
 
-<file path=ppt/slides/slide7.xml><?xml version="1.0" encoding="utf-8"?>
+<file path=ppt/slides/slide5.xml><?xml version="1.0" encoding="utf-8"?>
 <p:sld xmlns:a="http://schemas.openxmlformats.org/drawingml/2006/main" xmlns:r="http://schemas.openxmlformats.org/officeDocument/2006/relationships" xmlns:p="http://schemas.openxmlformats.org/presentationml/2006/main">
   <p:cSld>
     <p:spTree>
@@ -12873,7 +10594,7 @@
                       <m:sSubPr>
                         <m:ctrlPr>
                           <a:rPr lang="ru-RU" i="1">
-                            <a:latin typeface="Cambria Math"/>
+                            <a:latin typeface="Cambria Math" panose="02040503050406030204" pitchFamily="18" charset="0"/>
                             <a:ea typeface="Times New Roman" panose="02020603050405020304" pitchFamily="18" charset="0"/>
                             <a:cs typeface="Times New Roman" panose="02020603050405020304" pitchFamily="18" charset="0"/>
                           </a:rPr>
@@ -12958,7 +10679,7 @@
                         <m:sSubPr>
                           <m:ctrlPr>
                             <a:rPr lang="ru-RU" i="1">
-                              <a:latin typeface="Cambria Math"/>
+                              <a:latin typeface="Cambria Math" panose="02040503050406030204" pitchFamily="18" charset="0"/>
                               <a:ea typeface="Times New Roman" panose="02020603050405020304" pitchFamily="18" charset="0"/>
                               <a:cs typeface="Times New Roman" panose="02020603050405020304" pitchFamily="18" charset="0"/>
                             </a:rPr>
@@ -13013,7 +10734,7 @@
                         <m:sSubPr>
                           <m:ctrlPr>
                             <a:rPr lang="ru-RU" i="1">
-                              <a:latin typeface="Cambria Math"/>
+                              <a:latin typeface="Cambria Math" panose="02040503050406030204" pitchFamily="18" charset="0"/>
                               <a:ea typeface="Times New Roman" panose="02020603050405020304" pitchFamily="18" charset="0"/>
                               <a:cs typeface="Times New Roman" panose="02020603050405020304" pitchFamily="18" charset="0"/>
                             </a:rPr>
@@ -13052,7 +10773,7 @@
                         <m:sSubPr>
                           <m:ctrlPr>
                             <a:rPr lang="ru-RU" i="1">
-                              <a:latin typeface="Cambria Math"/>
+                              <a:latin typeface="Cambria Math" panose="02040503050406030204" pitchFamily="18" charset="0"/>
                               <a:ea typeface="Times New Roman" panose="02020603050405020304" pitchFamily="18" charset="0"/>
                               <a:cs typeface="Times New Roman" panose="02020603050405020304" pitchFamily="18" charset="0"/>
                             </a:rPr>
@@ -13083,7 +10804,7 @@
                         <m:sSubPr>
                           <m:ctrlPr>
                             <a:rPr lang="ru-RU" i="1">
-                              <a:latin typeface="Cambria Math"/>
+                              <a:latin typeface="Cambria Math" panose="02040503050406030204" pitchFamily="18" charset="0"/>
                               <a:ea typeface="Times New Roman" panose="02020603050405020304" pitchFamily="18" charset="0"/>
                               <a:cs typeface="Times New Roman" panose="02020603050405020304" pitchFamily="18" charset="0"/>
                             </a:rPr>
@@ -13130,7 +10851,7 @@
                         <m:sSubPr>
                           <m:ctrlPr>
                             <a:rPr lang="ru-RU" i="1">
-                              <a:latin typeface="Cambria Math"/>
+                              <a:latin typeface="Cambria Math" panose="02040503050406030204" pitchFamily="18" charset="0"/>
                               <a:ea typeface="Times New Roman" panose="02020603050405020304" pitchFamily="18" charset="0"/>
                               <a:cs typeface="Times New Roman" panose="02020603050405020304" pitchFamily="18" charset="0"/>
                             </a:rPr>
@@ -13218,7 +10939,7 @@
                         <m:sSubPr>
                           <m:ctrlPr>
                             <a:rPr lang="ru-RU" i="1">
-                              <a:latin typeface="Cambria Math"/>
+                              <a:latin typeface="Cambria Math" panose="02040503050406030204" pitchFamily="18" charset="0"/>
                               <a:ea typeface="Times New Roman" panose="02020603050405020304" pitchFamily="18" charset="0"/>
                               <a:cs typeface="Times New Roman" panose="02020603050405020304" pitchFamily="18" charset="0"/>
                             </a:rPr>
@@ -13273,7 +10994,7 @@
                         <m:sSubPr>
                           <m:ctrlPr>
                             <a:rPr lang="ru-RU" i="1">
-                              <a:latin typeface="Cambria Math"/>
+                              <a:latin typeface="Cambria Math" panose="02040503050406030204" pitchFamily="18" charset="0"/>
                               <a:ea typeface="Times New Roman" panose="02020603050405020304" pitchFamily="18" charset="0"/>
                               <a:cs typeface="Times New Roman" panose="02020603050405020304" pitchFamily="18" charset="0"/>
                             </a:rPr>
@@ -13304,7 +11025,7 @@
                         <m:sSubPr>
                           <m:ctrlPr>
                             <a:rPr lang="ru-RU" i="1">
-                              <a:latin typeface="Cambria Math"/>
+                              <a:latin typeface="Cambria Math" panose="02040503050406030204" pitchFamily="18" charset="0"/>
                               <a:ea typeface="Times New Roman" panose="02020603050405020304" pitchFamily="18" charset="0"/>
                               <a:cs typeface="Times New Roman" panose="02020603050405020304" pitchFamily="18" charset="0"/>
                             </a:rPr>
@@ -13343,7 +11064,7 @@
                         <m:sSubPr>
                           <m:ctrlPr>
                             <a:rPr lang="ru-RU" i="1">
-                              <a:latin typeface="Cambria Math"/>
+                              <a:latin typeface="Cambria Math" panose="02040503050406030204" pitchFamily="18" charset="0"/>
                               <a:ea typeface="Times New Roman" panose="02020603050405020304" pitchFamily="18" charset="0"/>
                               <a:cs typeface="Times New Roman" panose="02020603050405020304" pitchFamily="18" charset="0"/>
                             </a:rPr>
@@ -13374,7 +11095,7 @@
                         <m:sSubPr>
                           <m:ctrlPr>
                             <a:rPr lang="ru-RU" i="1">
-                              <a:latin typeface="Cambria Math"/>
+                              <a:latin typeface="Cambria Math" panose="02040503050406030204" pitchFamily="18" charset="0"/>
                               <a:ea typeface="Times New Roman" panose="02020603050405020304" pitchFamily="18" charset="0"/>
                               <a:cs typeface="Times New Roman" panose="02020603050405020304" pitchFamily="18" charset="0"/>
                             </a:rPr>
@@ -13421,7 +11142,7 @@
                         <m:sSubPr>
                           <m:ctrlPr>
                             <a:rPr lang="ru-RU" i="1">
-                              <a:latin typeface="Cambria Math"/>
+                              <a:latin typeface="Cambria Math" panose="02040503050406030204" pitchFamily="18" charset="0"/>
                               <a:ea typeface="Times New Roman" panose="02020603050405020304" pitchFamily="18" charset="0"/>
                               <a:cs typeface="Times New Roman" panose="02020603050405020304" pitchFamily="18" charset="0"/>
                             </a:rPr>
@@ -13509,7 +11230,7 @@
                         <m:sSubPr>
                           <m:ctrlPr>
                             <a:rPr lang="ru-RU" i="1">
-                              <a:latin typeface="Cambria Math"/>
+                              <a:latin typeface="Cambria Math" panose="02040503050406030204" pitchFamily="18" charset="0"/>
                               <a:ea typeface="Times New Roman" panose="02020603050405020304" pitchFamily="18" charset="0"/>
                               <a:cs typeface="Times New Roman" panose="02020603050405020304" pitchFamily="18" charset="0"/>
                             </a:rPr>
@@ -13572,7 +11293,7 @@
                         <m:sSubPr>
                           <m:ctrlPr>
                             <a:rPr lang="ru-RU" i="1">
-                              <a:latin typeface="Cambria Math"/>
+                              <a:latin typeface="Cambria Math" panose="02040503050406030204" pitchFamily="18" charset="0"/>
                               <a:ea typeface="Times New Roman" panose="02020603050405020304" pitchFamily="18" charset="0"/>
                               <a:cs typeface="Times New Roman" panose="02020603050405020304" pitchFamily="18" charset="0"/>
                             </a:rPr>
@@ -13601,7 +11322,7 @@
                             <m:sSupPr>
                               <m:ctrlPr>
                                 <a:rPr lang="ru-RU" i="1">
-                                  <a:latin typeface="Cambria Math"/>
+                                  <a:latin typeface="Cambria Math" panose="02040503050406030204" pitchFamily="18" charset="0"/>
                                   <a:ea typeface="Times New Roman" panose="02020603050405020304" pitchFamily="18" charset="0"/>
                                   <a:cs typeface="Times New Roman" panose="02020603050405020304" pitchFamily="18" charset="0"/>
                                 </a:rPr>
@@ -13634,7 +11355,7 @@
                         <m:sSubPr>
                           <m:ctrlPr>
                             <a:rPr lang="ru-RU" i="1">
-                              <a:latin typeface="Cambria Math"/>
+                              <a:latin typeface="Cambria Math" panose="02040503050406030204" pitchFamily="18" charset="0"/>
                               <a:ea typeface="Times New Roman" panose="02020603050405020304" pitchFamily="18" charset="0"/>
                               <a:cs typeface="Times New Roman" panose="02020603050405020304" pitchFamily="18" charset="0"/>
                             </a:rPr>
@@ -13673,7 +11394,7 @@
                         <m:sSubPr>
                           <m:ctrlPr>
                             <a:rPr lang="ru-RU" i="1">
-                              <a:latin typeface="Cambria Math"/>
+                              <a:latin typeface="Cambria Math" panose="02040503050406030204" pitchFamily="18" charset="0"/>
                               <a:ea typeface="Times New Roman" panose="02020603050405020304" pitchFamily="18" charset="0"/>
                               <a:cs typeface="Times New Roman" panose="02020603050405020304" pitchFamily="18" charset="0"/>
                             </a:rPr>
@@ -13702,7 +11423,7 @@
                             <m:sSupPr>
                               <m:ctrlPr>
                                 <a:rPr lang="ru-RU" i="1">
-                                  <a:latin typeface="Cambria Math"/>
+                                  <a:latin typeface="Cambria Math" panose="02040503050406030204" pitchFamily="18" charset="0"/>
                                   <a:ea typeface="Times New Roman" panose="02020603050405020304" pitchFamily="18" charset="0"/>
                                   <a:cs typeface="Times New Roman" panose="02020603050405020304" pitchFamily="18" charset="0"/>
                                 </a:rPr>
@@ -13735,7 +11456,7 @@
                         <m:dPr>
                           <m:ctrlPr>
                             <a:rPr lang="ru-RU" i="1">
-                              <a:latin typeface="Cambria Math"/>
+                              <a:latin typeface="Cambria Math" panose="02040503050406030204" pitchFamily="18" charset="0"/>
                               <a:ea typeface="Times New Roman" panose="02020603050405020304" pitchFamily="18" charset="0"/>
                               <a:cs typeface="Times New Roman" panose="02020603050405020304" pitchFamily="18" charset="0"/>
                             </a:rPr>
@@ -13746,7 +11467,7 @@
                             <m:sSubPr>
                               <m:ctrlPr>
                                 <a:rPr lang="ru-RU" i="1">
-                                  <a:latin typeface="Cambria Math"/>
+                                  <a:latin typeface="Cambria Math" panose="02040503050406030204" pitchFamily="18" charset="0"/>
                                   <a:ea typeface="Times New Roman" panose="02020603050405020304" pitchFamily="18" charset="0"/>
                                   <a:cs typeface="Times New Roman" panose="02020603050405020304" pitchFamily="18" charset="0"/>
                                 </a:rPr>
@@ -13785,7 +11506,7 @@
                             <m:sSubPr>
                               <m:ctrlPr>
                                 <a:rPr lang="ru-RU" i="1">
-                                  <a:latin typeface="Cambria Math"/>
+                                  <a:latin typeface="Cambria Math" panose="02040503050406030204" pitchFamily="18" charset="0"/>
                                   <a:ea typeface="Times New Roman" panose="02020603050405020304" pitchFamily="18" charset="0"/>
                                   <a:cs typeface="Times New Roman" panose="02020603050405020304" pitchFamily="18" charset="0"/>
                                 </a:rPr>
@@ -13883,7 +11604,7 @@
                         <m:sSubPr>
                           <m:ctrlPr>
                             <a:rPr lang="ru-RU" i="1">
-                              <a:latin typeface="Cambria Math"/>
+                              <a:latin typeface="Cambria Math" panose="02040503050406030204" pitchFamily="18" charset="0"/>
                               <a:ea typeface="Times New Roman" panose="02020603050405020304" pitchFamily="18" charset="0"/>
                               <a:cs typeface="Times New Roman" panose="02020603050405020304" pitchFamily="18" charset="0"/>
                             </a:rPr>
@@ -13930,7 +11651,7 @@
                         <m:dPr>
                           <m:ctrlPr>
                             <a:rPr lang="ru-RU" i="1">
-                              <a:latin typeface="Cambria Math"/>
+                              <a:latin typeface="Cambria Math" panose="02040503050406030204" pitchFamily="18" charset="0"/>
                               <a:ea typeface="Times New Roman" panose="02020603050405020304" pitchFamily="18" charset="0"/>
                               <a:cs typeface="Times New Roman" panose="02020603050405020304" pitchFamily="18" charset="0"/>
                             </a:rPr>
@@ -13949,7 +11670,7 @@
                             <m:sSubPr>
                               <m:ctrlPr>
                                 <a:rPr lang="ru-RU" i="1">
-                                  <a:latin typeface="Cambria Math"/>
+                                  <a:latin typeface="Cambria Math" panose="02040503050406030204" pitchFamily="18" charset="0"/>
                                   <a:ea typeface="Times New Roman" panose="02020603050405020304" pitchFamily="18" charset="0"/>
                                   <a:cs typeface="Times New Roman" panose="02020603050405020304" pitchFamily="18" charset="0"/>
                                 </a:rPr>
@@ -13990,7 +11711,7 @@
                         <m:sSubPr>
                           <m:ctrlPr>
                             <a:rPr lang="ru-RU" i="1">
-                              <a:latin typeface="Cambria Math"/>
+                              <a:latin typeface="Cambria Math" panose="02040503050406030204" pitchFamily="18" charset="0"/>
                               <a:ea typeface="Times New Roman" panose="02020603050405020304" pitchFamily="18" charset="0"/>
                               <a:cs typeface="Times New Roman" panose="02020603050405020304" pitchFamily="18" charset="0"/>
                             </a:rPr>
@@ -14001,7 +11722,7 @@
                             <m:sSupPr>
                               <m:ctrlPr>
                                 <a:rPr lang="ru-RU" i="1">
-                                  <a:latin typeface="Cambria Math"/>
+                                  <a:latin typeface="Cambria Math" panose="02040503050406030204" pitchFamily="18" charset="0"/>
                                   <a:ea typeface="Times New Roman" panose="02020603050405020304" pitchFamily="18" charset="0"/>
                                   <a:cs typeface="Times New Roman" panose="02020603050405020304" pitchFamily="18" charset="0"/>
                                 </a:rPr>
@@ -14052,7 +11773,7 @@
                         <m:sSubPr>
                           <m:ctrlPr>
                             <a:rPr lang="ru-RU" i="1">
-                              <a:latin typeface="Cambria Math"/>
+                              <a:latin typeface="Cambria Math" panose="02040503050406030204" pitchFamily="18" charset="0"/>
                               <a:ea typeface="Times New Roman" panose="02020603050405020304" pitchFamily="18" charset="0"/>
                               <a:cs typeface="Times New Roman" panose="02020603050405020304" pitchFamily="18" charset="0"/>
                             </a:rPr>
@@ -14091,7 +11812,7 @@
                         <m:sSubPr>
                           <m:ctrlPr>
                             <a:rPr lang="ru-RU" i="1">
-                              <a:latin typeface="Cambria Math"/>
+                              <a:latin typeface="Cambria Math" panose="02040503050406030204" pitchFamily="18" charset="0"/>
                               <a:ea typeface="Times New Roman" panose="02020603050405020304" pitchFamily="18" charset="0"/>
                               <a:cs typeface="Times New Roman" panose="02020603050405020304" pitchFamily="18" charset="0"/>
                             </a:rPr>
@@ -14330,110 +12051,7 @@
 </p:sld>
 </file>
 
-<file path=ppt/slides/slide8.xml><?xml version="1.0" encoding="utf-8"?>
-<p:sld xmlns:a="http://schemas.openxmlformats.org/drawingml/2006/main" xmlns:r="http://schemas.openxmlformats.org/officeDocument/2006/relationships" xmlns:p="http://schemas.openxmlformats.org/presentationml/2006/main">
-  <p:cSld>
-    <p:spTree>
-      <p:nvGrpSpPr>
-        <p:cNvPr id="1" name=""/>
-        <p:cNvGrpSpPr/>
-        <p:nvPr/>
-      </p:nvGrpSpPr>
-      <p:grpSpPr>
-        <a:xfrm>
-          <a:off x="0" y="0"/>
-          <a:ext cx="0" cy="0"/>
-          <a:chOff x="0" y="0"/>
-          <a:chExt cx="0" cy="0"/>
-        </a:xfrm>
-      </p:grpSpPr>
-      <p:sp>
-        <p:nvSpPr>
-          <p:cNvPr id="2" name="Заголовок 1"/>
-          <p:cNvSpPr>
-            <a:spLocks noGrp="1"/>
-          </p:cNvSpPr>
-          <p:nvPr>
-            <p:ph type="title"/>
-          </p:nvPr>
-        </p:nvSpPr>
-        <p:spPr>
-          <a:xfrm>
-            <a:off x="432816" y="0"/>
-            <a:ext cx="11599164" cy="777240"/>
-          </a:xfrm>
-        </p:spPr>
-        <p:txBody>
-          <a:bodyPr/>
-          <a:lstStyle/>
-          <a:p>
-            <a:r>
-              <a:rPr lang="ru-RU" dirty="0"/>
-              <a:t>Общий </a:t>
-            </a:r>
-            <a:r>
-              <a:rPr lang="ru-RU" dirty="0" smtClean="0"/>
-              <a:t>вид</a:t>
-            </a:r>
-            <a:r>
-              <a:rPr lang="en-US" dirty="0"/>
-              <a:t> </a:t>
-            </a:r>
-            <a:r>
-              <a:rPr lang="ru-RU" dirty="0" smtClean="0"/>
-              <a:t>сети на основе </a:t>
-            </a:r>
-            <a:r>
-              <a:rPr lang="ru-RU" dirty="0" err="1" smtClean="0"/>
-              <a:t>Трансформера</a:t>
-            </a:r>
-            <a:endParaRPr lang="ru-RU" dirty="0"/>
-          </a:p>
-        </p:txBody>
-      </p:sp>
-      <p:pic>
-        <p:nvPicPr>
-          <p:cNvPr id="4" name="Объект 3"/>
-          <p:cNvPicPr>
-            <a:picLocks noGrp="1" noChangeAspect="1"/>
-          </p:cNvPicPr>
-          <p:nvPr>
-            <p:ph idx="1"/>
-          </p:nvPr>
-        </p:nvPicPr>
-        <p:blipFill>
-          <a:blip r:embed="rId2">
-            <a:extLst>
-              <a:ext uri="{28A0092B-C50C-407E-A947-70E740481C1C}">
-                <a14:useLocalDpi xmlns:a14="http://schemas.microsoft.com/office/drawing/2010/main" val="0"/>
-              </a:ext>
-            </a:extLst>
-          </a:blip>
-          <a:stretch>
-            <a:fillRect/>
-          </a:stretch>
-        </p:blipFill>
-        <p:spPr>
-          <a:xfrm>
-            <a:off x="112995" y="944634"/>
-            <a:ext cx="11412255" cy="5779597"/>
-          </a:xfrm>
-        </p:spPr>
-      </p:pic>
-    </p:spTree>
-    <p:extLst>
-      <p:ext uri="{BB962C8B-B14F-4D97-AF65-F5344CB8AC3E}">
-        <p14:creationId xmlns:p14="http://schemas.microsoft.com/office/powerpoint/2010/main" val="3457719598"/>
-      </p:ext>
-    </p:extLst>
-  </p:cSld>
-  <p:clrMapOvr>
-    <a:masterClrMapping/>
-  </p:clrMapOvr>
-</p:sld>
-</file>
-
-<file path=ppt/slides/slide9.xml><?xml version="1.0" encoding="utf-8"?>
+<file path=ppt/slides/slide6.xml><?xml version="1.0" encoding="utf-8"?>
 <p:sld xmlns:a="http://schemas.openxmlformats.org/drawingml/2006/main" xmlns:r="http://schemas.openxmlformats.org/officeDocument/2006/relationships" xmlns:p="http://schemas.openxmlformats.org/presentationml/2006/main">
   <p:cSld>
     <p:spTree>
@@ -14745,6 +12363,1616 @@
       </p:par>
     </p:tnLst>
   </p:timing>
+</p:sld>
+</file>
+
+<file path=ppt/slides/slide7.xml><?xml version="1.0" encoding="utf-8"?>
+<p:sld xmlns:a="http://schemas.openxmlformats.org/drawingml/2006/main" xmlns:r="http://schemas.openxmlformats.org/officeDocument/2006/relationships" xmlns:p="http://schemas.openxmlformats.org/presentationml/2006/main">
+  <p:cSld>
+    <p:spTree>
+      <p:nvGrpSpPr>
+        <p:cNvPr id="1" name=""/>
+        <p:cNvGrpSpPr/>
+        <p:nvPr/>
+      </p:nvGrpSpPr>
+      <p:grpSpPr>
+        <a:xfrm>
+          <a:off x="0" y="0"/>
+          <a:ext cx="0" cy="0"/>
+          <a:chOff x="0" y="0"/>
+          <a:chExt cx="0" cy="0"/>
+        </a:xfrm>
+      </p:grpSpPr>
+      <mc:AlternateContent xmlns:mc="http://schemas.openxmlformats.org/markup-compatibility/2006" xmlns:a14="http://schemas.microsoft.com/office/drawing/2010/main">
+        <mc:Choice Requires="a14">
+          <p:sp>
+            <p:nvSpPr>
+              <p:cNvPr id="4" name="Прямоугольник 3"/>
+              <p:cNvSpPr/>
+              <p:nvPr/>
+            </p:nvSpPr>
+            <p:spPr>
+              <a:xfrm>
+                <a:off x="252549" y="246389"/>
+                <a:ext cx="11686902" cy="1574149"/>
+              </a:xfrm>
+              <a:prstGeom prst="rect">
+                <a:avLst/>
+              </a:prstGeom>
+            </p:spPr>
+            <p:txBody>
+              <a:bodyPr wrap="square">
+                <a:spAutoFit/>
+              </a:bodyPr>
+              <a:lstStyle/>
+              <a:p>
+                <a:pPr>
+                  <a:lnSpc>
+                    <a:spcPct val="107000"/>
+                  </a:lnSpc>
+                  <a:spcAft>
+                    <a:spcPts val="800"/>
+                  </a:spcAft>
+                  <a:tabLst>
+                    <a:tab pos="1002030" algn="l"/>
+                  </a:tabLst>
+                </a:pPr>
+                <a:r>
+                  <a:rPr lang="ru-RU" dirty="0">
+                    <a:latin typeface="Times New Roman" panose="02020603050405020304" pitchFamily="18" charset="0"/>
+                    <a:ea typeface="Times New Roman" panose="02020603050405020304" pitchFamily="18" charset="0"/>
+                    <a:cs typeface="Times New Roman" panose="02020603050405020304" pitchFamily="18" charset="0"/>
+                  </a:rPr>
+                  <a:t>В каждый момент времени </a:t>
+                </a:r>
+                <a14:m>
+                  <m:oMath xmlns:m="http://schemas.openxmlformats.org/officeDocument/2006/math">
+                    <m:r>
+                      <a:rPr lang="ru-RU" i="1">
+                        <a:latin typeface="Cambria Math" panose="02040503050406030204" pitchFamily="18" charset="0"/>
+                        <a:ea typeface="Times New Roman" panose="02020603050405020304" pitchFamily="18" charset="0"/>
+                        <a:cs typeface="Times New Roman" panose="02020603050405020304" pitchFamily="18" charset="0"/>
+                      </a:rPr>
+                      <m:t>𝑡</m:t>
+                    </m:r>
+                  </m:oMath>
+                </a14:m>
+                <a:r>
+                  <a:rPr lang="ru-RU" dirty="0">
+                    <a:latin typeface="Times New Roman" panose="02020603050405020304" pitchFamily="18" charset="0"/>
+                    <a:ea typeface="Times New Roman" panose="02020603050405020304" pitchFamily="18" charset="0"/>
+                    <a:cs typeface="Times New Roman" panose="02020603050405020304" pitchFamily="18" charset="0"/>
+                  </a:rPr>
+                  <a:t> на выход сети поступает предыдущее состояние </a:t>
+                </a:r>
+                <a14:m>
+                  <m:oMath xmlns:m="http://schemas.openxmlformats.org/officeDocument/2006/math">
+                    <m:sSub>
+                      <m:sSubPr>
+                        <m:ctrlPr>
+                          <a:rPr lang="ru-RU" i="1">
+                            <a:latin typeface="Cambria Math" panose="02040503050406030204" pitchFamily="18" charset="0"/>
+                            <a:ea typeface="Times New Roman" panose="02020603050405020304" pitchFamily="18" charset="0"/>
+                            <a:cs typeface="Times New Roman" panose="02020603050405020304" pitchFamily="18" charset="0"/>
+                          </a:rPr>
+                        </m:ctrlPr>
+                      </m:sSubPr>
+                      <m:e>
+                        <m:r>
+                          <a:rPr lang="ru-RU" i="1">
+                            <a:latin typeface="Cambria Math" panose="02040503050406030204" pitchFamily="18" charset="0"/>
+                            <a:ea typeface="Times New Roman" panose="02020603050405020304" pitchFamily="18" charset="0"/>
+                            <a:cs typeface="Times New Roman" panose="02020603050405020304" pitchFamily="18" charset="0"/>
+                          </a:rPr>
+                          <m:t>h</m:t>
+                        </m:r>
+                      </m:e>
+                      <m:sub>
+                        <m:r>
+                          <a:rPr lang="ru-RU" i="1">
+                            <a:latin typeface="Cambria Math" panose="02040503050406030204" pitchFamily="18" charset="0"/>
+                            <a:ea typeface="Times New Roman" panose="02020603050405020304" pitchFamily="18" charset="0"/>
+                            <a:cs typeface="Times New Roman" panose="02020603050405020304" pitchFamily="18" charset="0"/>
+                          </a:rPr>
+                          <m:t>𝑡</m:t>
+                        </m:r>
+                        <m:r>
+                          <a:rPr lang="ru-RU" i="1">
+                            <a:latin typeface="Cambria Math" panose="02040503050406030204" pitchFamily="18" charset="0"/>
+                            <a:ea typeface="Times New Roman" panose="02020603050405020304" pitchFamily="18" charset="0"/>
+                            <a:cs typeface="Times New Roman" panose="02020603050405020304" pitchFamily="18" charset="0"/>
+                          </a:rPr>
+                          <m:t>−1</m:t>
+                        </m:r>
+                      </m:sub>
+                    </m:sSub>
+                  </m:oMath>
+                </a14:m>
+                <a:r>
+                  <a:rPr lang="ru-RU" dirty="0">
+                    <a:latin typeface="Times New Roman" panose="02020603050405020304" pitchFamily="18" charset="0"/>
+                    <a:ea typeface="Times New Roman" panose="02020603050405020304" pitchFamily="18" charset="0"/>
+                    <a:cs typeface="Times New Roman" panose="02020603050405020304" pitchFamily="18" charset="0"/>
+                  </a:rPr>
+                  <a:t> и произведённое из него положение </a:t>
+                </a:r>
+                <a14:m>
+                  <m:oMath xmlns:m="http://schemas.openxmlformats.org/officeDocument/2006/math">
+                    <m:sSub>
+                      <m:sSubPr>
+                        <m:ctrlPr>
+                          <a:rPr lang="ru-RU" i="1">
+                            <a:latin typeface="Cambria Math" panose="02040503050406030204" pitchFamily="18" charset="0"/>
+                            <a:ea typeface="Times New Roman" panose="02020603050405020304" pitchFamily="18" charset="0"/>
+                            <a:cs typeface="Times New Roman" panose="02020603050405020304" pitchFamily="18" charset="0"/>
+                          </a:rPr>
+                        </m:ctrlPr>
+                      </m:sSubPr>
+                      <m:e>
+                        <m:r>
+                          <a:rPr lang="ru-RU" i="1">
+                            <a:latin typeface="Cambria Math" panose="02040503050406030204" pitchFamily="18" charset="0"/>
+                            <a:ea typeface="Times New Roman" panose="02020603050405020304" pitchFamily="18" charset="0"/>
+                            <a:cs typeface="Times New Roman" panose="02020603050405020304" pitchFamily="18" charset="0"/>
+                          </a:rPr>
+                          <m:t>𝑙</m:t>
+                        </m:r>
+                      </m:e>
+                      <m:sub>
+                        <m:r>
+                          <a:rPr lang="ru-RU" i="1">
+                            <a:latin typeface="Cambria Math" panose="02040503050406030204" pitchFamily="18" charset="0"/>
+                            <a:ea typeface="Times New Roman" panose="02020603050405020304" pitchFamily="18" charset="0"/>
+                            <a:cs typeface="Times New Roman" panose="02020603050405020304" pitchFamily="18" charset="0"/>
+                          </a:rPr>
+                          <m:t>𝑡</m:t>
+                        </m:r>
+                      </m:sub>
+                    </m:sSub>
+                  </m:oMath>
+                </a14:m>
+                <a:r>
+                  <a:rPr lang="ru-RU" dirty="0">
+                    <a:latin typeface="Times New Roman" panose="02020603050405020304" pitchFamily="18" charset="0"/>
+                    <a:ea typeface="Times New Roman" panose="02020603050405020304" pitchFamily="18" charset="0"/>
+                    <a:cs typeface="Times New Roman" panose="02020603050405020304" pitchFamily="18" charset="0"/>
+                  </a:rPr>
+                  <a:t> для нового </a:t>
+                </a:r>
+                <a:r>
+                  <a:rPr lang="ru-RU" dirty="0" smtClean="0">
+                    <a:latin typeface="Times New Roman" panose="02020603050405020304" pitchFamily="18" charset="0"/>
+                    <a:ea typeface="Times New Roman" panose="02020603050405020304" pitchFamily="18" charset="0"/>
+                    <a:cs typeface="Times New Roman" panose="02020603050405020304" pitchFamily="18" charset="0"/>
+                  </a:rPr>
+                  <a:t>"взгляда". </a:t>
+                </a:r>
+                <a:r>
+                  <a:rPr lang="ru-RU" dirty="0">
+                    <a:latin typeface="Times New Roman" panose="02020603050405020304" pitchFamily="18" charset="0"/>
+                    <a:ea typeface="Times New Roman" panose="02020603050405020304" pitchFamily="18" charset="0"/>
+                    <a:cs typeface="Times New Roman" panose="02020603050405020304" pitchFamily="18" charset="0"/>
+                  </a:rPr>
+                  <a:t>Этот новый </a:t>
+                </a:r>
+                <a:r>
+                  <a:rPr lang="ru-RU" dirty="0" smtClean="0">
+                    <a:latin typeface="Times New Roman" panose="02020603050405020304" pitchFamily="18" charset="0"/>
+                    <a:ea typeface="Times New Roman" panose="02020603050405020304" pitchFamily="18" charset="0"/>
+                    <a:cs typeface="Times New Roman" panose="02020603050405020304" pitchFamily="18" charset="0"/>
+                  </a:rPr>
+                  <a:t>"взгляд" </a:t>
+                </a:r>
+                <a:r>
+                  <a:rPr lang="ru-RU" dirty="0">
+                    <a:latin typeface="Times New Roman" panose="02020603050405020304" pitchFamily="18" charset="0"/>
+                    <a:ea typeface="Times New Roman" panose="02020603050405020304" pitchFamily="18" charset="0"/>
+                    <a:cs typeface="Times New Roman" panose="02020603050405020304" pitchFamily="18" charset="0"/>
+                  </a:rPr>
+                  <a:t>с помощью функции </a:t>
+                </a:r>
+                <a14:m>
+                  <m:oMath xmlns:m="http://schemas.openxmlformats.org/officeDocument/2006/math">
+                    <m:sSub>
+                      <m:sSubPr>
+                        <m:ctrlPr>
+                          <a:rPr lang="ru-RU" i="1">
+                            <a:latin typeface="Cambria Math" panose="02040503050406030204" pitchFamily="18" charset="0"/>
+                            <a:ea typeface="Times New Roman" panose="02020603050405020304" pitchFamily="18" charset="0"/>
+                            <a:cs typeface="Times New Roman" panose="02020603050405020304" pitchFamily="18" charset="0"/>
+                          </a:rPr>
+                        </m:ctrlPr>
+                      </m:sSubPr>
+                      <m:e>
+                        <m:r>
+                          <a:rPr lang="ru-RU" i="1">
+                            <a:latin typeface="Cambria Math" panose="02040503050406030204" pitchFamily="18" charset="0"/>
+                            <a:ea typeface="Times New Roman" panose="02020603050405020304" pitchFamily="18" charset="0"/>
+                            <a:cs typeface="Times New Roman" panose="02020603050405020304" pitchFamily="18" charset="0"/>
+                          </a:rPr>
+                          <m:t>𝑓</m:t>
+                        </m:r>
+                      </m:e>
+                      <m:sub>
+                        <m:r>
+                          <a:rPr lang="ru-RU" i="1">
+                            <a:latin typeface="Cambria Math" panose="02040503050406030204" pitchFamily="18" charset="0"/>
+                            <a:ea typeface="Times New Roman" panose="02020603050405020304" pitchFamily="18" charset="0"/>
+                            <a:cs typeface="Times New Roman" panose="02020603050405020304" pitchFamily="18" charset="0"/>
+                          </a:rPr>
+                          <m:t>h</m:t>
+                        </m:r>
+                      </m:sub>
+                    </m:sSub>
+                  </m:oMath>
+                </a14:m>
+                <a:r>
+                  <a:rPr lang="ru-RU" dirty="0">
+                    <a:latin typeface="Times New Roman" panose="02020603050405020304" pitchFamily="18" charset="0"/>
+                    <a:ea typeface="Times New Roman" panose="02020603050405020304" pitchFamily="18" charset="0"/>
+                    <a:cs typeface="Times New Roman" panose="02020603050405020304" pitchFamily="18" charset="0"/>
+                  </a:rPr>
+                  <a:t>преобразуется в вектор признаков </a:t>
+                </a:r>
+                <a14:m>
+                  <m:oMath xmlns:m="http://schemas.openxmlformats.org/officeDocument/2006/math">
+                    <m:sSub>
+                      <m:sSubPr>
+                        <m:ctrlPr>
+                          <a:rPr lang="ru-RU" i="1">
+                            <a:latin typeface="Cambria Math" panose="02040503050406030204" pitchFamily="18" charset="0"/>
+                            <a:ea typeface="Times New Roman" panose="02020603050405020304" pitchFamily="18" charset="0"/>
+                            <a:cs typeface="Times New Roman" panose="02020603050405020304" pitchFamily="18" charset="0"/>
+                          </a:rPr>
+                        </m:ctrlPr>
+                      </m:sSubPr>
+                      <m:e>
+                        <m:r>
+                          <a:rPr lang="ru-RU" i="1">
+                            <a:latin typeface="Cambria Math" panose="02040503050406030204" pitchFamily="18" charset="0"/>
+                            <a:ea typeface="Times New Roman" panose="02020603050405020304" pitchFamily="18" charset="0"/>
+                            <a:cs typeface="Times New Roman" panose="02020603050405020304" pitchFamily="18" charset="0"/>
+                          </a:rPr>
+                          <m:t>𝑔</m:t>
+                        </m:r>
+                      </m:e>
+                      <m:sub>
+                        <m:r>
+                          <a:rPr lang="ru-RU" i="1">
+                            <a:latin typeface="Cambria Math" panose="02040503050406030204" pitchFamily="18" charset="0"/>
+                            <a:ea typeface="Times New Roman" panose="02020603050405020304" pitchFamily="18" charset="0"/>
+                            <a:cs typeface="Times New Roman" panose="02020603050405020304" pitchFamily="18" charset="0"/>
+                          </a:rPr>
+                          <m:t>𝑡</m:t>
+                        </m:r>
+                      </m:sub>
+                    </m:sSub>
+                  </m:oMath>
+                </a14:m>
+                <a:r>
+                  <a:rPr lang="ru-RU" dirty="0">
+                    <a:latin typeface="Times New Roman" panose="02020603050405020304" pitchFamily="18" charset="0"/>
+                    <a:ea typeface="Times New Roman" panose="02020603050405020304" pitchFamily="18" charset="0"/>
+                    <a:cs typeface="Times New Roman" panose="02020603050405020304" pitchFamily="18" charset="0"/>
+                  </a:rPr>
+                  <a:t>, который служит входом на шаге </a:t>
+                </a:r>
+                <a14:m>
+                  <m:oMath xmlns:m="http://schemas.openxmlformats.org/officeDocument/2006/math">
+                    <m:r>
+                      <a:rPr lang="ru-RU" i="1">
+                        <a:latin typeface="Cambria Math" panose="02040503050406030204" pitchFamily="18" charset="0"/>
+                        <a:ea typeface="Times New Roman" panose="02020603050405020304" pitchFamily="18" charset="0"/>
+                        <a:cs typeface="Times New Roman" panose="02020603050405020304" pitchFamily="18" charset="0"/>
+                      </a:rPr>
+                      <m:t>𝑡</m:t>
+                    </m:r>
+                  </m:oMath>
+                </a14:m>
+                <a:r>
+                  <a:rPr lang="ru-RU" dirty="0">
+                    <a:latin typeface="Times New Roman" panose="02020603050405020304" pitchFamily="18" charset="0"/>
+                    <a:ea typeface="Times New Roman" panose="02020603050405020304" pitchFamily="18" charset="0"/>
+                    <a:cs typeface="Times New Roman" panose="02020603050405020304" pitchFamily="18" charset="0"/>
+                  </a:rPr>
+                  <a:t>. Из </a:t>
+                </a:r>
+                <a14:m>
+                  <m:oMath xmlns:m="http://schemas.openxmlformats.org/officeDocument/2006/math">
+                    <m:sSub>
+                      <m:sSubPr>
+                        <m:ctrlPr>
+                          <a:rPr lang="ru-RU" i="1">
+                            <a:latin typeface="Cambria Math" panose="02040503050406030204" pitchFamily="18" charset="0"/>
+                            <a:ea typeface="Times New Roman" panose="02020603050405020304" pitchFamily="18" charset="0"/>
+                            <a:cs typeface="Times New Roman" panose="02020603050405020304" pitchFamily="18" charset="0"/>
+                          </a:rPr>
+                        </m:ctrlPr>
+                      </m:sSubPr>
+                      <m:e>
+                        <m:r>
+                          <a:rPr lang="ru-RU" i="1">
+                            <a:latin typeface="Cambria Math" panose="02040503050406030204" pitchFamily="18" charset="0"/>
+                            <a:ea typeface="Times New Roman" panose="02020603050405020304" pitchFamily="18" charset="0"/>
+                            <a:cs typeface="Times New Roman" panose="02020603050405020304" pitchFamily="18" charset="0"/>
+                          </a:rPr>
+                          <m:t>h</m:t>
+                        </m:r>
+                      </m:e>
+                      <m:sub>
+                        <m:r>
+                          <a:rPr lang="ru-RU" i="1">
+                            <a:latin typeface="Cambria Math" panose="02040503050406030204" pitchFamily="18" charset="0"/>
+                            <a:ea typeface="Times New Roman" panose="02020603050405020304" pitchFamily="18" charset="0"/>
+                            <a:cs typeface="Times New Roman" panose="02020603050405020304" pitchFamily="18" charset="0"/>
+                          </a:rPr>
+                          <m:t>𝑡</m:t>
+                        </m:r>
+                        <m:r>
+                          <a:rPr lang="ru-RU" i="1">
+                            <a:latin typeface="Cambria Math" panose="02040503050406030204" pitchFamily="18" charset="0"/>
+                            <a:ea typeface="Times New Roman" panose="02020603050405020304" pitchFamily="18" charset="0"/>
+                            <a:cs typeface="Times New Roman" panose="02020603050405020304" pitchFamily="18" charset="0"/>
+                          </a:rPr>
+                          <m:t>−1</m:t>
+                        </m:r>
+                      </m:sub>
+                    </m:sSub>
+                  </m:oMath>
+                </a14:m>
+                <a:r>
+                  <a:rPr lang="ru-RU" dirty="0">
+                    <a:latin typeface="Times New Roman" panose="02020603050405020304" pitchFamily="18" charset="0"/>
+                    <a:ea typeface="Times New Roman" panose="02020603050405020304" pitchFamily="18" charset="0"/>
+                    <a:cs typeface="Times New Roman" panose="02020603050405020304" pitchFamily="18" charset="0"/>
+                  </a:rPr>
+                  <a:t> и </a:t>
+                </a:r>
+                <a14:m>
+                  <m:oMath xmlns:m="http://schemas.openxmlformats.org/officeDocument/2006/math">
+                    <m:sSub>
+                      <m:sSubPr>
+                        <m:ctrlPr>
+                          <a:rPr lang="ru-RU" i="1">
+                            <a:latin typeface="Cambria Math" panose="02040503050406030204" pitchFamily="18" charset="0"/>
+                            <a:ea typeface="Times New Roman" panose="02020603050405020304" pitchFamily="18" charset="0"/>
+                            <a:cs typeface="Times New Roman" panose="02020603050405020304" pitchFamily="18" charset="0"/>
+                          </a:rPr>
+                        </m:ctrlPr>
+                      </m:sSubPr>
+                      <m:e>
+                        <m:r>
+                          <a:rPr lang="ru-RU" i="1">
+                            <a:latin typeface="Cambria Math" panose="02040503050406030204" pitchFamily="18" charset="0"/>
+                            <a:ea typeface="Times New Roman" panose="02020603050405020304" pitchFamily="18" charset="0"/>
+                            <a:cs typeface="Times New Roman" panose="02020603050405020304" pitchFamily="18" charset="0"/>
+                          </a:rPr>
+                          <m:t>𝑔</m:t>
+                        </m:r>
+                      </m:e>
+                      <m:sub>
+                        <m:r>
+                          <a:rPr lang="ru-RU" i="1">
+                            <a:latin typeface="Cambria Math" panose="02040503050406030204" pitchFamily="18" charset="0"/>
+                            <a:ea typeface="Times New Roman" panose="02020603050405020304" pitchFamily="18" charset="0"/>
+                            <a:cs typeface="Times New Roman" panose="02020603050405020304" pitchFamily="18" charset="0"/>
+                          </a:rPr>
+                          <m:t>𝑡</m:t>
+                        </m:r>
+                      </m:sub>
+                    </m:sSub>
+                  </m:oMath>
+                </a14:m>
+                <a:r>
+                  <a:rPr lang="ru-RU" dirty="0">
+                    <a:latin typeface="Times New Roman" panose="02020603050405020304" pitchFamily="18" charset="0"/>
+                    <a:ea typeface="Times New Roman" panose="02020603050405020304" pitchFamily="18" charset="0"/>
+                    <a:cs typeface="Times New Roman" panose="02020603050405020304" pitchFamily="18" charset="0"/>
+                  </a:rPr>
+                  <a:t> функцией </a:t>
+                </a:r>
+                <a14:m>
+                  <m:oMath xmlns:m="http://schemas.openxmlformats.org/officeDocument/2006/math">
+                    <m:sSub>
+                      <m:sSubPr>
+                        <m:ctrlPr>
+                          <a:rPr lang="ru-RU" i="1">
+                            <a:latin typeface="Cambria Math" panose="02040503050406030204" pitchFamily="18" charset="0"/>
+                            <a:ea typeface="Times New Roman" panose="02020603050405020304" pitchFamily="18" charset="0"/>
+                            <a:cs typeface="Times New Roman" panose="02020603050405020304" pitchFamily="18" charset="0"/>
+                          </a:rPr>
+                        </m:ctrlPr>
+                      </m:sSubPr>
+                      <m:e>
+                        <m:r>
+                          <a:rPr lang="ru-RU" i="1">
+                            <a:latin typeface="Cambria Math" panose="02040503050406030204" pitchFamily="18" charset="0"/>
+                            <a:ea typeface="Times New Roman" panose="02020603050405020304" pitchFamily="18" charset="0"/>
+                            <a:cs typeface="Times New Roman" panose="02020603050405020304" pitchFamily="18" charset="0"/>
+                          </a:rPr>
+                          <m:t>𝑓</m:t>
+                        </m:r>
+                      </m:e>
+                      <m:sub>
+                        <m:r>
+                          <a:rPr lang="ru-RU" i="1">
+                            <a:latin typeface="Cambria Math" panose="02040503050406030204" pitchFamily="18" charset="0"/>
+                            <a:ea typeface="Times New Roman" panose="02020603050405020304" pitchFamily="18" charset="0"/>
+                            <a:cs typeface="Times New Roman" panose="02020603050405020304" pitchFamily="18" charset="0"/>
+                          </a:rPr>
+                          <m:t>h</m:t>
+                        </m:r>
+                      </m:sub>
+                    </m:sSub>
+                  </m:oMath>
+                </a14:m>
+                <a:r>
+                  <a:rPr lang="ru-RU" dirty="0">
+                    <a:latin typeface="Times New Roman" panose="02020603050405020304" pitchFamily="18" charset="0"/>
+                    <a:ea typeface="Times New Roman" panose="02020603050405020304" pitchFamily="18" charset="0"/>
+                    <a:cs typeface="Times New Roman" panose="02020603050405020304" pitchFamily="18" charset="0"/>
+                  </a:rPr>
+                  <a:t> получается следующее скрытое состояние </a:t>
+                </a:r>
+                <a14:m>
+                  <m:oMath xmlns:m="http://schemas.openxmlformats.org/officeDocument/2006/math">
+                    <m:sSub>
+                      <m:sSubPr>
+                        <m:ctrlPr>
+                          <a:rPr lang="ru-RU" i="1">
+                            <a:latin typeface="Cambria Math" panose="02040503050406030204" pitchFamily="18" charset="0"/>
+                            <a:ea typeface="Times New Roman" panose="02020603050405020304" pitchFamily="18" charset="0"/>
+                            <a:cs typeface="Times New Roman" panose="02020603050405020304" pitchFamily="18" charset="0"/>
+                          </a:rPr>
+                        </m:ctrlPr>
+                      </m:sSubPr>
+                      <m:e>
+                        <m:r>
+                          <a:rPr lang="ru-RU" i="1">
+                            <a:latin typeface="Cambria Math" panose="02040503050406030204" pitchFamily="18" charset="0"/>
+                            <a:ea typeface="Times New Roman" panose="02020603050405020304" pitchFamily="18" charset="0"/>
+                            <a:cs typeface="Times New Roman" panose="02020603050405020304" pitchFamily="18" charset="0"/>
+                          </a:rPr>
+                          <m:t>h</m:t>
+                        </m:r>
+                      </m:e>
+                      <m:sub>
+                        <m:r>
+                          <a:rPr lang="ru-RU" i="1">
+                            <a:latin typeface="Cambria Math" panose="02040503050406030204" pitchFamily="18" charset="0"/>
+                            <a:ea typeface="Times New Roman" panose="02020603050405020304" pitchFamily="18" charset="0"/>
+                            <a:cs typeface="Times New Roman" panose="02020603050405020304" pitchFamily="18" charset="0"/>
+                          </a:rPr>
+                          <m:t>𝑡</m:t>
+                        </m:r>
+                      </m:sub>
+                    </m:sSub>
+                  </m:oMath>
+                </a14:m>
+                <a:r>
+                  <a:rPr lang="ru-RU" dirty="0">
+                    <a:latin typeface="Times New Roman" panose="02020603050405020304" pitchFamily="18" charset="0"/>
+                    <a:ea typeface="Times New Roman" panose="02020603050405020304" pitchFamily="18" charset="0"/>
+                    <a:cs typeface="Times New Roman" panose="02020603050405020304" pitchFamily="18" charset="0"/>
+                  </a:rPr>
+                  <a:t>, а из него уже получается собственное текущее </a:t>
+                </a:r>
+                <a:r>
+                  <a:rPr lang="ru-RU" dirty="0" smtClean="0">
+                    <a:latin typeface="Times New Roman" panose="02020603050405020304" pitchFamily="18" charset="0"/>
+                    <a:ea typeface="Times New Roman" panose="02020603050405020304" pitchFamily="18" charset="0"/>
+                    <a:cs typeface="Times New Roman" panose="02020603050405020304" pitchFamily="18" charset="0"/>
+                  </a:rPr>
+                  <a:t>"действие" </a:t>
+                </a:r>
+                <a14:m>
+                  <m:oMath xmlns:m="http://schemas.openxmlformats.org/officeDocument/2006/math">
+                    <m:sSub>
+                      <m:sSubPr>
+                        <m:ctrlPr>
+                          <a:rPr lang="ru-RU" i="1">
+                            <a:latin typeface="Cambria Math" panose="02040503050406030204" pitchFamily="18" charset="0"/>
+                            <a:ea typeface="Times New Roman" panose="02020603050405020304" pitchFamily="18" charset="0"/>
+                            <a:cs typeface="Times New Roman" panose="02020603050405020304" pitchFamily="18" charset="0"/>
+                          </a:rPr>
+                        </m:ctrlPr>
+                      </m:sSubPr>
+                      <m:e>
+                        <m:r>
+                          <a:rPr lang="ru-RU" i="1">
+                            <a:latin typeface="Cambria Math" panose="02040503050406030204" pitchFamily="18" charset="0"/>
+                            <a:ea typeface="Times New Roman" panose="02020603050405020304" pitchFamily="18" charset="0"/>
+                            <a:cs typeface="Times New Roman" panose="02020603050405020304" pitchFamily="18" charset="0"/>
+                          </a:rPr>
+                          <m:t>𝑎</m:t>
+                        </m:r>
+                      </m:e>
+                      <m:sub>
+                        <m:r>
+                          <a:rPr lang="ru-RU" i="1">
+                            <a:latin typeface="Cambria Math" panose="02040503050406030204" pitchFamily="18" charset="0"/>
+                            <a:ea typeface="Times New Roman" panose="02020603050405020304" pitchFamily="18" charset="0"/>
+                            <a:cs typeface="Times New Roman" panose="02020603050405020304" pitchFamily="18" charset="0"/>
+                          </a:rPr>
+                          <m:t>𝑡</m:t>
+                        </m:r>
+                      </m:sub>
+                    </m:sSub>
+                    <m:r>
+                      <a:rPr lang="ru-RU" i="1">
+                        <a:latin typeface="Cambria Math" panose="02040503050406030204" pitchFamily="18" charset="0"/>
+                        <a:ea typeface="Times New Roman" panose="02020603050405020304" pitchFamily="18" charset="0"/>
+                        <a:cs typeface="Times New Roman" panose="02020603050405020304" pitchFamily="18" charset="0"/>
+                      </a:rPr>
+                      <m:t>= </m:t>
+                    </m:r>
+                    <m:sSub>
+                      <m:sSubPr>
+                        <m:ctrlPr>
+                          <a:rPr lang="ru-RU" i="1">
+                            <a:latin typeface="Cambria Math" panose="02040503050406030204" pitchFamily="18" charset="0"/>
+                            <a:ea typeface="Times New Roman" panose="02020603050405020304" pitchFamily="18" charset="0"/>
+                            <a:cs typeface="Times New Roman" panose="02020603050405020304" pitchFamily="18" charset="0"/>
+                          </a:rPr>
+                        </m:ctrlPr>
+                      </m:sSubPr>
+                      <m:e>
+                        <m:r>
+                          <a:rPr lang="ru-RU" i="1">
+                            <a:latin typeface="Cambria Math" panose="02040503050406030204" pitchFamily="18" charset="0"/>
+                            <a:ea typeface="Times New Roman" panose="02020603050405020304" pitchFamily="18" charset="0"/>
+                            <a:cs typeface="Times New Roman" panose="02020603050405020304" pitchFamily="18" charset="0"/>
+                          </a:rPr>
+                          <m:t>𝑓</m:t>
+                        </m:r>
+                      </m:e>
+                      <m:sub>
+                        <m:r>
+                          <a:rPr lang="ru-RU" i="1">
+                            <a:latin typeface="Cambria Math" panose="02040503050406030204" pitchFamily="18" charset="0"/>
+                            <a:ea typeface="Times New Roman" panose="02020603050405020304" pitchFamily="18" charset="0"/>
+                            <a:cs typeface="Times New Roman" panose="02020603050405020304" pitchFamily="18" charset="0"/>
+                          </a:rPr>
+                          <m:t>𝑎</m:t>
+                        </m:r>
+                      </m:sub>
+                    </m:sSub>
+                    <m:r>
+                      <a:rPr lang="ru-RU" i="1">
+                        <a:latin typeface="Cambria Math" panose="02040503050406030204" pitchFamily="18" charset="0"/>
+                        <a:ea typeface="Times New Roman" panose="02020603050405020304" pitchFamily="18" charset="0"/>
+                        <a:cs typeface="Times New Roman" panose="02020603050405020304" pitchFamily="18" charset="0"/>
+                      </a:rPr>
+                      <m:t>(</m:t>
+                    </m:r>
+                    <m:sSub>
+                      <m:sSubPr>
+                        <m:ctrlPr>
+                          <a:rPr lang="ru-RU" i="1">
+                            <a:latin typeface="Cambria Math" panose="02040503050406030204" pitchFamily="18" charset="0"/>
+                            <a:ea typeface="Times New Roman" panose="02020603050405020304" pitchFamily="18" charset="0"/>
+                            <a:cs typeface="Times New Roman" panose="02020603050405020304" pitchFamily="18" charset="0"/>
+                          </a:rPr>
+                        </m:ctrlPr>
+                      </m:sSubPr>
+                      <m:e>
+                        <m:r>
+                          <a:rPr lang="ru-RU" i="1">
+                            <a:latin typeface="Cambria Math" panose="02040503050406030204" pitchFamily="18" charset="0"/>
+                            <a:ea typeface="Times New Roman" panose="02020603050405020304" pitchFamily="18" charset="0"/>
+                            <a:cs typeface="Times New Roman" panose="02020603050405020304" pitchFamily="18" charset="0"/>
+                          </a:rPr>
+                          <m:t>h</m:t>
+                        </m:r>
+                      </m:e>
+                      <m:sub>
+                        <m:r>
+                          <a:rPr lang="ru-RU" i="1">
+                            <a:latin typeface="Cambria Math" panose="02040503050406030204" pitchFamily="18" charset="0"/>
+                            <a:ea typeface="Times New Roman" panose="02020603050405020304" pitchFamily="18" charset="0"/>
+                            <a:cs typeface="Times New Roman" panose="02020603050405020304" pitchFamily="18" charset="0"/>
+                          </a:rPr>
+                          <m:t>𝑡</m:t>
+                        </m:r>
+                      </m:sub>
+                    </m:sSub>
+                    <m:r>
+                      <a:rPr lang="ru-RU" i="1">
+                        <a:latin typeface="Cambria Math" panose="02040503050406030204" pitchFamily="18" charset="0"/>
+                        <a:ea typeface="Times New Roman" panose="02020603050405020304" pitchFamily="18" charset="0"/>
+                        <a:cs typeface="Times New Roman" panose="02020603050405020304" pitchFamily="18" charset="0"/>
+                      </a:rPr>
+                      <m:t>)</m:t>
+                    </m:r>
+                  </m:oMath>
+                </a14:m>
+                <a:r>
+                  <a:rPr lang="ru-RU" dirty="0">
+                    <a:latin typeface="Times New Roman" panose="02020603050405020304" pitchFamily="18" charset="0"/>
+                    <a:ea typeface="Times New Roman" panose="02020603050405020304" pitchFamily="18" charset="0"/>
+                    <a:cs typeface="Times New Roman" panose="02020603050405020304" pitchFamily="18" charset="0"/>
+                  </a:rPr>
+                  <a:t> </a:t>
+                </a:r>
+                <a:r>
+                  <a:rPr lang="ru-RU" dirty="0" smtClean="0">
+                    <a:latin typeface="Times New Roman" panose="02020603050405020304" pitchFamily="18" charset="0"/>
+                    <a:ea typeface="Times New Roman" panose="02020603050405020304" pitchFamily="18" charset="0"/>
+                    <a:cs typeface="Times New Roman" panose="02020603050405020304" pitchFamily="18" charset="0"/>
+                  </a:rPr>
+                  <a:t>("действием" </a:t>
+                </a:r>
+                <a:r>
+                  <a:rPr lang="ru-RU" dirty="0">
+                    <a:latin typeface="Times New Roman" panose="02020603050405020304" pitchFamily="18" charset="0"/>
+                    <a:ea typeface="Times New Roman" panose="02020603050405020304" pitchFamily="18" charset="0"/>
+                    <a:cs typeface="Times New Roman" panose="02020603050405020304" pitchFamily="18" charset="0"/>
+                  </a:rPr>
+                  <a:t>может быть, к примеру, ответ о том, какой объект удалось распознать) и </a:t>
+                </a:r>
+                <a:r>
+                  <a:rPr lang="ru-RU" dirty="0" smtClean="0">
+                    <a:latin typeface="Times New Roman" panose="02020603050405020304" pitchFamily="18" charset="0"/>
+                    <a:ea typeface="Times New Roman" panose="02020603050405020304" pitchFamily="18" charset="0"/>
+                    <a:cs typeface="Times New Roman" panose="02020603050405020304" pitchFamily="18" charset="0"/>
+                  </a:rPr>
+                  <a:t>положени</a:t>
+                </a:r>
+                <a:r>
+                  <a:rPr lang="ru-RU" dirty="0">
+                    <a:latin typeface="Times New Roman" panose="02020603050405020304" pitchFamily="18" charset="0"/>
+                    <a:ea typeface="Times New Roman" panose="02020603050405020304" pitchFamily="18" charset="0"/>
+                    <a:cs typeface="Times New Roman" panose="02020603050405020304" pitchFamily="18" charset="0"/>
+                  </a:rPr>
+                  <a:t>е</a:t>
+                </a:r>
+                <a:r>
+                  <a:rPr lang="ru-RU" dirty="0" smtClean="0">
+                    <a:latin typeface="Times New Roman" panose="02020603050405020304" pitchFamily="18" charset="0"/>
+                    <a:ea typeface="Times New Roman" panose="02020603050405020304" pitchFamily="18" charset="0"/>
+                    <a:cs typeface="Times New Roman" panose="02020603050405020304" pitchFamily="18" charset="0"/>
+                  </a:rPr>
+                  <a:t> </a:t>
+                </a:r>
+                <a:r>
+                  <a:rPr lang="ru-RU" dirty="0">
+                    <a:latin typeface="Times New Roman" panose="02020603050405020304" pitchFamily="18" charset="0"/>
+                    <a:ea typeface="Times New Roman" panose="02020603050405020304" pitchFamily="18" charset="0"/>
+                    <a:cs typeface="Times New Roman" panose="02020603050405020304" pitchFamily="18" charset="0"/>
+                  </a:rPr>
+                  <a:t>следующего </a:t>
+                </a:r>
+                <a:r>
+                  <a:rPr lang="ru-RU" dirty="0" smtClean="0">
+                    <a:latin typeface="Times New Roman" panose="02020603050405020304" pitchFamily="18" charset="0"/>
+                    <a:ea typeface="Times New Roman" panose="02020603050405020304" pitchFamily="18" charset="0"/>
+                    <a:cs typeface="Times New Roman" panose="02020603050405020304" pitchFamily="18" charset="0"/>
+                  </a:rPr>
+                  <a:t>"взгляда" </a:t>
+                </a:r>
+                <a14:m>
+                  <m:oMath xmlns:m="http://schemas.openxmlformats.org/officeDocument/2006/math">
+                    <m:sSub>
+                      <m:sSubPr>
+                        <m:ctrlPr>
+                          <a:rPr lang="ru-RU" i="1">
+                            <a:latin typeface="Cambria Math" panose="02040503050406030204" pitchFamily="18" charset="0"/>
+                            <a:ea typeface="Times New Roman" panose="02020603050405020304" pitchFamily="18" charset="0"/>
+                            <a:cs typeface="Times New Roman" panose="02020603050405020304" pitchFamily="18" charset="0"/>
+                          </a:rPr>
+                        </m:ctrlPr>
+                      </m:sSubPr>
+                      <m:e>
+                        <m:r>
+                          <a:rPr lang="ru-RU" i="1">
+                            <a:latin typeface="Cambria Math" panose="02040503050406030204" pitchFamily="18" charset="0"/>
+                            <a:ea typeface="Times New Roman" panose="02020603050405020304" pitchFamily="18" charset="0"/>
+                            <a:cs typeface="Times New Roman" panose="02020603050405020304" pitchFamily="18" charset="0"/>
+                          </a:rPr>
+                          <m:t>𝑙</m:t>
+                        </m:r>
+                      </m:e>
+                      <m:sub>
+                        <m:r>
+                          <a:rPr lang="ru-RU" i="1">
+                            <a:latin typeface="Cambria Math" panose="02040503050406030204" pitchFamily="18" charset="0"/>
+                            <a:ea typeface="Times New Roman" panose="02020603050405020304" pitchFamily="18" charset="0"/>
+                            <a:cs typeface="Times New Roman" panose="02020603050405020304" pitchFamily="18" charset="0"/>
+                          </a:rPr>
+                          <m:t>𝑡</m:t>
+                        </m:r>
+                        <m:r>
+                          <a:rPr lang="ru-RU" i="1">
+                            <a:latin typeface="Cambria Math" panose="02040503050406030204" pitchFamily="18" charset="0"/>
+                            <a:ea typeface="Times New Roman" panose="02020603050405020304" pitchFamily="18" charset="0"/>
+                            <a:cs typeface="Times New Roman" panose="02020603050405020304" pitchFamily="18" charset="0"/>
+                          </a:rPr>
+                          <m:t>+1</m:t>
+                        </m:r>
+                      </m:sub>
+                    </m:sSub>
+                    <m:r>
+                      <a:rPr lang="ru-RU" i="1">
+                        <a:latin typeface="Cambria Math" panose="02040503050406030204" pitchFamily="18" charset="0"/>
+                        <a:ea typeface="Times New Roman" panose="02020603050405020304" pitchFamily="18" charset="0"/>
+                        <a:cs typeface="Times New Roman" panose="02020603050405020304" pitchFamily="18" charset="0"/>
+                      </a:rPr>
+                      <m:t>= </m:t>
+                    </m:r>
+                    <m:sSub>
+                      <m:sSubPr>
+                        <m:ctrlPr>
+                          <a:rPr lang="ru-RU" i="1">
+                            <a:latin typeface="Cambria Math" panose="02040503050406030204" pitchFamily="18" charset="0"/>
+                            <a:ea typeface="Times New Roman" panose="02020603050405020304" pitchFamily="18" charset="0"/>
+                            <a:cs typeface="Times New Roman" panose="02020603050405020304" pitchFamily="18" charset="0"/>
+                          </a:rPr>
+                        </m:ctrlPr>
+                      </m:sSubPr>
+                      <m:e>
+                        <m:r>
+                          <a:rPr lang="ru-RU" i="1">
+                            <a:latin typeface="Cambria Math" panose="02040503050406030204" pitchFamily="18" charset="0"/>
+                            <a:ea typeface="Times New Roman" panose="02020603050405020304" pitchFamily="18" charset="0"/>
+                            <a:cs typeface="Times New Roman" panose="02020603050405020304" pitchFamily="18" charset="0"/>
+                          </a:rPr>
+                          <m:t>𝑓</m:t>
+                        </m:r>
+                      </m:e>
+                      <m:sub>
+                        <m:r>
+                          <a:rPr lang="en-US" i="1">
+                            <a:latin typeface="Cambria Math" panose="02040503050406030204" pitchFamily="18" charset="0"/>
+                            <a:ea typeface="Times New Roman" panose="02020603050405020304" pitchFamily="18" charset="0"/>
+                            <a:cs typeface="Times New Roman" panose="02020603050405020304" pitchFamily="18" charset="0"/>
+                          </a:rPr>
+                          <m:t>𝑙</m:t>
+                        </m:r>
+                      </m:sub>
+                    </m:sSub>
+                    <m:r>
+                      <a:rPr lang="ru-RU" i="1">
+                        <a:latin typeface="Cambria Math" panose="02040503050406030204" pitchFamily="18" charset="0"/>
+                        <a:ea typeface="Times New Roman" panose="02020603050405020304" pitchFamily="18" charset="0"/>
+                        <a:cs typeface="Times New Roman" panose="02020603050405020304" pitchFamily="18" charset="0"/>
+                      </a:rPr>
+                      <m:t>(</m:t>
+                    </m:r>
+                    <m:sSub>
+                      <m:sSubPr>
+                        <m:ctrlPr>
+                          <a:rPr lang="ru-RU" i="1">
+                            <a:latin typeface="Cambria Math" panose="02040503050406030204" pitchFamily="18" charset="0"/>
+                            <a:ea typeface="Times New Roman" panose="02020603050405020304" pitchFamily="18" charset="0"/>
+                            <a:cs typeface="Times New Roman" panose="02020603050405020304" pitchFamily="18" charset="0"/>
+                          </a:rPr>
+                        </m:ctrlPr>
+                      </m:sSubPr>
+                      <m:e>
+                        <m:r>
+                          <a:rPr lang="ru-RU" i="1">
+                            <a:latin typeface="Cambria Math" panose="02040503050406030204" pitchFamily="18" charset="0"/>
+                            <a:ea typeface="Times New Roman" panose="02020603050405020304" pitchFamily="18" charset="0"/>
+                            <a:cs typeface="Times New Roman" panose="02020603050405020304" pitchFamily="18" charset="0"/>
+                          </a:rPr>
+                          <m:t>h</m:t>
+                        </m:r>
+                      </m:e>
+                      <m:sub>
+                        <m:r>
+                          <a:rPr lang="ru-RU" i="1">
+                            <a:latin typeface="Cambria Math" panose="02040503050406030204" pitchFamily="18" charset="0"/>
+                            <a:ea typeface="Times New Roman" panose="02020603050405020304" pitchFamily="18" charset="0"/>
+                            <a:cs typeface="Times New Roman" panose="02020603050405020304" pitchFamily="18" charset="0"/>
+                          </a:rPr>
+                          <m:t>𝑡</m:t>
+                        </m:r>
+                      </m:sub>
+                    </m:sSub>
+                    <m:r>
+                      <a:rPr lang="ru-RU" i="1">
+                        <a:latin typeface="Cambria Math" panose="02040503050406030204" pitchFamily="18" charset="0"/>
+                        <a:ea typeface="Times New Roman" panose="02020603050405020304" pitchFamily="18" charset="0"/>
+                        <a:cs typeface="Times New Roman" panose="02020603050405020304" pitchFamily="18" charset="0"/>
+                      </a:rPr>
+                      <m:t>)</m:t>
+                    </m:r>
+                  </m:oMath>
+                </a14:m>
+                <a:r>
+                  <a:rPr lang="ru-RU" dirty="0">
+                    <a:latin typeface="Times New Roman" panose="02020603050405020304" pitchFamily="18" charset="0"/>
+                    <a:ea typeface="Times New Roman" panose="02020603050405020304" pitchFamily="18" charset="0"/>
+                    <a:cs typeface="Times New Roman" panose="02020603050405020304" pitchFamily="18" charset="0"/>
+                  </a:rPr>
+                  <a:t> </a:t>
+                </a:r>
+                <a:r>
+                  <a:rPr lang="ru-RU" dirty="0" smtClean="0">
+                    <a:latin typeface="Times New Roman" panose="02020603050405020304" pitchFamily="18" charset="0"/>
+                    <a:ea typeface="Times New Roman" panose="02020603050405020304" pitchFamily="18" charset="0"/>
+                    <a:cs typeface="Times New Roman" panose="02020603050405020304" pitchFamily="18" charset="0"/>
+                  </a:rPr>
+                  <a:t>.</a:t>
+                </a:r>
+                <a:endParaRPr lang="ru-RU" sz="1600" dirty="0">
+                  <a:effectLst/>
+                  <a:latin typeface="Times New Roman" panose="02020603050405020304" pitchFamily="18" charset="0"/>
+                  <a:ea typeface="Calibri" panose="020F0502020204030204" pitchFamily="34" charset="0"/>
+                  <a:cs typeface="Times New Roman" panose="02020603050405020304" pitchFamily="18" charset="0"/>
+                </a:endParaRPr>
+              </a:p>
+            </p:txBody>
+          </p:sp>
+        </mc:Choice>
+        <mc:Fallback xmlns="">
+          <p:sp>
+            <p:nvSpPr>
+              <p:cNvPr id="4" name="Прямоугольник 3"/>
+              <p:cNvSpPr>
+                <a:spLocks noRot="1" noChangeAspect="1" noMove="1" noResize="1" noEditPoints="1" noAdjustHandles="1" noChangeArrowheads="1" noChangeShapeType="1" noTextEdit="1"/>
+              </p:cNvSpPr>
+              <p:nvPr/>
+            </p:nvSpPr>
+            <p:spPr>
+              <a:xfrm>
+                <a:off x="252549" y="246389"/>
+                <a:ext cx="11686902" cy="1574149"/>
+              </a:xfrm>
+              <a:prstGeom prst="rect">
+                <a:avLst/>
+              </a:prstGeom>
+              <a:blipFill>
+                <a:blip r:embed="rId2"/>
+                <a:stretch>
+                  <a:fillRect l="-417" t="-1931" r="-678" b="-3861"/>
+                </a:stretch>
+              </a:blipFill>
+            </p:spPr>
+            <p:txBody>
+              <a:bodyPr/>
+              <a:lstStyle/>
+              <a:p>
+                <a:r>
+                  <a:rPr lang="ru-RU">
+                    <a:noFill/>
+                  </a:rPr>
+                  <a:t> </a:t>
+                </a:r>
+              </a:p>
+            </p:txBody>
+          </p:sp>
+        </mc:Fallback>
+      </mc:AlternateContent>
+      <p:pic>
+        <p:nvPicPr>
+          <p:cNvPr id="5" name="Рисунок 4"/>
+          <p:cNvPicPr/>
+          <p:nvPr/>
+        </p:nvPicPr>
+        <p:blipFill>
+          <a:blip r:embed="rId3"/>
+          <a:stretch>
+            <a:fillRect/>
+          </a:stretch>
+        </p:blipFill>
+        <p:spPr>
+          <a:xfrm>
+            <a:off x="443547" y="2637155"/>
+            <a:ext cx="5940425" cy="2924810"/>
+          </a:xfrm>
+          <a:prstGeom prst="rect">
+            <a:avLst/>
+          </a:prstGeom>
+        </p:spPr>
+      </p:pic>
+      <p:sp>
+        <p:nvSpPr>
+          <p:cNvPr id="6" name="Прямоугольник 5"/>
+          <p:cNvSpPr/>
+          <p:nvPr/>
+        </p:nvSpPr>
+        <p:spPr>
+          <a:xfrm>
+            <a:off x="7149737" y="3557552"/>
+            <a:ext cx="4110446" cy="967573"/>
+          </a:xfrm>
+          <a:prstGeom prst="rect">
+            <a:avLst/>
+          </a:prstGeom>
+        </p:spPr>
+        <p:txBody>
+          <a:bodyPr wrap="square">
+            <a:spAutoFit/>
+          </a:bodyPr>
+          <a:lstStyle/>
+          <a:p>
+            <a:pPr algn="ctr">
+              <a:lnSpc>
+                <a:spcPct val="107000"/>
+              </a:lnSpc>
+              <a:spcAft>
+                <a:spcPts val="800"/>
+              </a:spcAft>
+              <a:tabLst>
+                <a:tab pos="1002030" algn="l"/>
+              </a:tabLst>
+            </a:pPr>
+            <a:r>
+              <a:rPr lang="ru-RU" sz="1600" i="1" dirty="0">
+                <a:latin typeface="Times New Roman" panose="02020603050405020304" pitchFamily="18" charset="0"/>
+                <a:ea typeface="Times New Roman" panose="02020603050405020304" pitchFamily="18" charset="0"/>
+                <a:cs typeface="Times New Roman" panose="02020603050405020304" pitchFamily="18" charset="0"/>
+              </a:rPr>
+              <a:t>Рис. </a:t>
+            </a:r>
+            <a:r>
+              <a:rPr lang="en-US" sz="1600" i="1" dirty="0">
+                <a:latin typeface="Times New Roman" panose="02020603050405020304" pitchFamily="18" charset="0"/>
+                <a:ea typeface="Times New Roman" panose="02020603050405020304" pitchFamily="18" charset="0"/>
+                <a:cs typeface="Times New Roman" panose="02020603050405020304" pitchFamily="18" charset="0"/>
+              </a:rPr>
+              <a:t>5</a:t>
+            </a:r>
+            <a:r>
+              <a:rPr lang="ru-RU" sz="1600" i="1" dirty="0" smtClean="0">
+                <a:latin typeface="Times New Roman" panose="02020603050405020304" pitchFamily="18" charset="0"/>
+                <a:ea typeface="Times New Roman" panose="02020603050405020304" pitchFamily="18" charset="0"/>
+                <a:cs typeface="Times New Roman" panose="02020603050405020304" pitchFamily="18" charset="0"/>
+              </a:rPr>
+              <a:t>. </a:t>
+            </a:r>
+            <a:r>
+              <a:rPr lang="ru-RU" sz="1600" i="1" dirty="0">
+                <a:latin typeface="Times New Roman" panose="02020603050405020304" pitchFamily="18" charset="0"/>
+                <a:ea typeface="Times New Roman" panose="02020603050405020304" pitchFamily="18" charset="0"/>
+                <a:cs typeface="Times New Roman" panose="02020603050405020304" pitchFamily="18" charset="0"/>
+              </a:rPr>
+              <a:t>Сеть с вниманием.</a:t>
+            </a:r>
+            <a:endParaRPr lang="ru-RU" sz="1600" i="1" dirty="0" smtClean="0">
+              <a:effectLst/>
+              <a:latin typeface="Times New Roman" panose="02020603050405020304" pitchFamily="18" charset="0"/>
+              <a:ea typeface="Calibri" panose="020F0502020204030204" pitchFamily="34" charset="0"/>
+              <a:cs typeface="Times New Roman" panose="02020603050405020304" pitchFamily="18" charset="0"/>
+            </a:endParaRPr>
+          </a:p>
+          <a:p>
+            <a:pPr algn="ctr">
+              <a:lnSpc>
+                <a:spcPct val="107000"/>
+              </a:lnSpc>
+              <a:spcAft>
+                <a:spcPts val="800"/>
+              </a:spcAft>
+              <a:tabLst>
+                <a:tab pos="1002030" algn="l"/>
+              </a:tabLst>
+            </a:pPr>
+            <a:r>
+              <a:rPr lang="ru-RU" sz="1600" i="1" dirty="0">
+                <a:latin typeface="Times New Roman" panose="02020603050405020304" pitchFamily="18" charset="0"/>
+                <a:ea typeface="Times New Roman" panose="02020603050405020304" pitchFamily="18" charset="0"/>
+                <a:cs typeface="Times New Roman" panose="02020603050405020304" pitchFamily="18" charset="0"/>
+              </a:rPr>
+              <a:t>а – общая структура сети; б – обработка одного </a:t>
+            </a:r>
+            <a:r>
+              <a:rPr lang="ru-RU" sz="1600" i="1" dirty="0" smtClean="0">
+                <a:latin typeface="Times New Roman" panose="02020603050405020304" pitchFamily="18" charset="0"/>
+                <a:ea typeface="Times New Roman" panose="02020603050405020304" pitchFamily="18" charset="0"/>
+                <a:cs typeface="Times New Roman" panose="02020603050405020304" pitchFamily="18" charset="0"/>
+              </a:rPr>
+              <a:t>"взгляда"</a:t>
+            </a:r>
+            <a:endParaRPr lang="ru-RU" sz="1600" i="1" dirty="0">
+              <a:effectLst/>
+              <a:latin typeface="Times New Roman" panose="02020603050405020304" pitchFamily="18" charset="0"/>
+              <a:ea typeface="Calibri" panose="020F0502020204030204" pitchFamily="34" charset="0"/>
+              <a:cs typeface="Times New Roman" panose="02020603050405020304" pitchFamily="18" charset="0"/>
+            </a:endParaRPr>
+          </a:p>
+        </p:txBody>
+      </p:sp>
+    </p:spTree>
+    <p:extLst>
+      <p:ext uri="{BB962C8B-B14F-4D97-AF65-F5344CB8AC3E}">
+        <p14:creationId xmlns:p14="http://schemas.microsoft.com/office/powerpoint/2010/main" val="3839845282"/>
+      </p:ext>
+    </p:extLst>
+  </p:cSld>
+  <p:clrMapOvr>
+    <a:masterClrMapping/>
+  </p:clrMapOvr>
+  <p:timing>
+    <p:tnLst>
+      <p:par>
+        <p:cTn id="1" dur="indefinite" restart="never" nodeType="tmRoot"/>
+      </p:par>
+    </p:tnLst>
+  </p:timing>
+</p:sld>
+</file>
+
+<file path=ppt/slides/slide8.xml><?xml version="1.0" encoding="utf-8"?>
+<p:sld xmlns:a="http://schemas.openxmlformats.org/drawingml/2006/main" xmlns:r="http://schemas.openxmlformats.org/officeDocument/2006/relationships" xmlns:p="http://schemas.openxmlformats.org/presentationml/2006/main">
+  <p:cSld>
+    <p:spTree>
+      <p:nvGrpSpPr>
+        <p:cNvPr id="1" name=""/>
+        <p:cNvGrpSpPr/>
+        <p:nvPr/>
+      </p:nvGrpSpPr>
+      <p:grpSpPr>
+        <a:xfrm>
+          <a:off x="0" y="0"/>
+          <a:ext cx="0" cy="0"/>
+          <a:chOff x="0" y="0"/>
+          <a:chExt cx="0" cy="0"/>
+        </a:xfrm>
+      </p:grpSpPr>
+      <p:sp>
+        <p:nvSpPr>
+          <p:cNvPr id="4" name="Прямоугольник 3"/>
+          <p:cNvSpPr/>
+          <p:nvPr/>
+        </p:nvSpPr>
+        <p:spPr>
+          <a:xfrm>
+            <a:off x="2415344" y="66675"/>
+            <a:ext cx="7361311" cy="468077"/>
+          </a:xfrm>
+          <a:prstGeom prst="rect">
+            <a:avLst/>
+          </a:prstGeom>
+        </p:spPr>
+        <p:txBody>
+          <a:bodyPr wrap="none">
+            <a:spAutoFit/>
+          </a:bodyPr>
+          <a:lstStyle/>
+          <a:p>
+            <a:pPr algn="ctr">
+              <a:lnSpc>
+                <a:spcPct val="107000"/>
+              </a:lnSpc>
+              <a:spcAft>
+                <a:spcPts val="800"/>
+              </a:spcAft>
+            </a:pPr>
+            <a:r>
+              <a:rPr lang="ru-RU" sz="2400" dirty="0">
+                <a:latin typeface="Times New Roman" panose="02020603050405020304" pitchFamily="18" charset="0"/>
+                <a:ea typeface="Calibri" panose="020F0502020204030204" pitchFamily="34" charset="0"/>
+                <a:cs typeface="Times New Roman" panose="02020603050405020304" pitchFamily="18" charset="0"/>
+              </a:rPr>
+              <a:t>Описание набора данных и подготовки набора данных</a:t>
+            </a:r>
+            <a:endParaRPr lang="ru-RU" sz="1600" dirty="0">
+              <a:effectLst/>
+              <a:latin typeface="Calibri" panose="020F0502020204030204" pitchFamily="34" charset="0"/>
+              <a:ea typeface="Calibri" panose="020F0502020204030204" pitchFamily="34" charset="0"/>
+              <a:cs typeface="Times New Roman" panose="02020603050405020304" pitchFamily="18" charset="0"/>
+            </a:endParaRPr>
+          </a:p>
+        </p:txBody>
+      </p:sp>
+      <p:sp>
+        <p:nvSpPr>
+          <p:cNvPr id="6" name="Прямоугольник 5"/>
+          <p:cNvSpPr/>
+          <p:nvPr/>
+        </p:nvSpPr>
+        <p:spPr>
+          <a:xfrm>
+            <a:off x="180974" y="647936"/>
+            <a:ext cx="11830050" cy="1870512"/>
+          </a:xfrm>
+          <a:prstGeom prst="rect">
+            <a:avLst/>
+          </a:prstGeom>
+        </p:spPr>
+        <p:txBody>
+          <a:bodyPr wrap="square">
+            <a:spAutoFit/>
+          </a:bodyPr>
+          <a:lstStyle/>
+          <a:p>
+            <a:pPr>
+              <a:lnSpc>
+                <a:spcPct val="108000"/>
+              </a:lnSpc>
+              <a:spcAft>
+                <a:spcPts val="0"/>
+              </a:spcAft>
+            </a:pPr>
+            <a:r>
+              <a:rPr lang="ru-RU" dirty="0">
+                <a:latin typeface="Times New Roman" panose="02020603050405020304" pitchFamily="18" charset="0"/>
+                <a:ea typeface="Calibri" panose="020F0502020204030204" pitchFamily="34" charset="0"/>
+                <a:cs typeface="Times New Roman" panose="02020603050405020304" pitchFamily="18" charset="0"/>
+              </a:rPr>
+              <a:t>В качестве набора данных используются изображения с формулами, взятых с гарвардского </a:t>
+            </a:r>
+            <a:r>
+              <a:rPr lang="ru-RU" dirty="0" smtClean="0">
+                <a:latin typeface="Times New Roman" panose="02020603050405020304" pitchFamily="18" charset="0"/>
+                <a:ea typeface="Calibri" panose="020F0502020204030204" pitchFamily="34" charset="0"/>
+                <a:cs typeface="Times New Roman" panose="02020603050405020304" pitchFamily="18" charset="0"/>
+              </a:rPr>
+              <a:t>проекта. </a:t>
+            </a:r>
+            <a:r>
+              <a:rPr lang="ru-RU" dirty="0">
+                <a:latin typeface="Times New Roman" panose="02020603050405020304" pitchFamily="18" charset="0"/>
+                <a:ea typeface="Calibri" panose="020F0502020204030204" pitchFamily="34" charset="0"/>
+                <a:cs typeface="Times New Roman" panose="02020603050405020304" pitchFamily="18" charset="0"/>
+              </a:rPr>
+              <a:t>Набор состоит из двух пакетов "</a:t>
+            </a:r>
+            <a:r>
+              <a:rPr lang="ru-RU" dirty="0" err="1">
+                <a:latin typeface="Times New Roman" panose="02020603050405020304" pitchFamily="18" charset="0"/>
+                <a:ea typeface="Calibri" panose="020F0502020204030204" pitchFamily="34" charset="0"/>
+                <a:cs typeface="Times New Roman" panose="02020603050405020304" pitchFamily="18" charset="0"/>
+              </a:rPr>
+              <a:t>generateset</a:t>
+            </a:r>
+            <a:r>
+              <a:rPr lang="ru-RU" dirty="0">
+                <a:latin typeface="Times New Roman" panose="02020603050405020304" pitchFamily="18" charset="0"/>
+                <a:ea typeface="Calibri" panose="020F0502020204030204" pitchFamily="34" charset="0"/>
+                <a:cs typeface="Times New Roman" panose="02020603050405020304" pitchFamily="18" charset="0"/>
+              </a:rPr>
+              <a:t>" и "</a:t>
+            </a:r>
+            <a:r>
+              <a:rPr lang="ru-RU" dirty="0" err="1">
+                <a:latin typeface="Times New Roman" panose="02020603050405020304" pitchFamily="18" charset="0"/>
+                <a:ea typeface="Calibri" panose="020F0502020204030204" pitchFamily="34" charset="0"/>
+                <a:cs typeface="Times New Roman" panose="02020603050405020304" pitchFamily="18" charset="0"/>
+              </a:rPr>
+              <a:t>hugedataset</a:t>
+            </a:r>
+            <a:r>
+              <a:rPr lang="ru-RU" dirty="0">
+                <a:latin typeface="Times New Roman" panose="02020603050405020304" pitchFamily="18" charset="0"/>
+                <a:ea typeface="Calibri" panose="020F0502020204030204" pitchFamily="34" charset="0"/>
+                <a:cs typeface="Times New Roman" panose="02020603050405020304" pitchFamily="18" charset="0"/>
+              </a:rPr>
+              <a:t>". Первый представляет собой изображения с формулами в количестве 1700 штук, второй 104000 изображений. "</a:t>
+            </a:r>
+            <a:r>
+              <a:rPr lang="ru-RU" dirty="0" err="1">
+                <a:latin typeface="Times New Roman" panose="02020603050405020304" pitchFamily="18" charset="0"/>
+                <a:ea typeface="Calibri" panose="020F0502020204030204" pitchFamily="34" charset="0"/>
+                <a:cs typeface="Times New Roman" panose="02020603050405020304" pitchFamily="18" charset="0"/>
+              </a:rPr>
+              <a:t>generatedset</a:t>
+            </a:r>
+            <a:r>
+              <a:rPr lang="ru-RU" dirty="0">
+                <a:latin typeface="Times New Roman" panose="02020603050405020304" pitchFamily="18" charset="0"/>
+                <a:ea typeface="Calibri" panose="020F0502020204030204" pitchFamily="34" charset="0"/>
+                <a:cs typeface="Times New Roman" panose="02020603050405020304" pitchFamily="18" charset="0"/>
+              </a:rPr>
+              <a:t>" будет использоваться только для первой итерации(задания) каждой нейронной сети, для последующих итераций будет использован "</a:t>
+            </a:r>
+            <a:r>
+              <a:rPr lang="ru-RU" dirty="0" err="1">
+                <a:latin typeface="Times New Roman" panose="02020603050405020304" pitchFamily="18" charset="0"/>
+                <a:ea typeface="Calibri" panose="020F0502020204030204" pitchFamily="34" charset="0"/>
+                <a:cs typeface="Times New Roman" panose="02020603050405020304" pitchFamily="18" charset="0"/>
+              </a:rPr>
+              <a:t>hugedataset</a:t>
+            </a:r>
+            <a:r>
+              <a:rPr lang="ru-RU" dirty="0">
+                <a:latin typeface="Times New Roman" panose="02020603050405020304" pitchFamily="18" charset="0"/>
+                <a:ea typeface="Calibri" panose="020F0502020204030204" pitchFamily="34" charset="0"/>
+                <a:cs typeface="Times New Roman" panose="02020603050405020304" pitchFamily="18" charset="0"/>
+              </a:rPr>
+              <a:t>". Процесс обучения состоит из 11 </a:t>
+            </a:r>
+            <a:r>
+              <a:rPr lang="ru-RU" dirty="0" smtClean="0">
+                <a:latin typeface="Times New Roman" panose="02020603050405020304" pitchFamily="18" charset="0"/>
+                <a:ea typeface="Calibri" panose="020F0502020204030204" pitchFamily="34" charset="0"/>
+                <a:cs typeface="Times New Roman" panose="02020603050405020304" pitchFamily="18" charset="0"/>
+              </a:rPr>
+              <a:t>итераций(заданий). </a:t>
+            </a:r>
+            <a:r>
+              <a:rPr lang="ru-RU" dirty="0">
+                <a:latin typeface="Times New Roman" panose="02020603050405020304" pitchFamily="18" charset="0"/>
+                <a:ea typeface="Calibri" panose="020F0502020204030204" pitchFamily="34" charset="0"/>
+                <a:cs typeface="Times New Roman" panose="02020603050405020304" pitchFamily="18" charset="0"/>
+              </a:rPr>
+              <a:t>Для каждой из них устанавливаются свои критерии обучения. Изначально мы имеем изображения формул на листе </a:t>
+            </a:r>
+            <a:r>
+              <a:rPr lang="ru-RU" dirty="0" smtClean="0">
+                <a:latin typeface="Times New Roman" panose="02020603050405020304" pitchFamily="18" charset="0"/>
+                <a:ea typeface="Calibri" panose="020F0502020204030204" pitchFamily="34" charset="0"/>
+                <a:cs typeface="Times New Roman" panose="02020603050405020304" pitchFamily="18" charset="0"/>
+              </a:rPr>
+              <a:t>A4</a:t>
+            </a:r>
+            <a:r>
+              <a:rPr lang="en-US" dirty="0" smtClean="0">
+                <a:latin typeface="Times New Roman" panose="02020603050405020304" pitchFamily="18" charset="0"/>
+                <a:ea typeface="Calibri" panose="020F0502020204030204" pitchFamily="34" charset="0"/>
+                <a:cs typeface="Times New Roman" panose="02020603050405020304" pitchFamily="18" charset="0"/>
+              </a:rPr>
+              <a:t> (</a:t>
+            </a:r>
+            <a:r>
+              <a:rPr lang="ru-RU" dirty="0" smtClean="0">
+                <a:latin typeface="Times New Roman" panose="02020603050405020304" pitchFamily="18" charset="0"/>
+                <a:ea typeface="Calibri" panose="020F0502020204030204" pitchFamily="34" charset="0"/>
+                <a:cs typeface="Times New Roman" panose="02020603050405020304" pitchFamily="18" charset="0"/>
+              </a:rPr>
+              <a:t>Рис. 6.</a:t>
+            </a:r>
+            <a:r>
+              <a:rPr lang="en-US" dirty="0" smtClean="0">
+                <a:latin typeface="Times New Roman" panose="02020603050405020304" pitchFamily="18" charset="0"/>
+                <a:ea typeface="Calibri" panose="020F0502020204030204" pitchFamily="34" charset="0"/>
+                <a:cs typeface="Times New Roman" panose="02020603050405020304" pitchFamily="18" charset="0"/>
+              </a:rPr>
+              <a:t>)</a:t>
+            </a:r>
+            <a:r>
+              <a:rPr lang="ru-RU" dirty="0" smtClean="0">
+                <a:latin typeface="Times New Roman" panose="02020603050405020304" pitchFamily="18" charset="0"/>
+                <a:ea typeface="Calibri" panose="020F0502020204030204" pitchFamily="34" charset="0"/>
+                <a:cs typeface="Times New Roman" panose="02020603050405020304" pitchFamily="18" charset="0"/>
+              </a:rPr>
+              <a:t>.</a:t>
+            </a:r>
+            <a:endParaRPr lang="ru-RU" sz="1600" dirty="0">
+              <a:effectLst/>
+              <a:latin typeface="Calibri" panose="020F0502020204030204" pitchFamily="34" charset="0"/>
+              <a:ea typeface="Calibri" panose="020F0502020204030204" pitchFamily="34" charset="0"/>
+              <a:cs typeface="Times New Roman" panose="02020603050405020304" pitchFamily="18" charset="0"/>
+            </a:endParaRPr>
+          </a:p>
+        </p:txBody>
+      </p:sp>
+      <p:pic>
+        <p:nvPicPr>
+          <p:cNvPr id="7" name="Рисунок 6"/>
+          <p:cNvPicPr>
+            <a:picLocks noChangeAspect="1"/>
+          </p:cNvPicPr>
+          <p:nvPr/>
+        </p:nvPicPr>
+        <p:blipFill>
+          <a:blip r:embed="rId2"/>
+          <a:stretch>
+            <a:fillRect/>
+          </a:stretch>
+        </p:blipFill>
+        <p:spPr>
+          <a:xfrm>
+            <a:off x="1390650" y="2518448"/>
+            <a:ext cx="3176587" cy="4040848"/>
+          </a:xfrm>
+          <a:prstGeom prst="rect">
+            <a:avLst/>
+          </a:prstGeom>
+        </p:spPr>
+      </p:pic>
+      <p:pic>
+        <p:nvPicPr>
+          <p:cNvPr id="8" name="Рисунок 7"/>
+          <p:cNvPicPr>
+            <a:picLocks noChangeAspect="1"/>
+          </p:cNvPicPr>
+          <p:nvPr/>
+        </p:nvPicPr>
+        <p:blipFill>
+          <a:blip r:embed="rId3"/>
+          <a:stretch>
+            <a:fillRect/>
+          </a:stretch>
+        </p:blipFill>
+        <p:spPr>
+          <a:xfrm>
+            <a:off x="5186437" y="2523211"/>
+            <a:ext cx="2919338" cy="4036086"/>
+          </a:xfrm>
+          <a:prstGeom prst="rect">
+            <a:avLst/>
+          </a:prstGeom>
+        </p:spPr>
+      </p:pic>
+      <p:sp>
+        <p:nvSpPr>
+          <p:cNvPr id="9" name="Прямоугольник 8"/>
+          <p:cNvSpPr/>
+          <p:nvPr/>
+        </p:nvSpPr>
+        <p:spPr>
+          <a:xfrm>
+            <a:off x="8724975" y="4123373"/>
+            <a:ext cx="3067050" cy="830997"/>
+          </a:xfrm>
+          <a:prstGeom prst="rect">
+            <a:avLst/>
+          </a:prstGeom>
+        </p:spPr>
+        <p:txBody>
+          <a:bodyPr wrap="square">
+            <a:spAutoFit/>
+          </a:bodyPr>
+          <a:lstStyle/>
+          <a:p>
+            <a:r>
+              <a:rPr lang="ru-RU" sz="1600" i="1" dirty="0">
+                <a:latin typeface="Times New Roman" panose="02020603050405020304" pitchFamily="18" charset="0"/>
+                <a:cs typeface="Times New Roman" panose="02020603050405020304" pitchFamily="18" charset="0"/>
+              </a:rPr>
+              <a:t>Рис. </a:t>
+            </a:r>
+            <a:r>
+              <a:rPr lang="en-US" sz="1600" i="1" dirty="0">
+                <a:latin typeface="Times New Roman" panose="02020603050405020304" pitchFamily="18" charset="0"/>
+                <a:cs typeface="Times New Roman" panose="02020603050405020304" pitchFamily="18" charset="0"/>
+              </a:rPr>
+              <a:t>6</a:t>
+            </a:r>
+            <a:r>
+              <a:rPr lang="ru-RU" sz="1600" i="1" dirty="0" smtClean="0">
+                <a:latin typeface="Times New Roman" panose="02020603050405020304" pitchFamily="18" charset="0"/>
+                <a:cs typeface="Times New Roman" panose="02020603050405020304" pitchFamily="18" charset="0"/>
+              </a:rPr>
+              <a:t>. </a:t>
+            </a:r>
+            <a:r>
+              <a:rPr lang="ru-RU" sz="1600" i="1" dirty="0">
+                <a:latin typeface="Times New Roman" panose="02020603050405020304" pitchFamily="18" charset="0"/>
+                <a:cs typeface="Times New Roman" panose="02020603050405020304" pitchFamily="18" charset="0"/>
+              </a:rPr>
+              <a:t>Первоначальный вид необработанного изображения с формулой.</a:t>
+            </a:r>
+          </a:p>
+        </p:txBody>
+      </p:sp>
+    </p:spTree>
+    <p:extLst>
+      <p:ext uri="{BB962C8B-B14F-4D97-AF65-F5344CB8AC3E}">
+        <p14:creationId xmlns:p14="http://schemas.microsoft.com/office/powerpoint/2010/main" val="3296802962"/>
+      </p:ext>
+    </p:extLst>
+  </p:cSld>
+  <p:clrMapOvr>
+    <a:masterClrMapping/>
+  </p:clrMapOvr>
+</p:sld>
+</file>
+
+<file path=ppt/slides/slide9.xml><?xml version="1.0" encoding="utf-8"?>
+<p:sld xmlns:a="http://schemas.openxmlformats.org/drawingml/2006/main" xmlns:r="http://schemas.openxmlformats.org/officeDocument/2006/relationships" xmlns:p="http://schemas.openxmlformats.org/presentationml/2006/main">
+  <p:cSld>
+    <p:spTree>
+      <p:nvGrpSpPr>
+        <p:cNvPr id="1" name=""/>
+        <p:cNvGrpSpPr/>
+        <p:nvPr/>
+      </p:nvGrpSpPr>
+      <p:grpSpPr>
+        <a:xfrm>
+          <a:off x="0" y="0"/>
+          <a:ext cx="0" cy="0"/>
+          <a:chOff x="0" y="0"/>
+          <a:chExt cx="0" cy="0"/>
+        </a:xfrm>
+      </p:grpSpPr>
+      <p:sp>
+        <p:nvSpPr>
+          <p:cNvPr id="4" name="Прямоугольник 3"/>
+          <p:cNvSpPr/>
+          <p:nvPr/>
+        </p:nvSpPr>
+        <p:spPr>
+          <a:xfrm>
+            <a:off x="352425" y="163249"/>
+            <a:ext cx="11582400" cy="1574149"/>
+          </a:xfrm>
+          <a:prstGeom prst="rect">
+            <a:avLst/>
+          </a:prstGeom>
+        </p:spPr>
+        <p:txBody>
+          <a:bodyPr wrap="square">
+            <a:spAutoFit/>
+          </a:bodyPr>
+          <a:lstStyle/>
+          <a:p>
+            <a:pPr>
+              <a:lnSpc>
+                <a:spcPct val="108000"/>
+              </a:lnSpc>
+              <a:spcAft>
+                <a:spcPts val="0"/>
+              </a:spcAft>
+            </a:pPr>
+            <a:r>
+              <a:rPr lang="ru-RU" dirty="0">
+                <a:latin typeface="Times New Roman" panose="02020603050405020304" pitchFamily="18" charset="0"/>
+                <a:ea typeface="F30"/>
+                <a:cs typeface="Times New Roman" panose="02020603050405020304" pitchFamily="18" charset="0"/>
+              </a:rPr>
+              <a:t>Для оптимизации работы нейронной сети, предварительно, эти изображения обрезаются (Рис. 7.).</a:t>
+            </a:r>
+            <a:endParaRPr lang="ru-RU" dirty="0">
+              <a:latin typeface="Times New Roman" panose="02020603050405020304" pitchFamily="18" charset="0"/>
+              <a:ea typeface="Calibri" panose="020F0502020204030204" pitchFamily="34" charset="0"/>
+              <a:cs typeface="Times New Roman" panose="02020603050405020304" pitchFamily="18" charset="0"/>
+            </a:endParaRPr>
+          </a:p>
+          <a:p>
+            <a:pPr>
+              <a:lnSpc>
+                <a:spcPct val="108000"/>
+              </a:lnSpc>
+              <a:spcAft>
+                <a:spcPts val="0"/>
+              </a:spcAft>
+            </a:pPr>
+            <a:r>
+              <a:rPr lang="ru-RU" dirty="0">
+                <a:latin typeface="Times New Roman" panose="02020603050405020304" pitchFamily="18" charset="0"/>
+                <a:ea typeface="Calibri" panose="020F0502020204030204" pitchFamily="34" charset="0"/>
+                <a:cs typeface="Times New Roman" panose="02020603050405020304" pitchFamily="18" charset="0"/>
+              </a:rPr>
+              <a:t>После чего, формулы нормализуются. Создаётся отдельный файл, где каждая из формул прописана в печатном виде и имеет свой номер, расставляются все пробелы, прописываются названия греческих букв, вместо их обозначения. Для наибольшего успеха обучения, из пакета данных </a:t>
+            </a:r>
+            <a:r>
+              <a:rPr lang="ru-RU" dirty="0" smtClean="0">
+                <a:latin typeface="Times New Roman" panose="02020603050405020304" pitchFamily="18" charset="0"/>
+                <a:ea typeface="Calibri" panose="020F0502020204030204" pitchFamily="34" charset="0"/>
+                <a:cs typeface="Times New Roman" panose="02020603050405020304" pitchFamily="18" charset="0"/>
+              </a:rPr>
+              <a:t>исключаются те</a:t>
+            </a:r>
+            <a:r>
+              <a:rPr lang="en-US" dirty="0" smtClean="0">
+                <a:latin typeface="Times New Roman" panose="02020603050405020304" pitchFamily="18" charset="0"/>
+                <a:ea typeface="Calibri" panose="020F0502020204030204" pitchFamily="34" charset="0"/>
+                <a:cs typeface="Times New Roman" panose="02020603050405020304" pitchFamily="18" charset="0"/>
+              </a:rPr>
+              <a:t> </a:t>
+            </a:r>
+            <a:r>
+              <a:rPr lang="ru-RU" dirty="0" smtClean="0">
+                <a:latin typeface="Times New Roman" panose="02020603050405020304" pitchFamily="18" charset="0"/>
+                <a:ea typeface="Calibri" panose="020F0502020204030204" pitchFamily="34" charset="0"/>
+                <a:cs typeface="Times New Roman" panose="02020603050405020304" pitchFamily="18" charset="0"/>
+              </a:rPr>
+              <a:t>формулы, </a:t>
+            </a:r>
+            <a:r>
+              <a:rPr lang="ru-RU" dirty="0">
+                <a:latin typeface="Times New Roman" panose="02020603050405020304" pitchFamily="18" charset="0"/>
+                <a:ea typeface="Calibri" panose="020F0502020204030204" pitchFamily="34" charset="0"/>
+                <a:cs typeface="Times New Roman" panose="02020603050405020304" pitchFamily="18" charset="0"/>
+              </a:rPr>
+              <a:t>что имеют большое количество грамматических ошибок.</a:t>
+            </a:r>
+            <a:endParaRPr lang="ru-RU" dirty="0">
+              <a:effectLst/>
+              <a:latin typeface="Times New Roman" panose="02020603050405020304" pitchFamily="18" charset="0"/>
+              <a:ea typeface="Calibri" panose="020F0502020204030204" pitchFamily="34" charset="0"/>
+              <a:cs typeface="Times New Roman" panose="02020603050405020304" pitchFamily="18" charset="0"/>
+            </a:endParaRPr>
+          </a:p>
+        </p:txBody>
+      </p:sp>
+      <p:pic>
+        <p:nvPicPr>
+          <p:cNvPr id="5" name="Рисунок 4"/>
+          <p:cNvPicPr>
+            <a:picLocks noChangeAspect="1"/>
+          </p:cNvPicPr>
+          <p:nvPr/>
+        </p:nvPicPr>
+        <p:blipFill>
+          <a:blip r:embed="rId2"/>
+          <a:stretch>
+            <a:fillRect/>
+          </a:stretch>
+        </p:blipFill>
+        <p:spPr>
+          <a:xfrm>
+            <a:off x="1343025" y="1737398"/>
+            <a:ext cx="3714750" cy="4698088"/>
+          </a:xfrm>
+          <a:prstGeom prst="rect">
+            <a:avLst/>
+          </a:prstGeom>
+        </p:spPr>
+      </p:pic>
+      <p:pic>
+        <p:nvPicPr>
+          <p:cNvPr id="6" name="Рисунок 5"/>
+          <p:cNvPicPr>
+            <a:picLocks noChangeAspect="1"/>
+          </p:cNvPicPr>
+          <p:nvPr/>
+        </p:nvPicPr>
+        <p:blipFill>
+          <a:blip r:embed="rId3"/>
+          <a:stretch>
+            <a:fillRect/>
+          </a:stretch>
+        </p:blipFill>
+        <p:spPr>
+          <a:xfrm>
+            <a:off x="5749727" y="3838575"/>
+            <a:ext cx="2845196" cy="2596911"/>
+          </a:xfrm>
+          <a:prstGeom prst="rect">
+            <a:avLst/>
+          </a:prstGeom>
+        </p:spPr>
+      </p:pic>
+      <p:sp>
+        <p:nvSpPr>
+          <p:cNvPr id="7" name="Прямоугольник 6"/>
+          <p:cNvSpPr/>
+          <p:nvPr/>
+        </p:nvSpPr>
+        <p:spPr>
+          <a:xfrm>
+            <a:off x="9286875" y="3670943"/>
+            <a:ext cx="1790700" cy="830997"/>
+          </a:xfrm>
+          <a:prstGeom prst="rect">
+            <a:avLst/>
+          </a:prstGeom>
+        </p:spPr>
+        <p:txBody>
+          <a:bodyPr wrap="square">
+            <a:spAutoFit/>
+          </a:bodyPr>
+          <a:lstStyle/>
+          <a:p>
+            <a:r>
+              <a:rPr lang="ru-RU" sz="1600" i="1" dirty="0">
+                <a:latin typeface="Times New Roman" panose="02020603050405020304" pitchFamily="18" charset="0"/>
+                <a:cs typeface="Times New Roman" panose="02020603050405020304" pitchFamily="18" charset="0"/>
+              </a:rPr>
+              <a:t>Рис. 7</a:t>
+            </a:r>
+            <a:r>
+              <a:rPr lang="ru-RU" sz="1600" i="1" dirty="0" smtClean="0">
+                <a:latin typeface="Times New Roman" panose="02020603050405020304" pitchFamily="18" charset="0"/>
+                <a:cs typeface="Times New Roman" panose="02020603050405020304" pitchFamily="18" charset="0"/>
+              </a:rPr>
+              <a:t>. </a:t>
+            </a:r>
+            <a:r>
+              <a:rPr lang="ru-RU" sz="1600" i="1" dirty="0">
+                <a:latin typeface="Times New Roman" panose="02020603050405020304" pitchFamily="18" charset="0"/>
+                <a:cs typeface="Times New Roman" panose="02020603050405020304" pitchFamily="18" charset="0"/>
+              </a:rPr>
+              <a:t>Вид обрезанного изображения</a:t>
+            </a:r>
+          </a:p>
+        </p:txBody>
+      </p:sp>
+    </p:spTree>
+    <p:extLst>
+      <p:ext uri="{BB962C8B-B14F-4D97-AF65-F5344CB8AC3E}">
+        <p14:creationId xmlns:p14="http://schemas.microsoft.com/office/powerpoint/2010/main" val="2400597119"/>
+      </p:ext>
+    </p:extLst>
+  </p:cSld>
+  <p:clrMapOvr>
+    <a:masterClrMapping/>
+  </p:clrMapOvr>
 </p:sld>
 </file>
 
@@ -15002,7 +14230,7 @@
   <a:extraClrSchemeLst/>
   <a:extLst>
     <a:ext uri="{05A4C25C-085E-4340-85A3-A5531E510DB2}">
-      <thm15:themeFamily xmlns:thm15="http://schemas.microsoft.com/office/thememl/2012/main" xmlns="" name="Parcel" id="{8BEC4385-4EB9-4D53-BFB5-0EA123736B6D}" vid="{4DB32801-28C0-48B0-8C1D-A9A58613615A}"/>
+      <thm15:themeFamily xmlns:thm15="http://schemas.microsoft.com/office/thememl/2012/main" name="Parcel" id="{8BEC4385-4EB9-4D53-BFB5-0EA123736B6D}" vid="{4DB32801-28C0-48B0-8C1D-A9A58613615A}"/>
     </a:ext>
   </a:extLst>
 </a:theme>
@@ -15263,7 +14491,7 @@
   <a:extraClrSchemeLst/>
   <a:extLst>
     <a:ext uri="{05A4C25C-085E-4340-85A3-A5531E510DB2}">
-      <thm15:themeFamily xmlns:thm15="http://schemas.microsoft.com/office/thememl/2012/main" xmlns="" name="Office Theme" id="{62F939B6-93AF-4DB8-9C6B-D6C7DFDC589F}" vid="{4A3C46E8-61CC-4603-A589-7422A47A8E4A}"/>
+      <thm15:themeFamily xmlns:thm15="http://schemas.microsoft.com/office/thememl/2012/main" name="Office Theme" id="{62F939B6-93AF-4DB8-9C6B-D6C7DFDC589F}" vid="{4A3C46E8-61CC-4603-A589-7422A47A8E4A}"/>
     </a:ext>
   </a:extLst>
 </a:theme>

--- a/Diplom.pptx
+++ b/Diplom.pptx
@@ -5,23 +5,27 @@
     <p:sldMasterId id="2147483726" r:id="rId1"/>
   </p:sldMasterIdLst>
   <p:notesMasterIdLst>
-    <p:notesMasterId r:id="rId16"/>
+    <p:notesMasterId r:id="rId20"/>
   </p:notesMasterIdLst>
   <p:sldIdLst>
     <p:sldId id="256" r:id="rId2"/>
-    <p:sldId id="257" r:id="rId3"/>
+    <p:sldId id="273" r:id="rId3"/>
     <p:sldId id="258" r:id="rId4"/>
-    <p:sldId id="259" r:id="rId5"/>
-    <p:sldId id="260" r:id="rId6"/>
-    <p:sldId id="262" r:id="rId7"/>
-    <p:sldId id="263" r:id="rId8"/>
-    <p:sldId id="271" r:id="rId9"/>
-    <p:sldId id="272" r:id="rId10"/>
-    <p:sldId id="267" r:id="rId11"/>
-    <p:sldId id="268" r:id="rId12"/>
-    <p:sldId id="269" r:id="rId13"/>
-    <p:sldId id="270" r:id="rId14"/>
-    <p:sldId id="266" r:id="rId15"/>
+    <p:sldId id="274" r:id="rId5"/>
+    <p:sldId id="259" r:id="rId6"/>
+    <p:sldId id="260" r:id="rId7"/>
+    <p:sldId id="262" r:id="rId8"/>
+    <p:sldId id="275" r:id="rId9"/>
+    <p:sldId id="263" r:id="rId10"/>
+    <p:sldId id="271" r:id="rId11"/>
+    <p:sldId id="272" r:id="rId12"/>
+    <p:sldId id="267" r:id="rId13"/>
+    <p:sldId id="268" r:id="rId14"/>
+    <p:sldId id="276" r:id="rId15"/>
+    <p:sldId id="277" r:id="rId16"/>
+    <p:sldId id="269" r:id="rId17"/>
+    <p:sldId id="270" r:id="rId18"/>
+    <p:sldId id="266" r:id="rId19"/>
   </p:sldIdLst>
   <p:sldSz cx="12192000" cy="6858000"/>
   <p:notesSz cx="6858000" cy="9144000"/>
@@ -122,7 +126,18 @@
   </p:defaultTextStyle>
   <p:extLst>
     <p:ext uri="{EFAFB233-063F-42B5-8137-9DF3F51BA10A}">
-      <p15:sldGuideLst xmlns:p15="http://schemas.microsoft.com/office/powerpoint/2012/main"/>
+      <p15:sldGuideLst xmlns:p15="http://schemas.microsoft.com/office/powerpoint/2012/main">
+        <p15:guide id="1" orient="horz" pos="2160">
+          <p15:clr>
+            <a:srgbClr val="A4A3A4"/>
+          </p15:clr>
+        </p15:guide>
+        <p15:guide id="2" pos="3840">
+          <p15:clr>
+            <a:srgbClr val="A4A3A4"/>
+          </p15:clr>
+        </p15:guide>
+      </p15:sldGuideLst>
     </p:ext>
   </p:extLst>
 </p:presentation>
@@ -210,7 +225,7 @@
           <a:p>
             <a:fld id="{8733CAD3-0841-4A59-9CBC-DA09AE9408EB}" type="datetimeFigureOut">
               <a:rPr lang="ru-RU" smtClean="0"/>
-              <a:t>06.06.2022</a:t>
+              <a:t>07.06.2022</a:t>
             </a:fld>
             <a:endParaRPr lang="ru-RU"/>
           </a:p>
@@ -522,7 +537,10 @@
           <a:bodyPr/>
           <a:lstStyle/>
           <a:p>
-            <a:endParaRPr lang="ru-RU" dirty="0"/>
+            <a:endParaRPr lang="ru-RU" sz="1600" dirty="0">
+              <a:latin typeface="Times New Roman" panose="02020603050405020304" pitchFamily="18" charset="0"/>
+              <a:cs typeface="Times New Roman" panose="02020603050405020304" pitchFamily="18" charset="0"/>
+            </a:endParaRPr>
           </a:p>
         </p:txBody>
       </p:sp>
@@ -543,7 +561,91 @@
           <a:p>
             <a:fld id="{E73BE77D-0296-47FE-8CF4-0064CAE9091A}" type="slidenum">
               <a:rPr lang="ru-RU" smtClean="0"/>
-              <a:t>11</a:t>
+              <a:t>4</a:t>
+            </a:fld>
+            <a:endParaRPr lang="ru-RU"/>
+          </a:p>
+        </p:txBody>
+      </p:sp>
+    </p:spTree>
+    <p:extLst>
+      <p:ext uri="{BB962C8B-B14F-4D97-AF65-F5344CB8AC3E}">
+        <p14:creationId xmlns:p14="http://schemas.microsoft.com/office/powerpoint/2010/main" val="3649841198"/>
+      </p:ext>
+    </p:extLst>
+  </p:cSld>
+  <p:clrMapOvr>
+    <a:masterClrMapping/>
+  </p:clrMapOvr>
+</p:notes>
+</file>
+
+<file path=ppt/notesSlides/notesSlide2.xml><?xml version="1.0" encoding="utf-8"?>
+<p:notes xmlns:a="http://schemas.openxmlformats.org/drawingml/2006/main" xmlns:r="http://schemas.openxmlformats.org/officeDocument/2006/relationships" xmlns:p="http://schemas.openxmlformats.org/presentationml/2006/main">
+  <p:cSld>
+    <p:spTree>
+      <p:nvGrpSpPr>
+        <p:cNvPr id="1" name=""/>
+        <p:cNvGrpSpPr/>
+        <p:nvPr/>
+      </p:nvGrpSpPr>
+      <p:grpSpPr>
+        <a:xfrm>
+          <a:off x="0" y="0"/>
+          <a:ext cx="0" cy="0"/>
+          <a:chOff x="0" y="0"/>
+          <a:chExt cx="0" cy="0"/>
+        </a:xfrm>
+      </p:grpSpPr>
+      <p:sp>
+        <p:nvSpPr>
+          <p:cNvPr id="2" name="Образ слайда 1"/>
+          <p:cNvSpPr>
+            <a:spLocks noGrp="1" noRot="1" noChangeAspect="1"/>
+          </p:cNvSpPr>
+          <p:nvPr>
+            <p:ph type="sldImg"/>
+          </p:nvPr>
+        </p:nvSpPr>
+        <p:spPr/>
+      </p:sp>
+      <p:sp>
+        <p:nvSpPr>
+          <p:cNvPr id="3" name="Заметки 2"/>
+          <p:cNvSpPr>
+            <a:spLocks noGrp="1"/>
+          </p:cNvSpPr>
+          <p:nvPr>
+            <p:ph type="body" idx="1"/>
+          </p:nvPr>
+        </p:nvSpPr>
+        <p:spPr/>
+        <p:txBody>
+          <a:bodyPr/>
+          <a:lstStyle/>
+          <a:p>
+            <a:endParaRPr lang="ru-RU" dirty="0"/>
+          </a:p>
+        </p:txBody>
+      </p:sp>
+      <p:sp>
+        <p:nvSpPr>
+          <p:cNvPr id="4" name="Номер слайда 3"/>
+          <p:cNvSpPr>
+            <a:spLocks noGrp="1"/>
+          </p:cNvSpPr>
+          <p:nvPr>
+            <p:ph type="sldNum" sz="quarter" idx="10"/>
+          </p:nvPr>
+        </p:nvSpPr>
+        <p:spPr/>
+        <p:txBody>
+          <a:bodyPr/>
+          <a:lstStyle/>
+          <a:p>
+            <a:fld id="{E73BE77D-0296-47FE-8CF4-0064CAE9091A}" type="slidenum">
+              <a:rPr lang="ru-RU" smtClean="0"/>
+              <a:t>13</a:t>
             </a:fld>
             <a:endParaRPr lang="ru-RU"/>
           </a:p>
@@ -553,6 +655,93 @@
     <p:extLst>
       <p:ext uri="{BB962C8B-B14F-4D97-AF65-F5344CB8AC3E}">
         <p14:creationId xmlns:p14="http://schemas.microsoft.com/office/powerpoint/2010/main" val="418657306"/>
+      </p:ext>
+    </p:extLst>
+  </p:cSld>
+  <p:clrMapOvr>
+    <a:masterClrMapping/>
+  </p:clrMapOvr>
+</p:notes>
+</file>
+
+<file path=ppt/notesSlides/notesSlide3.xml><?xml version="1.0" encoding="utf-8"?>
+<p:notes xmlns:a="http://schemas.openxmlformats.org/drawingml/2006/main" xmlns:r="http://schemas.openxmlformats.org/officeDocument/2006/relationships" xmlns:p="http://schemas.openxmlformats.org/presentationml/2006/main">
+  <p:cSld>
+    <p:spTree>
+      <p:nvGrpSpPr>
+        <p:cNvPr id="1" name=""/>
+        <p:cNvGrpSpPr/>
+        <p:nvPr/>
+      </p:nvGrpSpPr>
+      <p:grpSpPr>
+        <a:xfrm>
+          <a:off x="0" y="0"/>
+          <a:ext cx="0" cy="0"/>
+          <a:chOff x="0" y="0"/>
+          <a:chExt cx="0" cy="0"/>
+        </a:xfrm>
+      </p:grpSpPr>
+      <p:sp>
+        <p:nvSpPr>
+          <p:cNvPr id="2" name="Образ слайда 1"/>
+          <p:cNvSpPr>
+            <a:spLocks noGrp="1" noRot="1" noChangeAspect="1"/>
+          </p:cNvSpPr>
+          <p:nvPr>
+            <p:ph type="sldImg"/>
+          </p:nvPr>
+        </p:nvSpPr>
+        <p:spPr/>
+      </p:sp>
+      <p:sp>
+        <p:nvSpPr>
+          <p:cNvPr id="3" name="Заметки 2"/>
+          <p:cNvSpPr>
+            <a:spLocks noGrp="1"/>
+          </p:cNvSpPr>
+          <p:nvPr>
+            <p:ph type="body" idx="1"/>
+          </p:nvPr>
+        </p:nvSpPr>
+        <p:spPr/>
+        <p:txBody>
+          <a:bodyPr/>
+          <a:lstStyle/>
+          <a:p>
+            <a:endParaRPr lang="ru-RU" sz="1600" i="1" dirty="0">
+              <a:latin typeface="Times New Roman" panose="02020603050405020304" pitchFamily="18" charset="0"/>
+              <a:cs typeface="Times New Roman" panose="02020603050405020304" pitchFamily="18" charset="0"/>
+            </a:endParaRPr>
+          </a:p>
+        </p:txBody>
+      </p:sp>
+      <p:sp>
+        <p:nvSpPr>
+          <p:cNvPr id="4" name="Номер слайда 3"/>
+          <p:cNvSpPr>
+            <a:spLocks noGrp="1"/>
+          </p:cNvSpPr>
+          <p:nvPr>
+            <p:ph type="sldNum" sz="quarter" idx="10"/>
+          </p:nvPr>
+        </p:nvSpPr>
+        <p:spPr/>
+        <p:txBody>
+          <a:bodyPr/>
+          <a:lstStyle/>
+          <a:p>
+            <a:fld id="{E73BE77D-0296-47FE-8CF4-0064CAE9091A}" type="slidenum">
+              <a:rPr lang="ru-RU" smtClean="0"/>
+              <a:t>14</a:t>
+            </a:fld>
+            <a:endParaRPr lang="ru-RU"/>
+          </a:p>
+        </p:txBody>
+      </p:sp>
+    </p:spTree>
+    <p:extLst>
+      <p:ext uri="{BB962C8B-B14F-4D97-AF65-F5344CB8AC3E}">
+        <p14:creationId xmlns:p14="http://schemas.microsoft.com/office/powerpoint/2010/main" val="877824391"/>
       </p:ext>
     </p:extLst>
   </p:cSld>
@@ -725,7 +914,7 @@
           <a:p>
             <a:fld id="{722BFCF7-9231-4A86-A6F2-CE9E1A19D470}" type="datetimeFigureOut">
               <a:rPr lang="ru-RU" smtClean="0"/>
-              <a:t>06.06.2022</a:t>
+              <a:t>07.06.2022</a:t>
             </a:fld>
             <a:endParaRPr lang="ru-RU"/>
           </a:p>
@@ -895,7 +1084,7 @@
           <a:p>
             <a:fld id="{722BFCF7-9231-4A86-A6F2-CE9E1A19D470}" type="datetimeFigureOut">
               <a:rPr lang="ru-RU" smtClean="0"/>
-              <a:t>06.06.2022</a:t>
+              <a:t>07.06.2022</a:t>
             </a:fld>
             <a:endParaRPr lang="ru-RU"/>
           </a:p>
@@ -1075,7 +1264,7 @@
           <a:p>
             <a:fld id="{722BFCF7-9231-4A86-A6F2-CE9E1A19D470}" type="datetimeFigureOut">
               <a:rPr lang="ru-RU" smtClean="0"/>
-              <a:t>06.06.2022</a:t>
+              <a:t>07.06.2022</a:t>
             </a:fld>
             <a:endParaRPr lang="ru-RU"/>
           </a:p>
@@ -1245,7 +1434,7 @@
           <a:p>
             <a:fld id="{722BFCF7-9231-4A86-A6F2-CE9E1A19D470}" type="datetimeFigureOut">
               <a:rPr lang="ru-RU" smtClean="0"/>
-              <a:t>06.06.2022</a:t>
+              <a:t>07.06.2022</a:t>
             </a:fld>
             <a:endParaRPr lang="ru-RU"/>
           </a:p>
@@ -1513,7 +1702,7 @@
           <a:p>
             <a:fld id="{722BFCF7-9231-4A86-A6F2-CE9E1A19D470}" type="datetimeFigureOut">
               <a:rPr lang="ru-RU" smtClean="0"/>
-              <a:t>06.06.2022</a:t>
+              <a:t>07.06.2022</a:t>
             </a:fld>
             <a:endParaRPr lang="ru-RU"/>
           </a:p>
@@ -1745,7 +1934,7 @@
           <a:p>
             <a:fld id="{722BFCF7-9231-4A86-A6F2-CE9E1A19D470}" type="datetimeFigureOut">
               <a:rPr lang="ru-RU" smtClean="0"/>
-              <a:t>06.06.2022</a:t>
+              <a:t>07.06.2022</a:t>
             </a:fld>
             <a:endParaRPr lang="ru-RU"/>
           </a:p>
@@ -2104,7 +2293,7 @@
           <a:p>
             <a:fld id="{722BFCF7-9231-4A86-A6F2-CE9E1A19D470}" type="datetimeFigureOut">
               <a:rPr lang="ru-RU" smtClean="0"/>
-              <a:t>06.06.2022</a:t>
+              <a:t>07.06.2022</a:t>
             </a:fld>
             <a:endParaRPr lang="ru-RU"/>
           </a:p>
@@ -2245,7 +2434,7 @@
           <a:p>
             <a:fld id="{722BFCF7-9231-4A86-A6F2-CE9E1A19D470}" type="datetimeFigureOut">
               <a:rPr lang="ru-RU" smtClean="0"/>
-              <a:t>06.06.2022</a:t>
+              <a:t>07.06.2022</a:t>
             </a:fld>
             <a:endParaRPr lang="ru-RU"/>
           </a:p>
@@ -2340,7 +2529,7 @@
           <a:p>
             <a:fld id="{722BFCF7-9231-4A86-A6F2-CE9E1A19D470}" type="datetimeFigureOut">
               <a:rPr lang="ru-RU" smtClean="0"/>
-              <a:t>06.06.2022</a:t>
+              <a:t>07.06.2022</a:t>
             </a:fld>
             <a:endParaRPr lang="ru-RU"/>
           </a:p>
@@ -2697,7 +2886,7 @@
           <a:p>
             <a:fld id="{722BFCF7-9231-4A86-A6F2-CE9E1A19D470}" type="datetimeFigureOut">
               <a:rPr lang="ru-RU" smtClean="0"/>
-              <a:t>06.06.2022</a:t>
+              <a:t>07.06.2022</a:t>
             </a:fld>
             <a:endParaRPr lang="ru-RU"/>
           </a:p>
@@ -3054,7 +3243,7 @@
           <a:p>
             <a:fld id="{722BFCF7-9231-4A86-A6F2-CE9E1A19D470}" type="datetimeFigureOut">
               <a:rPr lang="ru-RU" smtClean="0"/>
-              <a:t>06.06.2022</a:t>
+              <a:t>07.06.2022</a:t>
             </a:fld>
             <a:endParaRPr lang="ru-RU"/>
           </a:p>
@@ -3295,7 +3484,7 @@
           <a:p>
             <a:fld id="{722BFCF7-9231-4A86-A6F2-CE9E1A19D470}" type="datetimeFigureOut">
               <a:rPr lang="ru-RU" smtClean="0"/>
-              <a:t>06.06.2022</a:t>
+              <a:t>07.06.2022</a:t>
             </a:fld>
             <a:endParaRPr lang="ru-RU"/>
           </a:p>
@@ -3894,6 +4083,572 @@
         </p:nvSpPr>
         <p:spPr>
           <a:xfrm>
+            <a:off x="2415344" y="66675"/>
+            <a:ext cx="7361311" cy="468077"/>
+          </a:xfrm>
+          <a:prstGeom prst="rect">
+            <a:avLst/>
+          </a:prstGeom>
+        </p:spPr>
+        <p:txBody>
+          <a:bodyPr wrap="none">
+            <a:spAutoFit/>
+          </a:bodyPr>
+          <a:lstStyle/>
+          <a:p>
+            <a:pPr algn="ctr">
+              <a:lnSpc>
+                <a:spcPct val="107000"/>
+              </a:lnSpc>
+              <a:spcAft>
+                <a:spcPts val="800"/>
+              </a:spcAft>
+            </a:pPr>
+            <a:r>
+              <a:rPr lang="ru-RU" sz="2400" dirty="0">
+                <a:latin typeface="Times New Roman" panose="02020603050405020304" pitchFamily="18" charset="0"/>
+                <a:ea typeface="Calibri" panose="020F0502020204030204" pitchFamily="34" charset="0"/>
+                <a:cs typeface="Times New Roman" panose="02020603050405020304" pitchFamily="18" charset="0"/>
+              </a:rPr>
+              <a:t>Описание набора данных и подготовки набора данных</a:t>
+            </a:r>
+            <a:endParaRPr lang="ru-RU" sz="1600" dirty="0">
+              <a:effectLst/>
+              <a:latin typeface="Calibri" panose="020F0502020204030204" pitchFamily="34" charset="0"/>
+              <a:ea typeface="Calibri" panose="020F0502020204030204" pitchFamily="34" charset="0"/>
+              <a:cs typeface="Times New Roman" panose="02020603050405020304" pitchFamily="18" charset="0"/>
+            </a:endParaRPr>
+          </a:p>
+        </p:txBody>
+      </p:sp>
+      <p:sp>
+        <p:nvSpPr>
+          <p:cNvPr id="6" name="Прямоугольник 5"/>
+          <p:cNvSpPr/>
+          <p:nvPr/>
+        </p:nvSpPr>
+        <p:spPr>
+          <a:xfrm>
+            <a:off x="180974" y="647936"/>
+            <a:ext cx="11830050" cy="1870512"/>
+          </a:xfrm>
+          <a:prstGeom prst="rect">
+            <a:avLst/>
+          </a:prstGeom>
+        </p:spPr>
+        <p:txBody>
+          <a:bodyPr wrap="square">
+            <a:spAutoFit/>
+          </a:bodyPr>
+          <a:lstStyle/>
+          <a:p>
+            <a:pPr>
+              <a:lnSpc>
+                <a:spcPct val="108000"/>
+              </a:lnSpc>
+              <a:spcAft>
+                <a:spcPts val="0"/>
+              </a:spcAft>
+            </a:pPr>
+            <a:r>
+              <a:rPr lang="ru-RU" dirty="0">
+                <a:latin typeface="Times New Roman" panose="02020603050405020304" pitchFamily="18" charset="0"/>
+                <a:ea typeface="Calibri" panose="020F0502020204030204" pitchFamily="34" charset="0"/>
+                <a:cs typeface="Times New Roman" panose="02020603050405020304" pitchFamily="18" charset="0"/>
+              </a:rPr>
+              <a:t>В качестве набора данных используются изображения с формулами, взятых с гарвардского </a:t>
+            </a:r>
+            <a:r>
+              <a:rPr lang="ru-RU" dirty="0" smtClean="0">
+                <a:latin typeface="Times New Roman" panose="02020603050405020304" pitchFamily="18" charset="0"/>
+                <a:ea typeface="Calibri" panose="020F0502020204030204" pitchFamily="34" charset="0"/>
+                <a:cs typeface="Times New Roman" panose="02020603050405020304" pitchFamily="18" charset="0"/>
+              </a:rPr>
+              <a:t>проекта. </a:t>
+            </a:r>
+            <a:r>
+              <a:rPr lang="ru-RU" dirty="0">
+                <a:latin typeface="Times New Roman" panose="02020603050405020304" pitchFamily="18" charset="0"/>
+                <a:ea typeface="Calibri" panose="020F0502020204030204" pitchFamily="34" charset="0"/>
+                <a:cs typeface="Times New Roman" panose="02020603050405020304" pitchFamily="18" charset="0"/>
+              </a:rPr>
+              <a:t>Набор состоит из двух пакетов "</a:t>
+            </a:r>
+            <a:r>
+              <a:rPr lang="ru-RU" dirty="0" err="1">
+                <a:latin typeface="Times New Roman" panose="02020603050405020304" pitchFamily="18" charset="0"/>
+                <a:ea typeface="Calibri" panose="020F0502020204030204" pitchFamily="34" charset="0"/>
+                <a:cs typeface="Times New Roman" panose="02020603050405020304" pitchFamily="18" charset="0"/>
+              </a:rPr>
+              <a:t>generateset</a:t>
+            </a:r>
+            <a:r>
+              <a:rPr lang="ru-RU" dirty="0">
+                <a:latin typeface="Times New Roman" panose="02020603050405020304" pitchFamily="18" charset="0"/>
+                <a:ea typeface="Calibri" panose="020F0502020204030204" pitchFamily="34" charset="0"/>
+                <a:cs typeface="Times New Roman" panose="02020603050405020304" pitchFamily="18" charset="0"/>
+              </a:rPr>
+              <a:t>" и "</a:t>
+            </a:r>
+            <a:r>
+              <a:rPr lang="ru-RU" dirty="0" err="1">
+                <a:latin typeface="Times New Roman" panose="02020603050405020304" pitchFamily="18" charset="0"/>
+                <a:ea typeface="Calibri" panose="020F0502020204030204" pitchFamily="34" charset="0"/>
+                <a:cs typeface="Times New Roman" panose="02020603050405020304" pitchFamily="18" charset="0"/>
+              </a:rPr>
+              <a:t>hugedataset</a:t>
+            </a:r>
+            <a:r>
+              <a:rPr lang="ru-RU" dirty="0">
+                <a:latin typeface="Times New Roman" panose="02020603050405020304" pitchFamily="18" charset="0"/>
+                <a:ea typeface="Calibri" panose="020F0502020204030204" pitchFamily="34" charset="0"/>
+                <a:cs typeface="Times New Roman" panose="02020603050405020304" pitchFamily="18" charset="0"/>
+              </a:rPr>
+              <a:t>". Первый представляет собой изображения с формулами в количестве 1700 штук, второй 104000 изображений. "</a:t>
+            </a:r>
+            <a:r>
+              <a:rPr lang="ru-RU" dirty="0" err="1">
+                <a:latin typeface="Times New Roman" panose="02020603050405020304" pitchFamily="18" charset="0"/>
+                <a:ea typeface="Calibri" panose="020F0502020204030204" pitchFamily="34" charset="0"/>
+                <a:cs typeface="Times New Roman" panose="02020603050405020304" pitchFamily="18" charset="0"/>
+              </a:rPr>
+              <a:t>generatedset</a:t>
+            </a:r>
+            <a:r>
+              <a:rPr lang="ru-RU" dirty="0">
+                <a:latin typeface="Times New Roman" panose="02020603050405020304" pitchFamily="18" charset="0"/>
+                <a:ea typeface="Calibri" panose="020F0502020204030204" pitchFamily="34" charset="0"/>
+                <a:cs typeface="Times New Roman" panose="02020603050405020304" pitchFamily="18" charset="0"/>
+              </a:rPr>
+              <a:t>" будет использоваться только для первой итерации(задания) каждой нейронной сети, для последующих итераций будет использован "</a:t>
+            </a:r>
+            <a:r>
+              <a:rPr lang="ru-RU" dirty="0" err="1">
+                <a:latin typeface="Times New Roman" panose="02020603050405020304" pitchFamily="18" charset="0"/>
+                <a:ea typeface="Calibri" panose="020F0502020204030204" pitchFamily="34" charset="0"/>
+                <a:cs typeface="Times New Roman" panose="02020603050405020304" pitchFamily="18" charset="0"/>
+              </a:rPr>
+              <a:t>hugedataset</a:t>
+            </a:r>
+            <a:r>
+              <a:rPr lang="ru-RU" dirty="0">
+                <a:latin typeface="Times New Roman" panose="02020603050405020304" pitchFamily="18" charset="0"/>
+                <a:ea typeface="Calibri" panose="020F0502020204030204" pitchFamily="34" charset="0"/>
+                <a:cs typeface="Times New Roman" panose="02020603050405020304" pitchFamily="18" charset="0"/>
+              </a:rPr>
+              <a:t>". Процесс обучения состоит из 11 итераций. Для каждой из них устанавливаются свои критерии обучения. Изначально мы имеем изображения формул на листе </a:t>
+            </a:r>
+            <a:r>
+              <a:rPr lang="ru-RU" dirty="0" smtClean="0">
+                <a:latin typeface="Times New Roman" panose="02020603050405020304" pitchFamily="18" charset="0"/>
+                <a:ea typeface="Calibri" panose="020F0502020204030204" pitchFamily="34" charset="0"/>
+                <a:cs typeface="Times New Roman" panose="02020603050405020304" pitchFamily="18" charset="0"/>
+              </a:rPr>
+              <a:t>A4</a:t>
+            </a:r>
+            <a:r>
+              <a:rPr lang="en-US" dirty="0" smtClean="0">
+                <a:latin typeface="Times New Roman" panose="02020603050405020304" pitchFamily="18" charset="0"/>
+                <a:ea typeface="Calibri" panose="020F0502020204030204" pitchFamily="34" charset="0"/>
+                <a:cs typeface="Times New Roman" panose="02020603050405020304" pitchFamily="18" charset="0"/>
+              </a:rPr>
+              <a:t> (</a:t>
+            </a:r>
+            <a:r>
+              <a:rPr lang="ru-RU" dirty="0" smtClean="0">
+                <a:latin typeface="Times New Roman" panose="02020603050405020304" pitchFamily="18" charset="0"/>
+                <a:ea typeface="Calibri" panose="020F0502020204030204" pitchFamily="34" charset="0"/>
+                <a:cs typeface="Times New Roman" panose="02020603050405020304" pitchFamily="18" charset="0"/>
+              </a:rPr>
+              <a:t>Рис. 6.</a:t>
+            </a:r>
+            <a:r>
+              <a:rPr lang="en-US" dirty="0" smtClean="0">
+                <a:latin typeface="Times New Roman" panose="02020603050405020304" pitchFamily="18" charset="0"/>
+                <a:ea typeface="Calibri" panose="020F0502020204030204" pitchFamily="34" charset="0"/>
+                <a:cs typeface="Times New Roman" panose="02020603050405020304" pitchFamily="18" charset="0"/>
+              </a:rPr>
+              <a:t>)</a:t>
+            </a:r>
+            <a:r>
+              <a:rPr lang="ru-RU" dirty="0" smtClean="0">
+                <a:latin typeface="Times New Roman" panose="02020603050405020304" pitchFamily="18" charset="0"/>
+                <a:ea typeface="Calibri" panose="020F0502020204030204" pitchFamily="34" charset="0"/>
+                <a:cs typeface="Times New Roman" panose="02020603050405020304" pitchFamily="18" charset="0"/>
+              </a:rPr>
+              <a:t>.</a:t>
+            </a:r>
+            <a:endParaRPr lang="ru-RU" sz="1600" dirty="0">
+              <a:effectLst/>
+              <a:latin typeface="Calibri" panose="020F0502020204030204" pitchFamily="34" charset="0"/>
+              <a:ea typeface="Calibri" panose="020F0502020204030204" pitchFamily="34" charset="0"/>
+              <a:cs typeface="Times New Roman" panose="02020603050405020304" pitchFamily="18" charset="0"/>
+            </a:endParaRPr>
+          </a:p>
+        </p:txBody>
+      </p:sp>
+      <p:pic>
+        <p:nvPicPr>
+          <p:cNvPr id="7" name="Рисунок 6"/>
+          <p:cNvPicPr>
+            <a:picLocks noChangeAspect="1"/>
+          </p:cNvPicPr>
+          <p:nvPr/>
+        </p:nvPicPr>
+        <p:blipFill>
+          <a:blip r:embed="rId2"/>
+          <a:stretch>
+            <a:fillRect/>
+          </a:stretch>
+        </p:blipFill>
+        <p:spPr>
+          <a:xfrm>
+            <a:off x="1390650" y="2518448"/>
+            <a:ext cx="3176587" cy="4040848"/>
+          </a:xfrm>
+          <a:prstGeom prst="rect">
+            <a:avLst/>
+          </a:prstGeom>
+        </p:spPr>
+      </p:pic>
+      <p:pic>
+        <p:nvPicPr>
+          <p:cNvPr id="8" name="Рисунок 7"/>
+          <p:cNvPicPr>
+            <a:picLocks noChangeAspect="1"/>
+          </p:cNvPicPr>
+          <p:nvPr/>
+        </p:nvPicPr>
+        <p:blipFill>
+          <a:blip r:embed="rId3"/>
+          <a:stretch>
+            <a:fillRect/>
+          </a:stretch>
+        </p:blipFill>
+        <p:spPr>
+          <a:xfrm>
+            <a:off x="5186437" y="2523211"/>
+            <a:ext cx="2919338" cy="4036086"/>
+          </a:xfrm>
+          <a:prstGeom prst="rect">
+            <a:avLst/>
+          </a:prstGeom>
+        </p:spPr>
+      </p:pic>
+      <p:sp>
+        <p:nvSpPr>
+          <p:cNvPr id="9" name="Прямоугольник 8"/>
+          <p:cNvSpPr/>
+          <p:nvPr/>
+        </p:nvSpPr>
+        <p:spPr>
+          <a:xfrm>
+            <a:off x="8724975" y="4123373"/>
+            <a:ext cx="3067050" cy="830997"/>
+          </a:xfrm>
+          <a:prstGeom prst="rect">
+            <a:avLst/>
+          </a:prstGeom>
+        </p:spPr>
+        <p:txBody>
+          <a:bodyPr wrap="square">
+            <a:spAutoFit/>
+          </a:bodyPr>
+          <a:lstStyle/>
+          <a:p>
+            <a:r>
+              <a:rPr lang="ru-RU" sz="1600" i="1" dirty="0">
+                <a:latin typeface="Times New Roman" panose="02020603050405020304" pitchFamily="18" charset="0"/>
+                <a:cs typeface="Times New Roman" panose="02020603050405020304" pitchFamily="18" charset="0"/>
+              </a:rPr>
+              <a:t>Рис. </a:t>
+            </a:r>
+            <a:r>
+              <a:rPr lang="ru-RU" sz="1600" i="1" dirty="0">
+                <a:latin typeface="Times New Roman" panose="02020603050405020304" pitchFamily="18" charset="0"/>
+                <a:cs typeface="Times New Roman" panose="02020603050405020304" pitchFamily="18" charset="0"/>
+              </a:rPr>
+              <a:t>7</a:t>
+            </a:r>
+            <a:r>
+              <a:rPr lang="ru-RU" sz="1600" i="1" dirty="0" smtClean="0">
+                <a:latin typeface="Times New Roman" panose="02020603050405020304" pitchFamily="18" charset="0"/>
+                <a:cs typeface="Times New Roman" panose="02020603050405020304" pitchFamily="18" charset="0"/>
+              </a:rPr>
+              <a:t>. </a:t>
+            </a:r>
+            <a:r>
+              <a:rPr lang="ru-RU" sz="1600" i="1" dirty="0">
+                <a:latin typeface="Times New Roman" panose="02020603050405020304" pitchFamily="18" charset="0"/>
+                <a:cs typeface="Times New Roman" panose="02020603050405020304" pitchFamily="18" charset="0"/>
+              </a:rPr>
+              <a:t>Первоначальный вид необработанного изображения с формулой.</a:t>
+            </a:r>
+          </a:p>
+        </p:txBody>
+      </p:sp>
+    </p:spTree>
+    <p:extLst>
+      <p:ext uri="{BB962C8B-B14F-4D97-AF65-F5344CB8AC3E}">
+        <p14:creationId xmlns:p14="http://schemas.microsoft.com/office/powerpoint/2010/main" val="3296802962"/>
+      </p:ext>
+    </p:extLst>
+  </p:cSld>
+  <p:clrMapOvr>
+    <a:masterClrMapping/>
+  </p:clrMapOvr>
+</p:sld>
+</file>
+
+<file path=ppt/slides/slide11.xml><?xml version="1.0" encoding="utf-8"?>
+<p:sld xmlns:a="http://schemas.openxmlformats.org/drawingml/2006/main" xmlns:r="http://schemas.openxmlformats.org/officeDocument/2006/relationships" xmlns:p="http://schemas.openxmlformats.org/presentationml/2006/main">
+  <p:cSld>
+    <p:spTree>
+      <p:nvGrpSpPr>
+        <p:cNvPr id="1" name=""/>
+        <p:cNvGrpSpPr/>
+        <p:nvPr/>
+      </p:nvGrpSpPr>
+      <p:grpSpPr>
+        <a:xfrm>
+          <a:off x="0" y="0"/>
+          <a:ext cx="0" cy="0"/>
+          <a:chOff x="0" y="0"/>
+          <a:chExt cx="0" cy="0"/>
+        </a:xfrm>
+      </p:grpSpPr>
+      <p:sp>
+        <p:nvSpPr>
+          <p:cNvPr id="4" name="Прямоугольник 3"/>
+          <p:cNvSpPr/>
+          <p:nvPr/>
+        </p:nvSpPr>
+        <p:spPr>
+          <a:xfrm>
+            <a:off x="352425" y="163249"/>
+            <a:ext cx="11582400" cy="1574149"/>
+          </a:xfrm>
+          <a:prstGeom prst="rect">
+            <a:avLst/>
+          </a:prstGeom>
+        </p:spPr>
+        <p:txBody>
+          <a:bodyPr wrap="square">
+            <a:spAutoFit/>
+          </a:bodyPr>
+          <a:lstStyle/>
+          <a:p>
+            <a:pPr>
+              <a:lnSpc>
+                <a:spcPct val="108000"/>
+              </a:lnSpc>
+              <a:spcAft>
+                <a:spcPts val="0"/>
+              </a:spcAft>
+            </a:pPr>
+            <a:r>
+              <a:rPr lang="ru-RU" dirty="0">
+                <a:latin typeface="Times New Roman" panose="02020603050405020304" pitchFamily="18" charset="0"/>
+                <a:ea typeface="F30"/>
+                <a:cs typeface="Times New Roman" panose="02020603050405020304" pitchFamily="18" charset="0"/>
+              </a:rPr>
+              <a:t>Для оптимизации работы нейронной сети, предварительно, эти изображения обрезаются (Рис. 7.).</a:t>
+            </a:r>
+            <a:endParaRPr lang="ru-RU" dirty="0">
+              <a:latin typeface="Times New Roman" panose="02020603050405020304" pitchFamily="18" charset="0"/>
+              <a:ea typeface="Calibri" panose="020F0502020204030204" pitchFamily="34" charset="0"/>
+              <a:cs typeface="Times New Roman" panose="02020603050405020304" pitchFamily="18" charset="0"/>
+            </a:endParaRPr>
+          </a:p>
+          <a:p>
+            <a:pPr>
+              <a:lnSpc>
+                <a:spcPct val="108000"/>
+              </a:lnSpc>
+              <a:spcAft>
+                <a:spcPts val="0"/>
+              </a:spcAft>
+            </a:pPr>
+            <a:r>
+              <a:rPr lang="ru-RU" dirty="0">
+                <a:latin typeface="Times New Roman" panose="02020603050405020304" pitchFamily="18" charset="0"/>
+                <a:ea typeface="Calibri" panose="020F0502020204030204" pitchFamily="34" charset="0"/>
+                <a:cs typeface="Times New Roman" panose="02020603050405020304" pitchFamily="18" charset="0"/>
+              </a:rPr>
+              <a:t>После чего, формулы нормализуются. Создаётся отдельный файл, где каждая из формул прописана в печатном виде и имеет свой номер, расставляются все пробелы, прописываются названия греческих букв, вместо их обозначения. Для наибольшего успеха обучения, из пакета данных </a:t>
+            </a:r>
+            <a:r>
+              <a:rPr lang="ru-RU" dirty="0" smtClean="0">
+                <a:latin typeface="Times New Roman" panose="02020603050405020304" pitchFamily="18" charset="0"/>
+                <a:ea typeface="Calibri" panose="020F0502020204030204" pitchFamily="34" charset="0"/>
+                <a:cs typeface="Times New Roman" panose="02020603050405020304" pitchFamily="18" charset="0"/>
+              </a:rPr>
+              <a:t>исключаются те</a:t>
+            </a:r>
+            <a:r>
+              <a:rPr lang="en-US" dirty="0" smtClean="0">
+                <a:latin typeface="Times New Roman" panose="02020603050405020304" pitchFamily="18" charset="0"/>
+                <a:ea typeface="Calibri" panose="020F0502020204030204" pitchFamily="34" charset="0"/>
+                <a:cs typeface="Times New Roman" panose="02020603050405020304" pitchFamily="18" charset="0"/>
+              </a:rPr>
+              <a:t> </a:t>
+            </a:r>
+            <a:r>
+              <a:rPr lang="ru-RU" dirty="0" smtClean="0">
+                <a:latin typeface="Times New Roman" panose="02020603050405020304" pitchFamily="18" charset="0"/>
+                <a:ea typeface="Calibri" panose="020F0502020204030204" pitchFamily="34" charset="0"/>
+                <a:cs typeface="Times New Roman" panose="02020603050405020304" pitchFamily="18" charset="0"/>
+              </a:rPr>
+              <a:t>формулы, </a:t>
+            </a:r>
+            <a:r>
+              <a:rPr lang="ru-RU" dirty="0">
+                <a:latin typeface="Times New Roman" panose="02020603050405020304" pitchFamily="18" charset="0"/>
+                <a:ea typeface="Calibri" panose="020F0502020204030204" pitchFamily="34" charset="0"/>
+                <a:cs typeface="Times New Roman" panose="02020603050405020304" pitchFamily="18" charset="0"/>
+              </a:rPr>
+              <a:t>что имеют большое количество грамматических ошибок.</a:t>
+            </a:r>
+            <a:endParaRPr lang="ru-RU" dirty="0">
+              <a:effectLst/>
+              <a:latin typeface="Times New Roman" panose="02020603050405020304" pitchFamily="18" charset="0"/>
+              <a:ea typeface="Calibri" panose="020F0502020204030204" pitchFamily="34" charset="0"/>
+              <a:cs typeface="Times New Roman" panose="02020603050405020304" pitchFamily="18" charset="0"/>
+            </a:endParaRPr>
+          </a:p>
+        </p:txBody>
+      </p:sp>
+      <p:pic>
+        <p:nvPicPr>
+          <p:cNvPr id="5" name="Рисунок 4"/>
+          <p:cNvPicPr>
+            <a:picLocks noChangeAspect="1"/>
+          </p:cNvPicPr>
+          <p:nvPr/>
+        </p:nvPicPr>
+        <p:blipFill>
+          <a:blip r:embed="rId2"/>
+          <a:stretch>
+            <a:fillRect/>
+          </a:stretch>
+        </p:blipFill>
+        <p:spPr>
+          <a:xfrm>
+            <a:off x="1343025" y="1737398"/>
+            <a:ext cx="3714750" cy="4698088"/>
+          </a:xfrm>
+          <a:prstGeom prst="rect">
+            <a:avLst/>
+          </a:prstGeom>
+        </p:spPr>
+      </p:pic>
+      <p:pic>
+        <p:nvPicPr>
+          <p:cNvPr id="6" name="Рисунок 5"/>
+          <p:cNvPicPr>
+            <a:picLocks noChangeAspect="1"/>
+          </p:cNvPicPr>
+          <p:nvPr/>
+        </p:nvPicPr>
+        <p:blipFill>
+          <a:blip r:embed="rId3"/>
+          <a:stretch>
+            <a:fillRect/>
+          </a:stretch>
+        </p:blipFill>
+        <p:spPr>
+          <a:xfrm>
+            <a:off x="5749727" y="3838575"/>
+            <a:ext cx="2845196" cy="2596911"/>
+          </a:xfrm>
+          <a:prstGeom prst="rect">
+            <a:avLst/>
+          </a:prstGeom>
+        </p:spPr>
+      </p:pic>
+      <p:sp>
+        <p:nvSpPr>
+          <p:cNvPr id="7" name="Прямоугольник 6"/>
+          <p:cNvSpPr/>
+          <p:nvPr/>
+        </p:nvSpPr>
+        <p:spPr>
+          <a:xfrm>
+            <a:off x="9286875" y="3670943"/>
+            <a:ext cx="1790700" cy="830997"/>
+          </a:xfrm>
+          <a:prstGeom prst="rect">
+            <a:avLst/>
+          </a:prstGeom>
+        </p:spPr>
+        <p:txBody>
+          <a:bodyPr wrap="square">
+            <a:spAutoFit/>
+          </a:bodyPr>
+          <a:lstStyle/>
+          <a:p>
+            <a:r>
+              <a:rPr lang="ru-RU" sz="1600" i="1" dirty="0">
+                <a:latin typeface="Times New Roman" panose="02020603050405020304" pitchFamily="18" charset="0"/>
+                <a:cs typeface="Times New Roman" panose="02020603050405020304" pitchFamily="18" charset="0"/>
+              </a:rPr>
+              <a:t>Рис. </a:t>
+            </a:r>
+            <a:r>
+              <a:rPr lang="ru-RU" sz="1600" i="1" dirty="0" smtClean="0">
+                <a:latin typeface="Times New Roman" panose="02020603050405020304" pitchFamily="18" charset="0"/>
+                <a:cs typeface="Times New Roman" panose="02020603050405020304" pitchFamily="18" charset="0"/>
+              </a:rPr>
+              <a:t>8. </a:t>
+            </a:r>
+            <a:r>
+              <a:rPr lang="ru-RU" sz="1600" i="1" dirty="0">
+                <a:latin typeface="Times New Roman" panose="02020603050405020304" pitchFamily="18" charset="0"/>
+                <a:cs typeface="Times New Roman" panose="02020603050405020304" pitchFamily="18" charset="0"/>
+              </a:rPr>
+              <a:t>Вид обрезанного изображения</a:t>
+            </a:r>
+          </a:p>
+        </p:txBody>
+      </p:sp>
+    </p:spTree>
+    <p:extLst>
+      <p:ext uri="{BB962C8B-B14F-4D97-AF65-F5344CB8AC3E}">
+        <p14:creationId xmlns:p14="http://schemas.microsoft.com/office/powerpoint/2010/main" val="2400597119"/>
+      </p:ext>
+    </p:extLst>
+  </p:cSld>
+  <p:clrMapOvr>
+    <a:masterClrMapping/>
+  </p:clrMapOvr>
+</p:sld>
+</file>
+
+<file path=ppt/slides/slide12.xml><?xml version="1.0" encoding="utf-8"?>
+<p:sld xmlns:a="http://schemas.openxmlformats.org/drawingml/2006/main" xmlns:r="http://schemas.openxmlformats.org/officeDocument/2006/relationships" xmlns:p="http://schemas.openxmlformats.org/presentationml/2006/main">
+  <p:cSld>
+    <p:spTree>
+      <p:nvGrpSpPr>
+        <p:cNvPr id="1" name=""/>
+        <p:cNvGrpSpPr/>
+        <p:nvPr/>
+      </p:nvGrpSpPr>
+      <p:grpSpPr>
+        <a:xfrm>
+          <a:off x="0" y="0"/>
+          <a:ext cx="0" cy="0"/>
+          <a:chOff x="0" y="0"/>
+          <a:chExt cx="0" cy="0"/>
+        </a:xfrm>
+      </p:grpSpPr>
+      <p:sp>
+        <p:nvSpPr>
+          <p:cNvPr id="4" name="Прямоугольник 3"/>
+          <p:cNvSpPr/>
+          <p:nvPr/>
+        </p:nvSpPr>
+        <p:spPr>
+          <a:xfrm>
             <a:off x="3121768" y="64156"/>
             <a:ext cx="6096000" cy="461665"/>
           </a:xfrm>
@@ -4669,7 +5424,7 @@
 </p:sld>
 </file>
 
-<file path=ppt/slides/slide11.xml><?xml version="1.0" encoding="utf-8"?>
+<file path=ppt/slides/slide13.xml><?xml version="1.0" encoding="utf-8"?>
 <p:sld xmlns:a="http://schemas.openxmlformats.org/drawingml/2006/main" xmlns:r="http://schemas.openxmlformats.org/officeDocument/2006/relationships" xmlns:p="http://schemas.openxmlformats.org/presentationml/2006/main">
   <p:cSld>
     <p:spTree>
@@ -5998,7 +6753,641 @@
 </p:sld>
 </file>
 
-<file path=ppt/slides/slide12.xml><?xml version="1.0" encoding="utf-8"?>
+<file path=ppt/slides/slide14.xml><?xml version="1.0" encoding="utf-8"?>
+<p:sld xmlns:a="http://schemas.openxmlformats.org/drawingml/2006/main" xmlns:r="http://schemas.openxmlformats.org/officeDocument/2006/relationships" xmlns:p="http://schemas.openxmlformats.org/presentationml/2006/main">
+  <p:cSld>
+    <p:spTree>
+      <p:nvGrpSpPr>
+        <p:cNvPr id="1" name=""/>
+        <p:cNvGrpSpPr/>
+        <p:nvPr/>
+      </p:nvGrpSpPr>
+      <p:grpSpPr>
+        <a:xfrm>
+          <a:off x="0" y="0"/>
+          <a:ext cx="0" cy="0"/>
+          <a:chOff x="0" y="0"/>
+          <a:chExt cx="0" cy="0"/>
+        </a:xfrm>
+      </p:grpSpPr>
+      <p:sp>
+        <p:nvSpPr>
+          <p:cNvPr id="2" name="Заголовок 1"/>
+          <p:cNvSpPr>
+            <a:spLocks noGrp="1"/>
+          </p:cNvSpPr>
+          <p:nvPr>
+            <p:ph type="title"/>
+          </p:nvPr>
+        </p:nvSpPr>
+        <p:spPr>
+          <a:xfrm>
+            <a:off x="432816" y="0"/>
+            <a:ext cx="11599164" cy="777240"/>
+          </a:xfrm>
+        </p:spPr>
+        <p:txBody>
+          <a:bodyPr/>
+          <a:lstStyle/>
+          <a:p>
+            <a:r>
+              <a:rPr lang="ru-RU" dirty="0" smtClean="0"/>
+              <a:t>Кривые обучения в случае </a:t>
+            </a:r>
+            <a:r>
+              <a:rPr lang="en-US" dirty="0" smtClean="0"/>
+              <a:t>GRU </a:t>
+            </a:r>
+            <a:r>
+              <a:rPr lang="ru-RU" dirty="0" smtClean="0"/>
+              <a:t>ячейки</a:t>
+            </a:r>
+            <a:endParaRPr lang="ru-RU" dirty="0"/>
+          </a:p>
+        </p:txBody>
+      </p:sp>
+      <p:pic>
+        <p:nvPicPr>
+          <p:cNvPr id="4" name="Рисунок 3"/>
+          <p:cNvPicPr>
+            <a:picLocks noChangeAspect="1"/>
+          </p:cNvPicPr>
+          <p:nvPr/>
+        </p:nvPicPr>
+        <p:blipFill>
+          <a:blip r:embed="rId3">
+            <a:extLst>
+              <a:ext uri="{28A0092B-C50C-407E-A947-70E740481C1C}">
+                <a14:useLocalDpi xmlns:a14="http://schemas.microsoft.com/office/drawing/2010/main" val="0"/>
+              </a:ext>
+            </a:extLst>
+          </a:blip>
+          <a:stretch>
+            <a:fillRect/>
+          </a:stretch>
+        </p:blipFill>
+        <p:spPr>
+          <a:xfrm>
+            <a:off x="930367" y="3980219"/>
+            <a:ext cx="3724275" cy="2514600"/>
+          </a:xfrm>
+          <a:prstGeom prst="rect">
+            <a:avLst/>
+          </a:prstGeom>
+        </p:spPr>
+      </p:pic>
+      <p:pic>
+        <p:nvPicPr>
+          <p:cNvPr id="5" name="Рисунок 4"/>
+          <p:cNvPicPr>
+            <a:picLocks noChangeAspect="1"/>
+          </p:cNvPicPr>
+          <p:nvPr/>
+        </p:nvPicPr>
+        <p:blipFill>
+          <a:blip r:embed="rId4">
+            <a:extLst>
+              <a:ext uri="{28A0092B-C50C-407E-A947-70E740481C1C}">
+                <a14:useLocalDpi xmlns:a14="http://schemas.microsoft.com/office/drawing/2010/main" val="0"/>
+              </a:ext>
+            </a:extLst>
+          </a:blip>
+          <a:stretch>
+            <a:fillRect/>
+          </a:stretch>
+        </p:blipFill>
+        <p:spPr>
+          <a:xfrm>
+            <a:off x="7873531" y="1097617"/>
+            <a:ext cx="3724275" cy="2600325"/>
+          </a:xfrm>
+          <a:prstGeom prst="rect">
+            <a:avLst/>
+          </a:prstGeom>
+        </p:spPr>
+      </p:pic>
+      <p:pic>
+        <p:nvPicPr>
+          <p:cNvPr id="6" name="Рисунок 5"/>
+          <p:cNvPicPr>
+            <a:picLocks noChangeAspect="1"/>
+          </p:cNvPicPr>
+          <p:nvPr/>
+        </p:nvPicPr>
+        <p:blipFill>
+          <a:blip r:embed="rId5">
+            <a:extLst>
+              <a:ext uri="{28A0092B-C50C-407E-A947-70E740481C1C}">
+                <a14:useLocalDpi xmlns:a14="http://schemas.microsoft.com/office/drawing/2010/main" val="0"/>
+              </a:ext>
+            </a:extLst>
+          </a:blip>
+          <a:stretch>
+            <a:fillRect/>
+          </a:stretch>
+        </p:blipFill>
+        <p:spPr>
+          <a:xfrm>
+            <a:off x="930367" y="1097617"/>
+            <a:ext cx="3733800" cy="2562225"/>
+          </a:xfrm>
+          <a:prstGeom prst="rect">
+            <a:avLst/>
+          </a:prstGeom>
+        </p:spPr>
+      </p:pic>
+      <p:sp>
+        <p:nvSpPr>
+          <p:cNvPr id="7" name="Прямоугольник 6"/>
+          <p:cNvSpPr/>
+          <p:nvPr/>
+        </p:nvSpPr>
+        <p:spPr>
+          <a:xfrm>
+            <a:off x="4766365" y="1936114"/>
+            <a:ext cx="1759941" cy="830997"/>
+          </a:xfrm>
+          <a:prstGeom prst="rect">
+            <a:avLst/>
+          </a:prstGeom>
+        </p:spPr>
+        <p:txBody>
+          <a:bodyPr wrap="square">
+            <a:spAutoFit/>
+          </a:bodyPr>
+          <a:lstStyle/>
+          <a:p>
+            <a:r>
+              <a:rPr lang="ru-RU" sz="1600" i="1" dirty="0">
+                <a:latin typeface="Times New Roman" panose="02020603050405020304" pitchFamily="18" charset="0"/>
+                <a:cs typeface="Times New Roman" panose="02020603050405020304" pitchFamily="18" charset="0"/>
+              </a:rPr>
+              <a:t>Рис. 9</a:t>
+            </a:r>
+            <a:r>
+              <a:rPr lang="ru-RU" sz="1600" i="1" dirty="0" smtClean="0">
+                <a:latin typeface="Times New Roman" panose="02020603050405020304" pitchFamily="18" charset="0"/>
+                <a:cs typeface="Times New Roman" panose="02020603050405020304" pitchFamily="18" charset="0"/>
+              </a:rPr>
+              <a:t>.1. </a:t>
+            </a:r>
+            <a:r>
+              <a:rPr lang="ru-RU" sz="1600" i="1" dirty="0">
+                <a:latin typeface="Times New Roman" panose="02020603050405020304" pitchFamily="18" charset="0"/>
+                <a:cs typeface="Times New Roman" panose="02020603050405020304" pitchFamily="18" charset="0"/>
+              </a:rPr>
+              <a:t>Пример графика значений </a:t>
+            </a:r>
+            <a:r>
+              <a:rPr lang="en-US" sz="1600" i="1" dirty="0" smtClean="0">
+                <a:latin typeface="Times New Roman" panose="02020603050405020304" pitchFamily="18" charset="0"/>
+                <a:cs typeface="Times New Roman" panose="02020603050405020304" pitchFamily="18" charset="0"/>
+              </a:rPr>
+              <a:t>BLUE score</a:t>
+            </a:r>
+            <a:endParaRPr lang="ru-RU" sz="1600" i="1" dirty="0">
+              <a:latin typeface="Times New Roman" panose="02020603050405020304" pitchFamily="18" charset="0"/>
+              <a:cs typeface="Times New Roman" panose="02020603050405020304" pitchFamily="18" charset="0"/>
+            </a:endParaRPr>
+          </a:p>
+        </p:txBody>
+      </p:sp>
+      <p:sp>
+        <p:nvSpPr>
+          <p:cNvPr id="8" name="Прямоугольник 7"/>
+          <p:cNvSpPr/>
+          <p:nvPr/>
+        </p:nvSpPr>
+        <p:spPr>
+          <a:xfrm>
+            <a:off x="4766365" y="4698910"/>
+            <a:ext cx="1759941" cy="1077218"/>
+          </a:xfrm>
+          <a:prstGeom prst="rect">
+            <a:avLst/>
+          </a:prstGeom>
+        </p:spPr>
+        <p:txBody>
+          <a:bodyPr wrap="square">
+            <a:spAutoFit/>
+          </a:bodyPr>
+          <a:lstStyle/>
+          <a:p>
+            <a:pPr>
+              <a:defRPr/>
+            </a:pPr>
+            <a:r>
+              <a:rPr lang="ru-RU" sz="1600" i="1" dirty="0">
+                <a:latin typeface="Times New Roman" panose="02020603050405020304" pitchFamily="18" charset="0"/>
+                <a:cs typeface="Times New Roman" panose="02020603050405020304" pitchFamily="18" charset="0"/>
+              </a:rPr>
+              <a:t>Рис. </a:t>
+            </a:r>
+            <a:r>
+              <a:rPr lang="ru-RU" sz="1600" i="1" dirty="0" smtClean="0">
+                <a:latin typeface="Times New Roman" panose="02020603050405020304" pitchFamily="18" charset="0"/>
+                <a:cs typeface="Times New Roman" panose="02020603050405020304" pitchFamily="18" charset="0"/>
+              </a:rPr>
+              <a:t>9.2</a:t>
+            </a:r>
+            <a:r>
+              <a:rPr lang="ru-RU" sz="1600" i="1" dirty="0">
+                <a:latin typeface="Times New Roman" panose="02020603050405020304" pitchFamily="18" charset="0"/>
+                <a:cs typeface="Times New Roman" panose="02020603050405020304" pitchFamily="18" charset="0"/>
+              </a:rPr>
+              <a:t>. Пример графика значений ошибки по </a:t>
+            </a:r>
+            <a:r>
+              <a:rPr lang="ru-RU" sz="1600" i="1" dirty="0" err="1">
+                <a:latin typeface="Times New Roman" panose="02020603050405020304" pitchFamily="18" charset="0"/>
+                <a:cs typeface="Times New Roman" panose="02020603050405020304" pitchFamily="18" charset="0"/>
+              </a:rPr>
+              <a:t>батчам</a:t>
+            </a:r>
+            <a:endParaRPr lang="ru-RU" sz="1600" i="1" dirty="0">
+              <a:latin typeface="Times New Roman" panose="02020603050405020304" pitchFamily="18" charset="0"/>
+              <a:cs typeface="Times New Roman" panose="02020603050405020304" pitchFamily="18" charset="0"/>
+            </a:endParaRPr>
+          </a:p>
+        </p:txBody>
+      </p:sp>
+      <p:sp>
+        <p:nvSpPr>
+          <p:cNvPr id="9" name="Прямоугольник 8"/>
+          <p:cNvSpPr/>
+          <p:nvPr/>
+        </p:nvSpPr>
+        <p:spPr>
+          <a:xfrm>
+            <a:off x="7873531" y="3980219"/>
+            <a:ext cx="3724275" cy="584775"/>
+          </a:xfrm>
+          <a:prstGeom prst="rect">
+            <a:avLst/>
+          </a:prstGeom>
+        </p:spPr>
+        <p:txBody>
+          <a:bodyPr wrap="square">
+            <a:spAutoFit/>
+          </a:bodyPr>
+          <a:lstStyle/>
+          <a:p>
+            <a:pPr>
+              <a:defRPr/>
+            </a:pPr>
+            <a:r>
+              <a:rPr lang="ru-RU" sz="1600" i="1" dirty="0">
+                <a:latin typeface="Times New Roman" panose="02020603050405020304" pitchFamily="18" charset="0"/>
+                <a:cs typeface="Times New Roman" panose="02020603050405020304" pitchFamily="18" charset="0"/>
+              </a:rPr>
+              <a:t>Рис. </a:t>
+            </a:r>
+            <a:r>
+              <a:rPr lang="ru-RU" sz="1600" i="1" dirty="0" smtClean="0">
+                <a:latin typeface="Times New Roman" panose="02020603050405020304" pitchFamily="18" charset="0"/>
+                <a:cs typeface="Times New Roman" panose="02020603050405020304" pitchFamily="18" charset="0"/>
+              </a:rPr>
+              <a:t>9.3</a:t>
+            </a:r>
+            <a:r>
+              <a:rPr lang="ru-RU" sz="1600" i="1" dirty="0">
+                <a:latin typeface="Times New Roman" panose="02020603050405020304" pitchFamily="18" charset="0"/>
+                <a:cs typeface="Times New Roman" panose="02020603050405020304" pitchFamily="18" charset="0"/>
+              </a:rPr>
+              <a:t>. Пример графика значений ошибок в проверочных тестах</a:t>
+            </a:r>
+          </a:p>
+        </p:txBody>
+      </p:sp>
+    </p:spTree>
+    <p:extLst>
+      <p:ext uri="{BB962C8B-B14F-4D97-AF65-F5344CB8AC3E}">
+        <p14:creationId xmlns:p14="http://schemas.microsoft.com/office/powerpoint/2010/main" val="1410318390"/>
+      </p:ext>
+    </p:extLst>
+  </p:cSld>
+  <p:clrMapOvr>
+    <a:masterClrMapping/>
+  </p:clrMapOvr>
+</p:sld>
+</file>
+
+<file path=ppt/slides/slide15.xml><?xml version="1.0" encoding="utf-8"?>
+<p:sld xmlns:a="http://schemas.openxmlformats.org/drawingml/2006/main" xmlns:r="http://schemas.openxmlformats.org/officeDocument/2006/relationships" xmlns:p="http://schemas.openxmlformats.org/presentationml/2006/main">
+  <p:cSld>
+    <p:spTree>
+      <p:nvGrpSpPr>
+        <p:cNvPr id="1" name=""/>
+        <p:cNvGrpSpPr/>
+        <p:nvPr/>
+      </p:nvGrpSpPr>
+      <p:grpSpPr>
+        <a:xfrm>
+          <a:off x="0" y="0"/>
+          <a:ext cx="0" cy="0"/>
+          <a:chOff x="0" y="0"/>
+          <a:chExt cx="0" cy="0"/>
+        </a:xfrm>
+      </p:grpSpPr>
+      <p:sp>
+        <p:nvSpPr>
+          <p:cNvPr id="2" name="Заголовок 1"/>
+          <p:cNvSpPr>
+            <a:spLocks noGrp="1"/>
+          </p:cNvSpPr>
+          <p:nvPr>
+            <p:ph type="title"/>
+          </p:nvPr>
+        </p:nvSpPr>
+        <p:spPr>
+          <a:xfrm>
+            <a:off x="432816" y="0"/>
+            <a:ext cx="11599164" cy="777240"/>
+          </a:xfrm>
+        </p:spPr>
+        <p:txBody>
+          <a:bodyPr/>
+          <a:lstStyle/>
+          <a:p>
+            <a:r>
+              <a:rPr lang="ru-RU" dirty="0" smtClean="0"/>
+              <a:t>Кривые обучения в случае </a:t>
+            </a:r>
+            <a:r>
+              <a:rPr lang="ru-RU" dirty="0" err="1" smtClean="0"/>
+              <a:t>Трансформера</a:t>
+            </a:r>
+            <a:endParaRPr lang="ru-RU" dirty="0"/>
+          </a:p>
+        </p:txBody>
+      </p:sp>
+      <p:pic>
+        <p:nvPicPr>
+          <p:cNvPr id="4" name="Рисунок 3"/>
+          <p:cNvPicPr>
+            <a:picLocks noChangeAspect="1"/>
+          </p:cNvPicPr>
+          <p:nvPr/>
+        </p:nvPicPr>
+        <p:blipFill>
+          <a:blip r:embed="rId2">
+            <a:extLst>
+              <a:ext uri="{28A0092B-C50C-407E-A947-70E740481C1C}">
+                <a14:useLocalDpi xmlns:a14="http://schemas.microsoft.com/office/drawing/2010/main" val="0"/>
+              </a:ext>
+            </a:extLst>
+          </a:blip>
+          <a:stretch>
+            <a:fillRect/>
+          </a:stretch>
+        </p:blipFill>
+        <p:spPr>
+          <a:xfrm>
+            <a:off x="990600" y="4016188"/>
+            <a:ext cx="3371850" cy="2286000"/>
+          </a:xfrm>
+          <a:prstGeom prst="rect">
+            <a:avLst/>
+          </a:prstGeom>
+        </p:spPr>
+      </p:pic>
+      <p:pic>
+        <p:nvPicPr>
+          <p:cNvPr id="5" name="Рисунок 4"/>
+          <p:cNvPicPr>
+            <a:picLocks noChangeAspect="1"/>
+          </p:cNvPicPr>
+          <p:nvPr/>
+        </p:nvPicPr>
+        <p:blipFill>
+          <a:blip r:embed="rId3">
+            <a:extLst>
+              <a:ext uri="{28A0092B-C50C-407E-A947-70E740481C1C}">
+                <a14:useLocalDpi xmlns:a14="http://schemas.microsoft.com/office/drawing/2010/main" val="0"/>
+              </a:ext>
+            </a:extLst>
+          </a:blip>
+          <a:stretch>
+            <a:fillRect/>
+          </a:stretch>
+        </p:blipFill>
+        <p:spPr>
+          <a:xfrm>
+            <a:off x="990600" y="1143000"/>
+            <a:ext cx="3371850" cy="2286000"/>
+          </a:xfrm>
+          <a:prstGeom prst="rect">
+            <a:avLst/>
+          </a:prstGeom>
+        </p:spPr>
+      </p:pic>
+      <p:pic>
+        <p:nvPicPr>
+          <p:cNvPr id="6" name="Рисунок 5"/>
+          <p:cNvPicPr>
+            <a:picLocks noChangeAspect="1"/>
+          </p:cNvPicPr>
+          <p:nvPr/>
+        </p:nvPicPr>
+        <p:blipFill>
+          <a:blip r:embed="rId4">
+            <a:extLst>
+              <a:ext uri="{28A0092B-C50C-407E-A947-70E740481C1C}">
+                <a14:useLocalDpi xmlns:a14="http://schemas.microsoft.com/office/drawing/2010/main" val="0"/>
+              </a:ext>
+            </a:extLst>
+          </a:blip>
+          <a:stretch>
+            <a:fillRect/>
+          </a:stretch>
+        </p:blipFill>
+        <p:spPr>
+          <a:xfrm>
+            <a:off x="8018929" y="1143000"/>
+            <a:ext cx="3371850" cy="2286000"/>
+          </a:xfrm>
+          <a:prstGeom prst="rect">
+            <a:avLst/>
+          </a:prstGeom>
+        </p:spPr>
+      </p:pic>
+      <p:sp>
+        <p:nvSpPr>
+          <p:cNvPr id="7" name="Прямоугольник 6"/>
+          <p:cNvSpPr/>
+          <p:nvPr/>
+        </p:nvSpPr>
+        <p:spPr>
+          <a:xfrm>
+            <a:off x="4511401" y="1870501"/>
+            <a:ext cx="1772857" cy="830997"/>
+          </a:xfrm>
+          <a:prstGeom prst="rect">
+            <a:avLst/>
+          </a:prstGeom>
+        </p:spPr>
+        <p:txBody>
+          <a:bodyPr wrap="square">
+            <a:spAutoFit/>
+          </a:bodyPr>
+          <a:lstStyle/>
+          <a:p>
+            <a:r>
+              <a:rPr lang="ru-RU" sz="1600" i="1" dirty="0">
+                <a:latin typeface="Times New Roman" panose="02020603050405020304" pitchFamily="18" charset="0"/>
+                <a:cs typeface="Times New Roman" panose="02020603050405020304" pitchFamily="18" charset="0"/>
+              </a:rPr>
+              <a:t>Рис. </a:t>
+            </a:r>
+            <a:r>
+              <a:rPr lang="ru-RU" sz="1600" i="1" dirty="0" smtClean="0">
+                <a:latin typeface="Times New Roman" panose="02020603050405020304" pitchFamily="18" charset="0"/>
+                <a:cs typeface="Times New Roman" panose="02020603050405020304" pitchFamily="18" charset="0"/>
+              </a:rPr>
+              <a:t>10.1</a:t>
+            </a:r>
+            <a:r>
+              <a:rPr lang="ru-RU" sz="1600" i="1" dirty="0">
+                <a:latin typeface="Times New Roman" panose="02020603050405020304" pitchFamily="18" charset="0"/>
+                <a:cs typeface="Times New Roman" panose="02020603050405020304" pitchFamily="18" charset="0"/>
+              </a:rPr>
+              <a:t>. Пример графика значений </a:t>
+            </a:r>
+            <a:r>
+              <a:rPr lang="en-US" sz="1600" i="1" dirty="0" smtClean="0">
+                <a:latin typeface="Times New Roman" panose="02020603050405020304" pitchFamily="18" charset="0"/>
+                <a:cs typeface="Times New Roman" panose="02020603050405020304" pitchFamily="18" charset="0"/>
+              </a:rPr>
+              <a:t>BLUE score</a:t>
+            </a:r>
+            <a:endParaRPr lang="ru-RU" sz="1600" i="1" dirty="0">
+              <a:latin typeface="Times New Roman" panose="02020603050405020304" pitchFamily="18" charset="0"/>
+              <a:cs typeface="Times New Roman" panose="02020603050405020304" pitchFamily="18" charset="0"/>
+            </a:endParaRPr>
+          </a:p>
+        </p:txBody>
+      </p:sp>
+      <p:sp>
+        <p:nvSpPr>
+          <p:cNvPr id="8" name="Прямоугольник 7"/>
+          <p:cNvSpPr/>
+          <p:nvPr/>
+        </p:nvSpPr>
+        <p:spPr>
+          <a:xfrm>
+            <a:off x="4511401" y="4620579"/>
+            <a:ext cx="1772857" cy="1077218"/>
+          </a:xfrm>
+          <a:prstGeom prst="rect">
+            <a:avLst/>
+          </a:prstGeom>
+        </p:spPr>
+        <p:txBody>
+          <a:bodyPr wrap="square">
+            <a:spAutoFit/>
+          </a:bodyPr>
+          <a:lstStyle/>
+          <a:p>
+            <a:pPr>
+              <a:defRPr/>
+            </a:pPr>
+            <a:r>
+              <a:rPr lang="ru-RU" sz="1600" i="1" dirty="0">
+                <a:latin typeface="Times New Roman" panose="02020603050405020304" pitchFamily="18" charset="0"/>
+                <a:cs typeface="Times New Roman" panose="02020603050405020304" pitchFamily="18" charset="0"/>
+              </a:rPr>
+              <a:t>Рис. </a:t>
+            </a:r>
+            <a:r>
+              <a:rPr lang="ru-RU" sz="1600" i="1" dirty="0" smtClean="0">
+                <a:latin typeface="Times New Roman" panose="02020603050405020304" pitchFamily="18" charset="0"/>
+                <a:cs typeface="Times New Roman" panose="02020603050405020304" pitchFamily="18" charset="0"/>
+              </a:rPr>
+              <a:t>10.2</a:t>
+            </a:r>
+            <a:r>
+              <a:rPr lang="ru-RU" sz="1600" i="1" dirty="0">
+                <a:latin typeface="Times New Roman" panose="02020603050405020304" pitchFamily="18" charset="0"/>
+                <a:cs typeface="Times New Roman" panose="02020603050405020304" pitchFamily="18" charset="0"/>
+              </a:rPr>
+              <a:t>. Пример графика значений ошибки по </a:t>
+            </a:r>
+            <a:r>
+              <a:rPr lang="ru-RU" sz="1600" i="1" dirty="0" err="1">
+                <a:latin typeface="Times New Roman" panose="02020603050405020304" pitchFamily="18" charset="0"/>
+                <a:cs typeface="Times New Roman" panose="02020603050405020304" pitchFamily="18" charset="0"/>
+              </a:rPr>
+              <a:t>батчам</a:t>
+            </a:r>
+            <a:endParaRPr lang="ru-RU" sz="1600" i="1" dirty="0">
+              <a:latin typeface="Times New Roman" panose="02020603050405020304" pitchFamily="18" charset="0"/>
+              <a:cs typeface="Times New Roman" panose="02020603050405020304" pitchFamily="18" charset="0"/>
+            </a:endParaRPr>
+          </a:p>
+        </p:txBody>
+      </p:sp>
+      <p:sp>
+        <p:nvSpPr>
+          <p:cNvPr id="9" name="Прямоугольник 8"/>
+          <p:cNvSpPr/>
+          <p:nvPr/>
+        </p:nvSpPr>
+        <p:spPr>
+          <a:xfrm>
+            <a:off x="8018929" y="3565125"/>
+            <a:ext cx="3371850" cy="584775"/>
+          </a:xfrm>
+          <a:prstGeom prst="rect">
+            <a:avLst/>
+          </a:prstGeom>
+        </p:spPr>
+        <p:txBody>
+          <a:bodyPr wrap="square">
+            <a:spAutoFit/>
+          </a:bodyPr>
+          <a:lstStyle/>
+          <a:p>
+            <a:pPr>
+              <a:defRPr/>
+            </a:pPr>
+            <a:r>
+              <a:rPr lang="ru-RU" sz="1600" i="1" dirty="0">
+                <a:latin typeface="Times New Roman" panose="02020603050405020304" pitchFamily="18" charset="0"/>
+                <a:cs typeface="Times New Roman" panose="02020603050405020304" pitchFamily="18" charset="0"/>
+              </a:rPr>
+              <a:t>Рис. </a:t>
+            </a:r>
+            <a:r>
+              <a:rPr lang="ru-RU" sz="1600" i="1" dirty="0" smtClean="0">
+                <a:latin typeface="Times New Roman" panose="02020603050405020304" pitchFamily="18" charset="0"/>
+                <a:cs typeface="Times New Roman" panose="02020603050405020304" pitchFamily="18" charset="0"/>
+              </a:rPr>
+              <a:t>10.3</a:t>
+            </a:r>
+            <a:r>
+              <a:rPr lang="ru-RU" sz="1600" i="1" dirty="0">
+                <a:latin typeface="Times New Roman" panose="02020603050405020304" pitchFamily="18" charset="0"/>
+                <a:cs typeface="Times New Roman" panose="02020603050405020304" pitchFamily="18" charset="0"/>
+              </a:rPr>
+              <a:t>. Пример графика значений ошибок в проверочных тестах</a:t>
+            </a:r>
+          </a:p>
+        </p:txBody>
+      </p:sp>
+    </p:spTree>
+    <p:extLst>
+      <p:ext uri="{BB962C8B-B14F-4D97-AF65-F5344CB8AC3E}">
+        <p14:creationId xmlns:p14="http://schemas.microsoft.com/office/powerpoint/2010/main" val="2135703136"/>
+      </p:ext>
+    </p:extLst>
+  </p:cSld>
+  <p:clrMapOvr>
+    <a:masterClrMapping/>
+  </p:clrMapOvr>
+</p:sld>
+</file>
+
+<file path=ppt/slides/slide16.xml><?xml version="1.0" encoding="utf-8"?>
 <p:sld xmlns:a="http://schemas.openxmlformats.org/drawingml/2006/main" xmlns:r="http://schemas.openxmlformats.org/officeDocument/2006/relationships" xmlns:p="http://schemas.openxmlformats.org/presentationml/2006/main">
   <p:cSld>
     <p:spTree>
@@ -7245,7 +8634,7 @@
 </p:sld>
 </file>
 
-<file path=ppt/slides/slide13.xml><?xml version="1.0" encoding="utf-8"?>
+<file path=ppt/slides/slide17.xml><?xml version="1.0" encoding="utf-8"?>
 <p:sld xmlns:a="http://schemas.openxmlformats.org/drawingml/2006/main" xmlns:r="http://schemas.openxmlformats.org/officeDocument/2006/relationships" xmlns:p="http://schemas.openxmlformats.org/presentationml/2006/main">
   <p:cSld>
     <p:spTree>
@@ -8377,7 +9766,7 @@
 </p:sld>
 </file>
 
-<file path=ppt/slides/slide14.xml><?xml version="1.0" encoding="utf-8"?>
+<file path=ppt/slides/slide18.xml><?xml version="1.0" encoding="utf-8"?>
 <p:sld xmlns:a="http://schemas.openxmlformats.org/drawingml/2006/main" xmlns:r="http://schemas.openxmlformats.org/officeDocument/2006/relationships" xmlns:p="http://schemas.openxmlformats.org/presentationml/2006/main">
   <p:cSld>
     <p:spTree>
@@ -8396,49 +9785,14 @@
       </p:grpSpPr>
       <p:sp>
         <p:nvSpPr>
-          <p:cNvPr id="4" name="Прямоугольник 3"/>
-          <p:cNvSpPr/>
-          <p:nvPr/>
-        </p:nvSpPr>
-        <p:spPr>
-          <a:xfrm>
-            <a:off x="5028976" y="1707314"/>
-            <a:ext cx="2014462" cy="523220"/>
-          </a:xfrm>
-          <a:prstGeom prst="rect">
-            <a:avLst/>
-          </a:prstGeom>
-        </p:spPr>
-        <p:txBody>
-          <a:bodyPr wrap="none">
-            <a:spAutoFit/>
-          </a:bodyPr>
-          <a:lstStyle/>
-          <a:p>
-            <a:r>
-              <a:rPr lang="ru-RU" sz="2800" dirty="0">
-                <a:latin typeface="Times New Roman" panose="02020603050405020304" pitchFamily="18" charset="0"/>
-                <a:cs typeface="Times New Roman" panose="02020603050405020304" pitchFamily="18" charset="0"/>
-              </a:rPr>
-              <a:t>Заключение</a:t>
-            </a:r>
-            <a:endParaRPr lang="ru-RU" sz="2400" dirty="0">
-              <a:latin typeface="Times New Roman" panose="02020603050405020304" pitchFamily="18" charset="0"/>
-              <a:cs typeface="Times New Roman" panose="02020603050405020304" pitchFamily="18" charset="0"/>
-            </a:endParaRPr>
-          </a:p>
-        </p:txBody>
-      </p:sp>
-      <p:sp>
-        <p:nvSpPr>
           <p:cNvPr id="5" name="Прямоугольник 4"/>
           <p:cNvSpPr/>
           <p:nvPr/>
         </p:nvSpPr>
         <p:spPr>
           <a:xfrm>
-            <a:off x="284734" y="2421928"/>
-            <a:ext cx="11502946" cy="2554545"/>
+            <a:off x="199009" y="1144655"/>
+            <a:ext cx="11502946" cy="2862322"/>
           </a:xfrm>
           <a:prstGeom prst="rect">
             <a:avLst/>
@@ -8450,19 +9804,65 @@
           </a:bodyPr>
           <a:lstStyle/>
           <a:p>
+            <a:pPr marL="342900" indent="-342900">
+              <a:buFont typeface="Courier New" panose="02070309020205020404" pitchFamily="49" charset="0"/>
+              <a:buChar char="o"/>
+            </a:pPr>
             <a:r>
               <a:rPr lang="ru-RU" sz="2000" dirty="0">
                 <a:latin typeface="Times New Roman" panose="02020603050405020304" pitchFamily="18" charset="0"/>
                 <a:cs typeface="Times New Roman" panose="02020603050405020304" pitchFamily="18" charset="0"/>
               </a:rPr>
-              <a:t>В данной работе обучены две нейронных сети, одна из которых основана на GRU ячейке, а вторая на модели </a:t>
+              <a:t>В данной </a:t>
             </a:r>
             <a:r>
               <a:rPr lang="ru-RU" sz="2000" dirty="0" smtClean="0">
                 <a:latin typeface="Times New Roman" panose="02020603050405020304" pitchFamily="18" charset="0"/>
                 <a:cs typeface="Times New Roman" panose="02020603050405020304" pitchFamily="18" charset="0"/>
               </a:rPr>
-              <a:t>"</a:t>
+              <a:t>работе проведён сравнительный анализ обучения и работы двух </a:t>
+            </a:r>
+            <a:r>
+              <a:rPr lang="ru-RU" sz="2000" dirty="0">
+                <a:latin typeface="Times New Roman" panose="02020603050405020304" pitchFamily="18" charset="0"/>
+                <a:cs typeface="Times New Roman" panose="02020603050405020304" pitchFamily="18" charset="0"/>
+              </a:rPr>
+              <a:t>нейронных </a:t>
+            </a:r>
+            <a:r>
+              <a:rPr lang="ru-RU" sz="2000" dirty="0" smtClean="0">
+                <a:latin typeface="Times New Roman" panose="02020603050405020304" pitchFamily="18" charset="0"/>
+                <a:cs typeface="Times New Roman" panose="02020603050405020304" pitchFamily="18" charset="0"/>
+              </a:rPr>
+              <a:t>сетей, основанных на </a:t>
+            </a:r>
+            <a:r>
+              <a:rPr lang="ru-RU" sz="2000" dirty="0">
+                <a:latin typeface="Times New Roman" panose="02020603050405020304" pitchFamily="18" charset="0"/>
+                <a:cs typeface="Times New Roman" panose="02020603050405020304" pitchFamily="18" charset="0"/>
+              </a:rPr>
+              <a:t>GRU </a:t>
+            </a:r>
+            <a:r>
+              <a:rPr lang="ru-RU" sz="2000" dirty="0" smtClean="0">
+                <a:latin typeface="Times New Roman" panose="02020603050405020304" pitchFamily="18" charset="0"/>
+                <a:cs typeface="Times New Roman" panose="02020603050405020304" pitchFamily="18" charset="0"/>
+              </a:rPr>
+              <a:t>ячейке или на </a:t>
+            </a:r>
+            <a:r>
+              <a:rPr lang="ru-RU" sz="2000" dirty="0">
+                <a:latin typeface="Times New Roman" panose="02020603050405020304" pitchFamily="18" charset="0"/>
+                <a:cs typeface="Times New Roman" panose="02020603050405020304" pitchFamily="18" charset="0"/>
+              </a:rPr>
+              <a:t>модели </a:t>
+            </a:r>
+            <a:r>
+              <a:rPr lang="ru-RU" sz="2000" dirty="0" smtClean="0">
+                <a:latin typeface="Times New Roman" panose="02020603050405020304" pitchFamily="18" charset="0"/>
+                <a:cs typeface="Times New Roman" panose="02020603050405020304" pitchFamily="18" charset="0"/>
+              </a:rPr>
+              <a:t>«</a:t>
             </a:r>
             <a:r>
               <a:rPr lang="ru-RU" sz="2000" dirty="0" err="1" smtClean="0">
@@ -8476,20 +9876,47 @@
                 <a:latin typeface="Times New Roman" panose="02020603050405020304" pitchFamily="18" charset="0"/>
                 <a:cs typeface="Times New Roman" panose="02020603050405020304" pitchFamily="18" charset="0"/>
               </a:rPr>
-              <a:t>". </a:t>
+              <a:t>»</a:t>
+            </a:r>
+          </a:p>
+          <a:p>
+            <a:pPr marL="342900" indent="-342900">
+              <a:buFont typeface="Courier New" panose="02070309020205020404" pitchFamily="49" charset="0"/>
+              <a:buChar char="o"/>
+            </a:pPr>
+            <a:r>
+              <a:rPr lang="ru-RU" sz="2000" dirty="0" smtClean="0">
+                <a:latin typeface="Times New Roman" panose="02020603050405020304" pitchFamily="18" charset="0"/>
+                <a:cs typeface="Times New Roman" panose="02020603050405020304" pitchFamily="18" charset="0"/>
+              </a:rPr>
+              <a:t> </a:t>
             </a:r>
             <a:r>
               <a:rPr lang="ru-RU" sz="2000" dirty="0">
                 <a:latin typeface="Times New Roman" panose="02020603050405020304" pitchFamily="18" charset="0"/>
                 <a:cs typeface="Times New Roman" panose="02020603050405020304" pitchFamily="18" charset="0"/>
               </a:rPr>
-              <a:t>Были получены две полностью рабочие нейронные сети, способные </a:t>
+              <a:t>Были получены </a:t>
             </a:r>
             <a:r>
               <a:rPr lang="ru-RU" sz="2000" dirty="0" smtClean="0">
                 <a:latin typeface="Times New Roman" panose="02020603050405020304" pitchFamily="18" charset="0"/>
                 <a:cs typeface="Times New Roman" panose="02020603050405020304" pitchFamily="18" charset="0"/>
               </a:rPr>
+              <a:t>полностью </a:t>
+            </a:r>
+            <a:r>
+              <a:rPr lang="ru-RU" sz="2000" dirty="0">
+                <a:latin typeface="Times New Roman" panose="02020603050405020304" pitchFamily="18" charset="0"/>
+                <a:cs typeface="Times New Roman" panose="02020603050405020304" pitchFamily="18" charset="0"/>
+              </a:rPr>
+              <a:t>рабочие нейронные сети, способные </a:t>
+            </a:r>
+            <a:r>
+              <a:rPr lang="ru-RU" sz="2000" dirty="0" smtClean="0">
+                <a:latin typeface="Times New Roman" panose="02020603050405020304" pitchFamily="18" charset="0"/>
+                <a:cs typeface="Times New Roman" panose="02020603050405020304" pitchFamily="18" charset="0"/>
+              </a:rPr>
               <a:t>распознавать </a:t>
             </a:r>
             <a:r>
@@ -8497,14 +9924,34 @@
                 <a:latin typeface="Times New Roman" panose="02020603050405020304" pitchFamily="18" charset="0"/>
                 <a:cs typeface="Times New Roman" panose="02020603050405020304" pitchFamily="18" charset="0"/>
               </a:rPr>
-              <a:t>формулы любой сложности с изображений. По результатам обучения можно отметить, что нейронная сеть на модели </a:t>
+              <a:t>формулы </a:t>
             </a:r>
             <a:r>
               <a:rPr lang="ru-RU" sz="2000" dirty="0" smtClean="0">
                 <a:latin typeface="Times New Roman" panose="02020603050405020304" pitchFamily="18" charset="0"/>
                 <a:cs typeface="Times New Roman" panose="02020603050405020304" pitchFamily="18" charset="0"/>
               </a:rPr>
-              <a:t>"</a:t>
+              <a:t>с изображений</a:t>
+            </a:r>
+          </a:p>
+          <a:p>
+            <a:pPr marL="342900" indent="-342900">
+              <a:buFont typeface="Courier New" panose="02070309020205020404" pitchFamily="49" charset="0"/>
+              <a:buChar char="o"/>
+            </a:pPr>
+            <a:r>
+              <a:rPr lang="ru-RU" sz="2000" dirty="0" smtClean="0">
+                <a:latin typeface="Times New Roman" panose="02020603050405020304" pitchFamily="18" charset="0"/>
+                <a:cs typeface="Times New Roman" panose="02020603050405020304" pitchFamily="18" charset="0"/>
+              </a:rPr>
+              <a:t>Показано, что нейронная </a:t>
+            </a:r>
+            <a:r>
+              <a:rPr lang="ru-RU" sz="2000" dirty="0">
+                <a:latin typeface="Times New Roman" panose="02020603050405020304" pitchFamily="18" charset="0"/>
+                <a:cs typeface="Times New Roman" panose="02020603050405020304" pitchFamily="18" charset="0"/>
+              </a:rPr>
+              <a:t>сеть на модели «</a:t>
             </a:r>
             <a:r>
               <a:rPr lang="ru-RU" sz="2000" dirty="0" err="1" smtClean="0">
@@ -8518,29 +9965,105 @@
                 <a:latin typeface="Times New Roman" panose="02020603050405020304" pitchFamily="18" charset="0"/>
                 <a:cs typeface="Times New Roman" panose="02020603050405020304" pitchFamily="18" charset="0"/>
               </a:rPr>
-              <a:t>" </a:t>
+              <a:t>» проходит обучение значительно быстрее, чем </a:t>
             </a:r>
             <a:r>
               <a:rPr lang="ru-RU" sz="2000" dirty="0">
                 <a:latin typeface="Times New Roman" panose="02020603050405020304" pitchFamily="18" charset="0"/>
                 <a:cs typeface="Times New Roman" panose="02020603050405020304" pitchFamily="18" charset="0"/>
               </a:rPr>
-              <a:t>справилась с поставленной задачей намного лучше, чем нейронная сеть, основанная на GRU ячейке, даже с учётом того, что обе нейронные сети не всегда имели высшие показатели результатов в ходе обучения. Так же стоит отметить то, что сеть с GRU ячейкой, в отличии от второй сети, требовала в несколько раз больше времени и ресурсов для обучения, что не всегда является возможным для </a:t>
+              <a:t>нейронная сеть, основанная на GRU </a:t>
             </a:r>
             <a:r>
               <a:rPr lang="ru-RU" sz="2000" dirty="0" smtClean="0">
                 <a:latin typeface="Times New Roman" panose="02020603050405020304" pitchFamily="18" charset="0"/>
                 <a:cs typeface="Times New Roman" panose="02020603050405020304" pitchFamily="18" charset="0"/>
               </a:rPr>
-              <a:t>"домашнего" </a:t>
+              <a:t>ячейке</a:t>
+            </a:r>
+          </a:p>
+          <a:p>
+            <a:pPr marL="342900" indent="-342900">
+              <a:buFont typeface="Courier New" panose="02070309020205020404" pitchFamily="49" charset="0"/>
+              <a:buChar char="o"/>
+            </a:pPr>
+            <a:r>
+              <a:rPr lang="ru-RU" sz="2000" dirty="0" smtClean="0">
+                <a:latin typeface="Times New Roman" panose="02020603050405020304" pitchFamily="18" charset="0"/>
+                <a:cs typeface="Times New Roman" panose="02020603050405020304" pitchFamily="18" charset="0"/>
+              </a:rPr>
+              <a:t>Установлено, что обученная </a:t>
             </a:r>
             <a:r>
               <a:rPr lang="ru-RU" sz="2000" dirty="0">
                 <a:latin typeface="Times New Roman" panose="02020603050405020304" pitchFamily="18" charset="0"/>
                 <a:cs typeface="Times New Roman" panose="02020603050405020304" pitchFamily="18" charset="0"/>
               </a:rPr>
-              <a:t>обучения.</a:t>
-            </a:r>
+              <a:t>нейронная сеть на модели «</a:t>
+            </a:r>
+            <a:r>
+              <a:rPr lang="ru-RU" sz="2000" dirty="0" err="1">
+                <a:latin typeface="Times New Roman" panose="02020603050405020304" pitchFamily="18" charset="0"/>
+                <a:cs typeface="Times New Roman" panose="02020603050405020304" pitchFamily="18" charset="0"/>
+              </a:rPr>
+              <a:t>Трансформер</a:t>
+            </a:r>
+            <a:r>
+              <a:rPr lang="ru-RU" sz="2000" dirty="0" smtClean="0">
+                <a:latin typeface="Times New Roman" panose="02020603050405020304" pitchFamily="18" charset="0"/>
+                <a:cs typeface="Times New Roman" panose="02020603050405020304" pitchFamily="18" charset="0"/>
+              </a:rPr>
+              <a:t>», несмотря на меньшее </a:t>
+            </a:r>
+            <a:r>
+              <a:rPr lang="ru-RU" sz="2000" smtClean="0">
+                <a:latin typeface="Times New Roman" panose="02020603050405020304" pitchFamily="18" charset="0"/>
+                <a:cs typeface="Times New Roman" panose="02020603050405020304" pitchFamily="18" charset="0"/>
+              </a:rPr>
+              <a:t>количество обученных элементов</a:t>
+            </a:r>
+            <a:r>
+              <a:rPr lang="ru-RU" sz="2000" dirty="0" smtClean="0">
+                <a:latin typeface="Times New Roman" panose="02020603050405020304" pitchFamily="18" charset="0"/>
+                <a:cs typeface="Times New Roman" panose="02020603050405020304" pitchFamily="18" charset="0"/>
+              </a:rPr>
+              <a:t>, демонстрирует лучшее качество распознавания, </a:t>
+            </a:r>
+            <a:r>
+              <a:rPr lang="ru-RU" sz="2000" dirty="0">
+                <a:latin typeface="Times New Roman" panose="02020603050405020304" pitchFamily="18" charset="0"/>
+                <a:cs typeface="Times New Roman" panose="02020603050405020304" pitchFamily="18" charset="0"/>
+              </a:rPr>
+              <a:t>чем нейронная сеть, основанная на GRU ячейке</a:t>
+            </a:r>
+          </a:p>
+        </p:txBody>
+      </p:sp>
+      <p:sp>
+        <p:nvSpPr>
+          <p:cNvPr id="6" name="Заголовок 1"/>
+          <p:cNvSpPr>
+            <a:spLocks noGrp="1"/>
+          </p:cNvSpPr>
+          <p:nvPr>
+            <p:ph type="title"/>
+          </p:nvPr>
+        </p:nvSpPr>
+        <p:spPr>
+          <a:xfrm>
+            <a:off x="188516" y="142875"/>
+            <a:ext cx="11774884" cy="777240"/>
+          </a:xfrm>
+        </p:spPr>
+        <p:txBody>
+          <a:bodyPr/>
+          <a:lstStyle/>
+          <a:p>
+            <a:r>
+              <a:rPr lang="ru-RU" dirty="0" smtClean="0"/>
+              <a:t>Заключение</a:t>
+            </a:r>
+            <a:endParaRPr lang="ru-RU" dirty="0"/>
           </a:p>
         </p:txBody>
       </p:sp>
@@ -8583,201 +10106,342 @@
       </p:grpSpPr>
       <p:sp>
         <p:nvSpPr>
-          <p:cNvPr id="4" name="Прямоугольник 3"/>
-          <p:cNvSpPr/>
-          <p:nvPr/>
+          <p:cNvPr id="2" name="Заголовок 1"/>
+          <p:cNvSpPr>
+            <a:spLocks noGrp="1"/>
+          </p:cNvSpPr>
+          <p:nvPr>
+            <p:ph type="title"/>
+          </p:nvPr>
         </p:nvSpPr>
         <p:spPr>
           <a:xfrm>
-            <a:off x="243838" y="162004"/>
-            <a:ext cx="11739155" cy="1855893"/>
+            <a:off x="280416" y="887595"/>
+            <a:ext cx="11119104" cy="605028"/>
           </a:xfrm>
-          <a:prstGeom prst="rect">
-            <a:avLst/>
-          </a:prstGeom>
         </p:spPr>
         <p:txBody>
-          <a:bodyPr wrap="square">
-            <a:spAutoFit/>
+          <a:bodyPr>
+            <a:normAutofit fontScale="90000"/>
           </a:bodyPr>
           <a:lstStyle/>
+          <a:p>
+            <a:r>
+              <a:rPr lang="ru-RU" dirty="0"/>
+              <a:t>Существующие системы распознавания формул</a:t>
+            </a:r>
+          </a:p>
+        </p:txBody>
+      </p:sp>
+      <p:sp>
+        <p:nvSpPr>
+          <p:cNvPr id="3" name="Объект 2"/>
+          <p:cNvSpPr>
+            <a:spLocks noGrp="1"/>
+          </p:cNvSpPr>
+          <p:nvPr>
+            <p:ph idx="1"/>
+          </p:nvPr>
+        </p:nvSpPr>
+        <p:spPr>
+          <a:xfrm>
+            <a:off x="528066" y="2401823"/>
+            <a:ext cx="10623804" cy="3613493"/>
+          </a:xfrm>
+        </p:spPr>
+        <p:txBody>
+          <a:bodyPr>
+            <a:normAutofit/>
+          </a:bodyPr>
+          <a:lstStyle/>
+          <a:p>
+            <a:pPr marL="0" indent="0">
+              <a:lnSpc>
+                <a:spcPct val="107000"/>
+              </a:lnSpc>
+              <a:spcBef>
+                <a:spcPts val="0"/>
+              </a:spcBef>
+              <a:buNone/>
+            </a:pPr>
+            <a:r>
+              <a:rPr lang="ru-RU" dirty="0">
+                <a:latin typeface="Times New Roman" panose="02020603050405020304" pitchFamily="18" charset="0"/>
+                <a:cs typeface="Times New Roman" panose="02020603050405020304" pitchFamily="18" charset="0"/>
+              </a:rPr>
+              <a:t>Экспертные системы</a:t>
+            </a:r>
+            <a:r>
+              <a:rPr lang="en-US" dirty="0">
+                <a:latin typeface="Times New Roman" panose="02020603050405020304" pitchFamily="18" charset="0"/>
+                <a:cs typeface="Times New Roman" panose="02020603050405020304" pitchFamily="18" charset="0"/>
+              </a:rPr>
+              <a:t>:</a:t>
+            </a:r>
+          </a:p>
           <a:p>
             <a:pPr>
               <a:lnSpc>
                 <a:spcPct val="107000"/>
               </a:lnSpc>
+              <a:spcBef>
+                <a:spcPts val="0"/>
+              </a:spcBef>
             </a:pPr>
             <a:r>
+              <a:rPr lang="en-US" dirty="0">
+                <a:latin typeface="Times New Roman" panose="02020603050405020304" pitchFamily="18" charset="0"/>
+                <a:cs typeface="Times New Roman" panose="02020603050405020304" pitchFamily="18" charset="0"/>
+              </a:rPr>
+              <a:t>MS Math input panel</a:t>
+            </a:r>
+          </a:p>
+          <a:p>
+            <a:pPr>
+              <a:lnSpc>
+                <a:spcPct val="107000"/>
+              </a:lnSpc>
+              <a:spcBef>
+                <a:spcPts val="0"/>
+              </a:spcBef>
+            </a:pPr>
+            <a:r>
+              <a:rPr lang="en-US" dirty="0" err="1" smtClean="0">
+                <a:latin typeface="Times New Roman" panose="02020603050405020304" pitchFamily="18" charset="0"/>
+                <a:cs typeface="Times New Roman" panose="02020603050405020304" pitchFamily="18" charset="0"/>
+              </a:rPr>
+              <a:t>InftyProject</a:t>
+            </a:r>
+            <a:r>
+              <a:rPr lang="en-US" dirty="0" smtClean="0">
+                <a:latin typeface="Times New Roman" panose="02020603050405020304" pitchFamily="18" charset="0"/>
+                <a:cs typeface="Times New Roman" panose="02020603050405020304" pitchFamily="18" charset="0"/>
+              </a:rPr>
+              <a:t> (1</a:t>
+            </a:r>
+            <a:r>
+              <a:rPr lang="en-US" dirty="0">
+                <a:latin typeface="Times New Roman" panose="02020603050405020304" pitchFamily="18" charset="0"/>
+                <a:cs typeface="Times New Roman" panose="02020603050405020304" pitchFamily="18" charset="0"/>
+              </a:rPr>
+              <a:t>): </a:t>
+            </a:r>
+            <a:r>
+              <a:rPr lang="en-US" dirty="0" err="1">
+                <a:latin typeface="Times New Roman" panose="02020603050405020304" pitchFamily="18" charset="0"/>
+                <a:cs typeface="Times New Roman" panose="02020603050405020304" pitchFamily="18" charset="0"/>
+              </a:rPr>
+              <a:t>InftyReader</a:t>
+            </a:r>
+            <a:r>
+              <a:rPr lang="en-US" dirty="0">
+                <a:latin typeface="Times New Roman" panose="02020603050405020304" pitchFamily="18" charset="0"/>
+                <a:cs typeface="Times New Roman" panose="02020603050405020304" pitchFamily="18" charset="0"/>
+              </a:rPr>
+              <a:t> </a:t>
+            </a:r>
+            <a:r>
               <a:rPr lang="ru-RU" dirty="0">
                 <a:latin typeface="Times New Roman" panose="02020603050405020304" pitchFamily="18" charset="0"/>
-                <a:ea typeface="Times New Roman" panose="02020603050405020304" pitchFamily="18" charset="0"/>
-              </a:rPr>
-              <a:t>Искусственная нейронная сеть представляют собой систему соединённых и взаимодействующих между собой простых процессоров (искусственных нейронов). </a:t>
-            </a:r>
-            <a:r>
-              <a:rPr lang="ru-RU" dirty="0" smtClean="0">
-                <a:latin typeface="Times New Roman" panose="02020603050405020304" pitchFamily="18" charset="0"/>
-                <a:ea typeface="Times New Roman" panose="02020603050405020304" pitchFamily="18" charset="0"/>
-              </a:rPr>
-              <a:t>Такие процессоры </a:t>
-            </a:r>
+                <a:cs typeface="Times New Roman" panose="02020603050405020304" pitchFamily="18" charset="0"/>
+              </a:rPr>
+              <a:t>и </a:t>
+            </a:r>
+            <a:r>
+              <a:rPr lang="en-US" dirty="0" err="1">
+                <a:latin typeface="Times New Roman" panose="02020603050405020304" pitchFamily="18" charset="0"/>
+                <a:cs typeface="Times New Roman" panose="02020603050405020304" pitchFamily="18" charset="0"/>
+              </a:rPr>
+              <a:t>InftyEditor</a:t>
+            </a:r>
+            <a:r>
+              <a:rPr lang="en-US" dirty="0">
+                <a:latin typeface="Times New Roman" panose="02020603050405020304" pitchFamily="18" charset="0"/>
+                <a:cs typeface="Times New Roman" panose="02020603050405020304" pitchFamily="18" charset="0"/>
+              </a:rPr>
+              <a:t> </a:t>
+            </a:r>
+          </a:p>
+          <a:p>
+            <a:pPr marL="0" indent="0">
+              <a:lnSpc>
+                <a:spcPct val="107000"/>
+              </a:lnSpc>
+              <a:spcBef>
+                <a:spcPts val="0"/>
+              </a:spcBef>
+              <a:buNone/>
+            </a:pPr>
             <a:r>
               <a:rPr lang="ru-RU" dirty="0">
                 <a:latin typeface="Times New Roman" panose="02020603050405020304" pitchFamily="18" charset="0"/>
-                <a:ea typeface="Times New Roman" panose="02020603050405020304" pitchFamily="18" charset="0"/>
-              </a:rPr>
-              <a:t>довольно просты, особенно в сравнении с процессорами, используемыми в персональных компьютерах. Каждый процессор подобной сети имеет дело только с сигналами, которые он периодически получает, и сигналами, которые он периодически посылает другим процессорам. И тем не менее, будучи соединёнными в достаточно большую сеть с управляемым взаимодействием, такие локально простые процессоры вместе способны выполнять довольно сложные задачи.</a:t>
-            </a:r>
-            <a:endParaRPr lang="ru-RU" dirty="0"/>
+                <a:cs typeface="Times New Roman" panose="02020603050405020304" pitchFamily="18" charset="0"/>
+              </a:rPr>
+              <a:t>Искусственные нейронные сети</a:t>
+            </a:r>
+            <a:endParaRPr lang="en-US" dirty="0">
+              <a:latin typeface="Times New Roman" panose="02020603050405020304" pitchFamily="18" charset="0"/>
+              <a:cs typeface="Times New Roman" panose="02020603050405020304" pitchFamily="18" charset="0"/>
+            </a:endParaRPr>
+          </a:p>
+          <a:p>
+            <a:pPr>
+              <a:lnSpc>
+                <a:spcPct val="107000"/>
+              </a:lnSpc>
+              <a:spcBef>
+                <a:spcPts val="0"/>
+              </a:spcBef>
+            </a:pPr>
+            <a:r>
+              <a:rPr lang="en-US" dirty="0" err="1" smtClean="0">
+                <a:latin typeface="Times New Roman" panose="02020603050405020304" pitchFamily="18" charset="0"/>
+                <a:cs typeface="Times New Roman" panose="02020603050405020304" pitchFamily="18" charset="0"/>
+              </a:rPr>
+              <a:t>Mathpix</a:t>
+            </a:r>
+            <a:r>
+              <a:rPr lang="en-US" dirty="0" smtClean="0">
+                <a:latin typeface="Times New Roman" panose="02020603050405020304" pitchFamily="18" charset="0"/>
+                <a:cs typeface="Times New Roman" panose="02020603050405020304" pitchFamily="18" charset="0"/>
+              </a:rPr>
+              <a:t> (2</a:t>
+            </a:r>
+            <a:r>
+              <a:rPr lang="en-US" dirty="0">
+                <a:latin typeface="Times New Roman" panose="02020603050405020304" pitchFamily="18" charset="0"/>
+                <a:cs typeface="Times New Roman" panose="02020603050405020304" pitchFamily="18" charset="0"/>
+              </a:rPr>
+              <a:t>)</a:t>
+            </a:r>
+          </a:p>
+          <a:p>
+            <a:pPr>
+              <a:lnSpc>
+                <a:spcPct val="107000"/>
+              </a:lnSpc>
+              <a:spcBef>
+                <a:spcPts val="0"/>
+              </a:spcBef>
+            </a:pPr>
+            <a:r>
+              <a:rPr lang="en-US" dirty="0" smtClean="0">
+                <a:latin typeface="Times New Roman" panose="02020603050405020304" pitchFamily="18" charset="0"/>
+                <a:cs typeface="Times New Roman" panose="02020603050405020304" pitchFamily="18" charset="0"/>
+              </a:rPr>
+              <a:t>Image-to-Markup (3</a:t>
+            </a:r>
+            <a:r>
+              <a:rPr lang="en-US" dirty="0">
+                <a:latin typeface="Times New Roman" panose="02020603050405020304" pitchFamily="18" charset="0"/>
+                <a:cs typeface="Times New Roman" panose="02020603050405020304" pitchFamily="18" charset="0"/>
+              </a:rPr>
+              <a:t>)</a:t>
+            </a:r>
+          </a:p>
+          <a:p>
+            <a:pPr marL="0" indent="0">
+              <a:lnSpc>
+                <a:spcPct val="107000"/>
+              </a:lnSpc>
+              <a:spcBef>
+                <a:spcPts val="0"/>
+              </a:spcBef>
+              <a:buNone/>
+            </a:pPr>
+            <a:endParaRPr lang="en-US" dirty="0">
+              <a:latin typeface="Times New Roman" panose="02020603050405020304" pitchFamily="18" charset="0"/>
+              <a:cs typeface="Times New Roman" panose="02020603050405020304" pitchFamily="18" charset="0"/>
+            </a:endParaRPr>
+          </a:p>
+          <a:p>
+            <a:pPr marL="0" indent="0">
+              <a:lnSpc>
+                <a:spcPct val="107000"/>
+              </a:lnSpc>
+              <a:spcBef>
+                <a:spcPts val="0"/>
+              </a:spcBef>
+              <a:buNone/>
+            </a:pPr>
+            <a:r>
+              <a:rPr lang="en-US" dirty="0">
+                <a:latin typeface="Times New Roman" panose="02020603050405020304" pitchFamily="18" charset="0"/>
+                <a:cs typeface="Times New Roman" panose="02020603050405020304" pitchFamily="18" charset="0"/>
+              </a:rPr>
+              <a:t>1) www.inftyreader.org</a:t>
+            </a:r>
+          </a:p>
+          <a:p>
+            <a:pPr marL="0" indent="0">
+              <a:lnSpc>
+                <a:spcPct val="107000"/>
+              </a:lnSpc>
+              <a:spcBef>
+                <a:spcPts val="0"/>
+              </a:spcBef>
+              <a:buNone/>
+            </a:pPr>
+            <a:r>
+              <a:rPr lang="en-US" dirty="0">
+                <a:latin typeface="Times New Roman" panose="02020603050405020304" pitchFamily="18" charset="0"/>
+                <a:cs typeface="Times New Roman" panose="02020603050405020304" pitchFamily="18" charset="0"/>
+              </a:rPr>
+              <a:t>2) mathpix.com</a:t>
+            </a:r>
+            <a:endParaRPr lang="ru-RU" dirty="0">
+              <a:latin typeface="Times New Roman" panose="02020603050405020304" pitchFamily="18" charset="0"/>
+              <a:cs typeface="Times New Roman" panose="02020603050405020304" pitchFamily="18" charset="0"/>
+            </a:endParaRPr>
+          </a:p>
+          <a:p>
+            <a:pPr marL="0" indent="0">
+              <a:lnSpc>
+                <a:spcPct val="107000"/>
+              </a:lnSpc>
+              <a:spcBef>
+                <a:spcPts val="0"/>
+              </a:spcBef>
+              <a:buNone/>
+            </a:pPr>
+            <a:r>
+              <a:rPr lang="en-US" dirty="0">
+                <a:latin typeface="Times New Roman" panose="02020603050405020304" pitchFamily="18" charset="0"/>
+                <a:cs typeface="Times New Roman" panose="02020603050405020304" pitchFamily="18" charset="0"/>
+              </a:rPr>
+              <a:t>3) Y. Deng, A. </a:t>
+            </a:r>
+            <a:r>
+              <a:rPr lang="en-US" dirty="0" err="1">
+                <a:latin typeface="Times New Roman" panose="02020603050405020304" pitchFamily="18" charset="0"/>
+                <a:cs typeface="Times New Roman" panose="02020603050405020304" pitchFamily="18" charset="0"/>
+              </a:rPr>
+              <a:t>Kanervisto</a:t>
+            </a:r>
+            <a:r>
+              <a:rPr lang="en-US" dirty="0">
+                <a:latin typeface="Times New Roman" panose="02020603050405020304" pitchFamily="18" charset="0"/>
+                <a:cs typeface="Times New Roman" panose="02020603050405020304" pitchFamily="18" charset="0"/>
+              </a:rPr>
+              <a:t>, J. Ling, and A. M. Rush, “Image-to-markup generation with coarse-to-fine attention,” 34th International Conference on Machine Learning, ICML 2017, vol. 3, pp. 1631–1640, 2017. (http://lstm.seas.harvard.edu/latex)</a:t>
+            </a:r>
+            <a:endParaRPr lang="ru-RU" dirty="0">
+              <a:latin typeface="Times New Roman" panose="02020603050405020304" pitchFamily="18" charset="0"/>
+              <a:cs typeface="Times New Roman" panose="02020603050405020304" pitchFamily="18" charset="0"/>
+            </a:endParaRPr>
           </a:p>
         </p:txBody>
       </p:sp>
-      <p:sp>
-        <p:nvSpPr>
-          <p:cNvPr id="8" name="Rectangle 6"/>
-          <p:cNvSpPr>
-            <a:spLocks noChangeArrowheads="1"/>
-          </p:cNvSpPr>
-          <p:nvPr/>
-        </p:nvSpPr>
-        <p:spPr bwMode="auto">
-          <a:xfrm>
-            <a:off x="8151224" y="3899089"/>
-            <a:ext cx="2377440" cy="1077218"/>
-          </a:xfrm>
-          <a:prstGeom prst="rect">
-            <a:avLst/>
-          </a:prstGeom>
-          <a:noFill/>
-          <a:ln>
-            <a:noFill/>
-          </a:ln>
-          <a:effectLst/>
-          <a:extLst>
-            <a:ext uri="{909E8E84-426E-40DD-AFC4-6F175D3DCCD1}">
-              <a14:hiddenFill xmlns:a14="http://schemas.microsoft.com/office/drawing/2010/main">
-                <a:solidFill>
-                  <a:schemeClr val="accent1"/>
-                </a:solidFill>
-              </a14:hiddenFill>
-            </a:ext>
-            <a:ext uri="{91240B29-F687-4F45-9708-019B960494DF}">
-              <a14:hiddenLine xmlns:a14="http://schemas.microsoft.com/office/drawing/2010/main" w="9525">
-                <a:solidFill>
-                  <a:schemeClr val="tx1"/>
-                </a:solidFill>
-                <a:miter lim="800000"/>
-                <a:headEnd/>
-                <a:tailEnd/>
-              </a14:hiddenLine>
-            </a:ext>
-            <a:ext uri="{AF507438-7753-43E0-B8FC-AC1667EBCBE1}">
-              <a14:hiddenEffects xmlns:a14="http://schemas.microsoft.com/office/drawing/2010/main">
-                <a:effectLst>
-                  <a:outerShdw dist="35921" dir="2700000" algn="ctr" rotWithShape="0">
-                    <a:schemeClr val="bg2"/>
-                  </a:outerShdw>
-                </a:effectLst>
-              </a14:hiddenEffects>
-            </a:ext>
-          </a:extLst>
-        </p:spPr>
-        <p:txBody>
-          <a:bodyPr vert="horz" wrap="square" lIns="91440" tIns="45720" rIns="91440" bIns="45720" numCol="1" anchor="ctr" anchorCtr="0" compatLnSpc="1">
-            <a:prstTxWarp prst="textNoShape">
-              <a:avLst/>
-            </a:prstTxWarp>
-            <a:spAutoFit/>
-          </a:bodyPr>
-          <a:lstStyle/>
-          <a:p>
-            <a:pPr marL="0" marR="0" lvl="0" indent="0" algn="l" defTabSz="914400" rtl="0" eaLnBrk="0" fontAlgn="base" latinLnBrk="0" hangingPunct="0">
-              <a:lnSpc>
-                <a:spcPct val="100000"/>
-              </a:lnSpc>
-              <a:spcBef>
-                <a:spcPct val="0"/>
-              </a:spcBef>
-              <a:spcAft>
-                <a:spcPct val="0"/>
-              </a:spcAft>
-              <a:buClrTx/>
-              <a:buSzTx/>
-              <a:buFontTx/>
-              <a:buNone/>
-              <a:tabLst/>
-            </a:pPr>
-            <a:r>
-              <a:rPr lang="ru-RU" altLang="ru-RU" sz="1600" i="1" dirty="0">
-                <a:latin typeface="Times New Roman" panose="02020603050405020304" pitchFamily="18" charset="0"/>
-                <a:cs typeface="Times New Roman" panose="02020603050405020304" pitchFamily="18" charset="0"/>
-              </a:rPr>
-              <a:t>Рис. 1: Схема </a:t>
-            </a:r>
-            <a:r>
-              <a:rPr lang="ru-RU" altLang="ru-RU" sz="1600" i="1" dirty="0" err="1">
-                <a:latin typeface="Times New Roman" panose="02020603050405020304" pitchFamily="18" charset="0"/>
-                <a:cs typeface="Times New Roman" panose="02020603050405020304" pitchFamily="18" charset="0"/>
-              </a:rPr>
-              <a:t>свёрточной</a:t>
-            </a:r>
-            <a:r>
-              <a:rPr lang="ru-RU" altLang="ru-RU" sz="1600" i="1" dirty="0">
-                <a:latin typeface="Times New Roman" panose="02020603050405020304" pitchFamily="18" charset="0"/>
-                <a:cs typeface="Times New Roman" panose="02020603050405020304" pitchFamily="18" charset="0"/>
-              </a:rPr>
-              <a:t> сети, использованной в обучении.</a:t>
-            </a:r>
-          </a:p>
-        </p:txBody>
-      </p:sp>
-      <p:pic>
-        <p:nvPicPr>
-          <p:cNvPr id="2" name="Рисунок 1"/>
-          <p:cNvPicPr>
-            <a:picLocks noChangeAspect="1"/>
-          </p:cNvPicPr>
-          <p:nvPr/>
-        </p:nvPicPr>
-        <p:blipFill>
-          <a:blip r:embed="rId2" cstate="print">
-            <a:extLst>
-              <a:ext uri="{28A0092B-C50C-407E-A947-70E740481C1C}">
-                <a14:useLocalDpi xmlns:a14="http://schemas.microsoft.com/office/drawing/2010/main" val="0"/>
-              </a:ext>
-            </a:extLst>
-          </a:blip>
-          <a:stretch>
-            <a:fillRect/>
-          </a:stretch>
-        </p:blipFill>
-        <p:spPr>
-          <a:xfrm>
-            <a:off x="4599839" y="2267994"/>
-            <a:ext cx="3253576" cy="4339404"/>
-          </a:xfrm>
-          <a:prstGeom prst="rect">
-            <a:avLst/>
-          </a:prstGeom>
-        </p:spPr>
-      </p:pic>
     </p:spTree>
     <p:extLst>
       <p:ext uri="{BB962C8B-B14F-4D97-AF65-F5344CB8AC3E}">
-        <p14:creationId xmlns:p14="http://schemas.microsoft.com/office/powerpoint/2010/main" val="1175423364"/>
+        <p14:creationId xmlns:p14="http://schemas.microsoft.com/office/powerpoint/2010/main" val="1490484494"/>
       </p:ext>
     </p:extLst>
   </p:cSld>
   <p:clrMapOvr>
     <a:masterClrMapping/>
   </p:clrMapOvr>
-  <p:timing>
-    <p:tnLst>
-      <p:par>
-        <p:cTn id="1" dur="indefinite" restart="never" nodeType="tmRoot"/>
-      </p:par>
-    </p:tnLst>
-  </p:timing>
 </p:sld>
 </file>
 
@@ -9466,6 +11130,184 @@
 </file>
 
 <file path=ppt/slides/slide4.xml><?xml version="1.0" encoding="utf-8"?>
+<p:sld xmlns:a="http://schemas.openxmlformats.org/drawingml/2006/main" xmlns:r="http://schemas.openxmlformats.org/officeDocument/2006/relationships" xmlns:p="http://schemas.openxmlformats.org/presentationml/2006/main">
+  <p:cSld>
+    <p:spTree>
+      <p:nvGrpSpPr>
+        <p:cNvPr id="1" name=""/>
+        <p:cNvGrpSpPr/>
+        <p:nvPr/>
+      </p:nvGrpSpPr>
+      <p:grpSpPr>
+        <a:xfrm>
+          <a:off x="0" y="0"/>
+          <a:ext cx="0" cy="0"/>
+          <a:chOff x="0" y="0"/>
+          <a:chExt cx="0" cy="0"/>
+        </a:xfrm>
+      </p:grpSpPr>
+      <p:sp>
+        <p:nvSpPr>
+          <p:cNvPr id="2" name="Заголовок 1"/>
+          <p:cNvSpPr>
+            <a:spLocks noGrp="1"/>
+          </p:cNvSpPr>
+          <p:nvPr>
+            <p:ph type="title"/>
+          </p:nvPr>
+        </p:nvSpPr>
+        <p:spPr>
+          <a:xfrm>
+            <a:off x="432816" y="0"/>
+            <a:ext cx="11599164" cy="777240"/>
+          </a:xfrm>
+        </p:spPr>
+        <p:txBody>
+          <a:bodyPr/>
+          <a:lstStyle/>
+          <a:p>
+            <a:r>
+              <a:rPr lang="ru-RU" dirty="0"/>
+              <a:t>Общий </a:t>
+            </a:r>
+            <a:r>
+              <a:rPr lang="ru-RU" dirty="0" smtClean="0"/>
+              <a:t>вид</a:t>
+            </a:r>
+            <a:r>
+              <a:rPr lang="en-US" dirty="0"/>
+              <a:t> </a:t>
+            </a:r>
+            <a:r>
+              <a:rPr lang="ru-RU" dirty="0" smtClean="0"/>
+              <a:t>сети на основе </a:t>
+            </a:r>
+            <a:r>
+              <a:rPr lang="en-US" dirty="0" smtClean="0"/>
+              <a:t>GRU </a:t>
+            </a:r>
+            <a:r>
+              <a:rPr lang="ru-RU" dirty="0" smtClean="0"/>
+              <a:t>ячейки</a:t>
+            </a:r>
+            <a:endParaRPr lang="ru-RU" dirty="0"/>
+          </a:p>
+        </p:txBody>
+      </p:sp>
+      <p:pic>
+        <p:nvPicPr>
+          <p:cNvPr id="4" name="Объект 3"/>
+          <p:cNvPicPr>
+            <a:picLocks noGrp="1" noChangeAspect="1"/>
+          </p:cNvPicPr>
+          <p:nvPr>
+            <p:ph idx="1"/>
+          </p:nvPr>
+        </p:nvPicPr>
+        <p:blipFill>
+          <a:blip r:embed="rId3" cstate="print">
+            <a:extLst>
+              <a:ext uri="{28A0092B-C50C-407E-A947-70E740481C1C}">
+                <a14:useLocalDpi xmlns:a14="http://schemas.microsoft.com/office/drawing/2010/main" val="0"/>
+              </a:ext>
+            </a:extLst>
+          </a:blip>
+          <a:stretch>
+            <a:fillRect/>
+          </a:stretch>
+        </p:blipFill>
+        <p:spPr>
+          <a:xfrm>
+            <a:off x="265370" y="1079026"/>
+            <a:ext cx="11661258" cy="3880697"/>
+          </a:xfrm>
+        </p:spPr>
+      </p:pic>
+      <p:sp>
+        <p:nvSpPr>
+          <p:cNvPr id="3" name="Прямоугольник 2"/>
+          <p:cNvSpPr/>
+          <p:nvPr/>
+        </p:nvSpPr>
+        <p:spPr>
+          <a:xfrm>
+            <a:off x="3171235" y="5360005"/>
+            <a:ext cx="5707524" cy="338554"/>
+          </a:xfrm>
+          <a:prstGeom prst="rect">
+            <a:avLst/>
+          </a:prstGeom>
+        </p:spPr>
+        <p:txBody>
+          <a:bodyPr wrap="none">
+            <a:spAutoFit/>
+          </a:bodyPr>
+          <a:lstStyle/>
+          <a:p>
+            <a:pPr lvl="0" eaLnBrk="0" fontAlgn="base" hangingPunct="0">
+              <a:spcBef>
+                <a:spcPct val="0"/>
+              </a:spcBef>
+              <a:spcAft>
+                <a:spcPct val="0"/>
+              </a:spcAft>
+            </a:pPr>
+            <a:r>
+              <a:rPr lang="ru-RU" altLang="ru-RU" sz="1600" i="1" dirty="0">
+                <a:latin typeface="Times New Roman" panose="02020603050405020304" pitchFamily="18" charset="0"/>
+                <a:cs typeface="Times New Roman" panose="02020603050405020304" pitchFamily="18" charset="0"/>
+              </a:rPr>
+              <a:t>Рис. 1: </a:t>
+            </a:r>
+            <a:r>
+              <a:rPr lang="ru-RU" altLang="ru-RU" sz="1600" i="1" dirty="0" smtClean="0">
+                <a:latin typeface="Times New Roman" panose="02020603050405020304" pitchFamily="18" charset="0"/>
+                <a:cs typeface="Times New Roman" panose="02020603050405020304" pitchFamily="18" charset="0"/>
+              </a:rPr>
+              <a:t>Схема сети на основе </a:t>
+            </a:r>
+            <a:r>
+              <a:rPr lang="en-US" altLang="ru-RU" sz="1600" i="1" dirty="0" smtClean="0">
+                <a:latin typeface="Times New Roman" panose="02020603050405020304" pitchFamily="18" charset="0"/>
+                <a:cs typeface="Times New Roman" panose="02020603050405020304" pitchFamily="18" charset="0"/>
+              </a:rPr>
+              <a:t>GRU</a:t>
+            </a:r>
+            <a:r>
+              <a:rPr lang="ru-RU" altLang="ru-RU" sz="1600" i="1" dirty="0" smtClean="0">
+                <a:latin typeface="Times New Roman" panose="02020603050405020304" pitchFamily="18" charset="0"/>
+                <a:cs typeface="Times New Roman" panose="02020603050405020304" pitchFamily="18" charset="0"/>
+              </a:rPr>
+              <a:t>, </a:t>
+            </a:r>
+            <a:r>
+              <a:rPr lang="ru-RU" altLang="ru-RU" sz="1600" i="1" dirty="0">
+                <a:latin typeface="Times New Roman" panose="02020603050405020304" pitchFamily="18" charset="0"/>
+                <a:cs typeface="Times New Roman" panose="02020603050405020304" pitchFamily="18" charset="0"/>
+              </a:rPr>
+              <a:t>использованной в обучении.</a:t>
+            </a:r>
+            <a:endParaRPr lang="ru-RU" altLang="ru-RU" sz="1600" i="1" dirty="0">
+              <a:latin typeface="Times New Roman" panose="02020603050405020304" pitchFamily="18" charset="0"/>
+              <a:cs typeface="Times New Roman" panose="02020603050405020304" pitchFamily="18" charset="0"/>
+            </a:endParaRPr>
+          </a:p>
+        </p:txBody>
+      </p:sp>
+    </p:spTree>
+    <p:extLst>
+      <p:ext uri="{BB962C8B-B14F-4D97-AF65-F5344CB8AC3E}">
+        <p14:creationId xmlns:p14="http://schemas.microsoft.com/office/powerpoint/2010/main" val="2995031380"/>
+      </p:ext>
+    </p:extLst>
+  </p:cSld>
+  <p:clrMapOvr>
+    <a:masterClrMapping/>
+  </p:clrMapOvr>
+</p:sld>
+</file>
+
+<file path=ppt/slides/slide5.xml><?xml version="1.0" encoding="utf-8"?>
 <p:sld xmlns:a="http://schemas.openxmlformats.org/drawingml/2006/main" xmlns:r="http://schemas.openxmlformats.org/officeDocument/2006/relationships" xmlns:p="http://schemas.openxmlformats.org/presentationml/2006/main">
   <p:cSld>
     <p:spTree>
@@ -10454,7 +12296,7 @@
 </p:sld>
 </file>
 
-<file path=ppt/slides/slide5.xml><?xml version="1.0" encoding="utf-8"?>
+<file path=ppt/slides/slide6.xml><?xml version="1.0" encoding="utf-8"?>
 <p:sld xmlns:a="http://schemas.openxmlformats.org/drawingml/2006/main" xmlns:r="http://schemas.openxmlformats.org/officeDocument/2006/relationships" xmlns:p="http://schemas.openxmlformats.org/presentationml/2006/main">
   <p:cSld>
     <p:spTree>
@@ -12051,7 +13893,7 @@
 </p:sld>
 </file>
 
-<file path=ppt/slides/slide6.xml><?xml version="1.0" encoding="utf-8"?>
+<file path=ppt/slides/slide7.xml><?xml version="1.0" encoding="utf-8"?>
 <p:sld xmlns:a="http://schemas.openxmlformats.org/drawingml/2006/main" xmlns:r="http://schemas.openxmlformats.org/officeDocument/2006/relationships" xmlns:p="http://schemas.openxmlformats.org/presentationml/2006/main">
   <p:cSld>
     <p:spTree>
@@ -12366,7 +14208,195 @@
 </p:sld>
 </file>
 
-<file path=ppt/slides/slide7.xml><?xml version="1.0" encoding="utf-8"?>
+<file path=ppt/slides/slide8.xml><?xml version="1.0" encoding="utf-8"?>
+<p:sld xmlns:a="http://schemas.openxmlformats.org/drawingml/2006/main" xmlns:r="http://schemas.openxmlformats.org/officeDocument/2006/relationships" xmlns:p="http://schemas.openxmlformats.org/presentationml/2006/main">
+  <p:cSld>
+    <p:spTree>
+      <p:nvGrpSpPr>
+        <p:cNvPr id="1" name=""/>
+        <p:cNvGrpSpPr/>
+        <p:nvPr/>
+      </p:nvGrpSpPr>
+      <p:grpSpPr>
+        <a:xfrm>
+          <a:off x="0" y="0"/>
+          <a:ext cx="0" cy="0"/>
+          <a:chOff x="0" y="0"/>
+          <a:chExt cx="0" cy="0"/>
+        </a:xfrm>
+      </p:grpSpPr>
+      <p:sp>
+        <p:nvSpPr>
+          <p:cNvPr id="2" name="Заголовок 1"/>
+          <p:cNvSpPr>
+            <a:spLocks noGrp="1"/>
+          </p:cNvSpPr>
+          <p:nvPr>
+            <p:ph type="title"/>
+          </p:nvPr>
+        </p:nvSpPr>
+        <p:spPr>
+          <a:xfrm>
+            <a:off x="432816" y="0"/>
+            <a:ext cx="11599164" cy="777240"/>
+          </a:xfrm>
+        </p:spPr>
+        <p:txBody>
+          <a:bodyPr/>
+          <a:lstStyle/>
+          <a:p>
+            <a:r>
+              <a:rPr lang="ru-RU" dirty="0"/>
+              <a:t>Общий </a:t>
+            </a:r>
+            <a:r>
+              <a:rPr lang="ru-RU" dirty="0" smtClean="0"/>
+              <a:t>вид</a:t>
+            </a:r>
+            <a:r>
+              <a:rPr lang="en-US" dirty="0"/>
+              <a:t> </a:t>
+            </a:r>
+            <a:r>
+              <a:rPr lang="ru-RU" dirty="0" smtClean="0"/>
+              <a:t>сети на основе </a:t>
+            </a:r>
+            <a:r>
+              <a:rPr lang="ru-RU" dirty="0" err="1" smtClean="0"/>
+              <a:t>Трансформера</a:t>
+            </a:r>
+            <a:endParaRPr lang="ru-RU" dirty="0"/>
+          </a:p>
+        </p:txBody>
+      </p:sp>
+      <p:pic>
+        <p:nvPicPr>
+          <p:cNvPr id="4" name="Объект 3"/>
+          <p:cNvPicPr>
+            <a:picLocks noGrp="1" noChangeAspect="1"/>
+          </p:cNvPicPr>
+          <p:nvPr>
+            <p:ph idx="1"/>
+          </p:nvPr>
+        </p:nvPicPr>
+        <p:blipFill>
+          <a:blip r:embed="rId2">
+            <a:extLst>
+              <a:ext uri="{28A0092B-C50C-407E-A947-70E740481C1C}">
+                <a14:useLocalDpi xmlns:a14="http://schemas.microsoft.com/office/drawing/2010/main" val="0"/>
+              </a:ext>
+            </a:extLst>
+          </a:blip>
+          <a:stretch>
+            <a:fillRect/>
+          </a:stretch>
+        </p:blipFill>
+        <p:spPr>
+          <a:xfrm>
+            <a:off x="869577" y="888524"/>
+            <a:ext cx="9899092" cy="5013276"/>
+          </a:xfrm>
+        </p:spPr>
+      </p:pic>
+      <p:sp>
+        <p:nvSpPr>
+          <p:cNvPr id="5" name="Прямоугольник 4"/>
+          <p:cNvSpPr/>
+          <p:nvPr/>
+        </p:nvSpPr>
+        <p:spPr>
+          <a:xfrm>
+            <a:off x="2859615" y="6086145"/>
+            <a:ext cx="6905865" cy="338554"/>
+          </a:xfrm>
+          <a:prstGeom prst="rect">
+            <a:avLst/>
+          </a:prstGeom>
+        </p:spPr>
+        <p:txBody>
+          <a:bodyPr wrap="none">
+            <a:spAutoFit/>
+          </a:bodyPr>
+          <a:lstStyle/>
+          <a:p>
+            <a:pPr lvl="0" eaLnBrk="0" fontAlgn="base" hangingPunct="0">
+              <a:spcBef>
+                <a:spcPct val="0"/>
+              </a:spcBef>
+              <a:spcAft>
+                <a:spcPct val="0"/>
+              </a:spcAft>
+            </a:pPr>
+            <a:r>
+              <a:rPr lang="ru-RU" altLang="ru-RU" sz="1600" i="1" dirty="0">
+                <a:latin typeface="Times New Roman" panose="02020603050405020304" pitchFamily="18" charset="0"/>
+                <a:cs typeface="Times New Roman" panose="02020603050405020304" pitchFamily="18" charset="0"/>
+              </a:rPr>
+              <a:t>Рис. </a:t>
+            </a:r>
+            <a:r>
+              <a:rPr lang="ru-RU" altLang="ru-RU" sz="1600" i="1" dirty="0" smtClean="0">
+                <a:latin typeface="Times New Roman" panose="02020603050405020304" pitchFamily="18" charset="0"/>
+                <a:cs typeface="Times New Roman" panose="02020603050405020304" pitchFamily="18" charset="0"/>
+              </a:rPr>
+              <a:t>5. Схема сети</a:t>
+            </a:r>
+            <a:r>
+              <a:rPr lang="en-US" altLang="ru-RU" sz="1600" i="1" dirty="0" smtClean="0">
+                <a:latin typeface="Times New Roman" panose="02020603050405020304" pitchFamily="18" charset="0"/>
+                <a:cs typeface="Times New Roman" panose="02020603050405020304" pitchFamily="18" charset="0"/>
+              </a:rPr>
+              <a:t> </a:t>
+            </a:r>
+            <a:r>
+              <a:rPr lang="ru-RU" altLang="ru-RU" sz="1600" i="1" dirty="0" smtClean="0">
+                <a:latin typeface="Times New Roman" panose="02020603050405020304" pitchFamily="18" charset="0"/>
+                <a:cs typeface="Times New Roman" panose="02020603050405020304" pitchFamily="18" charset="0"/>
+              </a:rPr>
+              <a:t>на основе «</a:t>
+            </a:r>
+            <a:r>
+              <a:rPr lang="ru-RU" altLang="ru-RU" sz="1600" i="1" dirty="0" err="1" smtClean="0">
+                <a:latin typeface="Times New Roman" panose="02020603050405020304" pitchFamily="18" charset="0"/>
+                <a:cs typeface="Times New Roman" panose="02020603050405020304" pitchFamily="18" charset="0"/>
+              </a:rPr>
+              <a:t>Трансформера</a:t>
+            </a:r>
+            <a:r>
+              <a:rPr lang="ru-RU" altLang="ru-RU" sz="1600" i="1" dirty="0" smtClean="0">
+                <a:latin typeface="Times New Roman" panose="02020603050405020304" pitchFamily="18" charset="0"/>
+                <a:cs typeface="Times New Roman" panose="02020603050405020304" pitchFamily="18" charset="0"/>
+              </a:rPr>
+              <a:t>», </a:t>
+            </a:r>
+            <a:r>
+              <a:rPr lang="ru-RU" altLang="ru-RU" sz="1600" i="1" dirty="0">
+                <a:latin typeface="Times New Roman" panose="02020603050405020304" pitchFamily="18" charset="0"/>
+                <a:cs typeface="Times New Roman" panose="02020603050405020304" pitchFamily="18" charset="0"/>
+              </a:rPr>
+              <a:t>использованной в обучении.</a:t>
+            </a:r>
+            <a:endParaRPr lang="ru-RU" altLang="ru-RU" sz="1600" i="1" dirty="0">
+              <a:latin typeface="Times New Roman" panose="02020603050405020304" pitchFamily="18" charset="0"/>
+              <a:cs typeface="Times New Roman" panose="02020603050405020304" pitchFamily="18" charset="0"/>
+            </a:endParaRPr>
+          </a:p>
+        </p:txBody>
+      </p:sp>
+    </p:spTree>
+    <p:extLst>
+      <p:ext uri="{BB962C8B-B14F-4D97-AF65-F5344CB8AC3E}">
+        <p14:creationId xmlns:p14="http://schemas.microsoft.com/office/powerpoint/2010/main" val="3457719598"/>
+      </p:ext>
+    </p:extLst>
+  </p:cSld>
+  <p:clrMapOvr>
+    <a:masterClrMapping/>
+  </p:clrMapOvr>
+</p:sld>
+</file>
+
+<file path=ppt/slides/slide9.xml><?xml version="1.0" encoding="utf-8"?>
 <p:sld xmlns:a="http://schemas.openxmlformats.org/drawingml/2006/main" xmlns:r="http://schemas.openxmlformats.org/officeDocument/2006/relationships" xmlns:p="http://schemas.openxmlformats.org/presentationml/2006/main">
   <p:cSld>
     <p:spTree>
@@ -13275,7 +15305,7 @@
         <p:spPr>
           <a:xfrm>
             <a:off x="7149737" y="3557552"/>
-            <a:ext cx="4110446" cy="967573"/>
+            <a:ext cx="4110446" cy="985334"/>
           </a:xfrm>
           <a:prstGeom prst="rect">
             <a:avLst/>
@@ -13307,12 +15337,12 @@
               <a:t>Рис. </a:t>
             </a:r>
             <a:r>
-              <a:rPr lang="en-US" sz="1600" i="1" dirty="0">
+              <a:rPr lang="ru-RU" sz="1600" i="1" dirty="0">
                 <a:latin typeface="Times New Roman" panose="02020603050405020304" pitchFamily="18" charset="0"/>
                 <a:ea typeface="Times New Roman" panose="02020603050405020304" pitchFamily="18" charset="0"/>
                 <a:cs typeface="Times New Roman" panose="02020603050405020304" pitchFamily="18" charset="0"/>
               </a:rPr>
-              <a:t>5</a:t>
+              <a:t>6</a:t>
             </a:r>
             <a:r>
               <a:rPr lang="ru-RU" sz="1600" i="1" dirty="0" smtClean="0">
@@ -13391,588 +15421,6 @@
       </p:par>
     </p:tnLst>
   </p:timing>
-</p:sld>
-</file>
-
-<file path=ppt/slides/slide8.xml><?xml version="1.0" encoding="utf-8"?>
-<p:sld xmlns:a="http://schemas.openxmlformats.org/drawingml/2006/main" xmlns:r="http://schemas.openxmlformats.org/officeDocument/2006/relationships" xmlns:p="http://schemas.openxmlformats.org/presentationml/2006/main">
-  <p:cSld>
-    <p:spTree>
-      <p:nvGrpSpPr>
-        <p:cNvPr id="1" name=""/>
-        <p:cNvGrpSpPr/>
-        <p:nvPr/>
-      </p:nvGrpSpPr>
-      <p:grpSpPr>
-        <a:xfrm>
-          <a:off x="0" y="0"/>
-          <a:ext cx="0" cy="0"/>
-          <a:chOff x="0" y="0"/>
-          <a:chExt cx="0" cy="0"/>
-        </a:xfrm>
-      </p:grpSpPr>
-      <p:sp>
-        <p:nvSpPr>
-          <p:cNvPr id="4" name="Прямоугольник 3"/>
-          <p:cNvSpPr/>
-          <p:nvPr/>
-        </p:nvSpPr>
-        <p:spPr>
-          <a:xfrm>
-            <a:off x="2415344" y="66675"/>
-            <a:ext cx="7361311" cy="468077"/>
-          </a:xfrm>
-          <a:prstGeom prst="rect">
-            <a:avLst/>
-          </a:prstGeom>
-        </p:spPr>
-        <p:txBody>
-          <a:bodyPr wrap="none">
-            <a:spAutoFit/>
-          </a:bodyPr>
-          <a:lstStyle/>
-          <a:p>
-            <a:pPr algn="ctr">
-              <a:lnSpc>
-                <a:spcPct val="107000"/>
-              </a:lnSpc>
-              <a:spcAft>
-                <a:spcPts val="800"/>
-              </a:spcAft>
-            </a:pPr>
-            <a:r>
-              <a:rPr lang="ru-RU" sz="2400" dirty="0">
-                <a:latin typeface="Times New Roman" panose="02020603050405020304" pitchFamily="18" charset="0"/>
-                <a:ea typeface="Calibri" panose="020F0502020204030204" pitchFamily="34" charset="0"/>
-                <a:cs typeface="Times New Roman" panose="02020603050405020304" pitchFamily="18" charset="0"/>
-              </a:rPr>
-              <a:t>Описание набора данных и подготовки набора данных</a:t>
-            </a:r>
-            <a:endParaRPr lang="ru-RU" sz="1600" dirty="0">
-              <a:effectLst/>
-              <a:latin typeface="Calibri" panose="020F0502020204030204" pitchFamily="34" charset="0"/>
-              <a:ea typeface="Calibri" panose="020F0502020204030204" pitchFamily="34" charset="0"/>
-              <a:cs typeface="Times New Roman" panose="02020603050405020304" pitchFamily="18" charset="0"/>
-            </a:endParaRPr>
-          </a:p>
-        </p:txBody>
-      </p:sp>
-      <p:sp>
-        <p:nvSpPr>
-          <p:cNvPr id="6" name="Прямоугольник 5"/>
-          <p:cNvSpPr/>
-          <p:nvPr/>
-        </p:nvSpPr>
-        <p:spPr>
-          <a:xfrm>
-            <a:off x="180974" y="647936"/>
-            <a:ext cx="11830050" cy="1870512"/>
-          </a:xfrm>
-          <a:prstGeom prst="rect">
-            <a:avLst/>
-          </a:prstGeom>
-        </p:spPr>
-        <p:txBody>
-          <a:bodyPr wrap="square">
-            <a:spAutoFit/>
-          </a:bodyPr>
-          <a:lstStyle/>
-          <a:p>
-            <a:pPr>
-              <a:lnSpc>
-                <a:spcPct val="108000"/>
-              </a:lnSpc>
-              <a:spcAft>
-                <a:spcPts val="0"/>
-              </a:spcAft>
-            </a:pPr>
-            <a:r>
-              <a:rPr lang="ru-RU" dirty="0">
-                <a:latin typeface="Times New Roman" panose="02020603050405020304" pitchFamily="18" charset="0"/>
-                <a:ea typeface="Calibri" panose="020F0502020204030204" pitchFamily="34" charset="0"/>
-                <a:cs typeface="Times New Roman" panose="02020603050405020304" pitchFamily="18" charset="0"/>
-              </a:rPr>
-              <a:t>В качестве набора данных используются изображения с формулами, взятых с гарвардского </a:t>
-            </a:r>
-            <a:r>
-              <a:rPr lang="ru-RU" dirty="0" smtClean="0">
-                <a:latin typeface="Times New Roman" panose="02020603050405020304" pitchFamily="18" charset="0"/>
-                <a:ea typeface="Calibri" panose="020F0502020204030204" pitchFamily="34" charset="0"/>
-                <a:cs typeface="Times New Roman" panose="02020603050405020304" pitchFamily="18" charset="0"/>
-              </a:rPr>
-              <a:t>проекта. </a:t>
-            </a:r>
-            <a:r>
-              <a:rPr lang="ru-RU" dirty="0">
-                <a:latin typeface="Times New Roman" panose="02020603050405020304" pitchFamily="18" charset="0"/>
-                <a:ea typeface="Calibri" panose="020F0502020204030204" pitchFamily="34" charset="0"/>
-                <a:cs typeface="Times New Roman" panose="02020603050405020304" pitchFamily="18" charset="0"/>
-              </a:rPr>
-              <a:t>Набор состоит из двух пакетов "</a:t>
-            </a:r>
-            <a:r>
-              <a:rPr lang="ru-RU" dirty="0" err="1">
-                <a:latin typeface="Times New Roman" panose="02020603050405020304" pitchFamily="18" charset="0"/>
-                <a:ea typeface="Calibri" panose="020F0502020204030204" pitchFamily="34" charset="0"/>
-                <a:cs typeface="Times New Roman" panose="02020603050405020304" pitchFamily="18" charset="0"/>
-              </a:rPr>
-              <a:t>generateset</a:t>
-            </a:r>
-            <a:r>
-              <a:rPr lang="ru-RU" dirty="0">
-                <a:latin typeface="Times New Roman" panose="02020603050405020304" pitchFamily="18" charset="0"/>
-                <a:ea typeface="Calibri" panose="020F0502020204030204" pitchFamily="34" charset="0"/>
-                <a:cs typeface="Times New Roman" panose="02020603050405020304" pitchFamily="18" charset="0"/>
-              </a:rPr>
-              <a:t>" и "</a:t>
-            </a:r>
-            <a:r>
-              <a:rPr lang="ru-RU" dirty="0" err="1">
-                <a:latin typeface="Times New Roman" panose="02020603050405020304" pitchFamily="18" charset="0"/>
-                <a:ea typeface="Calibri" panose="020F0502020204030204" pitchFamily="34" charset="0"/>
-                <a:cs typeface="Times New Roman" panose="02020603050405020304" pitchFamily="18" charset="0"/>
-              </a:rPr>
-              <a:t>hugedataset</a:t>
-            </a:r>
-            <a:r>
-              <a:rPr lang="ru-RU" dirty="0">
-                <a:latin typeface="Times New Roman" panose="02020603050405020304" pitchFamily="18" charset="0"/>
-                <a:ea typeface="Calibri" panose="020F0502020204030204" pitchFamily="34" charset="0"/>
-                <a:cs typeface="Times New Roman" panose="02020603050405020304" pitchFamily="18" charset="0"/>
-              </a:rPr>
-              <a:t>". Первый представляет собой изображения с формулами в количестве 1700 штук, второй 104000 изображений. "</a:t>
-            </a:r>
-            <a:r>
-              <a:rPr lang="ru-RU" dirty="0" err="1">
-                <a:latin typeface="Times New Roman" panose="02020603050405020304" pitchFamily="18" charset="0"/>
-                <a:ea typeface="Calibri" panose="020F0502020204030204" pitchFamily="34" charset="0"/>
-                <a:cs typeface="Times New Roman" panose="02020603050405020304" pitchFamily="18" charset="0"/>
-              </a:rPr>
-              <a:t>generatedset</a:t>
-            </a:r>
-            <a:r>
-              <a:rPr lang="ru-RU" dirty="0">
-                <a:latin typeface="Times New Roman" panose="02020603050405020304" pitchFamily="18" charset="0"/>
-                <a:ea typeface="Calibri" panose="020F0502020204030204" pitchFamily="34" charset="0"/>
-                <a:cs typeface="Times New Roman" panose="02020603050405020304" pitchFamily="18" charset="0"/>
-              </a:rPr>
-              <a:t>" будет использоваться только для первой итерации(задания) каждой нейронной сети, для последующих итераций будет использован "</a:t>
-            </a:r>
-            <a:r>
-              <a:rPr lang="ru-RU" dirty="0" err="1">
-                <a:latin typeface="Times New Roman" panose="02020603050405020304" pitchFamily="18" charset="0"/>
-                <a:ea typeface="Calibri" panose="020F0502020204030204" pitchFamily="34" charset="0"/>
-                <a:cs typeface="Times New Roman" panose="02020603050405020304" pitchFamily="18" charset="0"/>
-              </a:rPr>
-              <a:t>hugedataset</a:t>
-            </a:r>
-            <a:r>
-              <a:rPr lang="ru-RU" dirty="0">
-                <a:latin typeface="Times New Roman" panose="02020603050405020304" pitchFamily="18" charset="0"/>
-                <a:ea typeface="Calibri" panose="020F0502020204030204" pitchFamily="34" charset="0"/>
-                <a:cs typeface="Times New Roman" panose="02020603050405020304" pitchFamily="18" charset="0"/>
-              </a:rPr>
-              <a:t>". Процесс обучения состоит из 11 </a:t>
-            </a:r>
-            <a:r>
-              <a:rPr lang="ru-RU" dirty="0" smtClean="0">
-                <a:latin typeface="Times New Roman" panose="02020603050405020304" pitchFamily="18" charset="0"/>
-                <a:ea typeface="Calibri" panose="020F0502020204030204" pitchFamily="34" charset="0"/>
-                <a:cs typeface="Times New Roman" panose="02020603050405020304" pitchFamily="18" charset="0"/>
-              </a:rPr>
-              <a:t>итераций(заданий). </a:t>
-            </a:r>
-            <a:r>
-              <a:rPr lang="ru-RU" dirty="0">
-                <a:latin typeface="Times New Roman" panose="02020603050405020304" pitchFamily="18" charset="0"/>
-                <a:ea typeface="Calibri" panose="020F0502020204030204" pitchFamily="34" charset="0"/>
-                <a:cs typeface="Times New Roman" panose="02020603050405020304" pitchFamily="18" charset="0"/>
-              </a:rPr>
-              <a:t>Для каждой из них устанавливаются свои критерии обучения. Изначально мы имеем изображения формул на листе </a:t>
-            </a:r>
-            <a:r>
-              <a:rPr lang="ru-RU" dirty="0" smtClean="0">
-                <a:latin typeface="Times New Roman" panose="02020603050405020304" pitchFamily="18" charset="0"/>
-                <a:ea typeface="Calibri" panose="020F0502020204030204" pitchFamily="34" charset="0"/>
-                <a:cs typeface="Times New Roman" panose="02020603050405020304" pitchFamily="18" charset="0"/>
-              </a:rPr>
-              <a:t>A4</a:t>
-            </a:r>
-            <a:r>
-              <a:rPr lang="en-US" dirty="0" smtClean="0">
-                <a:latin typeface="Times New Roman" panose="02020603050405020304" pitchFamily="18" charset="0"/>
-                <a:ea typeface="Calibri" panose="020F0502020204030204" pitchFamily="34" charset="0"/>
-                <a:cs typeface="Times New Roman" panose="02020603050405020304" pitchFamily="18" charset="0"/>
-              </a:rPr>
-              <a:t> (</a:t>
-            </a:r>
-            <a:r>
-              <a:rPr lang="ru-RU" dirty="0" smtClean="0">
-                <a:latin typeface="Times New Roman" panose="02020603050405020304" pitchFamily="18" charset="0"/>
-                <a:ea typeface="Calibri" panose="020F0502020204030204" pitchFamily="34" charset="0"/>
-                <a:cs typeface="Times New Roman" panose="02020603050405020304" pitchFamily="18" charset="0"/>
-              </a:rPr>
-              <a:t>Рис. 6.</a:t>
-            </a:r>
-            <a:r>
-              <a:rPr lang="en-US" dirty="0" smtClean="0">
-                <a:latin typeface="Times New Roman" panose="02020603050405020304" pitchFamily="18" charset="0"/>
-                <a:ea typeface="Calibri" panose="020F0502020204030204" pitchFamily="34" charset="0"/>
-                <a:cs typeface="Times New Roman" panose="02020603050405020304" pitchFamily="18" charset="0"/>
-              </a:rPr>
-              <a:t>)</a:t>
-            </a:r>
-            <a:r>
-              <a:rPr lang="ru-RU" dirty="0" smtClean="0">
-                <a:latin typeface="Times New Roman" panose="02020603050405020304" pitchFamily="18" charset="0"/>
-                <a:ea typeface="Calibri" panose="020F0502020204030204" pitchFamily="34" charset="0"/>
-                <a:cs typeface="Times New Roman" panose="02020603050405020304" pitchFamily="18" charset="0"/>
-              </a:rPr>
-              <a:t>.</a:t>
-            </a:r>
-            <a:endParaRPr lang="ru-RU" sz="1600" dirty="0">
-              <a:effectLst/>
-              <a:latin typeface="Calibri" panose="020F0502020204030204" pitchFamily="34" charset="0"/>
-              <a:ea typeface="Calibri" panose="020F0502020204030204" pitchFamily="34" charset="0"/>
-              <a:cs typeface="Times New Roman" panose="02020603050405020304" pitchFamily="18" charset="0"/>
-            </a:endParaRPr>
-          </a:p>
-        </p:txBody>
-      </p:sp>
-      <p:pic>
-        <p:nvPicPr>
-          <p:cNvPr id="7" name="Рисунок 6"/>
-          <p:cNvPicPr>
-            <a:picLocks noChangeAspect="1"/>
-          </p:cNvPicPr>
-          <p:nvPr/>
-        </p:nvPicPr>
-        <p:blipFill>
-          <a:blip r:embed="rId2"/>
-          <a:stretch>
-            <a:fillRect/>
-          </a:stretch>
-        </p:blipFill>
-        <p:spPr>
-          <a:xfrm>
-            <a:off x="1390650" y="2518448"/>
-            <a:ext cx="3176587" cy="4040848"/>
-          </a:xfrm>
-          <a:prstGeom prst="rect">
-            <a:avLst/>
-          </a:prstGeom>
-        </p:spPr>
-      </p:pic>
-      <p:pic>
-        <p:nvPicPr>
-          <p:cNvPr id="8" name="Рисунок 7"/>
-          <p:cNvPicPr>
-            <a:picLocks noChangeAspect="1"/>
-          </p:cNvPicPr>
-          <p:nvPr/>
-        </p:nvPicPr>
-        <p:blipFill>
-          <a:blip r:embed="rId3"/>
-          <a:stretch>
-            <a:fillRect/>
-          </a:stretch>
-        </p:blipFill>
-        <p:spPr>
-          <a:xfrm>
-            <a:off x="5186437" y="2523211"/>
-            <a:ext cx="2919338" cy="4036086"/>
-          </a:xfrm>
-          <a:prstGeom prst="rect">
-            <a:avLst/>
-          </a:prstGeom>
-        </p:spPr>
-      </p:pic>
-      <p:sp>
-        <p:nvSpPr>
-          <p:cNvPr id="9" name="Прямоугольник 8"/>
-          <p:cNvSpPr/>
-          <p:nvPr/>
-        </p:nvSpPr>
-        <p:spPr>
-          <a:xfrm>
-            <a:off x="8724975" y="4123373"/>
-            <a:ext cx="3067050" cy="830997"/>
-          </a:xfrm>
-          <a:prstGeom prst="rect">
-            <a:avLst/>
-          </a:prstGeom>
-        </p:spPr>
-        <p:txBody>
-          <a:bodyPr wrap="square">
-            <a:spAutoFit/>
-          </a:bodyPr>
-          <a:lstStyle/>
-          <a:p>
-            <a:r>
-              <a:rPr lang="ru-RU" sz="1600" i="1" dirty="0">
-                <a:latin typeface="Times New Roman" panose="02020603050405020304" pitchFamily="18" charset="0"/>
-                <a:cs typeface="Times New Roman" panose="02020603050405020304" pitchFamily="18" charset="0"/>
-              </a:rPr>
-              <a:t>Рис. </a:t>
-            </a:r>
-            <a:r>
-              <a:rPr lang="en-US" sz="1600" i="1" dirty="0">
-                <a:latin typeface="Times New Roman" panose="02020603050405020304" pitchFamily="18" charset="0"/>
-                <a:cs typeface="Times New Roman" panose="02020603050405020304" pitchFamily="18" charset="0"/>
-              </a:rPr>
-              <a:t>6</a:t>
-            </a:r>
-            <a:r>
-              <a:rPr lang="ru-RU" sz="1600" i="1" dirty="0" smtClean="0">
-                <a:latin typeface="Times New Roman" panose="02020603050405020304" pitchFamily="18" charset="0"/>
-                <a:cs typeface="Times New Roman" panose="02020603050405020304" pitchFamily="18" charset="0"/>
-              </a:rPr>
-              <a:t>. </a:t>
-            </a:r>
-            <a:r>
-              <a:rPr lang="ru-RU" sz="1600" i="1" dirty="0">
-                <a:latin typeface="Times New Roman" panose="02020603050405020304" pitchFamily="18" charset="0"/>
-                <a:cs typeface="Times New Roman" panose="02020603050405020304" pitchFamily="18" charset="0"/>
-              </a:rPr>
-              <a:t>Первоначальный вид необработанного изображения с формулой.</a:t>
-            </a:r>
-          </a:p>
-        </p:txBody>
-      </p:sp>
-    </p:spTree>
-    <p:extLst>
-      <p:ext uri="{BB962C8B-B14F-4D97-AF65-F5344CB8AC3E}">
-        <p14:creationId xmlns:p14="http://schemas.microsoft.com/office/powerpoint/2010/main" val="3296802962"/>
-      </p:ext>
-    </p:extLst>
-  </p:cSld>
-  <p:clrMapOvr>
-    <a:masterClrMapping/>
-  </p:clrMapOvr>
-</p:sld>
-</file>
-
-<file path=ppt/slides/slide9.xml><?xml version="1.0" encoding="utf-8"?>
-<p:sld xmlns:a="http://schemas.openxmlformats.org/drawingml/2006/main" xmlns:r="http://schemas.openxmlformats.org/officeDocument/2006/relationships" xmlns:p="http://schemas.openxmlformats.org/presentationml/2006/main">
-  <p:cSld>
-    <p:spTree>
-      <p:nvGrpSpPr>
-        <p:cNvPr id="1" name=""/>
-        <p:cNvGrpSpPr/>
-        <p:nvPr/>
-      </p:nvGrpSpPr>
-      <p:grpSpPr>
-        <a:xfrm>
-          <a:off x="0" y="0"/>
-          <a:ext cx="0" cy="0"/>
-          <a:chOff x="0" y="0"/>
-          <a:chExt cx="0" cy="0"/>
-        </a:xfrm>
-      </p:grpSpPr>
-      <p:sp>
-        <p:nvSpPr>
-          <p:cNvPr id="4" name="Прямоугольник 3"/>
-          <p:cNvSpPr/>
-          <p:nvPr/>
-        </p:nvSpPr>
-        <p:spPr>
-          <a:xfrm>
-            <a:off x="352425" y="163249"/>
-            <a:ext cx="11582400" cy="1574149"/>
-          </a:xfrm>
-          <a:prstGeom prst="rect">
-            <a:avLst/>
-          </a:prstGeom>
-        </p:spPr>
-        <p:txBody>
-          <a:bodyPr wrap="square">
-            <a:spAutoFit/>
-          </a:bodyPr>
-          <a:lstStyle/>
-          <a:p>
-            <a:pPr>
-              <a:lnSpc>
-                <a:spcPct val="108000"/>
-              </a:lnSpc>
-              <a:spcAft>
-                <a:spcPts val="0"/>
-              </a:spcAft>
-            </a:pPr>
-            <a:r>
-              <a:rPr lang="ru-RU" dirty="0">
-                <a:latin typeface="Times New Roman" panose="02020603050405020304" pitchFamily="18" charset="0"/>
-                <a:ea typeface="F30"/>
-                <a:cs typeface="Times New Roman" panose="02020603050405020304" pitchFamily="18" charset="0"/>
-              </a:rPr>
-              <a:t>Для оптимизации работы нейронной сети, предварительно, эти изображения обрезаются (Рис. 7.).</a:t>
-            </a:r>
-            <a:endParaRPr lang="ru-RU" dirty="0">
-              <a:latin typeface="Times New Roman" panose="02020603050405020304" pitchFamily="18" charset="0"/>
-              <a:ea typeface="Calibri" panose="020F0502020204030204" pitchFamily="34" charset="0"/>
-              <a:cs typeface="Times New Roman" panose="02020603050405020304" pitchFamily="18" charset="0"/>
-            </a:endParaRPr>
-          </a:p>
-          <a:p>
-            <a:pPr>
-              <a:lnSpc>
-                <a:spcPct val="108000"/>
-              </a:lnSpc>
-              <a:spcAft>
-                <a:spcPts val="0"/>
-              </a:spcAft>
-            </a:pPr>
-            <a:r>
-              <a:rPr lang="ru-RU" dirty="0">
-                <a:latin typeface="Times New Roman" panose="02020603050405020304" pitchFamily="18" charset="0"/>
-                <a:ea typeface="Calibri" panose="020F0502020204030204" pitchFamily="34" charset="0"/>
-                <a:cs typeface="Times New Roman" panose="02020603050405020304" pitchFamily="18" charset="0"/>
-              </a:rPr>
-              <a:t>После чего, формулы нормализуются. Создаётся отдельный файл, где каждая из формул прописана в печатном виде и имеет свой номер, расставляются все пробелы, прописываются названия греческих букв, вместо их обозначения. Для наибольшего успеха обучения, из пакета данных </a:t>
-            </a:r>
-            <a:r>
-              <a:rPr lang="ru-RU" dirty="0" smtClean="0">
-                <a:latin typeface="Times New Roman" panose="02020603050405020304" pitchFamily="18" charset="0"/>
-                <a:ea typeface="Calibri" panose="020F0502020204030204" pitchFamily="34" charset="0"/>
-                <a:cs typeface="Times New Roman" panose="02020603050405020304" pitchFamily="18" charset="0"/>
-              </a:rPr>
-              <a:t>исключаются те</a:t>
-            </a:r>
-            <a:r>
-              <a:rPr lang="en-US" dirty="0" smtClean="0">
-                <a:latin typeface="Times New Roman" panose="02020603050405020304" pitchFamily="18" charset="0"/>
-                <a:ea typeface="Calibri" panose="020F0502020204030204" pitchFamily="34" charset="0"/>
-                <a:cs typeface="Times New Roman" panose="02020603050405020304" pitchFamily="18" charset="0"/>
-              </a:rPr>
-              <a:t> </a:t>
-            </a:r>
-            <a:r>
-              <a:rPr lang="ru-RU" dirty="0" smtClean="0">
-                <a:latin typeface="Times New Roman" panose="02020603050405020304" pitchFamily="18" charset="0"/>
-                <a:ea typeface="Calibri" panose="020F0502020204030204" pitchFamily="34" charset="0"/>
-                <a:cs typeface="Times New Roman" panose="02020603050405020304" pitchFamily="18" charset="0"/>
-              </a:rPr>
-              <a:t>формулы, </a:t>
-            </a:r>
-            <a:r>
-              <a:rPr lang="ru-RU" dirty="0">
-                <a:latin typeface="Times New Roman" panose="02020603050405020304" pitchFamily="18" charset="0"/>
-                <a:ea typeface="Calibri" panose="020F0502020204030204" pitchFamily="34" charset="0"/>
-                <a:cs typeface="Times New Roman" panose="02020603050405020304" pitchFamily="18" charset="0"/>
-              </a:rPr>
-              <a:t>что имеют большое количество грамматических ошибок.</a:t>
-            </a:r>
-            <a:endParaRPr lang="ru-RU" dirty="0">
-              <a:effectLst/>
-              <a:latin typeface="Times New Roman" panose="02020603050405020304" pitchFamily="18" charset="0"/>
-              <a:ea typeface="Calibri" panose="020F0502020204030204" pitchFamily="34" charset="0"/>
-              <a:cs typeface="Times New Roman" panose="02020603050405020304" pitchFamily="18" charset="0"/>
-            </a:endParaRPr>
-          </a:p>
-        </p:txBody>
-      </p:sp>
-      <p:pic>
-        <p:nvPicPr>
-          <p:cNvPr id="5" name="Рисунок 4"/>
-          <p:cNvPicPr>
-            <a:picLocks noChangeAspect="1"/>
-          </p:cNvPicPr>
-          <p:nvPr/>
-        </p:nvPicPr>
-        <p:blipFill>
-          <a:blip r:embed="rId2"/>
-          <a:stretch>
-            <a:fillRect/>
-          </a:stretch>
-        </p:blipFill>
-        <p:spPr>
-          <a:xfrm>
-            <a:off x="1343025" y="1737398"/>
-            <a:ext cx="3714750" cy="4698088"/>
-          </a:xfrm>
-          <a:prstGeom prst="rect">
-            <a:avLst/>
-          </a:prstGeom>
-        </p:spPr>
-      </p:pic>
-      <p:pic>
-        <p:nvPicPr>
-          <p:cNvPr id="6" name="Рисунок 5"/>
-          <p:cNvPicPr>
-            <a:picLocks noChangeAspect="1"/>
-          </p:cNvPicPr>
-          <p:nvPr/>
-        </p:nvPicPr>
-        <p:blipFill>
-          <a:blip r:embed="rId3"/>
-          <a:stretch>
-            <a:fillRect/>
-          </a:stretch>
-        </p:blipFill>
-        <p:spPr>
-          <a:xfrm>
-            <a:off x="5749727" y="3838575"/>
-            <a:ext cx="2845196" cy="2596911"/>
-          </a:xfrm>
-          <a:prstGeom prst="rect">
-            <a:avLst/>
-          </a:prstGeom>
-        </p:spPr>
-      </p:pic>
-      <p:sp>
-        <p:nvSpPr>
-          <p:cNvPr id="7" name="Прямоугольник 6"/>
-          <p:cNvSpPr/>
-          <p:nvPr/>
-        </p:nvSpPr>
-        <p:spPr>
-          <a:xfrm>
-            <a:off x="9286875" y="3670943"/>
-            <a:ext cx="1790700" cy="830997"/>
-          </a:xfrm>
-          <a:prstGeom prst="rect">
-            <a:avLst/>
-          </a:prstGeom>
-        </p:spPr>
-        <p:txBody>
-          <a:bodyPr wrap="square">
-            <a:spAutoFit/>
-          </a:bodyPr>
-          <a:lstStyle/>
-          <a:p>
-            <a:r>
-              <a:rPr lang="ru-RU" sz="1600" i="1" dirty="0">
-                <a:latin typeface="Times New Roman" panose="02020603050405020304" pitchFamily="18" charset="0"/>
-                <a:cs typeface="Times New Roman" panose="02020603050405020304" pitchFamily="18" charset="0"/>
-              </a:rPr>
-              <a:t>Рис. 7</a:t>
-            </a:r>
-            <a:r>
-              <a:rPr lang="ru-RU" sz="1600" i="1" dirty="0" smtClean="0">
-                <a:latin typeface="Times New Roman" panose="02020603050405020304" pitchFamily="18" charset="0"/>
-                <a:cs typeface="Times New Roman" panose="02020603050405020304" pitchFamily="18" charset="0"/>
-              </a:rPr>
-              <a:t>. </a:t>
-            </a:r>
-            <a:r>
-              <a:rPr lang="ru-RU" sz="1600" i="1" dirty="0">
-                <a:latin typeface="Times New Roman" panose="02020603050405020304" pitchFamily="18" charset="0"/>
-                <a:cs typeface="Times New Roman" panose="02020603050405020304" pitchFamily="18" charset="0"/>
-              </a:rPr>
-              <a:t>Вид обрезанного изображения</a:t>
-            </a:r>
-          </a:p>
-        </p:txBody>
-      </p:sp>
-    </p:spTree>
-    <p:extLst>
-      <p:ext uri="{BB962C8B-B14F-4D97-AF65-F5344CB8AC3E}">
-        <p14:creationId xmlns:p14="http://schemas.microsoft.com/office/powerpoint/2010/main" val="2400597119"/>
-      </p:ext>
-    </p:extLst>
-  </p:cSld>
-  <p:clrMapOvr>
-    <a:masterClrMapping/>
-  </p:clrMapOvr>
 </p:sld>
 </file>
 
